--- a/week2/week2.pptx
+++ b/week2/week2.pptx
@@ -7,23 +7,22 @@
   <p:sldIdLst>
     <p:sldId id="256" r:id="rId2"/>
     <p:sldId id="259" r:id="rId3"/>
-    <p:sldId id="257" r:id="rId4"/>
-    <p:sldId id="258" r:id="rId5"/>
-    <p:sldId id="260" r:id="rId6"/>
-    <p:sldId id="261" r:id="rId7"/>
-    <p:sldId id="262" r:id="rId8"/>
-    <p:sldId id="263" r:id="rId9"/>
-    <p:sldId id="264" r:id="rId10"/>
-    <p:sldId id="265" r:id="rId11"/>
-    <p:sldId id="266" r:id="rId12"/>
-    <p:sldId id="267" r:id="rId13"/>
+    <p:sldId id="260" r:id="rId4"/>
+    <p:sldId id="264" r:id="rId5"/>
+    <p:sldId id="261" r:id="rId6"/>
+    <p:sldId id="262" r:id="rId7"/>
+    <p:sldId id="263" r:id="rId8"/>
+    <p:sldId id="265" r:id="rId9"/>
+    <p:sldId id="266" r:id="rId10"/>
+    <p:sldId id="267" r:id="rId11"/>
+    <p:sldId id="268" r:id="rId12"/>
+    <p:sldId id="269" r:id="rId13"/>
     <p:sldId id="270" r:id="rId14"/>
-    <p:sldId id="268" r:id="rId15"/>
-    <p:sldId id="269" r:id="rId16"/>
-    <p:sldId id="271" r:id="rId17"/>
-    <p:sldId id="272" r:id="rId18"/>
-    <p:sldId id="273" r:id="rId19"/>
-    <p:sldId id="274" r:id="rId20"/>
+    <p:sldId id="271" r:id="rId15"/>
+    <p:sldId id="272" r:id="rId16"/>
+    <p:sldId id="275" r:id="rId17"/>
+    <p:sldId id="273" r:id="rId18"/>
+    <p:sldId id="274" r:id="rId19"/>
   </p:sldIdLst>
   <p:sldSz cx="12192000" cy="6858000"/>
   <p:notesSz cx="6858000" cy="9144000"/>
@@ -122,6 +121,11 @@
       </a:defRPr>
     </a:lvl9pPr>
   </p:defaultTextStyle>
+  <p:extLst>
+    <p:ext uri="{EFAFB233-063F-42B5-8137-9DF3F51BA10A}">
+      <p15:sldGuideLst xmlns:p15="http://schemas.microsoft.com/office/powerpoint/2012/main"/>
+    </p:ext>
+  </p:extLst>
 </p:presentation>
 </file>
 
@@ -311,7 +315,7 @@
           <a:p>
             <a:fld id="{4AAD347D-5ACD-4C99-B74B-A9C85AD731AF}" type="datetimeFigureOut">
               <a:rPr lang="en-US" dirty="0"/>
-              <a:t>2/27/2018</a:t>
+              <a:t>3/1/2018</a:t>
             </a:fld>
             <a:endParaRPr lang="en-US" dirty="0"/>
           </a:p>
@@ -581,7 +585,7 @@
           <a:p>
             <a:fld id="{4509A250-FF31-4206-8172-F9D3106AACB1}" type="datetimeFigureOut">
               <a:rPr lang="en-US" dirty="0"/>
-              <a:t>2/27/2018</a:t>
+              <a:t>3/1/2018</a:t>
             </a:fld>
             <a:endParaRPr lang="en-US" dirty="0"/>
           </a:p>
@@ -770,7 +774,7 @@
           <a:p>
             <a:fld id="{4509A250-FF31-4206-8172-F9D3106AACB1}" type="datetimeFigureOut">
               <a:rPr lang="en-US" dirty="0"/>
-              <a:t>2/27/2018</a:t>
+              <a:t>3/1/2018</a:t>
             </a:fld>
             <a:endParaRPr lang="en-US" dirty="0"/>
           </a:p>
@@ -1038,7 +1042,7 @@
           <a:p>
             <a:fld id="{4509A250-FF31-4206-8172-F9D3106AACB1}" type="datetimeFigureOut">
               <a:rPr lang="en-US" dirty="0"/>
-              <a:t>2/27/2018</a:t>
+              <a:t>3/1/2018</a:t>
             </a:fld>
             <a:endParaRPr lang="en-US" dirty="0"/>
           </a:p>
@@ -1374,7 +1378,7 @@
           <a:p>
             <a:fld id="{4509A250-FF31-4206-8172-F9D3106AACB1}" type="datetimeFigureOut">
               <a:rPr lang="en-US" dirty="0"/>
-              <a:t>2/27/2018</a:t>
+              <a:t>3/1/2018</a:t>
             </a:fld>
             <a:endParaRPr lang="en-US" dirty="0"/>
           </a:p>
@@ -1992,7 +1996,7 @@
           <a:p>
             <a:fld id="{4509A250-FF31-4206-8172-F9D3106AACB1}" type="datetimeFigureOut">
               <a:rPr lang="en-US" dirty="0"/>
-              <a:t>2/27/2018</a:t>
+              <a:t>3/1/2018</a:t>
             </a:fld>
             <a:endParaRPr lang="en-US" dirty="0"/>
           </a:p>
@@ -2847,7 +2851,7 @@
           <a:p>
             <a:fld id="{4509A250-FF31-4206-8172-F9D3106AACB1}" type="datetimeFigureOut">
               <a:rPr lang="en-US" dirty="0"/>
-              <a:t>2/27/2018</a:t>
+              <a:t>3/1/2018</a:t>
             </a:fld>
             <a:endParaRPr lang="en-US" dirty="0"/>
           </a:p>
@@ -3012,7 +3016,7 @@
           <a:p>
             <a:fld id="{4509A250-FF31-4206-8172-F9D3106AACB1}" type="datetimeFigureOut">
               <a:rPr lang="en-US" dirty="0"/>
-              <a:t>2/27/2018</a:t>
+              <a:t>3/1/2018</a:t>
             </a:fld>
             <a:endParaRPr lang="en-US" dirty="0"/>
           </a:p>
@@ -3187,7 +3191,7 @@
           <a:p>
             <a:fld id="{4509A250-FF31-4206-8172-F9D3106AACB1}" type="datetimeFigureOut">
               <a:rPr lang="en-US" dirty="0"/>
-              <a:t>2/27/2018</a:t>
+              <a:t>3/1/2018</a:t>
             </a:fld>
             <a:endParaRPr lang="en-US" dirty="0"/>
           </a:p>
@@ -3352,7 +3356,7 @@
           <a:p>
             <a:fld id="{4509A250-FF31-4206-8172-F9D3106AACB1}" type="datetimeFigureOut">
               <a:rPr lang="en-US" dirty="0"/>
-              <a:t>2/27/2018</a:t>
+              <a:t>3/1/2018</a:t>
             </a:fld>
             <a:endParaRPr lang="en-US" dirty="0"/>
           </a:p>
@@ -3594,7 +3598,7 @@
           <a:p>
             <a:fld id="{9796027F-7875-4030-9381-8BD8C4F21935}" type="datetimeFigureOut">
               <a:rPr lang="en-US" dirty="0"/>
-              <a:t>2/27/2018</a:t>
+              <a:t>3/1/2018</a:t>
             </a:fld>
             <a:endParaRPr lang="en-US" dirty="0"/>
           </a:p>
@@ -3881,7 +3885,7 @@
           <a:p>
             <a:fld id="{9796027F-7875-4030-9381-8BD8C4F21935}" type="datetimeFigureOut">
               <a:rPr lang="en-US" dirty="0"/>
-              <a:t>2/27/2018</a:t>
+              <a:t>3/1/2018</a:t>
             </a:fld>
             <a:endParaRPr lang="en-US" dirty="0"/>
           </a:p>
@@ -4320,7 +4324,7 @@
           <a:p>
             <a:fld id="{9796027F-7875-4030-9381-8BD8C4F21935}" type="datetimeFigureOut">
               <a:rPr lang="en-US" dirty="0"/>
-              <a:t>2/27/2018</a:t>
+              <a:t>3/1/2018</a:t>
             </a:fld>
             <a:endParaRPr lang="en-US" dirty="0"/>
           </a:p>
@@ -4433,7 +4437,7 @@
           <a:p>
             <a:fld id="{4509A250-FF31-4206-8172-F9D3106AACB1}" type="datetimeFigureOut">
               <a:rPr lang="en-US" dirty="0"/>
-              <a:t>2/27/2018</a:t>
+              <a:t>3/1/2018</a:t>
             </a:fld>
             <a:endParaRPr lang="en-US" dirty="0"/>
           </a:p>
@@ -4523,7 +4527,7 @@
           <a:p>
             <a:fld id="{4509A250-FF31-4206-8172-F9D3106AACB1}" type="datetimeFigureOut">
               <a:rPr lang="en-US" dirty="0"/>
-              <a:t>2/27/2018</a:t>
+              <a:t>3/1/2018</a:t>
             </a:fld>
             <a:endParaRPr lang="en-US" dirty="0"/>
           </a:p>
@@ -4797,7 +4801,7 @@
           <a:p>
             <a:fld id="{4509A250-FF31-4206-8172-F9D3106AACB1}" type="datetimeFigureOut">
               <a:rPr lang="en-US" dirty="0"/>
-              <a:t>2/27/2018</a:t>
+              <a:t>3/1/2018</a:t>
             </a:fld>
             <a:endParaRPr lang="en-US" dirty="0"/>
           </a:p>
@@ -5067,7 +5071,7 @@
           <a:p>
             <a:fld id="{4509A250-FF31-4206-8172-F9D3106AACB1}" type="datetimeFigureOut">
               <a:rPr lang="en-US" dirty="0"/>
-              <a:t>2/27/2018</a:t>
+              <a:t>3/1/2018</a:t>
             </a:fld>
             <a:endParaRPr lang="en-US" dirty="0"/>
           </a:p>
@@ -5491,7 +5495,7 @@
           <a:p>
             <a:fld id="{4AAD347D-5ACD-4C99-B74B-A9C85AD731AF}" type="datetimeFigureOut">
               <a:rPr lang="en-US" dirty="0"/>
-              <a:t>2/27/2018</a:t>
+              <a:t>3/1/2018</a:t>
             </a:fld>
             <a:endParaRPr lang="en-US" dirty="0"/>
           </a:p>
@@ -6058,15 +6062,11 @@
           <a:p>
             <a:r>
               <a:rPr lang="en-GB" dirty="0" smtClean="0"/>
-              <a:t>Week 1: Getting setup and running your very first </a:t>
-            </a:r>
-            <a:r>
-              <a:rPr lang="en-GB" dirty="0" err="1" smtClean="0"/>
-              <a:t>programS</a:t>
+              <a:t>Week </a:t>
             </a:r>
             <a:r>
               <a:rPr lang="en-GB" dirty="0" smtClean="0"/>
-              <a:t>.</a:t>
+              <a:t>2: VARIABLES, LOOPS, INPUTS, AND DECISIONS.</a:t>
             </a:r>
             <a:endParaRPr lang="en-GB" dirty="0"/>
           </a:p>
@@ -6082,6 +6082,13 @@
   <p:clrMapOvr>
     <a:masterClrMapping/>
   </p:clrMapOvr>
+  <p:timing>
+    <p:tnLst>
+      <p:par>
+        <p:cTn id="1" dur="indefinite" restart="never" nodeType="tmRoot"/>
+      </p:par>
+    </p:tnLst>
+  </p:timing>
 </p:sld>
 </file>
 
@@ -6119,7 +6126,7 @@
           <a:p>
             <a:r>
               <a:rPr lang="en-GB" dirty="0" smtClean="0"/>
-              <a:t>Well done !</a:t>
+              <a:t>Working With Numbers</a:t>
             </a:r>
             <a:endParaRPr lang="en-GB" dirty="0"/>
           </a:p>
@@ -6142,62 +6149,100 @@
           <a:p>
             <a:r>
               <a:rPr lang="en-GB" dirty="0" smtClean="0"/>
-              <a:t>You wrote and ran your first computer program, congratulations !</a:t>
-            </a:r>
-          </a:p>
-        </p:txBody>
-      </p:sp>
-      <p:pic>
-        <p:nvPicPr>
-          <p:cNvPr id="1026" name="Picture 2" descr="Image result for fireworks images"/>
-          <p:cNvPicPr>
-            <a:picLocks noChangeAspect="1" noChangeArrowheads="1"/>
-          </p:cNvPicPr>
-          <p:nvPr/>
-        </p:nvPicPr>
-        <p:blipFill>
-          <a:blip r:embed="rId2">
-            <a:extLst>
-              <a:ext uri="{28A0092B-C50C-407E-A947-70E740481C1C}">
-                <a14:useLocalDpi xmlns:a14="http://schemas.microsoft.com/office/drawing/2010/main" val="0"/>
-              </a:ext>
-            </a:extLst>
-          </a:blip>
-          <a:srcRect/>
-          <a:stretch>
-            <a:fillRect/>
-          </a:stretch>
-        </p:blipFill>
-        <p:spPr bwMode="auto">
-          <a:xfrm>
-            <a:off x="1966497" y="2763805"/>
-            <a:ext cx="8083356" cy="3618333"/>
-          </a:xfrm>
-          <a:prstGeom prst="rect">
-            <a:avLst/>
-          </a:prstGeom>
-          <a:noFill/>
-          <a:extLst>
-            <a:ext uri="{909E8E84-426E-40DD-AFC4-6F175D3DCCD1}">
-              <a14:hiddenFill xmlns:a14="http://schemas.microsoft.com/office/drawing/2010/main">
-                <a:solidFill>
-                  <a:srgbClr val="FFFFFF"/>
-                </a:solidFill>
-              </a14:hiddenFill>
-            </a:ext>
-          </a:extLst>
-        </p:spPr>
-      </p:pic>
+              <a:t>An integer is term from mathematics for a type of number.</a:t>
+            </a:r>
+          </a:p>
+          <a:p>
+            <a:r>
+              <a:rPr lang="en-GB" dirty="0" smtClean="0"/>
+              <a:t>An integer is a whole number, but can be either positive or negative.</a:t>
+            </a:r>
+          </a:p>
+          <a:p>
+            <a:endParaRPr lang="en-GB" dirty="0"/>
+          </a:p>
+          <a:p>
+            <a:r>
+              <a:rPr lang="en-GB" dirty="0" smtClean="0"/>
+              <a:t>These are integers: 	</a:t>
+            </a:r>
+            <a:r>
+              <a:rPr lang="en-GB" b="1" dirty="0" smtClean="0">
+                <a:solidFill>
+                  <a:srgbClr val="92D050"/>
+                </a:solidFill>
+              </a:rPr>
+              <a:t>-9, -4, 0, 333, 123199414</a:t>
+            </a:r>
+            <a:endParaRPr lang="en-GB" b="1" dirty="0">
+              <a:solidFill>
+                <a:srgbClr val="92D050"/>
+              </a:solidFill>
+            </a:endParaRPr>
+          </a:p>
+          <a:p>
+            <a:r>
+              <a:rPr lang="en-GB" dirty="0" smtClean="0"/>
+              <a:t>These are not: 		</a:t>
+            </a:r>
+            <a:r>
+              <a:rPr lang="en-GB" b="1" dirty="0" smtClean="0">
+                <a:solidFill>
+                  <a:schemeClr val="accent1">
+                    <a:lumMod val="40000"/>
+                    <a:lumOff val="60000"/>
+                  </a:schemeClr>
+                </a:solidFill>
+              </a:rPr>
+              <a:t>-0.5, 3.1415, 55.9</a:t>
+            </a:r>
+          </a:p>
+          <a:p>
+            <a:endParaRPr lang="en-GB" b="1" dirty="0">
+              <a:solidFill>
+                <a:schemeClr val="accent1">
+                  <a:lumMod val="40000"/>
+                  <a:lumOff val="60000"/>
+                </a:schemeClr>
+              </a:solidFill>
+            </a:endParaRPr>
+          </a:p>
+          <a:p>
+            <a:r>
+              <a:rPr lang="en-GB" dirty="0" smtClean="0"/>
+              <a:t>Python can deal with decimal numbers, but we will learn about this in a later week. For now, just integers !</a:t>
+            </a:r>
+            <a:endParaRPr lang="en-GB" dirty="0"/>
+          </a:p>
+          <a:p>
+            <a:endParaRPr lang="en-GB" b="1" dirty="0">
+              <a:solidFill>
+                <a:schemeClr val="accent1">
+                  <a:lumMod val="40000"/>
+                  <a:lumOff val="60000"/>
+                </a:schemeClr>
+              </a:solidFill>
+            </a:endParaRPr>
+          </a:p>
+        </p:txBody>
+      </p:sp>
     </p:spTree>
     <p:extLst>
       <p:ext uri="{BB962C8B-B14F-4D97-AF65-F5344CB8AC3E}">
-        <p14:creationId xmlns:p14="http://schemas.microsoft.com/office/powerpoint/2010/main" val="1480934300"/>
+        <p14:creationId xmlns:p14="http://schemas.microsoft.com/office/powerpoint/2010/main" val="2914851393"/>
       </p:ext>
     </p:extLst>
   </p:cSld>
   <p:clrMapOvr>
     <a:masterClrMapping/>
   </p:clrMapOvr>
+  <p:timing>
+    <p:tnLst>
+      <p:par>
+        <p:cTn id="1" dur="indefinite" restart="never" nodeType="tmRoot"/>
+      </p:par>
+    </p:tnLst>
+  </p:timing>
 </p:sld>
 </file>
 
@@ -6235,7 +6280,7 @@
           <a:p>
             <a:r>
               <a:rPr lang="en-GB" dirty="0" smtClean="0"/>
-              <a:t>Making it easier (with better tools) !</a:t>
+              <a:t>Assigning Numbers</a:t>
             </a:r>
             <a:endParaRPr lang="en-GB" dirty="0"/>
           </a:p>
@@ -6251,120 +6296,175 @@
             <p:ph idx="1"/>
           </p:nvPr>
         </p:nvSpPr>
-        <p:spPr/>
+        <p:spPr>
+          <a:xfrm>
+            <a:off x="1103312" y="2052918"/>
+            <a:ext cx="4521311" cy="4195481"/>
+          </a:xfrm>
+        </p:spPr>
         <p:txBody>
           <a:bodyPr/>
           <a:lstStyle/>
           <a:p>
             <a:r>
               <a:rPr lang="en-GB" dirty="0" smtClean="0"/>
-              <a:t>You can get tools to do all this in one program though.</a:t>
+              <a:t>This is just the same as assigning strings.</a:t>
             </a:r>
           </a:p>
           <a:p>
             <a:r>
               <a:rPr lang="en-GB" dirty="0" smtClean="0"/>
-              <a:t>I recommend a tool called “</a:t>
-            </a:r>
-            <a:r>
-              <a:rPr lang="en-GB" dirty="0" err="1" smtClean="0"/>
-              <a:t>PyCharm</a:t>
-            </a:r>
-            <a:r>
-              <a:rPr lang="en-GB" dirty="0" smtClean="0"/>
-              <a:t>”.</a:t>
-            </a:r>
-          </a:p>
-          <a:p>
-            <a:r>
-              <a:rPr lang="en-GB" dirty="0" smtClean="0"/>
-              <a:t>You can get it from </a:t>
-            </a:r>
-          </a:p>
-          <a:p>
-            <a:pPr lvl="1"/>
+              <a:t>Except you don't put the integer inside quotes. Quotes are just for strings.</a:t>
+            </a:r>
+          </a:p>
+          <a:p>
+            <a:endParaRPr lang="en-GB" dirty="0"/>
+          </a:p>
+          <a:p>
+            <a:r>
+              <a:rPr lang="en-GB" b="1" u="sng" dirty="0">
+                <a:solidFill>
+                  <a:srgbClr val="FFFF00"/>
+                </a:solidFill>
+              </a:rPr>
+              <a:t>TASK:</a:t>
+            </a:r>
+            <a:r>
+              <a:rPr lang="en-GB" b="1" dirty="0">
+                <a:solidFill>
+                  <a:srgbClr val="FFFF00"/>
+                </a:solidFill>
+              </a:rPr>
+              <a:t> </a:t>
+            </a:r>
             <a:r>
               <a:rPr lang="en-GB" dirty="0">
-                <a:hlinkClick r:id="rId2"/>
+                <a:solidFill>
+                  <a:srgbClr val="FFFF00"/>
+                </a:solidFill>
               </a:rPr>
-              <a:t>https://</a:t>
+              <a:t>What do you think the program on the right will do ?</a:t>
+            </a:r>
+          </a:p>
+          <a:p>
+            <a:r>
+              <a:rPr lang="en-GB" b="1" u="sng" dirty="0">
+                <a:solidFill>
+                  <a:srgbClr val="FFFF00"/>
+                </a:solidFill>
+              </a:rPr>
+              <a:t>TASK:</a:t>
+            </a:r>
+            <a:r>
+              <a:rPr lang="en-GB" dirty="0">
+                <a:solidFill>
+                  <a:srgbClr val="FFFF00"/>
+                </a:solidFill>
+              </a:rPr>
+              <a:t> Type it in, run it and see if you were correct</a:t>
             </a:r>
             <a:r>
               <a:rPr lang="en-GB" dirty="0" smtClean="0">
-                <a:hlinkClick r:id="rId2"/>
+                <a:solidFill>
+                  <a:srgbClr val="FFFF00"/>
+                </a:solidFill>
               </a:rPr>
-              <a:t>www.jetbrains.com/pycharm/download</a:t>
+              <a:t>.</a:t>
             </a:r>
             <a:endParaRPr lang="en-GB" dirty="0" smtClean="0"/>
           </a:p>
           <a:p>
-            <a:r>
-              <a:rPr lang="en-GB" dirty="0" smtClean="0"/>
-              <a:t>You should pick the community edition.</a:t>
-            </a:r>
-          </a:p>
-          <a:p>
             <a:endParaRPr lang="en-GB" dirty="0"/>
           </a:p>
           <a:p>
-            <a:r>
-              <a:rPr lang="en-GB" b="1" u="sng" dirty="0" smtClean="0">
-                <a:solidFill>
-                  <a:srgbClr val="FFFF00"/>
-                </a:solidFill>
-              </a:rPr>
-              <a:t>ACTION</a:t>
-            </a:r>
-            <a:r>
-              <a:rPr lang="en-GB" u="sng" dirty="0" smtClean="0">
-                <a:solidFill>
-                  <a:srgbClr val="FFFF00"/>
-                </a:solidFill>
-              </a:rPr>
-              <a:t>:</a:t>
-            </a:r>
-            <a:r>
-              <a:rPr lang="en-GB" dirty="0" smtClean="0">
-                <a:solidFill>
-                  <a:srgbClr val="FFFF00"/>
-                </a:solidFill>
-              </a:rPr>
-              <a:t> Install </a:t>
-            </a:r>
-            <a:r>
-              <a:rPr lang="en-GB" dirty="0" err="1" smtClean="0">
-                <a:solidFill>
-                  <a:srgbClr val="FFFF00"/>
-                </a:solidFill>
-              </a:rPr>
-              <a:t>PyCharm</a:t>
-            </a:r>
-            <a:r>
-              <a:rPr lang="en-GB" dirty="0" smtClean="0">
-                <a:solidFill>
-                  <a:srgbClr val="FFFF00"/>
-                </a:solidFill>
-              </a:rPr>
-              <a:t> on your computer.</a:t>
-            </a:r>
-            <a:endParaRPr lang="en-GB" dirty="0">
-              <a:solidFill>
-                <a:srgbClr val="FFFF00"/>
-              </a:solidFill>
-            </a:endParaRPr>
+            <a:endParaRPr lang="en-GB" dirty="0" smtClean="0"/>
+          </a:p>
+          <a:p>
+            <a:endParaRPr lang="en-GB" dirty="0"/>
+          </a:p>
+          <a:p>
+            <a:endParaRPr lang="en-GB" dirty="0"/>
+          </a:p>
+        </p:txBody>
+      </p:sp>
+      <p:sp>
+        <p:nvSpPr>
+          <p:cNvPr id="7" name="Rectangle 6"/>
+          <p:cNvSpPr/>
+          <p:nvPr/>
+        </p:nvSpPr>
+        <p:spPr>
+          <a:xfrm>
+            <a:off x="6096000" y="2052918"/>
+            <a:ext cx="5801833" cy="2308324"/>
+          </a:xfrm>
+          <a:prstGeom prst="rect">
+            <a:avLst/>
+          </a:prstGeom>
+        </p:spPr>
+        <p:txBody>
+          <a:bodyPr wrap="square">
+            <a:spAutoFit/>
+          </a:bodyPr>
+          <a:lstStyle/>
+          <a:p>
+            <a:r>
+              <a:rPr lang="en-GB" dirty="0"/>
+              <a:t># Week2, Program5</a:t>
+            </a:r>
+          </a:p>
+          <a:p>
+            <a:endParaRPr lang="en-GB" dirty="0"/>
+          </a:p>
+          <a:p>
+            <a:r>
+              <a:rPr lang="en-GB" dirty="0"/>
+              <a:t>a = 4</a:t>
+            </a:r>
+          </a:p>
+          <a:p>
+            <a:r>
+              <a:rPr lang="en-GB" dirty="0"/>
+              <a:t>b = 2</a:t>
+            </a:r>
+          </a:p>
+          <a:p>
+            <a:endParaRPr lang="en-GB" dirty="0"/>
+          </a:p>
+          <a:p>
+            <a:r>
+              <a:rPr lang="en-GB" dirty="0"/>
+              <a:t>print(a)</a:t>
+            </a:r>
+          </a:p>
+          <a:p>
+            <a:r>
+              <a:rPr lang="en-GB" dirty="0"/>
+              <a:t>print(b)</a:t>
+            </a:r>
+          </a:p>
+          <a:p>
+            <a:endParaRPr lang="en-GB" dirty="0"/>
           </a:p>
         </p:txBody>
       </p:sp>
     </p:spTree>
     <p:extLst>
       <p:ext uri="{BB962C8B-B14F-4D97-AF65-F5344CB8AC3E}">
-        <p14:creationId xmlns:p14="http://schemas.microsoft.com/office/powerpoint/2010/main" val="1194337246"/>
+        <p14:creationId xmlns:p14="http://schemas.microsoft.com/office/powerpoint/2010/main" val="3100275608"/>
       </p:ext>
     </p:extLst>
   </p:cSld>
   <p:clrMapOvr>
     <a:masterClrMapping/>
   </p:clrMapOvr>
+  <p:timing>
+    <p:tnLst>
+      <p:par>
+        <p:cTn id="1" dur="indefinite" restart="never" nodeType="tmRoot"/>
+      </p:par>
+    </p:tnLst>
+  </p:timing>
 </p:sld>
 </file>
 
@@ -6402,2252 +6502,206 @@
           <a:p>
             <a:r>
               <a:rPr lang="en-GB" dirty="0" smtClean="0"/>
-              <a:t>FIXME: Do you need to do anything else to install and have </a:t>
-            </a:r>
-            <a:r>
-              <a:rPr lang="en-GB" dirty="0" err="1" smtClean="0"/>
-              <a:t>Pycharm</a:t>
-            </a:r>
-            <a:r>
-              <a:rPr lang="en-GB" dirty="0" smtClean="0"/>
-              <a:t> run on a fresh install ?</a:t>
+              <a:t>Doing Arithmetic</a:t>
             </a:r>
             <a:endParaRPr lang="en-GB" dirty="0"/>
           </a:p>
         </p:txBody>
       </p:sp>
-    </p:spTree>
-    <p:extLst>
-      <p:ext uri="{BB962C8B-B14F-4D97-AF65-F5344CB8AC3E}">
-        <p14:creationId xmlns:p14="http://schemas.microsoft.com/office/powerpoint/2010/main" val="3130903984"/>
-      </p:ext>
-    </p:extLst>
-  </p:cSld>
-  <p:clrMapOvr>
-    <a:masterClrMapping/>
-  </p:clrMapOvr>
-</p:sld>
-</file>
-
-<file path=ppt/slides/slide13.xml><?xml version="1.0" encoding="utf-8"?>
-<p:sld xmlns:a="http://schemas.openxmlformats.org/drawingml/2006/main" xmlns:r="http://schemas.openxmlformats.org/officeDocument/2006/relationships" xmlns:p="http://schemas.openxmlformats.org/presentationml/2006/main">
-  <p:cSld>
-    <p:spTree>
-      <p:nvGrpSpPr>
-        <p:cNvPr id="1" name=""/>
-        <p:cNvGrpSpPr/>
-        <p:nvPr/>
-      </p:nvGrpSpPr>
-      <p:grpSpPr>
-        <a:xfrm>
-          <a:off x="0" y="0"/>
-          <a:ext cx="0" cy="0"/>
-          <a:chOff x="0" y="0"/>
-          <a:chExt cx="0" cy="0"/>
-        </a:xfrm>
-      </p:grpSpPr>
-      <p:sp>
-        <p:nvSpPr>
-          <p:cNvPr id="2" name="Title 1"/>
-          <p:cNvSpPr>
-            <a:spLocks noGrp="1"/>
-          </p:cNvSpPr>
-          <p:nvPr>
-            <p:ph type="title"/>
-          </p:nvPr>
-        </p:nvSpPr>
-        <p:spPr/>
+      <p:sp>
+        <p:nvSpPr>
+          <p:cNvPr id="3" name="Content Placeholder 2"/>
+          <p:cNvSpPr>
+            <a:spLocks noGrp="1"/>
+          </p:cNvSpPr>
+          <p:nvPr>
+            <p:ph idx="1"/>
+          </p:nvPr>
+        </p:nvSpPr>
+        <p:spPr>
+          <a:xfrm>
+            <a:off x="1103312" y="2052918"/>
+            <a:ext cx="4521311" cy="4195481"/>
+          </a:xfrm>
+        </p:spPr>
         <p:txBody>
           <a:bodyPr/>
           <a:lstStyle/>
           <a:p>
             <a:r>
               <a:rPr lang="en-GB" dirty="0" smtClean="0"/>
-              <a:t>What is </a:t>
-            </a:r>
-            <a:r>
-              <a:rPr lang="en-GB" dirty="0" err="1" smtClean="0"/>
-              <a:t>PyCharm</a:t>
-            </a:r>
+              <a:t>You can do addition, subtraction, multiplication and division.</a:t>
+            </a:r>
+          </a:p>
+          <a:p>
             <a:endParaRPr lang="en-GB" dirty="0"/>
           </a:p>
-        </p:txBody>
-      </p:sp>
-      <p:sp>
-        <p:nvSpPr>
-          <p:cNvPr id="3" name="Content Placeholder 2"/>
-          <p:cNvSpPr>
-            <a:spLocks noGrp="1"/>
-          </p:cNvSpPr>
-          <p:nvPr>
-            <p:ph idx="1"/>
-          </p:nvPr>
-        </p:nvSpPr>
-        <p:spPr/>
-        <p:txBody>
-          <a:bodyPr/>
-          <a:lstStyle/>
-          <a:p>
-            <a:r>
-              <a:rPr lang="en-GB" dirty="0" err="1" smtClean="0"/>
-              <a:t>PyCharm</a:t>
-            </a:r>
+          <a:p>
             <a:r>
               <a:rPr lang="en-GB" dirty="0" smtClean="0"/>
-              <a:t> is an example of an IDE (Integrated Development Environment).</a:t>
-            </a:r>
-          </a:p>
-          <a:p>
+              <a:t>You use these symbols :-</a:t>
+            </a:r>
+          </a:p>
+          <a:p>
+            <a:pPr lvl="1"/>
             <a:r>
               <a:rPr lang="en-GB" dirty="0" smtClean="0"/>
-              <a:t>It puts all the tools you need to create, run and debug programs in once place.</a:t>
-            </a:r>
-          </a:p>
-          <a:p>
+              <a:t>+ for addition</a:t>
+            </a:r>
+          </a:p>
+          <a:p>
+            <a:pPr lvl="1"/>
             <a:r>
               <a:rPr lang="en-GB" dirty="0" smtClean="0"/>
-              <a:t>It helps you to write code with a large variety of features.</a:t>
-            </a:r>
-          </a:p>
-          <a:p>
+              <a:t>- for subtraction</a:t>
+            </a:r>
+          </a:p>
+          <a:p>
+            <a:pPr lvl="1"/>
             <a:r>
               <a:rPr lang="en-GB" dirty="0" smtClean="0"/>
-              <a:t>As we continue this course, you will learn about several of these features.</a:t>
-            </a:r>
+              <a:t>* for multiplication</a:t>
+            </a:r>
+          </a:p>
+          <a:p>
+            <a:pPr lvl="1"/>
+            <a:r>
+              <a:rPr lang="en-GB" dirty="0" smtClean="0"/>
+              <a:t>/ for division</a:t>
+            </a:r>
+          </a:p>
+          <a:p>
             <a:endParaRPr lang="en-GB" dirty="0"/>
           </a:p>
-        </p:txBody>
-      </p:sp>
-    </p:spTree>
-    <p:extLst>
-      <p:ext uri="{BB962C8B-B14F-4D97-AF65-F5344CB8AC3E}">
-        <p14:creationId xmlns:p14="http://schemas.microsoft.com/office/powerpoint/2010/main" val="2225333131"/>
-      </p:ext>
-    </p:extLst>
-  </p:cSld>
-  <p:clrMapOvr>
-    <a:masterClrMapping/>
-  </p:clrMapOvr>
-</p:sld>
-</file>
-
-<file path=ppt/slides/slide14.xml><?xml version="1.0" encoding="utf-8"?>
-<p:sld xmlns:a="http://schemas.openxmlformats.org/drawingml/2006/main" xmlns:r="http://schemas.openxmlformats.org/officeDocument/2006/relationships" xmlns:p="http://schemas.openxmlformats.org/presentationml/2006/main">
-  <p:cSld>
-    <p:spTree>
-      <p:nvGrpSpPr>
-        <p:cNvPr id="1" name=""/>
-        <p:cNvGrpSpPr/>
-        <p:nvPr/>
-      </p:nvGrpSpPr>
-      <p:grpSpPr>
-        <a:xfrm>
-          <a:off x="0" y="0"/>
-          <a:ext cx="0" cy="0"/>
-          <a:chOff x="0" y="0"/>
-          <a:chExt cx="0" cy="0"/>
-        </a:xfrm>
-      </p:grpSpPr>
-      <p:sp>
-        <p:nvSpPr>
-          <p:cNvPr id="2" name="Title 1"/>
-          <p:cNvSpPr>
-            <a:spLocks noGrp="1"/>
-          </p:cNvSpPr>
-          <p:nvPr>
-            <p:ph type="title"/>
-          </p:nvPr>
-        </p:nvSpPr>
-        <p:spPr/>
-        <p:txBody>
-          <a:bodyPr/>
-          <a:lstStyle/>
-          <a:p>
-            <a:r>
-              <a:rPr lang="en-GB" dirty="0" smtClean="0"/>
-              <a:t>Making a Hello World Project.</a:t>
-            </a:r>
+          <a:p>
+            <a:endParaRPr lang="en-GB" dirty="0" smtClean="0"/>
+          </a:p>
+          <a:p>
             <a:endParaRPr lang="en-GB" dirty="0"/>
           </a:p>
-        </p:txBody>
-      </p:sp>
-      <p:sp>
-        <p:nvSpPr>
-          <p:cNvPr id="3" name="Content Placeholder 2"/>
-          <p:cNvSpPr>
-            <a:spLocks noGrp="1"/>
-          </p:cNvSpPr>
-          <p:nvPr>
-            <p:ph idx="1"/>
-          </p:nvPr>
+          <a:p>
+            <a:endParaRPr lang="en-GB" dirty="0"/>
+          </a:p>
+        </p:txBody>
+      </p:sp>
+      <p:sp>
+        <p:nvSpPr>
+          <p:cNvPr id="7" name="Rectangle 6"/>
+          <p:cNvSpPr/>
+          <p:nvPr/>
         </p:nvSpPr>
         <p:spPr>
           <a:xfrm>
-            <a:off x="1103313" y="2052918"/>
-            <a:ext cx="4653676" cy="4195481"/>
-          </a:xfrm>
-        </p:spPr>
-        <p:txBody>
-          <a:bodyPr/>
-          <a:lstStyle/>
-          <a:p>
-            <a:pPr marL="0" indent="0">
-              <a:buNone/>
-            </a:pPr>
-            <a:r>
-              <a:rPr lang="en-GB" b="1" u="sng" dirty="0" smtClean="0">
-                <a:solidFill>
-                  <a:srgbClr val="FFFF00"/>
-                </a:solidFill>
-              </a:rPr>
-              <a:t>ACTIONS:</a:t>
-            </a:r>
-          </a:p>
-          <a:p>
-            <a:r>
-              <a:rPr lang="en-GB" dirty="0" smtClean="0">
-                <a:solidFill>
-                  <a:srgbClr val="FFFF00"/>
-                </a:solidFill>
-              </a:rPr>
-              <a:t>Load </a:t>
-            </a:r>
-            <a:r>
-              <a:rPr lang="en-GB" dirty="0" err="1" smtClean="0">
-                <a:solidFill>
-                  <a:srgbClr val="FFFF00"/>
-                </a:solidFill>
-              </a:rPr>
-              <a:t>PyCharm</a:t>
-            </a:r>
-            <a:r>
-              <a:rPr lang="en-GB" dirty="0" smtClean="0">
-                <a:solidFill>
-                  <a:srgbClr val="FFFF00"/>
-                </a:solidFill>
-              </a:rPr>
-              <a:t>.</a:t>
-            </a:r>
-          </a:p>
-          <a:p>
-            <a:r>
-              <a:rPr lang="en-GB" dirty="0" smtClean="0">
-                <a:solidFill>
-                  <a:srgbClr val="FFFF00"/>
-                </a:solidFill>
-              </a:rPr>
-              <a:t>Use File -&gt; New Project.</a:t>
-            </a:r>
-          </a:p>
-          <a:p>
-            <a:r>
-              <a:rPr lang="en-GB" dirty="0" smtClean="0">
-                <a:solidFill>
-                  <a:srgbClr val="FFFF00"/>
-                </a:solidFill>
-              </a:rPr>
-              <a:t>Call the project “</a:t>
-            </a:r>
-            <a:r>
-              <a:rPr lang="en-GB" dirty="0" err="1" smtClean="0">
-                <a:solidFill>
-                  <a:srgbClr val="FFFF00"/>
-                </a:solidFill>
-              </a:rPr>
-              <a:t>Hello_World</a:t>
-            </a:r>
-            <a:r>
-              <a:rPr lang="en-GB" dirty="0" smtClean="0">
-                <a:solidFill>
-                  <a:srgbClr val="FFFF00"/>
-                </a:solidFill>
-              </a:rPr>
-              <a:t>”, like in the screenshot.</a:t>
-            </a:r>
-          </a:p>
-          <a:p>
-            <a:endParaRPr lang="en-GB" dirty="0">
-              <a:solidFill>
-                <a:srgbClr val="FFFF00"/>
-              </a:solidFill>
-            </a:endParaRPr>
-          </a:p>
-          <a:p>
-            <a:pPr marL="0" indent="0">
-              <a:buNone/>
-            </a:pPr>
-            <a:r>
-              <a:rPr lang="en-GB" b="1" u="sng" dirty="0" smtClean="0">
-                <a:solidFill>
-                  <a:srgbClr val="FFFF00"/>
-                </a:solidFill>
-              </a:rPr>
-              <a:t>KEY POINT:</a:t>
-            </a:r>
-          </a:p>
-          <a:p>
-            <a:r>
-              <a:rPr lang="en-GB" dirty="0" smtClean="0">
-                <a:solidFill>
-                  <a:srgbClr val="FFFF00"/>
-                </a:solidFill>
-              </a:rPr>
-              <a:t>This is how we will create all projects in the future. So remember this !</a:t>
-            </a:r>
-          </a:p>
-          <a:p>
-            <a:pPr marL="0" indent="0">
-              <a:buNone/>
-            </a:pPr>
-            <a:endParaRPr lang="en-GB" dirty="0"/>
-          </a:p>
-        </p:txBody>
-      </p:sp>
-      <p:pic>
-        <p:nvPicPr>
-          <p:cNvPr id="4" name="Picture 3"/>
-          <p:cNvPicPr>
-            <a:picLocks noChangeAspect="1"/>
-          </p:cNvPicPr>
-          <p:nvPr/>
-        </p:nvPicPr>
-        <p:blipFill>
-          <a:blip r:embed="rId2"/>
-          <a:stretch>
-            <a:fillRect/>
-          </a:stretch>
-        </p:blipFill>
-        <p:spPr>
-          <a:xfrm>
-            <a:off x="5756988" y="1853248"/>
-            <a:ext cx="6046235" cy="3779867"/>
+            <a:off x="6096000" y="2052918"/>
+            <a:ext cx="5801833" cy="923330"/>
           </a:xfrm>
           <a:prstGeom prst="rect">
             <a:avLst/>
           </a:prstGeom>
         </p:spPr>
-      </p:pic>
-    </p:spTree>
-    <p:extLst>
-      <p:ext uri="{BB962C8B-B14F-4D97-AF65-F5344CB8AC3E}">
-        <p14:creationId xmlns:p14="http://schemas.microsoft.com/office/powerpoint/2010/main" val="1884226760"/>
-      </p:ext>
-    </p:extLst>
-  </p:cSld>
-  <p:clrMapOvr>
-    <a:masterClrMapping/>
-  </p:clrMapOvr>
-</p:sld>
-</file>
-
-<file path=ppt/slides/slide15.xml><?xml version="1.0" encoding="utf-8"?>
-<p:sld xmlns:a="http://schemas.openxmlformats.org/drawingml/2006/main" xmlns:r="http://schemas.openxmlformats.org/officeDocument/2006/relationships" xmlns:p="http://schemas.openxmlformats.org/presentationml/2006/main">
-  <p:cSld>
-    <p:spTree>
-      <p:nvGrpSpPr>
-        <p:cNvPr id="1" name=""/>
-        <p:cNvGrpSpPr/>
-        <p:nvPr/>
-      </p:nvGrpSpPr>
-      <p:grpSpPr>
-        <a:xfrm>
-          <a:off x="0" y="0"/>
-          <a:ext cx="0" cy="0"/>
-          <a:chOff x="0" y="0"/>
-          <a:chExt cx="0" cy="0"/>
-        </a:xfrm>
-      </p:grpSpPr>
-      <p:sp>
-        <p:nvSpPr>
-          <p:cNvPr id="2" name="Title 1"/>
-          <p:cNvSpPr>
-            <a:spLocks noGrp="1"/>
-          </p:cNvSpPr>
-          <p:nvPr>
-            <p:ph type="title"/>
-          </p:nvPr>
-        </p:nvSpPr>
-        <p:spPr/>
-        <p:txBody>
-          <a:bodyPr/>
+        <p:txBody>
+          <a:bodyPr wrap="square">
+            <a:spAutoFit/>
+          </a:bodyPr>
           <a:lstStyle/>
           <a:p>
-            <a:r>
-              <a:rPr lang="en-GB" dirty="0" smtClean="0"/>
-              <a:t>Creating the Hello World File.</a:t>
-            </a:r>
             <a:endParaRPr lang="en-GB" dirty="0"/>
           </a:p>
-        </p:txBody>
-      </p:sp>
-      <p:sp>
-        <p:nvSpPr>
-          <p:cNvPr id="3" name="Content Placeholder 2"/>
-          <p:cNvSpPr>
-            <a:spLocks noGrp="1"/>
-          </p:cNvSpPr>
-          <p:nvPr>
-            <p:ph idx="1"/>
-          </p:nvPr>
+          <a:p>
+            <a:endParaRPr lang="en-GB" dirty="0"/>
+          </a:p>
+          <a:p>
+            <a:endParaRPr lang="en-GB" dirty="0"/>
+          </a:p>
+        </p:txBody>
+      </p:sp>
+      <p:sp>
+        <p:nvSpPr>
+          <p:cNvPr id="4" name="Rectangle 3"/>
+          <p:cNvSpPr/>
+          <p:nvPr/>
         </p:nvSpPr>
         <p:spPr>
           <a:xfrm>
-            <a:off x="821094" y="2052918"/>
-            <a:ext cx="4096139" cy="4195481"/>
-          </a:xfrm>
-        </p:spPr>
-        <p:txBody>
-          <a:bodyPr/>
-          <a:lstStyle/>
-          <a:p>
-            <a:r>
-              <a:rPr lang="en-GB" dirty="0" smtClean="0"/>
-              <a:t>This will have created a folder on your PC for your new Hello World project.</a:t>
-            </a:r>
-          </a:p>
-          <a:p>
-            <a:r>
-              <a:rPr lang="en-GB" dirty="0" smtClean="0"/>
-              <a:t>To create a file in it, you should right click the main folder on the right, and create a Python file.</a:t>
-            </a:r>
-          </a:p>
-          <a:p>
-            <a:endParaRPr lang="en-GB" dirty="0" smtClean="0"/>
-          </a:p>
-          <a:p>
-            <a:r>
-              <a:rPr lang="en-GB" b="1" u="sng" dirty="0" smtClean="0">
-                <a:solidFill>
-                  <a:srgbClr val="FFFF00"/>
-                </a:solidFill>
-              </a:rPr>
-              <a:t>Action</a:t>
-            </a:r>
-            <a:r>
-              <a:rPr lang="en-GB" dirty="0" smtClean="0">
-                <a:solidFill>
-                  <a:srgbClr val="FFFF00"/>
-                </a:solidFill>
-              </a:rPr>
-              <a:t>: Create a file called “</a:t>
-            </a:r>
-            <a:r>
-              <a:rPr lang="en-GB" dirty="0" err="1" smtClean="0">
-                <a:solidFill>
-                  <a:srgbClr val="FFFF00"/>
-                </a:solidFill>
-              </a:rPr>
-              <a:t>Hello_World</a:t>
-            </a:r>
-            <a:r>
-              <a:rPr lang="en-GB" dirty="0" smtClean="0">
-                <a:solidFill>
-                  <a:srgbClr val="FFFF00"/>
-                </a:solidFill>
-              </a:rPr>
-              <a:t>”</a:t>
-            </a:r>
-            <a:endParaRPr lang="en-GB" dirty="0">
-              <a:solidFill>
-                <a:srgbClr val="FFFF00"/>
-              </a:solidFill>
-            </a:endParaRPr>
-          </a:p>
-        </p:txBody>
-      </p:sp>
-      <p:pic>
-        <p:nvPicPr>
-          <p:cNvPr id="4" name="Picture 3"/>
-          <p:cNvPicPr>
-            <a:picLocks noChangeAspect="1"/>
-          </p:cNvPicPr>
-          <p:nvPr/>
-        </p:nvPicPr>
-        <p:blipFill>
-          <a:blip r:embed="rId2"/>
-          <a:stretch>
-            <a:fillRect/>
-          </a:stretch>
-        </p:blipFill>
-        <p:spPr>
-          <a:xfrm>
-            <a:off x="5075796" y="2052917"/>
-            <a:ext cx="7080028" cy="4195481"/>
+            <a:off x="6096000" y="4150658"/>
+            <a:ext cx="5652977" cy="923330"/>
           </a:xfrm>
           <a:prstGeom prst="rect">
             <a:avLst/>
           </a:prstGeom>
         </p:spPr>
-      </p:pic>
-    </p:spTree>
-    <p:extLst>
-      <p:ext uri="{BB962C8B-B14F-4D97-AF65-F5344CB8AC3E}">
-        <p14:creationId xmlns:p14="http://schemas.microsoft.com/office/powerpoint/2010/main" val="273011515"/>
-      </p:ext>
-    </p:extLst>
-  </p:cSld>
-  <p:clrMapOvr>
-    <a:masterClrMapping/>
-  </p:clrMapOvr>
-</p:sld>
-</file>
-
-<file path=ppt/slides/slide16.xml><?xml version="1.0" encoding="utf-8"?>
-<p:sld xmlns:a="http://schemas.openxmlformats.org/drawingml/2006/main" xmlns:r="http://schemas.openxmlformats.org/officeDocument/2006/relationships" xmlns:p="http://schemas.openxmlformats.org/presentationml/2006/main">
-  <p:cSld>
-    <p:spTree>
-      <p:nvGrpSpPr>
-        <p:cNvPr id="1" name=""/>
-        <p:cNvGrpSpPr/>
-        <p:nvPr/>
-      </p:nvGrpSpPr>
-      <p:grpSpPr>
-        <a:xfrm>
-          <a:off x="0" y="0"/>
-          <a:ext cx="0" cy="0"/>
-          <a:chOff x="0" y="0"/>
-          <a:chExt cx="0" cy="0"/>
-        </a:xfrm>
-      </p:grpSpPr>
-      <p:sp>
-        <p:nvSpPr>
-          <p:cNvPr id="2" name="Title 1"/>
-          <p:cNvSpPr>
-            <a:spLocks noGrp="1"/>
-          </p:cNvSpPr>
-          <p:nvPr>
-            <p:ph type="title"/>
-          </p:nvPr>
-        </p:nvSpPr>
-        <p:spPr/>
-        <p:txBody>
-          <a:bodyPr/>
+        <p:txBody>
+          <a:bodyPr wrap="square">
+            <a:spAutoFit/>
+          </a:bodyPr>
           <a:lstStyle/>
           <a:p>
             <a:r>
-              <a:rPr lang="en-GB" dirty="0" smtClean="0"/>
-              <a:t>Writing Hello World in </a:t>
-            </a:r>
-            <a:r>
-              <a:rPr lang="en-GB" dirty="0" err="1" smtClean="0"/>
-              <a:t>PyCharm</a:t>
-            </a:r>
-            <a:r>
-              <a:rPr lang="en-GB" dirty="0" smtClean="0"/>
+              <a:rPr lang="en-GB" b="1" u="sng" dirty="0">
+                <a:solidFill>
+                  <a:srgbClr val="FFFF00"/>
+                </a:solidFill>
+              </a:rPr>
+              <a:t>TASK:</a:t>
+            </a:r>
+            <a:r>
+              <a:rPr lang="en-GB" b="1" dirty="0">
+                <a:solidFill>
+                  <a:srgbClr val="FFFF00"/>
+                </a:solidFill>
+              </a:rPr>
+              <a:t> </a:t>
+            </a:r>
+            <a:r>
+              <a:rPr lang="en-GB" dirty="0">
+                <a:solidFill>
+                  <a:srgbClr val="FFFF00"/>
+                </a:solidFill>
+              </a:rPr>
+              <a:t>What do you think the program on the right will do ?</a:t>
+            </a:r>
+          </a:p>
+          <a:p>
+            <a:r>
+              <a:rPr lang="en-GB" b="1" u="sng" dirty="0">
+                <a:solidFill>
+                  <a:srgbClr val="FFFF00"/>
+                </a:solidFill>
+              </a:rPr>
+              <a:t>TASK:</a:t>
+            </a:r>
+            <a:r>
+              <a:rPr lang="en-GB" dirty="0">
+                <a:solidFill>
+                  <a:srgbClr val="FFFF00"/>
+                </a:solidFill>
+              </a:rPr>
+              <a:t> Type it in, run it and see if you were correct</a:t>
+            </a:r>
+            <a:r>
+              <a:rPr lang="en-GB" dirty="0" smtClean="0">
+                <a:solidFill>
+                  <a:srgbClr val="FFFF00"/>
+                </a:solidFill>
+              </a:rPr>
               <a:t>.</a:t>
             </a:r>
-            <a:endParaRPr lang="en-GB" dirty="0"/>
-          </a:p>
-        </p:txBody>
-      </p:sp>
-      <p:sp>
-        <p:nvSpPr>
-          <p:cNvPr id="3" name="Content Placeholder 2"/>
-          <p:cNvSpPr>
-            <a:spLocks noGrp="1"/>
-          </p:cNvSpPr>
-          <p:nvPr>
-            <p:ph idx="1"/>
-          </p:nvPr>
+            <a:endParaRPr lang="en-GB" b="1" u="sng" dirty="0"/>
+          </a:p>
+        </p:txBody>
+      </p:sp>
+      <p:sp>
+        <p:nvSpPr>
+          <p:cNvPr id="8" name="Content Placeholder 2"/>
+          <p:cNvSpPr txBox="1">
+            <a:spLocks/>
+          </p:cNvSpPr>
+          <p:nvPr/>
         </p:nvSpPr>
         <p:spPr>
           <a:xfrm>
-            <a:off x="1103312" y="2052918"/>
-            <a:ext cx="4730957" cy="4496969"/>
-          </a:xfrm>
-        </p:spPr>
-        <p:txBody>
-          <a:bodyPr>
-            <a:normAutofit/>
-          </a:bodyPr>
-          <a:lstStyle/>
-          <a:p>
-            <a:r>
-              <a:rPr lang="en-GB" b="1" u="sng" dirty="0" smtClean="0">
-                <a:solidFill>
-                  <a:srgbClr val="FFFF00"/>
-                </a:solidFill>
-              </a:rPr>
-              <a:t>ACTION:</a:t>
-            </a:r>
-            <a:r>
-              <a:rPr lang="en-GB" dirty="0" smtClean="0">
-                <a:solidFill>
-                  <a:srgbClr val="FFFF00"/>
-                </a:solidFill>
-              </a:rPr>
-              <a:t> Write the same Hello World program you wrote before in the right hand window.</a:t>
-            </a:r>
-          </a:p>
-          <a:p>
-            <a:endParaRPr lang="en-GB" dirty="0">
-              <a:solidFill>
-                <a:srgbClr val="FFFF00"/>
-              </a:solidFill>
-            </a:endParaRPr>
-          </a:p>
-          <a:p>
-            <a:r>
-              <a:rPr lang="en-GB" dirty="0" smtClean="0"/>
-              <a:t>Note: You will see </a:t>
-            </a:r>
-            <a:r>
-              <a:rPr lang="en-GB" dirty="0" err="1" smtClean="0"/>
-              <a:t>PyCharm</a:t>
-            </a:r>
-            <a:r>
-              <a:rPr lang="en-GB" dirty="0" smtClean="0"/>
-              <a:t> colours things in for you. These colours are useful and you will learn what they mean later.</a:t>
-            </a:r>
-            <a:endParaRPr lang="en-GB" dirty="0"/>
-          </a:p>
-          <a:p>
-            <a:endParaRPr lang="en-GB" dirty="0" smtClean="0">
-              <a:solidFill>
-                <a:srgbClr val="FFFF00"/>
-              </a:solidFill>
-            </a:endParaRPr>
-          </a:p>
-        </p:txBody>
-      </p:sp>
-      <p:pic>
-        <p:nvPicPr>
-          <p:cNvPr id="4" name="Picture 3"/>
-          <p:cNvPicPr>
-            <a:picLocks noChangeAspect="1"/>
-          </p:cNvPicPr>
-          <p:nvPr/>
-        </p:nvPicPr>
-        <p:blipFill>
-          <a:blip r:embed="rId2"/>
-          <a:stretch>
-            <a:fillRect/>
-          </a:stretch>
-        </p:blipFill>
-        <p:spPr>
-          <a:xfrm>
-            <a:off x="6044297" y="1441174"/>
-            <a:ext cx="5884052" cy="3588026"/>
-          </a:xfrm>
-          <a:prstGeom prst="rect">
-            <a:avLst/>
-          </a:prstGeom>
-        </p:spPr>
-      </p:pic>
-    </p:spTree>
-    <p:extLst>
-      <p:ext uri="{BB962C8B-B14F-4D97-AF65-F5344CB8AC3E}">
-        <p14:creationId xmlns:p14="http://schemas.microsoft.com/office/powerpoint/2010/main" val="1740959344"/>
-      </p:ext>
-    </p:extLst>
-  </p:cSld>
-  <p:clrMapOvr>
-    <a:masterClrMapping/>
-  </p:clrMapOvr>
-</p:sld>
-</file>
-
-<file path=ppt/slides/slide17.xml><?xml version="1.0" encoding="utf-8"?>
-<p:sld xmlns:a="http://schemas.openxmlformats.org/drawingml/2006/main" xmlns:r="http://schemas.openxmlformats.org/officeDocument/2006/relationships" xmlns:p="http://schemas.openxmlformats.org/presentationml/2006/main">
-  <p:cSld>
-    <p:spTree>
-      <p:nvGrpSpPr>
-        <p:cNvPr id="1" name=""/>
-        <p:cNvGrpSpPr/>
-        <p:nvPr/>
-      </p:nvGrpSpPr>
-      <p:grpSpPr>
-        <a:xfrm>
-          <a:off x="0" y="0"/>
-          <a:ext cx="0" cy="0"/>
-          <a:chOff x="0" y="0"/>
-          <a:chExt cx="0" cy="0"/>
-        </a:xfrm>
-      </p:grpSpPr>
-      <p:sp>
-        <p:nvSpPr>
-          <p:cNvPr id="2" name="Title 1"/>
-          <p:cNvSpPr>
-            <a:spLocks noGrp="1"/>
-          </p:cNvSpPr>
-          <p:nvPr>
-            <p:ph type="title"/>
-          </p:nvPr>
-        </p:nvSpPr>
-        <p:spPr/>
-        <p:txBody>
-          <a:bodyPr/>
-          <a:lstStyle/>
-          <a:p>
-            <a:r>
-              <a:rPr lang="en-GB" dirty="0" smtClean="0"/>
-              <a:t>Run the Program.</a:t>
-            </a:r>
-            <a:endParaRPr lang="en-GB" dirty="0"/>
-          </a:p>
-        </p:txBody>
-      </p:sp>
-      <p:sp>
-        <p:nvSpPr>
-          <p:cNvPr id="3" name="Content Placeholder 2"/>
-          <p:cNvSpPr>
-            <a:spLocks noGrp="1"/>
-          </p:cNvSpPr>
-          <p:nvPr>
-            <p:ph idx="1"/>
-          </p:nvPr>
-        </p:nvSpPr>
-        <p:spPr>
-          <a:xfrm>
-            <a:off x="1104293" y="1416373"/>
-            <a:ext cx="3537281" cy="5153391"/>
-          </a:xfrm>
-        </p:spPr>
-        <p:txBody>
-          <a:bodyPr>
-            <a:normAutofit/>
-          </a:bodyPr>
-          <a:lstStyle/>
-          <a:p>
-            <a:r>
-              <a:rPr lang="en-GB" b="1" u="sng" dirty="0" smtClean="0">
-                <a:solidFill>
-                  <a:srgbClr val="FFFF00"/>
-                </a:solidFill>
-              </a:rPr>
-              <a:t>ACTION: </a:t>
-            </a:r>
-            <a:r>
-              <a:rPr lang="en-GB" dirty="0" smtClean="0">
-                <a:solidFill>
-                  <a:srgbClr val="FFFF00"/>
-                </a:solidFill>
-              </a:rPr>
-              <a:t>Use </a:t>
-            </a:r>
-            <a:r>
-              <a:rPr lang="en-GB" dirty="0" err="1" smtClean="0">
-                <a:solidFill>
-                  <a:srgbClr val="FFFF00"/>
-                </a:solidFill>
-              </a:rPr>
-              <a:t>PyCharm</a:t>
-            </a:r>
-            <a:r>
-              <a:rPr lang="en-GB" dirty="0" smtClean="0">
-                <a:solidFill>
-                  <a:srgbClr val="FFFF00"/>
-                </a:solidFill>
-              </a:rPr>
-              <a:t> to run the program. Right click on the tab with the file in it, and select “Run”.</a:t>
-            </a:r>
-          </a:p>
-          <a:p>
-            <a:r>
-              <a:rPr lang="en-GB" b="1" u="sng" dirty="0" smtClean="0">
-                <a:solidFill>
-                  <a:srgbClr val="FFFF00"/>
-                </a:solidFill>
-              </a:rPr>
-              <a:t>CHECK:</a:t>
-            </a:r>
-            <a:r>
-              <a:rPr lang="en-GB" dirty="0" smtClean="0">
-                <a:solidFill>
-                  <a:srgbClr val="FFFF00"/>
-                </a:solidFill>
-              </a:rPr>
-              <a:t> Confirm you have the “Hello World” output in the new bottom tab.</a:t>
-            </a:r>
-          </a:p>
-          <a:p>
-            <a:r>
-              <a:rPr lang="en-GB" b="1" u="sng" dirty="0" smtClean="0">
-                <a:solidFill>
-                  <a:srgbClr val="FFFF00"/>
-                </a:solidFill>
-              </a:rPr>
-              <a:t>SHORTCUT:</a:t>
-            </a:r>
-            <a:r>
-              <a:rPr lang="en-GB" dirty="0" smtClean="0">
-                <a:solidFill>
-                  <a:srgbClr val="FFFF00"/>
-                </a:solidFill>
-              </a:rPr>
-              <a:t> Now you can press the green “play” button to run the program again.</a:t>
-            </a:r>
-            <a:endParaRPr lang="en-GB" b="1" u="sng" dirty="0">
-              <a:solidFill>
-                <a:srgbClr val="FFFF00"/>
-              </a:solidFill>
-            </a:endParaRPr>
-          </a:p>
-        </p:txBody>
-      </p:sp>
-      <p:pic>
-        <p:nvPicPr>
-          <p:cNvPr id="4" name="Picture 3"/>
-          <p:cNvPicPr>
-            <a:picLocks noChangeAspect="1"/>
-          </p:cNvPicPr>
-          <p:nvPr/>
-        </p:nvPicPr>
-        <p:blipFill>
-          <a:blip r:embed="rId2"/>
-          <a:stretch>
-            <a:fillRect/>
-          </a:stretch>
-        </p:blipFill>
-        <p:spPr>
-          <a:xfrm>
-            <a:off x="5009321" y="2066899"/>
-            <a:ext cx="6789453" cy="4140129"/>
-          </a:xfrm>
-          <a:prstGeom prst="rect">
-            <a:avLst/>
-          </a:prstGeom>
-        </p:spPr>
-      </p:pic>
-      <p:cxnSp>
-        <p:nvCxnSpPr>
-          <p:cNvPr id="10" name="Straight Arrow Connector 9"/>
-          <p:cNvCxnSpPr/>
-          <p:nvPr/>
-        </p:nvCxnSpPr>
-        <p:spPr>
-          <a:xfrm>
-            <a:off x="4442791" y="5029200"/>
-            <a:ext cx="715618" cy="0"/>
-          </a:xfrm>
-          <a:prstGeom prst="straightConnector1">
-            <a:avLst/>
-          </a:prstGeom>
-          <a:ln w="38100">
-            <a:tailEnd type="triangle"/>
-          </a:ln>
-        </p:spPr>
-        <p:style>
-          <a:lnRef idx="1">
-            <a:schemeClr val="accent1"/>
-          </a:lnRef>
-          <a:fillRef idx="0">
-            <a:schemeClr val="accent1"/>
-          </a:fillRef>
-          <a:effectRef idx="0">
-            <a:schemeClr val="accent1"/>
-          </a:effectRef>
-          <a:fontRef idx="minor">
-            <a:schemeClr val="tx1"/>
-          </a:fontRef>
-        </p:style>
-      </p:cxnSp>
-    </p:spTree>
-    <p:extLst>
-      <p:ext uri="{BB962C8B-B14F-4D97-AF65-F5344CB8AC3E}">
-        <p14:creationId xmlns:p14="http://schemas.microsoft.com/office/powerpoint/2010/main" val="1234292287"/>
-      </p:ext>
-    </p:extLst>
-  </p:cSld>
-  <p:clrMapOvr>
-    <a:masterClrMapping/>
-  </p:clrMapOvr>
-</p:sld>
-</file>
-
-<file path=ppt/slides/slide18.xml><?xml version="1.0" encoding="utf-8"?>
-<p:sld xmlns:a="http://schemas.openxmlformats.org/drawingml/2006/main" xmlns:r="http://schemas.openxmlformats.org/officeDocument/2006/relationships" xmlns:p="http://schemas.openxmlformats.org/presentationml/2006/main">
-  <p:cSld>
-    <p:spTree>
-      <p:nvGrpSpPr>
-        <p:cNvPr id="1" name=""/>
-        <p:cNvGrpSpPr/>
-        <p:nvPr/>
-      </p:nvGrpSpPr>
-      <p:grpSpPr>
-        <a:xfrm>
-          <a:off x="0" y="0"/>
-          <a:ext cx="0" cy="0"/>
-          <a:chOff x="0" y="0"/>
-          <a:chExt cx="0" cy="0"/>
-        </a:xfrm>
-      </p:grpSpPr>
-      <p:sp>
-        <p:nvSpPr>
-          <p:cNvPr id="2" name="Title 1"/>
-          <p:cNvSpPr>
-            <a:spLocks noGrp="1"/>
-          </p:cNvSpPr>
-          <p:nvPr>
-            <p:ph type="title"/>
-          </p:nvPr>
-        </p:nvSpPr>
-        <p:spPr/>
-        <p:txBody>
-          <a:bodyPr/>
-          <a:lstStyle/>
-          <a:p>
-            <a:r>
-              <a:rPr lang="en-GB" dirty="0" smtClean="0"/>
-              <a:t>Homework </a:t>
-            </a:r>
-            <a:r>
-              <a:rPr lang="en-GB" dirty="0" smtClean="0">
-                <a:sym typeface="Wingdings" panose="05000000000000000000" pitchFamily="2" charset="2"/>
-              </a:rPr>
-              <a:t></a:t>
-            </a:r>
-            <a:endParaRPr lang="en-GB" dirty="0"/>
-          </a:p>
-        </p:txBody>
-      </p:sp>
-      <p:sp>
-        <p:nvSpPr>
-          <p:cNvPr id="4" name="Content Placeholder 3"/>
-          <p:cNvSpPr>
-            <a:spLocks noGrp="1"/>
-          </p:cNvSpPr>
-          <p:nvPr>
-            <p:ph idx="1"/>
-          </p:nvPr>
-        </p:nvSpPr>
-        <p:spPr>
-          <a:xfrm>
-            <a:off x="1103313" y="1461052"/>
-            <a:ext cx="5049010" cy="4787347"/>
-          </a:xfrm>
-        </p:spPr>
-        <p:txBody>
-          <a:bodyPr/>
-          <a:lstStyle/>
-          <a:p>
-            <a:r>
-              <a:rPr lang="en-GB" dirty="0" smtClean="0"/>
-              <a:t>This weeks homework is quite easy.</a:t>
-            </a:r>
-          </a:p>
-          <a:p>
-            <a:endParaRPr lang="en-GB" dirty="0"/>
-          </a:p>
-          <a:p>
-            <a:r>
-              <a:rPr lang="en-GB" dirty="0" smtClean="0"/>
-              <a:t>Project1: “Hello Universe”.</a:t>
-            </a:r>
-          </a:p>
-          <a:p>
-            <a:pPr lvl="1"/>
-            <a:r>
-              <a:rPr lang="en-GB" dirty="0" smtClean="0"/>
-              <a:t>Write a program like the one that said hello to the world, but instead says hello to the entire universe instead.</a:t>
-            </a:r>
-          </a:p>
-          <a:p>
-            <a:r>
-              <a:rPr lang="en-GB" dirty="0" smtClean="0"/>
-              <a:t>Project2: “1 to 10”.</a:t>
-            </a:r>
-          </a:p>
-          <a:p>
-            <a:pPr lvl="1"/>
-            <a:r>
-              <a:rPr lang="en-GB" dirty="0" smtClean="0"/>
-              <a:t>Write a program, which prints the numbers 1 to 10, each on a separate line.</a:t>
-            </a:r>
-          </a:p>
-        </p:txBody>
-      </p:sp>
-      <p:sp>
-        <p:nvSpPr>
-          <p:cNvPr id="6" name="Content Placeholder 3"/>
-          <p:cNvSpPr txBox="1">
-            <a:spLocks/>
-          </p:cNvSpPr>
-          <p:nvPr/>
-        </p:nvSpPr>
-        <p:spPr>
-          <a:xfrm>
-            <a:off x="6314730" y="1461053"/>
-            <a:ext cx="5049010" cy="4787346"/>
-          </a:xfrm>
-          <a:prstGeom prst="rect">
-            <a:avLst/>
-          </a:prstGeom>
-        </p:spPr>
-        <p:txBody>
-          <a:bodyPr vert="horz" lIns="91440" tIns="45720" rIns="91440" bIns="45720" rtlCol="0">
-            <a:normAutofit fontScale="70000" lnSpcReduction="20000"/>
-          </a:bodyPr>
-          <a:lstStyle>
-            <a:lvl1pPr marL="342900" indent="-342900" algn="l" defTabSz="457200" rtl="0" eaLnBrk="1" latinLnBrk="0" hangingPunct="1">
-              <a:spcBef>
-                <a:spcPts val="1000"/>
-              </a:spcBef>
-              <a:spcAft>
-                <a:spcPts val="0"/>
-              </a:spcAft>
-              <a:buClr>
-                <a:schemeClr val="bg2">
-                  <a:lumMod val="40000"/>
-                  <a:lumOff val="60000"/>
-                </a:schemeClr>
-              </a:buClr>
-              <a:buSzPct val="80000"/>
-              <a:buFont typeface="Wingdings 3" charset="2"/>
-              <a:buChar char=""/>
-              <a:defRPr sz="2000" b="0" i="0" kern="1200">
-                <a:solidFill>
-                  <a:schemeClr val="tx1"/>
-                </a:solidFill>
-                <a:latin typeface="+mj-lt"/>
-                <a:ea typeface="+mj-ea"/>
-                <a:cs typeface="+mj-cs"/>
-              </a:defRPr>
-            </a:lvl1pPr>
-            <a:lvl2pPr marL="742950" indent="-285750" algn="l" defTabSz="457200" rtl="0" eaLnBrk="1" latinLnBrk="0" hangingPunct="1">
-              <a:spcBef>
-                <a:spcPts val="1000"/>
-              </a:spcBef>
-              <a:spcAft>
-                <a:spcPts val="0"/>
-              </a:spcAft>
-              <a:buClr>
-                <a:schemeClr val="bg2">
-                  <a:lumMod val="40000"/>
-                  <a:lumOff val="60000"/>
-                </a:schemeClr>
-              </a:buClr>
-              <a:buSzPct val="80000"/>
-              <a:buFont typeface="Wingdings 3" charset="2"/>
-              <a:buChar char=""/>
-              <a:defRPr sz="1800" b="0" i="0" kern="1200">
-                <a:solidFill>
-                  <a:schemeClr val="tx1"/>
-                </a:solidFill>
-                <a:latin typeface="+mj-lt"/>
-                <a:ea typeface="+mj-ea"/>
-                <a:cs typeface="+mj-cs"/>
-              </a:defRPr>
-            </a:lvl2pPr>
-            <a:lvl3pPr marL="1143000" indent="-228600" algn="l" defTabSz="457200" rtl="0" eaLnBrk="1" latinLnBrk="0" hangingPunct="1">
-              <a:spcBef>
-                <a:spcPts val="1000"/>
-              </a:spcBef>
-              <a:spcAft>
-                <a:spcPts val="0"/>
-              </a:spcAft>
-              <a:buClr>
-                <a:schemeClr val="bg2">
-                  <a:lumMod val="40000"/>
-                  <a:lumOff val="60000"/>
-                </a:schemeClr>
-              </a:buClr>
-              <a:buSzPct val="80000"/>
-              <a:buFont typeface="Wingdings 3" charset="2"/>
-              <a:buChar char=""/>
-              <a:defRPr sz="1600" b="0" i="0" kern="1200">
-                <a:solidFill>
-                  <a:schemeClr val="tx1"/>
-                </a:solidFill>
-                <a:latin typeface="+mj-lt"/>
-                <a:ea typeface="+mj-ea"/>
-                <a:cs typeface="+mj-cs"/>
-              </a:defRPr>
-            </a:lvl3pPr>
-            <a:lvl4pPr marL="1600200" indent="-228600" algn="l" defTabSz="457200" rtl="0" eaLnBrk="1" latinLnBrk="0" hangingPunct="1">
-              <a:spcBef>
-                <a:spcPts val="1000"/>
-              </a:spcBef>
-              <a:spcAft>
-                <a:spcPts val="0"/>
-              </a:spcAft>
-              <a:buClr>
-                <a:schemeClr val="bg2">
-                  <a:lumMod val="40000"/>
-                  <a:lumOff val="60000"/>
-                </a:schemeClr>
-              </a:buClr>
-              <a:buSzPct val="80000"/>
-              <a:buFont typeface="Wingdings 3" charset="2"/>
-              <a:buChar char=""/>
-              <a:defRPr sz="1400" b="0" i="0" kern="1200">
-                <a:solidFill>
-                  <a:schemeClr val="tx1"/>
-                </a:solidFill>
-                <a:latin typeface="+mj-lt"/>
-                <a:ea typeface="+mj-ea"/>
-                <a:cs typeface="+mj-cs"/>
-              </a:defRPr>
-            </a:lvl4pPr>
-            <a:lvl5pPr marL="2057400" indent="-228600" algn="l" defTabSz="457200" rtl="0" eaLnBrk="1" latinLnBrk="0" hangingPunct="1">
-              <a:spcBef>
-                <a:spcPts val="1000"/>
-              </a:spcBef>
-              <a:spcAft>
-                <a:spcPts val="0"/>
-              </a:spcAft>
-              <a:buClr>
-                <a:schemeClr val="bg2">
-                  <a:lumMod val="40000"/>
-                  <a:lumOff val="60000"/>
-                </a:schemeClr>
-              </a:buClr>
-              <a:buSzPct val="80000"/>
-              <a:buFont typeface="Wingdings 3" charset="2"/>
-              <a:buChar char=""/>
-              <a:defRPr sz="1400" b="0" i="0" kern="1200">
-                <a:solidFill>
-                  <a:schemeClr val="tx1"/>
-                </a:solidFill>
-                <a:latin typeface="+mj-lt"/>
-                <a:ea typeface="+mj-ea"/>
-                <a:cs typeface="+mj-cs"/>
-              </a:defRPr>
-            </a:lvl5pPr>
-            <a:lvl6pPr marL="2506000" indent="-228600" algn="l" defTabSz="457200" rtl="0" eaLnBrk="1" latinLnBrk="0" hangingPunct="1">
-              <a:spcBef>
-                <a:spcPts val="1000"/>
-              </a:spcBef>
-              <a:spcAft>
-                <a:spcPts val="0"/>
-              </a:spcAft>
-              <a:buClr>
-                <a:schemeClr val="bg2">
-                  <a:lumMod val="40000"/>
-                  <a:lumOff val="60000"/>
-                </a:schemeClr>
-              </a:buClr>
-              <a:buSzPct val="80000"/>
-              <a:buFont typeface="Wingdings 3" charset="2"/>
-              <a:buChar char=""/>
-              <a:defRPr sz="1400" b="0" i="0" kern="1200">
-                <a:solidFill>
-                  <a:schemeClr val="tx1"/>
-                </a:solidFill>
-                <a:latin typeface="+mj-lt"/>
-                <a:ea typeface="+mj-ea"/>
-                <a:cs typeface="+mj-cs"/>
-              </a:defRPr>
-            </a:lvl6pPr>
-            <a:lvl7pPr marL="2971800" indent="-228600" algn="l" defTabSz="457200" rtl="0" eaLnBrk="1" latinLnBrk="0" hangingPunct="1">
-              <a:spcBef>
-                <a:spcPts val="1000"/>
-              </a:spcBef>
-              <a:spcAft>
-                <a:spcPts val="0"/>
-              </a:spcAft>
-              <a:buClr>
-                <a:schemeClr val="bg2">
-                  <a:lumMod val="40000"/>
-                  <a:lumOff val="60000"/>
-                </a:schemeClr>
-              </a:buClr>
-              <a:buSzPct val="80000"/>
-              <a:buFont typeface="Wingdings 3" charset="2"/>
-              <a:buChar char=""/>
-              <a:defRPr sz="1400" b="0" i="0" kern="1200">
-                <a:solidFill>
-                  <a:schemeClr val="tx1"/>
-                </a:solidFill>
-                <a:latin typeface="+mj-lt"/>
-                <a:ea typeface="+mj-ea"/>
-                <a:cs typeface="+mj-cs"/>
-              </a:defRPr>
-            </a:lvl7pPr>
-            <a:lvl8pPr marL="3429000" indent="-228600" algn="l" defTabSz="457200" rtl="0" eaLnBrk="1" latinLnBrk="0" hangingPunct="1">
-              <a:spcBef>
-                <a:spcPts val="1000"/>
-              </a:spcBef>
-              <a:spcAft>
-                <a:spcPts val="0"/>
-              </a:spcAft>
-              <a:buClr>
-                <a:schemeClr val="bg2">
-                  <a:lumMod val="40000"/>
-                  <a:lumOff val="60000"/>
-                </a:schemeClr>
-              </a:buClr>
-              <a:buSzPct val="80000"/>
-              <a:buFont typeface="Wingdings 3" charset="2"/>
-              <a:buChar char=""/>
-              <a:defRPr sz="1400" b="0" i="0" kern="1200">
-                <a:solidFill>
-                  <a:schemeClr val="tx1"/>
-                </a:solidFill>
-                <a:latin typeface="+mj-lt"/>
-                <a:ea typeface="+mj-ea"/>
-                <a:cs typeface="+mj-cs"/>
-              </a:defRPr>
-            </a:lvl8pPr>
-            <a:lvl9pPr marL="3886200" indent="-228600" algn="l" defTabSz="457200" rtl="0" eaLnBrk="1" latinLnBrk="0" hangingPunct="1">
-              <a:spcBef>
-                <a:spcPts val="1000"/>
-              </a:spcBef>
-              <a:spcAft>
-                <a:spcPts val="0"/>
-              </a:spcAft>
-              <a:buClr>
-                <a:schemeClr val="bg2">
-                  <a:lumMod val="40000"/>
-                  <a:lumOff val="60000"/>
-                </a:schemeClr>
-              </a:buClr>
-              <a:buSzPct val="80000"/>
-              <a:buFont typeface="Wingdings 3" charset="2"/>
-              <a:buChar char=""/>
-              <a:defRPr sz="1400" b="0" i="0" kern="1200">
-                <a:solidFill>
-                  <a:schemeClr val="tx1"/>
-                </a:solidFill>
-                <a:latin typeface="+mj-lt"/>
-                <a:ea typeface="+mj-ea"/>
-                <a:cs typeface="+mj-cs"/>
-              </a:defRPr>
-            </a:lvl9pPr>
-          </a:lstStyle>
-          <a:p>
-            <a:pPr marL="0" indent="0">
-              <a:buNone/>
-            </a:pPr>
-            <a:r>
-              <a:rPr lang="en-GB" b="1" dirty="0" smtClean="0"/>
-              <a:t>Expected Output</a:t>
-            </a:r>
-            <a:br>
-              <a:rPr lang="en-GB" b="1" dirty="0" smtClean="0"/>
-            </a:br>
-            <a:r>
-              <a:rPr lang="en-GB" b="1" dirty="0" smtClean="0"/>
-              <a:t>Project 1</a:t>
-            </a:r>
-          </a:p>
-          <a:p>
-            <a:pPr marL="0" indent="0">
-              <a:buNone/>
-            </a:pPr>
-            <a:r>
-              <a:rPr lang="en-GB" dirty="0" smtClean="0"/>
-              <a:t/>
-            </a:r>
-            <a:br>
-              <a:rPr lang="en-GB" dirty="0" smtClean="0"/>
-            </a:br>
-            <a:r>
-              <a:rPr lang="en-GB" dirty="0">
-                <a:latin typeface="Courier New" panose="02070309020205020404" pitchFamily="49" charset="0"/>
-                <a:cs typeface="Courier New" panose="02070309020205020404" pitchFamily="49" charset="0"/>
-              </a:rPr>
-              <a:t>Hello Universe </a:t>
-            </a:r>
-            <a:r>
-              <a:rPr lang="en-GB" dirty="0" smtClean="0">
-                <a:latin typeface="Courier New" panose="02070309020205020404" pitchFamily="49" charset="0"/>
-                <a:cs typeface="Courier New" panose="02070309020205020404" pitchFamily="49" charset="0"/>
-              </a:rPr>
-              <a:t>!</a:t>
-            </a:r>
-          </a:p>
-          <a:p>
-            <a:pPr marL="0" indent="0">
-              <a:buNone/>
-            </a:pPr>
-            <a:endParaRPr lang="en-GB" dirty="0">
-              <a:latin typeface="Courier New" panose="02070309020205020404" pitchFamily="49" charset="0"/>
-              <a:cs typeface="Courier New" panose="02070309020205020404" pitchFamily="49" charset="0"/>
-            </a:endParaRPr>
-          </a:p>
-          <a:p>
-            <a:pPr marL="0" indent="0">
-              <a:buNone/>
-            </a:pPr>
-            <a:r>
-              <a:rPr lang="en-GB" b="1" dirty="0"/>
-              <a:t>Project </a:t>
-            </a:r>
-            <a:r>
-              <a:rPr lang="en-GB" b="1" dirty="0" smtClean="0"/>
-              <a:t>2</a:t>
-            </a:r>
-          </a:p>
-          <a:p>
-            <a:pPr marL="0" indent="0">
-              <a:buNone/>
-            </a:pPr>
-            <a:r>
-              <a:rPr lang="en-GB" dirty="0" smtClean="0">
-                <a:latin typeface="Courier New" panose="02070309020205020404" pitchFamily="49" charset="0"/>
-                <a:cs typeface="Courier New" panose="02070309020205020404" pitchFamily="49" charset="0"/>
-              </a:rPr>
-              <a:t>1</a:t>
-            </a:r>
-          </a:p>
-          <a:p>
-            <a:pPr marL="0" indent="0">
-              <a:buNone/>
-            </a:pPr>
-            <a:r>
-              <a:rPr lang="en-GB" dirty="0" smtClean="0">
-                <a:latin typeface="Courier New" panose="02070309020205020404" pitchFamily="49" charset="0"/>
-                <a:cs typeface="Courier New" panose="02070309020205020404" pitchFamily="49" charset="0"/>
-              </a:rPr>
-              <a:t>2</a:t>
-            </a:r>
-          </a:p>
-          <a:p>
-            <a:pPr marL="0" indent="0">
-              <a:buNone/>
-            </a:pPr>
-            <a:r>
-              <a:rPr lang="en-GB" dirty="0" smtClean="0">
-                <a:latin typeface="Courier New" panose="02070309020205020404" pitchFamily="49" charset="0"/>
-                <a:cs typeface="Courier New" panose="02070309020205020404" pitchFamily="49" charset="0"/>
-              </a:rPr>
-              <a:t>3</a:t>
-            </a:r>
-          </a:p>
-          <a:p>
-            <a:pPr marL="0" indent="0">
-              <a:buNone/>
-            </a:pPr>
-            <a:r>
-              <a:rPr lang="en-GB" dirty="0" smtClean="0">
-                <a:latin typeface="Courier New" panose="02070309020205020404" pitchFamily="49" charset="0"/>
-                <a:cs typeface="Courier New" panose="02070309020205020404" pitchFamily="49" charset="0"/>
-              </a:rPr>
-              <a:t>4</a:t>
-            </a:r>
-          </a:p>
-          <a:p>
-            <a:pPr marL="0" indent="0">
-              <a:buNone/>
-            </a:pPr>
-            <a:r>
-              <a:rPr lang="en-GB" dirty="0" smtClean="0">
-                <a:latin typeface="Courier New" panose="02070309020205020404" pitchFamily="49" charset="0"/>
-                <a:cs typeface="Courier New" panose="02070309020205020404" pitchFamily="49" charset="0"/>
-              </a:rPr>
-              <a:t>5</a:t>
-            </a:r>
-          </a:p>
-          <a:p>
-            <a:pPr marL="0" indent="0">
-              <a:buNone/>
-            </a:pPr>
-            <a:r>
-              <a:rPr lang="en-GB" dirty="0" smtClean="0">
-                <a:latin typeface="Courier New" panose="02070309020205020404" pitchFamily="49" charset="0"/>
-                <a:cs typeface="Courier New" panose="02070309020205020404" pitchFamily="49" charset="0"/>
-              </a:rPr>
-              <a:t>6</a:t>
-            </a:r>
-          </a:p>
-          <a:p>
-            <a:pPr marL="0" indent="0">
-              <a:buNone/>
-            </a:pPr>
-            <a:r>
-              <a:rPr lang="en-GB" dirty="0" smtClean="0">
-                <a:latin typeface="Courier New" panose="02070309020205020404" pitchFamily="49" charset="0"/>
-                <a:cs typeface="Courier New" panose="02070309020205020404" pitchFamily="49" charset="0"/>
-              </a:rPr>
-              <a:t>7</a:t>
-            </a:r>
-          </a:p>
-          <a:p>
-            <a:pPr marL="0" indent="0">
-              <a:buNone/>
-            </a:pPr>
-            <a:r>
-              <a:rPr lang="en-GB" dirty="0" smtClean="0">
-                <a:latin typeface="Courier New" panose="02070309020205020404" pitchFamily="49" charset="0"/>
-                <a:cs typeface="Courier New" panose="02070309020205020404" pitchFamily="49" charset="0"/>
-              </a:rPr>
-              <a:t>8</a:t>
-            </a:r>
-          </a:p>
-          <a:p>
-            <a:pPr marL="0" indent="0">
-              <a:buNone/>
-            </a:pPr>
-            <a:r>
-              <a:rPr lang="en-GB" dirty="0" smtClean="0">
-                <a:latin typeface="Courier New" panose="02070309020205020404" pitchFamily="49" charset="0"/>
-                <a:cs typeface="Courier New" panose="02070309020205020404" pitchFamily="49" charset="0"/>
-              </a:rPr>
-              <a:t>9</a:t>
-            </a:r>
-          </a:p>
-          <a:p>
-            <a:pPr marL="0" indent="0">
-              <a:buNone/>
-            </a:pPr>
-            <a:r>
-              <a:rPr lang="en-GB" dirty="0" smtClean="0">
-                <a:latin typeface="Courier New" panose="02070309020205020404" pitchFamily="49" charset="0"/>
-                <a:cs typeface="Courier New" panose="02070309020205020404" pitchFamily="49" charset="0"/>
-              </a:rPr>
-              <a:t>10</a:t>
-            </a:r>
-            <a:endParaRPr lang="en-GB" dirty="0" smtClean="0">
-              <a:latin typeface="Courier New" panose="02070309020205020404" pitchFamily="49" charset="0"/>
-              <a:cs typeface="Courier New" panose="02070309020205020404" pitchFamily="49" charset="0"/>
-            </a:endParaRPr>
-          </a:p>
-        </p:txBody>
-      </p:sp>
-    </p:spTree>
-    <p:extLst>
-      <p:ext uri="{BB962C8B-B14F-4D97-AF65-F5344CB8AC3E}">
-        <p14:creationId xmlns:p14="http://schemas.microsoft.com/office/powerpoint/2010/main" val="114031439"/>
-      </p:ext>
-    </p:extLst>
-  </p:cSld>
-  <p:clrMapOvr>
-    <a:masterClrMapping/>
-  </p:clrMapOvr>
-</p:sld>
-</file>
-
-<file path=ppt/slides/slide19.xml><?xml version="1.0" encoding="utf-8"?>
-<p:sld xmlns:a="http://schemas.openxmlformats.org/drawingml/2006/main" xmlns:r="http://schemas.openxmlformats.org/officeDocument/2006/relationships" xmlns:p="http://schemas.openxmlformats.org/presentationml/2006/main">
-  <p:cSld>
-    <p:spTree>
-      <p:nvGrpSpPr>
-        <p:cNvPr id="1" name=""/>
-        <p:cNvGrpSpPr/>
-        <p:nvPr/>
-      </p:nvGrpSpPr>
-      <p:grpSpPr>
-        <a:xfrm>
-          <a:off x="0" y="0"/>
-          <a:ext cx="0" cy="0"/>
-          <a:chOff x="0" y="0"/>
-          <a:chExt cx="0" cy="0"/>
-        </a:xfrm>
-      </p:grpSpPr>
-      <p:sp>
-        <p:nvSpPr>
-          <p:cNvPr id="2" name="Title 1"/>
-          <p:cNvSpPr>
-            <a:spLocks noGrp="1"/>
-          </p:cNvSpPr>
-          <p:nvPr>
-            <p:ph type="title"/>
-          </p:nvPr>
-        </p:nvSpPr>
-        <p:spPr/>
-        <p:txBody>
-          <a:bodyPr/>
-          <a:lstStyle/>
-          <a:p>
-            <a:r>
-              <a:rPr lang="en-GB" dirty="0" smtClean="0"/>
-              <a:t>What we will learn next week !</a:t>
-            </a:r>
-            <a:endParaRPr lang="en-GB" dirty="0"/>
-          </a:p>
-        </p:txBody>
-      </p:sp>
-      <p:sp>
-        <p:nvSpPr>
-          <p:cNvPr id="3" name="Content Placeholder 2"/>
-          <p:cNvSpPr>
-            <a:spLocks noGrp="1"/>
-          </p:cNvSpPr>
-          <p:nvPr>
-            <p:ph idx="1"/>
-          </p:nvPr>
-        </p:nvSpPr>
-        <p:spPr/>
-        <p:txBody>
-          <a:bodyPr/>
-          <a:lstStyle/>
-          <a:p>
-            <a:r>
-              <a:rPr lang="en-GB" dirty="0" smtClean="0"/>
-              <a:t>We will learn how to ask the person running the program questions, and use the answers they give in running the program.</a:t>
-            </a:r>
-          </a:p>
-          <a:p>
-            <a:endParaRPr lang="en-GB" dirty="0" smtClean="0"/>
-          </a:p>
-          <a:p>
-            <a:r>
-              <a:rPr lang="en-GB" dirty="0" smtClean="0"/>
-              <a:t>We will learn a much better way to write the 1 to 10 program.</a:t>
-            </a:r>
-          </a:p>
-          <a:p>
-            <a:endParaRPr lang="en-GB" dirty="0" smtClean="0"/>
-          </a:p>
-          <a:p>
-            <a:r>
-              <a:rPr lang="en-GB" dirty="0" smtClean="0"/>
-              <a:t>We will learn how to easily make it count to a million !</a:t>
-            </a:r>
-          </a:p>
-          <a:p>
-            <a:endParaRPr lang="en-GB" dirty="0"/>
-          </a:p>
-          <a:p>
-            <a:r>
-              <a:rPr lang="en-GB" dirty="0" smtClean="0"/>
-              <a:t>We will learn how to make decisions and to do different things.</a:t>
-            </a:r>
-          </a:p>
-        </p:txBody>
-      </p:sp>
-    </p:spTree>
-    <p:extLst>
-      <p:ext uri="{BB962C8B-B14F-4D97-AF65-F5344CB8AC3E}">
-        <p14:creationId xmlns:p14="http://schemas.microsoft.com/office/powerpoint/2010/main" val="2310603909"/>
-      </p:ext>
-    </p:extLst>
-  </p:cSld>
-  <p:clrMapOvr>
-    <a:masterClrMapping/>
-  </p:clrMapOvr>
-</p:sld>
-</file>
-
-<file path=ppt/slides/slide2.xml><?xml version="1.0" encoding="utf-8"?>
-<p:sld xmlns:a="http://schemas.openxmlformats.org/drawingml/2006/main" xmlns:r="http://schemas.openxmlformats.org/officeDocument/2006/relationships" xmlns:p="http://schemas.openxmlformats.org/presentationml/2006/main">
-  <p:cSld>
-    <p:spTree>
-      <p:nvGrpSpPr>
-        <p:cNvPr id="1" name=""/>
-        <p:cNvGrpSpPr/>
-        <p:nvPr/>
-      </p:nvGrpSpPr>
-      <p:grpSpPr>
-        <a:xfrm>
-          <a:off x="0" y="0"/>
-          <a:ext cx="0" cy="0"/>
-          <a:chOff x="0" y="0"/>
-          <a:chExt cx="0" cy="0"/>
-        </a:xfrm>
-      </p:grpSpPr>
-      <p:sp>
-        <p:nvSpPr>
-          <p:cNvPr id="2" name="Title 1"/>
-          <p:cNvSpPr>
-            <a:spLocks noGrp="1"/>
-          </p:cNvSpPr>
-          <p:nvPr>
-            <p:ph type="title"/>
-          </p:nvPr>
-        </p:nvSpPr>
-        <p:spPr/>
-        <p:txBody>
-          <a:bodyPr/>
-          <a:lstStyle/>
-          <a:p>
-            <a:r>
-              <a:rPr lang="en-GB" dirty="0" smtClean="0"/>
-              <a:t>What is Python ?</a:t>
-            </a:r>
-            <a:endParaRPr lang="en-GB" dirty="0"/>
-          </a:p>
-        </p:txBody>
-      </p:sp>
-      <p:sp>
-        <p:nvSpPr>
-          <p:cNvPr id="3" name="Content Placeholder 2"/>
-          <p:cNvSpPr>
-            <a:spLocks noGrp="1"/>
-          </p:cNvSpPr>
-          <p:nvPr>
-            <p:ph idx="1"/>
-          </p:nvPr>
-        </p:nvSpPr>
-        <p:spPr/>
-        <p:txBody>
-          <a:bodyPr/>
-          <a:lstStyle/>
-          <a:p>
-            <a:r>
-              <a:rPr lang="en-GB" dirty="0" smtClean="0"/>
-              <a:t>Python is a programming language. Other famous programming languages include “Java”,</a:t>
-            </a:r>
-            <a:r>
-              <a:rPr lang="en-GB" dirty="0"/>
-              <a:t> </a:t>
-            </a:r>
-            <a:r>
-              <a:rPr lang="en-GB" dirty="0" smtClean="0"/>
-              <a:t>“</a:t>
-            </a:r>
-            <a:r>
-              <a:rPr lang="en-GB" dirty="0" err="1" smtClean="0"/>
-              <a:t>Javascript</a:t>
-            </a:r>
-            <a:r>
-              <a:rPr lang="en-GB" dirty="0" smtClean="0"/>
-              <a:t>”, “C”, “Ruby” and “PHP”.</a:t>
-            </a:r>
-          </a:p>
-          <a:p>
-            <a:r>
-              <a:rPr lang="en-GB" dirty="0" smtClean="0"/>
-              <a:t>Python is a major programming language which has been used to build sites and services such as :-</a:t>
-            </a:r>
-          </a:p>
-          <a:p>
-            <a:pPr lvl="1"/>
-            <a:r>
-              <a:rPr lang="en-GB" dirty="0" smtClean="0"/>
-              <a:t>Dropbox (who employ the engineer who first made Python).</a:t>
-            </a:r>
-          </a:p>
-          <a:p>
-            <a:pPr lvl="1"/>
-            <a:r>
-              <a:rPr lang="en-GB" dirty="0" err="1" smtClean="0"/>
-              <a:t>Youtube</a:t>
-            </a:r>
-            <a:r>
-              <a:rPr lang="en-GB" dirty="0" smtClean="0"/>
-              <a:t> (who use Python to build the </a:t>
-            </a:r>
-            <a:r>
-              <a:rPr lang="en-GB" dirty="0" err="1" smtClean="0"/>
-              <a:t>Youtube</a:t>
-            </a:r>
-            <a:r>
-              <a:rPr lang="en-GB" dirty="0" smtClean="0"/>
-              <a:t> webpages).</a:t>
-            </a:r>
-          </a:p>
-          <a:p>
-            <a:pPr lvl="1"/>
-            <a:r>
-              <a:rPr lang="en-GB" dirty="0" err="1" smtClean="0"/>
-              <a:t>Instragram</a:t>
-            </a:r>
-            <a:endParaRPr lang="en-GB" dirty="0" smtClean="0"/>
-          </a:p>
-          <a:p>
-            <a:pPr lvl="1"/>
-            <a:r>
-              <a:rPr lang="en-GB" dirty="0" smtClean="0"/>
-              <a:t>The Large </a:t>
-            </a:r>
-            <a:r>
-              <a:rPr lang="en-GB" dirty="0" err="1" smtClean="0"/>
-              <a:t>Hardron</a:t>
-            </a:r>
-            <a:r>
-              <a:rPr lang="en-GB" dirty="0" smtClean="0"/>
-              <a:t> </a:t>
-            </a:r>
-            <a:r>
-              <a:rPr lang="en-GB" dirty="0" err="1" smtClean="0"/>
-              <a:t>Colider</a:t>
-            </a:r>
-            <a:endParaRPr lang="en-GB" dirty="0" smtClean="0"/>
-          </a:p>
-          <a:p>
-            <a:pPr lvl="1"/>
-            <a:r>
-              <a:rPr lang="en-GB" dirty="0" err="1" smtClean="0"/>
-              <a:t>Lucasfilm</a:t>
-            </a:r>
-            <a:r>
-              <a:rPr lang="en-GB" dirty="0" smtClean="0"/>
-              <a:t> (who used Python to control the special effects on the recent Star Wars movies).</a:t>
-            </a:r>
-            <a:endParaRPr lang="en-GB" dirty="0"/>
-          </a:p>
-        </p:txBody>
-      </p:sp>
-    </p:spTree>
-    <p:extLst>
-      <p:ext uri="{BB962C8B-B14F-4D97-AF65-F5344CB8AC3E}">
-        <p14:creationId xmlns:p14="http://schemas.microsoft.com/office/powerpoint/2010/main" val="1451435175"/>
-      </p:ext>
-    </p:extLst>
-  </p:cSld>
-  <p:clrMapOvr>
-    <a:masterClrMapping/>
-  </p:clrMapOvr>
-</p:sld>
-</file>
-
-<file path=ppt/slides/slide3.xml><?xml version="1.0" encoding="utf-8"?>
-<p:sld xmlns:a="http://schemas.openxmlformats.org/drawingml/2006/main" xmlns:r="http://schemas.openxmlformats.org/officeDocument/2006/relationships" xmlns:p="http://schemas.openxmlformats.org/presentationml/2006/main">
-  <p:cSld>
-    <p:spTree>
-      <p:nvGrpSpPr>
-        <p:cNvPr id="1" name=""/>
-        <p:cNvGrpSpPr/>
-        <p:nvPr/>
-      </p:nvGrpSpPr>
-      <p:grpSpPr>
-        <a:xfrm>
-          <a:off x="0" y="0"/>
-          <a:ext cx="0" cy="0"/>
-          <a:chOff x="0" y="0"/>
-          <a:chExt cx="0" cy="0"/>
-        </a:xfrm>
-      </p:grpSpPr>
-      <p:sp>
-        <p:nvSpPr>
-          <p:cNvPr id="2" name="Title 1"/>
-          <p:cNvSpPr>
-            <a:spLocks noGrp="1"/>
-          </p:cNvSpPr>
-          <p:nvPr>
-            <p:ph type="title"/>
-          </p:nvPr>
-        </p:nvSpPr>
-        <p:spPr/>
-        <p:txBody>
-          <a:bodyPr/>
-          <a:lstStyle/>
-          <a:p>
-            <a:r>
-              <a:rPr lang="en-GB" dirty="0" smtClean="0"/>
-              <a:t>What version of Python ?</a:t>
-            </a:r>
-            <a:endParaRPr lang="en-GB" dirty="0"/>
-          </a:p>
-        </p:txBody>
-      </p:sp>
-      <p:sp>
-        <p:nvSpPr>
-          <p:cNvPr id="3" name="Content Placeholder 2"/>
-          <p:cNvSpPr>
-            <a:spLocks noGrp="1"/>
-          </p:cNvSpPr>
-          <p:nvPr>
-            <p:ph idx="1"/>
-          </p:nvPr>
-        </p:nvSpPr>
-        <p:spPr/>
-        <p:txBody>
-          <a:bodyPr/>
-          <a:lstStyle/>
-          <a:p>
-            <a:r>
-              <a:rPr lang="en-GB" dirty="0" smtClean="0"/>
-              <a:t>There are two main versions of Python in use today, which are very similar but not 100% compatible.</a:t>
-            </a:r>
-          </a:p>
-          <a:p>
-            <a:pPr lvl="1"/>
-            <a:r>
-              <a:rPr lang="en-GB" b="1" dirty="0" smtClean="0"/>
-              <a:t>Python 2:</a:t>
-            </a:r>
-            <a:r>
-              <a:rPr lang="en-GB" dirty="0" smtClean="0"/>
-              <a:t> Was originally released in 2000. The last version of Python 2 will be released in 2020 and then the language will get no further support.</a:t>
-            </a:r>
-            <a:endParaRPr lang="en-GB" b="1" dirty="0" smtClean="0"/>
-          </a:p>
-          <a:p>
-            <a:pPr lvl="1"/>
-            <a:r>
-              <a:rPr lang="en-GB" b="1" dirty="0" smtClean="0"/>
-              <a:t>Python 3: </a:t>
-            </a:r>
-            <a:r>
-              <a:rPr lang="en-GB" dirty="0" smtClean="0"/>
-              <a:t>The first version was released in 2008, and support will continue.</a:t>
-            </a:r>
-          </a:p>
-          <a:p>
-            <a:pPr lvl="1"/>
-            <a:endParaRPr lang="en-GB" dirty="0"/>
-          </a:p>
-          <a:p>
-            <a:r>
-              <a:rPr lang="en-GB" dirty="0" smtClean="0"/>
-              <a:t>We will be learning Python 3 exclusively.</a:t>
-            </a:r>
-          </a:p>
-          <a:p>
-            <a:endParaRPr lang="en-GB" dirty="0"/>
-          </a:p>
-          <a:p>
-            <a:r>
-              <a:rPr lang="en-GB" b="1" u="sng" dirty="0" smtClean="0">
-                <a:solidFill>
-                  <a:srgbClr val="FFFF00"/>
-                </a:solidFill>
-              </a:rPr>
-              <a:t>KEY FACT:</a:t>
-            </a:r>
-            <a:r>
-              <a:rPr lang="en-GB" b="1" dirty="0" smtClean="0">
-                <a:solidFill>
-                  <a:srgbClr val="FFFF00"/>
-                </a:solidFill>
-              </a:rPr>
-              <a:t> </a:t>
-            </a:r>
-            <a:r>
-              <a:rPr lang="en-GB" dirty="0" smtClean="0">
-                <a:solidFill>
-                  <a:srgbClr val="FFFF00"/>
-                </a:solidFill>
-              </a:rPr>
-              <a:t>Be careful what examples you find on the internet. Make sure they are for Python 3 or they might not work !</a:t>
-            </a:r>
-            <a:endParaRPr lang="en-GB" b="1" u="sng" dirty="0">
-              <a:solidFill>
-                <a:srgbClr val="FFFF00"/>
-              </a:solidFill>
-            </a:endParaRPr>
-          </a:p>
-        </p:txBody>
-      </p:sp>
-    </p:spTree>
-    <p:extLst>
-      <p:ext uri="{BB962C8B-B14F-4D97-AF65-F5344CB8AC3E}">
-        <p14:creationId xmlns:p14="http://schemas.microsoft.com/office/powerpoint/2010/main" val="2057965455"/>
-      </p:ext>
-    </p:extLst>
-  </p:cSld>
-  <p:clrMapOvr>
-    <a:masterClrMapping/>
-  </p:clrMapOvr>
-</p:sld>
-</file>
-
-<file path=ppt/slides/slide4.xml><?xml version="1.0" encoding="utf-8"?>
-<p:sld xmlns:a="http://schemas.openxmlformats.org/drawingml/2006/main" xmlns:r="http://schemas.openxmlformats.org/officeDocument/2006/relationships" xmlns:p="http://schemas.openxmlformats.org/presentationml/2006/main">
-  <p:cSld>
-    <p:spTree>
-      <p:nvGrpSpPr>
-        <p:cNvPr id="1" name=""/>
-        <p:cNvGrpSpPr/>
-        <p:nvPr/>
-      </p:nvGrpSpPr>
-      <p:grpSpPr>
-        <a:xfrm>
-          <a:off x="0" y="0"/>
-          <a:ext cx="0" cy="0"/>
-          <a:chOff x="0" y="0"/>
-          <a:chExt cx="0" cy="0"/>
-        </a:xfrm>
-      </p:grpSpPr>
-      <p:sp>
-        <p:nvSpPr>
-          <p:cNvPr id="2" name="Title 1"/>
-          <p:cNvSpPr>
-            <a:spLocks noGrp="1"/>
-          </p:cNvSpPr>
-          <p:nvPr>
-            <p:ph type="title"/>
-          </p:nvPr>
-        </p:nvSpPr>
-        <p:spPr/>
-        <p:txBody>
-          <a:bodyPr/>
-          <a:lstStyle/>
-          <a:p>
-            <a:r>
-              <a:rPr lang="en-GB" dirty="0" smtClean="0"/>
-              <a:t>Getting Python 3</a:t>
-            </a:r>
-            <a:endParaRPr lang="en-GB" dirty="0"/>
-          </a:p>
-        </p:txBody>
-      </p:sp>
-      <p:sp>
-        <p:nvSpPr>
-          <p:cNvPr id="3" name="Content Placeholder 2"/>
-          <p:cNvSpPr>
-            <a:spLocks noGrp="1"/>
-          </p:cNvSpPr>
-          <p:nvPr>
-            <p:ph idx="1"/>
-          </p:nvPr>
-        </p:nvSpPr>
-        <p:spPr>
-          <a:xfrm>
-            <a:off x="1103313" y="2052919"/>
-            <a:ext cx="4267758" cy="4611492"/>
-          </a:xfrm>
-        </p:spPr>
-        <p:txBody>
-          <a:bodyPr>
-            <a:normAutofit/>
-          </a:bodyPr>
-          <a:lstStyle/>
-          <a:p>
-            <a:r>
-              <a:rPr lang="en-GB" dirty="0" smtClean="0"/>
-              <a:t>On Windows, you should install Python3 from :-</a:t>
-            </a:r>
-          </a:p>
-          <a:p>
-            <a:pPr lvl="1"/>
-            <a:r>
-              <a:rPr lang="en-GB" sz="1400" dirty="0">
-                <a:hlinkClick r:id="rId2"/>
-              </a:rPr>
-              <a:t>https://www.python.org/downloads</a:t>
-            </a:r>
-            <a:r>
-              <a:rPr lang="en-GB" sz="1400" dirty="0" smtClean="0">
-                <a:hlinkClick r:id="rId2"/>
-              </a:rPr>
-              <a:t>/</a:t>
-            </a:r>
-            <a:endParaRPr lang="en-GB" sz="1400" dirty="0"/>
-          </a:p>
-          <a:p>
-            <a:pPr lvl="1"/>
-            <a:endParaRPr lang="en-GB" dirty="0"/>
-          </a:p>
-          <a:p>
-            <a:r>
-              <a:rPr lang="en-GB" b="1" u="sng" dirty="0" smtClean="0">
-                <a:solidFill>
-                  <a:srgbClr val="FFFF00"/>
-                </a:solidFill>
-              </a:rPr>
-              <a:t>ACTION:</a:t>
-            </a:r>
-            <a:r>
-              <a:rPr lang="en-GB" b="1" dirty="0" smtClean="0">
-                <a:solidFill>
-                  <a:srgbClr val="FFFF00"/>
-                </a:solidFill>
-              </a:rPr>
-              <a:t> </a:t>
-            </a:r>
-            <a:r>
-              <a:rPr lang="en-GB" dirty="0" smtClean="0">
-                <a:solidFill>
-                  <a:srgbClr val="FFFF00"/>
-                </a:solidFill>
-              </a:rPr>
-              <a:t>Visit this webpage, download Python and install it.</a:t>
-            </a:r>
-          </a:p>
-        </p:txBody>
-      </p:sp>
-      <p:pic>
-        <p:nvPicPr>
-          <p:cNvPr id="4" name="Picture 3"/>
-          <p:cNvPicPr>
-            <a:picLocks noChangeAspect="1"/>
-          </p:cNvPicPr>
-          <p:nvPr/>
-        </p:nvPicPr>
-        <p:blipFill>
-          <a:blip r:embed="rId3"/>
-          <a:stretch>
-            <a:fillRect/>
-          </a:stretch>
-        </p:blipFill>
-        <p:spPr>
-          <a:xfrm>
-            <a:off x="5445212" y="2920607"/>
-            <a:ext cx="6631150" cy="3339343"/>
-          </a:xfrm>
-          <a:prstGeom prst="rect">
-            <a:avLst/>
-          </a:prstGeom>
-        </p:spPr>
-      </p:pic>
-    </p:spTree>
-    <p:extLst>
-      <p:ext uri="{BB962C8B-B14F-4D97-AF65-F5344CB8AC3E}">
-        <p14:creationId xmlns:p14="http://schemas.microsoft.com/office/powerpoint/2010/main" val="464846141"/>
-      </p:ext>
-    </p:extLst>
-  </p:cSld>
-  <p:clrMapOvr>
-    <a:masterClrMapping/>
-  </p:clrMapOvr>
-</p:sld>
-</file>
-
-<file path=ppt/slides/slide5.xml><?xml version="1.0" encoding="utf-8"?>
-<p:sld xmlns:a="http://schemas.openxmlformats.org/drawingml/2006/main" xmlns:r="http://schemas.openxmlformats.org/officeDocument/2006/relationships" xmlns:p="http://schemas.openxmlformats.org/presentationml/2006/main">
-  <p:cSld>
-    <p:spTree>
-      <p:nvGrpSpPr>
-        <p:cNvPr id="1" name=""/>
-        <p:cNvGrpSpPr/>
-        <p:nvPr/>
-      </p:nvGrpSpPr>
-      <p:grpSpPr>
-        <a:xfrm>
-          <a:off x="0" y="0"/>
-          <a:ext cx="0" cy="0"/>
-          <a:chOff x="0" y="0"/>
-          <a:chExt cx="0" cy="0"/>
-        </a:xfrm>
-      </p:grpSpPr>
-      <p:sp>
-        <p:nvSpPr>
-          <p:cNvPr id="2" name="Title 1"/>
-          <p:cNvSpPr>
-            <a:spLocks noGrp="1"/>
-          </p:cNvSpPr>
-          <p:nvPr>
-            <p:ph type="title"/>
-          </p:nvPr>
-        </p:nvSpPr>
-        <p:spPr/>
-        <p:txBody>
-          <a:bodyPr/>
-          <a:lstStyle/>
-          <a:p>
-            <a:r>
-              <a:rPr lang="en-GB" dirty="0" smtClean="0"/>
-              <a:t>Hello World !</a:t>
-            </a:r>
-            <a:endParaRPr lang="en-GB" dirty="0"/>
-          </a:p>
-        </p:txBody>
-      </p:sp>
-      <p:sp>
-        <p:nvSpPr>
-          <p:cNvPr id="3" name="Content Placeholder 2"/>
-          <p:cNvSpPr>
-            <a:spLocks noGrp="1"/>
-          </p:cNvSpPr>
-          <p:nvPr>
-            <p:ph idx="1"/>
-          </p:nvPr>
-        </p:nvSpPr>
-        <p:spPr/>
-        <p:txBody>
-          <a:bodyPr/>
-          <a:lstStyle/>
-          <a:p>
-            <a:r>
-              <a:rPr lang="en-GB" dirty="0" smtClean="0"/>
-              <a:t>Computer programmers traditionally use “Hello World” as the first program they write in any programming language.</a:t>
-            </a:r>
-          </a:p>
-          <a:p>
-            <a:r>
-              <a:rPr lang="en-GB" dirty="0" smtClean="0"/>
-              <a:t>It simply prints “Hello World” on the screen.</a:t>
-            </a:r>
-          </a:p>
-          <a:p>
-            <a:r>
-              <a:rPr lang="en-GB" dirty="0" smtClean="0"/>
-              <a:t>It proves several things :-</a:t>
-            </a:r>
-          </a:p>
-          <a:p>
-            <a:pPr lvl="1"/>
-            <a:r>
-              <a:rPr lang="en-GB" dirty="0" smtClean="0"/>
-              <a:t>You can write, save, and run a simple program.</a:t>
-            </a:r>
-          </a:p>
-          <a:p>
-            <a:pPr lvl="1"/>
-            <a:r>
-              <a:rPr lang="en-GB" dirty="0" smtClean="0"/>
-              <a:t>You have installed Python correctly.</a:t>
-            </a:r>
-            <a:endParaRPr lang="en-GB" dirty="0"/>
-          </a:p>
-        </p:txBody>
-      </p:sp>
-    </p:spTree>
-    <p:extLst>
-      <p:ext uri="{BB962C8B-B14F-4D97-AF65-F5344CB8AC3E}">
-        <p14:creationId xmlns:p14="http://schemas.microsoft.com/office/powerpoint/2010/main" val="3562630675"/>
-      </p:ext>
-    </p:extLst>
-  </p:cSld>
-  <p:clrMapOvr>
-    <a:masterClrMapping/>
-  </p:clrMapOvr>
-</p:sld>
-</file>
-
-<file path=ppt/slides/slide6.xml><?xml version="1.0" encoding="utf-8"?>
-<p:sld xmlns:a="http://schemas.openxmlformats.org/drawingml/2006/main" xmlns:r="http://schemas.openxmlformats.org/officeDocument/2006/relationships" xmlns:p="http://schemas.openxmlformats.org/presentationml/2006/main">
-  <p:cSld>
-    <p:spTree>
-      <p:nvGrpSpPr>
-        <p:cNvPr id="1" name=""/>
-        <p:cNvGrpSpPr/>
-        <p:nvPr/>
-      </p:nvGrpSpPr>
-      <p:grpSpPr>
-        <a:xfrm>
-          <a:off x="0" y="0"/>
-          <a:ext cx="0" cy="0"/>
-          <a:chOff x="0" y="0"/>
-          <a:chExt cx="0" cy="0"/>
-        </a:xfrm>
-      </p:grpSpPr>
-      <p:sp>
-        <p:nvSpPr>
-          <p:cNvPr id="2" name="Title 1"/>
-          <p:cNvSpPr>
-            <a:spLocks noGrp="1"/>
-          </p:cNvSpPr>
-          <p:nvPr>
-            <p:ph type="title"/>
-          </p:nvPr>
-        </p:nvSpPr>
-        <p:spPr/>
-        <p:txBody>
-          <a:bodyPr/>
-          <a:lstStyle/>
-          <a:p>
-            <a:r>
-              <a:rPr lang="en-GB" dirty="0" smtClean="0"/>
-              <a:t>What tools to use to write programs.</a:t>
-            </a:r>
-            <a:endParaRPr lang="en-GB" dirty="0"/>
-          </a:p>
-        </p:txBody>
-      </p:sp>
-      <p:sp>
-        <p:nvSpPr>
-          <p:cNvPr id="3" name="Content Placeholder 2"/>
-          <p:cNvSpPr>
-            <a:spLocks noGrp="1"/>
-          </p:cNvSpPr>
-          <p:nvPr>
-            <p:ph idx="1"/>
-          </p:nvPr>
-        </p:nvSpPr>
-        <p:spPr/>
-        <p:txBody>
-          <a:bodyPr/>
-          <a:lstStyle/>
-          <a:p>
-            <a:r>
-              <a:rPr lang="en-GB" dirty="0" smtClean="0"/>
-              <a:t>You can write programs with any text editor.</a:t>
-            </a:r>
-          </a:p>
-          <a:p>
-            <a:r>
-              <a:rPr lang="en-GB" dirty="0" smtClean="0"/>
-              <a:t>Later you will get a better tool, but this will show you that you don’t need anything fancy to write a program (but it can help make it easier !).</a:t>
-            </a:r>
-          </a:p>
-          <a:p>
-            <a:r>
-              <a:rPr lang="en-GB" dirty="0" smtClean="0"/>
-              <a:t>We will write our first program using notepad that comes with Windows.</a:t>
-            </a:r>
-          </a:p>
-          <a:p>
-            <a:pPr marL="0" indent="0">
-              <a:buNone/>
-            </a:pPr>
-            <a:endParaRPr lang="en-GB" dirty="0" smtClean="0"/>
-          </a:p>
-          <a:p>
-            <a:pPr marL="0" indent="0">
-              <a:buNone/>
-            </a:pPr>
-            <a:r>
-              <a:rPr lang="en-GB" b="1" u="sng" dirty="0" smtClean="0">
-                <a:solidFill>
-                  <a:srgbClr val="FFFF00"/>
-                </a:solidFill>
-              </a:rPr>
-              <a:t>ACTION:</a:t>
-            </a:r>
-            <a:r>
-              <a:rPr lang="en-GB" b="1" dirty="0" smtClean="0">
-                <a:solidFill>
-                  <a:srgbClr val="FFFF00"/>
-                </a:solidFill>
-              </a:rPr>
-              <a:t> </a:t>
-            </a:r>
-            <a:r>
-              <a:rPr lang="en-GB" dirty="0" smtClean="0">
-                <a:solidFill>
-                  <a:srgbClr val="FFFF00"/>
-                </a:solidFill>
-              </a:rPr>
-              <a:t>Run notepad by pressing the windows key, typing “notepad” and pressing enter. You should get an empty notepad window you can type things into.</a:t>
-            </a:r>
-            <a:endParaRPr lang="en-GB" b="1" dirty="0">
-              <a:solidFill>
-                <a:srgbClr val="FFFF00"/>
-              </a:solidFill>
-            </a:endParaRPr>
-          </a:p>
-        </p:txBody>
-      </p:sp>
-    </p:spTree>
-    <p:extLst>
-      <p:ext uri="{BB962C8B-B14F-4D97-AF65-F5344CB8AC3E}">
-        <p14:creationId xmlns:p14="http://schemas.microsoft.com/office/powerpoint/2010/main" val="494799786"/>
-      </p:ext>
-    </p:extLst>
-  </p:cSld>
-  <p:clrMapOvr>
-    <a:masterClrMapping/>
-  </p:clrMapOvr>
-</p:sld>
-</file>
-
-<file path=ppt/slides/slide7.xml><?xml version="1.0" encoding="utf-8"?>
-<p:sld xmlns:a="http://schemas.openxmlformats.org/drawingml/2006/main" xmlns:r="http://schemas.openxmlformats.org/officeDocument/2006/relationships" xmlns:p="http://schemas.openxmlformats.org/presentationml/2006/main">
-  <p:cSld>
-    <p:spTree>
-      <p:nvGrpSpPr>
-        <p:cNvPr id="1" name=""/>
-        <p:cNvGrpSpPr/>
-        <p:nvPr/>
-      </p:nvGrpSpPr>
-      <p:grpSpPr>
-        <a:xfrm>
-          <a:off x="0" y="0"/>
-          <a:ext cx="0" cy="0"/>
-          <a:chOff x="0" y="0"/>
-          <a:chExt cx="0" cy="0"/>
-        </a:xfrm>
-      </p:grpSpPr>
-      <p:sp>
-        <p:nvSpPr>
-          <p:cNvPr id="2" name="Title 1"/>
-          <p:cNvSpPr>
-            <a:spLocks noGrp="1"/>
-          </p:cNvSpPr>
-          <p:nvPr>
-            <p:ph type="title"/>
-          </p:nvPr>
-        </p:nvSpPr>
-        <p:spPr/>
-        <p:txBody>
-          <a:bodyPr/>
-          <a:lstStyle/>
-          <a:p>
-            <a:r>
-              <a:rPr lang="en-GB" dirty="0" smtClean="0"/>
-              <a:t>Your first program.</a:t>
-            </a:r>
-            <a:endParaRPr lang="en-GB" dirty="0"/>
-          </a:p>
-        </p:txBody>
-      </p:sp>
-      <p:sp>
-        <p:nvSpPr>
-          <p:cNvPr id="4" name="Content Placeholder 2"/>
-          <p:cNvSpPr txBox="1">
-            <a:spLocks/>
-          </p:cNvSpPr>
-          <p:nvPr/>
-        </p:nvSpPr>
-        <p:spPr>
-          <a:xfrm>
-            <a:off x="646110" y="2059458"/>
-            <a:ext cx="6578473" cy="4324865"/>
+            <a:off x="5147228" y="333988"/>
+            <a:ext cx="4521311" cy="4195481"/>
           </a:xfrm>
           <a:prstGeom prst="rect">
             <a:avLst/>
@@ -8885,116 +6939,5339 @@
             </a:lvl9pPr>
           </a:lstStyle>
           <a:p>
-            <a:r>
-              <a:rPr lang="en-GB" dirty="0" smtClean="0">
-                <a:latin typeface="+mn-lt"/>
-                <a:cs typeface="Courier New" panose="02070309020205020404" pitchFamily="49" charset="0"/>
-              </a:rPr>
-              <a:t>The first program is just the line listed on the right.</a:t>
-            </a:r>
-          </a:p>
-          <a:p>
-            <a:r>
-              <a:rPr lang="en-GB" dirty="0" smtClean="0">
-                <a:latin typeface="+mn-lt"/>
-                <a:cs typeface="Courier New" panose="02070309020205020404" pitchFamily="49" charset="0"/>
-              </a:rPr>
-              <a:t>Your notepad window should look like the example on the right when you are finished.</a:t>
-            </a:r>
-          </a:p>
-          <a:p>
-            <a:r>
-              <a:rPr lang="en-GB" dirty="0" smtClean="0">
-                <a:latin typeface="+mn-lt"/>
-                <a:cs typeface="Courier New" panose="02070309020205020404" pitchFamily="49" charset="0"/>
-              </a:rPr>
-              <a:t>It is very important when programming to be precise. The computer cares about the case (capital letters vs normal letters), the exact types of brackets and the exact types of quotes.</a:t>
-            </a:r>
-          </a:p>
-          <a:p>
-            <a:pPr lvl="1"/>
-            <a:r>
-              <a:rPr lang="en-GB" dirty="0" smtClean="0">
-                <a:latin typeface="+mn-lt"/>
-                <a:cs typeface="Courier New" panose="02070309020205020404" pitchFamily="49" charset="0"/>
-              </a:rPr>
-              <a:t>For example, (, { and [ are all different and using the wrong types of brackets will cause your program to not work !</a:t>
-            </a:r>
-          </a:p>
-          <a:p>
-            <a:r>
-              <a:rPr lang="en-GB" b="1" u="sng" dirty="0" smtClean="0">
-                <a:solidFill>
-                  <a:srgbClr val="FFFF00"/>
-                </a:solidFill>
-                <a:latin typeface="+mn-lt"/>
-                <a:cs typeface="Courier New" panose="02070309020205020404" pitchFamily="49" charset="0"/>
-              </a:rPr>
-              <a:t>Action:</a:t>
-            </a:r>
-            <a:r>
-              <a:rPr lang="en-GB" b="1" dirty="0" smtClean="0">
-                <a:solidFill>
-                  <a:srgbClr val="FFFF00"/>
-                </a:solidFill>
-                <a:latin typeface="+mn-lt"/>
-                <a:cs typeface="Courier New" panose="02070309020205020404" pitchFamily="49" charset="0"/>
-              </a:rPr>
-              <a:t> </a:t>
-            </a:r>
-            <a:r>
-              <a:rPr lang="en-GB" dirty="0" smtClean="0">
-                <a:solidFill>
-                  <a:srgbClr val="FFFF00"/>
-                </a:solidFill>
-                <a:latin typeface="+mn-lt"/>
-                <a:cs typeface="Courier New" panose="02070309020205020404" pitchFamily="49" charset="0"/>
-              </a:rPr>
-              <a:t>Type the program into the notepad window.</a:t>
-            </a:r>
-          </a:p>
-          <a:p>
-            <a:endParaRPr lang="en-GB" dirty="0">
-              <a:latin typeface="+mn-lt"/>
-              <a:cs typeface="Courier New" panose="02070309020205020404" pitchFamily="49" charset="0"/>
-            </a:endParaRPr>
-          </a:p>
-        </p:txBody>
-      </p:sp>
-      <p:pic>
-        <p:nvPicPr>
-          <p:cNvPr id="5" name="Picture 4"/>
-          <p:cNvPicPr>
-            <a:picLocks noChangeAspect="1"/>
-          </p:cNvPicPr>
+            <a:pPr marL="0" indent="0">
+              <a:buNone/>
+            </a:pPr>
+            <a:endParaRPr lang="en-GB" dirty="0" smtClean="0"/>
+          </a:p>
+          <a:p>
+            <a:endParaRPr lang="en-GB" dirty="0" smtClean="0"/>
+          </a:p>
+          <a:p>
+            <a:endParaRPr lang="en-GB" dirty="0" smtClean="0"/>
+          </a:p>
+          <a:p>
+            <a:endParaRPr lang="en-GB" dirty="0"/>
+          </a:p>
+        </p:txBody>
+      </p:sp>
+      <p:sp>
+        <p:nvSpPr>
+          <p:cNvPr id="9" name="Rectangle 8"/>
+          <p:cNvSpPr/>
           <p:nvPr/>
-        </p:nvPicPr>
-        <p:blipFill>
-          <a:blip r:embed="rId2"/>
-          <a:stretch>
-            <a:fillRect/>
-          </a:stretch>
-        </p:blipFill>
+        </p:nvSpPr>
         <p:spPr>
           <a:xfrm>
-            <a:off x="7224583" y="3311248"/>
-            <a:ext cx="4584915" cy="1274425"/>
+            <a:off x="6096000" y="832846"/>
+            <a:ext cx="5801833" cy="3139321"/>
           </a:xfrm>
           <a:prstGeom prst="rect">
             <a:avLst/>
           </a:prstGeom>
         </p:spPr>
-      </p:pic>
+        <p:txBody>
+          <a:bodyPr wrap="square">
+            <a:spAutoFit/>
+          </a:bodyPr>
+          <a:lstStyle/>
+          <a:p>
+            <a:r>
+              <a:rPr lang="en-GB" dirty="0" smtClean="0"/>
+              <a:t># </a:t>
+            </a:r>
+            <a:r>
+              <a:rPr lang="en-GB" dirty="0"/>
+              <a:t>Week2, Program6</a:t>
+            </a:r>
+          </a:p>
+          <a:p>
+            <a:endParaRPr lang="en-GB" dirty="0"/>
+          </a:p>
+          <a:p>
+            <a:r>
+              <a:rPr lang="en-GB" dirty="0"/>
+              <a:t>a = 4</a:t>
+            </a:r>
+          </a:p>
+          <a:p>
+            <a:r>
+              <a:rPr lang="en-GB" dirty="0"/>
+              <a:t>b = 2</a:t>
+            </a:r>
+          </a:p>
+          <a:p>
+            <a:endParaRPr lang="en-GB" dirty="0"/>
+          </a:p>
+          <a:p>
+            <a:r>
+              <a:rPr lang="en-GB" dirty="0"/>
+              <a:t>print(a + b)</a:t>
+            </a:r>
+          </a:p>
+          <a:p>
+            <a:r>
+              <a:rPr lang="en-GB" dirty="0"/>
+              <a:t>print(a - b)</a:t>
+            </a:r>
+          </a:p>
+          <a:p>
+            <a:r>
+              <a:rPr lang="en-GB" dirty="0"/>
+              <a:t>print(a * b)</a:t>
+            </a:r>
+          </a:p>
+          <a:p>
+            <a:r>
+              <a:rPr lang="en-GB" dirty="0"/>
+              <a:t>print(a / b)</a:t>
+            </a:r>
+          </a:p>
+          <a:p>
+            <a:endParaRPr lang="en-GB" dirty="0"/>
+          </a:p>
+          <a:p>
+            <a:endParaRPr lang="en-GB" dirty="0"/>
+          </a:p>
+        </p:txBody>
+      </p:sp>
+      <p:sp>
+        <p:nvSpPr>
+          <p:cNvPr id="6" name="Rectangle 5"/>
+          <p:cNvSpPr/>
+          <p:nvPr/>
+        </p:nvSpPr>
+        <p:spPr>
+          <a:xfrm>
+            <a:off x="6096000" y="5350638"/>
+            <a:ext cx="5929423" cy="923330"/>
+          </a:xfrm>
+          <a:prstGeom prst="rect">
+            <a:avLst/>
+          </a:prstGeom>
+        </p:spPr>
+        <p:txBody>
+          <a:bodyPr wrap="square">
+            <a:spAutoFit/>
+          </a:bodyPr>
+          <a:lstStyle/>
+          <a:p>
+            <a:r>
+              <a:rPr lang="en-GB" b="1" u="sng" dirty="0">
+                <a:solidFill>
+                  <a:srgbClr val="FFFF00"/>
+                </a:solidFill>
+              </a:rPr>
+              <a:t>EXTRA CREDIT:</a:t>
+            </a:r>
+            <a:r>
+              <a:rPr lang="en-GB" b="1" dirty="0">
+                <a:solidFill>
+                  <a:srgbClr val="FFFF00"/>
+                </a:solidFill>
+              </a:rPr>
+              <a:t> </a:t>
+            </a:r>
+            <a:r>
+              <a:rPr lang="en-GB" dirty="0">
+                <a:solidFill>
+                  <a:srgbClr val="FFFF00"/>
+                </a:solidFill>
+              </a:rPr>
+              <a:t>Is the last line exactly what you expected ?. Can you </a:t>
+            </a:r>
+            <a:r>
+              <a:rPr lang="en-GB" dirty="0" smtClean="0">
+                <a:solidFill>
+                  <a:srgbClr val="FFFF00"/>
+                </a:solidFill>
+              </a:rPr>
+              <a:t>work out why it</a:t>
+            </a:r>
+          </a:p>
+          <a:p>
+            <a:r>
+              <a:rPr lang="en-GB" dirty="0" smtClean="0">
+                <a:solidFill>
+                  <a:srgbClr val="FFFF00"/>
+                </a:solidFill>
+              </a:rPr>
+              <a:t>has </a:t>
+            </a:r>
+            <a:r>
+              <a:rPr lang="en-GB" dirty="0">
+                <a:solidFill>
+                  <a:srgbClr val="FFFF00"/>
+                </a:solidFill>
+              </a:rPr>
+              <a:t>the </a:t>
+            </a:r>
+            <a:r>
+              <a:rPr lang="en-GB" dirty="0" smtClean="0">
+                <a:solidFill>
+                  <a:srgbClr val="FFFF00"/>
+                </a:solidFill>
+              </a:rPr>
+              <a:t>"." </a:t>
+            </a:r>
+            <a:r>
+              <a:rPr lang="en-GB" dirty="0">
+                <a:solidFill>
+                  <a:srgbClr val="FFFF00"/>
+                </a:solidFill>
+              </a:rPr>
+              <a:t>in it ?</a:t>
+            </a:r>
+            <a:endParaRPr lang="en-GB" b="1" u="sng" dirty="0"/>
+          </a:p>
+        </p:txBody>
+      </p:sp>
     </p:spTree>
     <p:extLst>
       <p:ext uri="{BB962C8B-B14F-4D97-AF65-F5344CB8AC3E}">
-        <p14:creationId xmlns:p14="http://schemas.microsoft.com/office/powerpoint/2010/main" val="2754514159"/>
+        <p14:creationId xmlns:p14="http://schemas.microsoft.com/office/powerpoint/2010/main" val="3327724853"/>
       </p:ext>
     </p:extLst>
   </p:cSld>
   <p:clrMapOvr>
     <a:masterClrMapping/>
   </p:clrMapOvr>
+  <p:timing>
+    <p:tnLst>
+      <p:par>
+        <p:cTn id="1" dur="indefinite" restart="never" nodeType="tmRoot">
+          <p:childTnLst>
+            <p:seq concurrent="1" nextAc="seek">
+              <p:cTn id="2" restart="whenNotActive" fill="hold" evtFilter="cancelBubble" nodeType="interactiveSeq">
+                <p:stCondLst>
+                  <p:cond evt="onClick" delay="0">
+                    <p:tgtEl>
+                      <p:spTgt spid="2"/>
+                    </p:tgtEl>
+                  </p:cond>
+                </p:stCondLst>
+                <p:endSync evt="end" delay="0">
+                  <p:rtn val="all"/>
+                </p:endSync>
+                <p:childTnLst>
+                  <p:par>
+                    <p:cTn id="3" fill="hold">
+                      <p:stCondLst>
+                        <p:cond delay="0"/>
+                      </p:stCondLst>
+                      <p:childTnLst>
+                        <p:par>
+                          <p:cTn id="4" fill="hold">
+                            <p:stCondLst>
+                              <p:cond delay="0"/>
+                            </p:stCondLst>
+                            <p:childTnLst>
+                              <p:par>
+                                <p:cTn id="5" presetID="1" presetClass="entr" presetSubtype="0" fill="hold" grpId="0" nodeType="clickEffect">
+                                  <p:stCondLst>
+                                    <p:cond delay="5000"/>
+                                  </p:stCondLst>
+                                  <p:childTnLst>
+                                    <p:set>
+                                      <p:cBhvr>
+                                        <p:cTn id="6" dur="1" fill="hold">
+                                          <p:stCondLst>
+                                            <p:cond delay="1999"/>
+                                          </p:stCondLst>
+                                        </p:cTn>
+                                        <p:tgtEl>
+                                          <p:spTgt spid="6"/>
+                                        </p:tgtEl>
+                                        <p:attrNameLst>
+                                          <p:attrName>style.visibility</p:attrName>
+                                        </p:attrNameLst>
+                                      </p:cBhvr>
+                                      <p:to>
+                                        <p:strVal val="visible"/>
+                                      </p:to>
+                                    </p:set>
+                                  </p:childTnLst>
+                                </p:cTn>
+                              </p:par>
+                            </p:childTnLst>
+                          </p:cTn>
+                        </p:par>
+                      </p:childTnLst>
+                    </p:cTn>
+                  </p:par>
+                </p:childTnLst>
+              </p:cTn>
+              <p:nextCondLst>
+                <p:cond evt="onClick" delay="0">
+                  <p:tgtEl>
+                    <p:spTgt spid="2"/>
+                  </p:tgtEl>
+                </p:cond>
+              </p:nextCondLst>
+            </p:seq>
+          </p:childTnLst>
+        </p:cTn>
+      </p:par>
+    </p:tnLst>
+    <p:bldLst>
+      <p:bldP spid="6" grpId="0"/>
+    </p:bldLst>
+  </p:timing>
+</p:sld>
+</file>
+
+<file path=ppt/slides/slide13.xml><?xml version="1.0" encoding="utf-8"?>
+<p:sld xmlns:a="http://schemas.openxmlformats.org/drawingml/2006/main" xmlns:r="http://schemas.openxmlformats.org/officeDocument/2006/relationships" xmlns:p="http://schemas.openxmlformats.org/presentationml/2006/main">
+  <p:cSld>
+    <p:spTree>
+      <p:nvGrpSpPr>
+        <p:cNvPr id="1" name=""/>
+        <p:cNvGrpSpPr/>
+        <p:nvPr/>
+      </p:nvGrpSpPr>
+      <p:grpSpPr>
+        <a:xfrm>
+          <a:off x="0" y="0"/>
+          <a:ext cx="0" cy="0"/>
+          <a:chOff x="0" y="0"/>
+          <a:chExt cx="0" cy="0"/>
+        </a:xfrm>
+      </p:grpSpPr>
+      <p:sp>
+        <p:nvSpPr>
+          <p:cNvPr id="2" name="Title 1"/>
+          <p:cNvSpPr>
+            <a:spLocks noGrp="1"/>
+          </p:cNvSpPr>
+          <p:nvPr>
+            <p:ph type="title"/>
+          </p:nvPr>
+        </p:nvSpPr>
+        <p:spPr/>
+        <p:txBody>
+          <a:bodyPr/>
+          <a:lstStyle/>
+          <a:p>
+            <a:r>
+              <a:rPr lang="en-GB" dirty="0" smtClean="0"/>
+              <a:t>Conditional Things.</a:t>
+            </a:r>
+            <a:endParaRPr lang="en-GB" dirty="0"/>
+          </a:p>
+        </p:txBody>
+      </p:sp>
+      <p:sp>
+        <p:nvSpPr>
+          <p:cNvPr id="3" name="Content Placeholder 2"/>
+          <p:cNvSpPr>
+            <a:spLocks noGrp="1"/>
+          </p:cNvSpPr>
+          <p:nvPr>
+            <p:ph idx="1"/>
+          </p:nvPr>
+        </p:nvSpPr>
+        <p:spPr>
+          <a:xfrm>
+            <a:off x="1103312" y="2052918"/>
+            <a:ext cx="9274065" cy="4195481"/>
+          </a:xfrm>
+        </p:spPr>
+        <p:txBody>
+          <a:bodyPr/>
+          <a:lstStyle/>
+          <a:p>
+            <a:r>
+              <a:rPr lang="en-GB" dirty="0" smtClean="0"/>
+              <a:t>So far, our programs have always done the same thing.</a:t>
+            </a:r>
+          </a:p>
+          <a:p>
+            <a:r>
+              <a:rPr lang="en-GB" dirty="0" smtClean="0"/>
+              <a:t>This is the first program we will write that doesn't !</a:t>
+            </a:r>
+          </a:p>
+          <a:p>
+            <a:endParaRPr lang="en-GB" dirty="0"/>
+          </a:p>
+          <a:p>
+            <a:r>
+              <a:rPr lang="en-GB" dirty="0" smtClean="0"/>
+              <a:t>This introduces an important concept in Python, indentation.</a:t>
+            </a:r>
+          </a:p>
+          <a:p>
+            <a:r>
+              <a:rPr lang="en-GB" dirty="0" smtClean="0"/>
+              <a:t>To indent a line, press either the &lt;TAB&gt; key or use 4 spaces. </a:t>
+            </a:r>
+            <a:r>
+              <a:rPr lang="en-GB" dirty="0" err="1" smtClean="0"/>
+              <a:t>PyCharm</a:t>
+            </a:r>
+            <a:r>
+              <a:rPr lang="en-GB" dirty="0" smtClean="0"/>
+              <a:t> will interpret &lt;TAB&gt; as 4 spaces in either case.</a:t>
+            </a:r>
+          </a:p>
+          <a:p>
+            <a:endParaRPr lang="en-GB" dirty="0"/>
+          </a:p>
+          <a:p>
+            <a:r>
+              <a:rPr lang="en-GB" dirty="0" smtClean="0"/>
+              <a:t>We will learn more about the indentations in later weeks.</a:t>
+            </a:r>
+          </a:p>
+          <a:p>
+            <a:endParaRPr lang="en-GB" dirty="0"/>
+          </a:p>
+          <a:p>
+            <a:endParaRPr lang="en-GB" dirty="0" smtClean="0"/>
+          </a:p>
+          <a:p>
+            <a:endParaRPr lang="en-GB" dirty="0"/>
+          </a:p>
+          <a:p>
+            <a:endParaRPr lang="en-GB" dirty="0"/>
+          </a:p>
+        </p:txBody>
+      </p:sp>
+      <p:sp>
+        <p:nvSpPr>
+          <p:cNvPr id="7" name="Rectangle 6"/>
+          <p:cNvSpPr/>
+          <p:nvPr/>
+        </p:nvSpPr>
+        <p:spPr>
+          <a:xfrm>
+            <a:off x="6096000" y="2052918"/>
+            <a:ext cx="5801833" cy="923330"/>
+          </a:xfrm>
+          <a:prstGeom prst="rect">
+            <a:avLst/>
+          </a:prstGeom>
+        </p:spPr>
+        <p:txBody>
+          <a:bodyPr wrap="square">
+            <a:spAutoFit/>
+          </a:bodyPr>
+          <a:lstStyle/>
+          <a:p>
+            <a:endParaRPr lang="en-GB" dirty="0"/>
+          </a:p>
+          <a:p>
+            <a:endParaRPr lang="en-GB" dirty="0"/>
+          </a:p>
+          <a:p>
+            <a:endParaRPr lang="en-GB" dirty="0"/>
+          </a:p>
+        </p:txBody>
+      </p:sp>
+      <p:sp>
+        <p:nvSpPr>
+          <p:cNvPr id="8" name="Content Placeholder 2"/>
+          <p:cNvSpPr txBox="1">
+            <a:spLocks/>
+          </p:cNvSpPr>
+          <p:nvPr/>
+        </p:nvSpPr>
+        <p:spPr>
+          <a:xfrm>
+            <a:off x="5147228" y="333988"/>
+            <a:ext cx="4521311" cy="4195481"/>
+          </a:xfrm>
+          <a:prstGeom prst="rect">
+            <a:avLst/>
+          </a:prstGeom>
+        </p:spPr>
+        <p:txBody>
+          <a:bodyPr vert="horz" lIns="91440" tIns="45720" rIns="91440" bIns="45720" rtlCol="0">
+            <a:normAutofit/>
+          </a:bodyPr>
+          <a:lstStyle>
+            <a:lvl1pPr marL="342900" indent="-342900" algn="l" defTabSz="457200" rtl="0" eaLnBrk="1" latinLnBrk="0" hangingPunct="1">
+              <a:spcBef>
+                <a:spcPts val="1000"/>
+              </a:spcBef>
+              <a:spcAft>
+                <a:spcPts val="0"/>
+              </a:spcAft>
+              <a:buClr>
+                <a:schemeClr val="bg2">
+                  <a:lumMod val="40000"/>
+                  <a:lumOff val="60000"/>
+                </a:schemeClr>
+              </a:buClr>
+              <a:buSzPct val="80000"/>
+              <a:buFont typeface="Wingdings 3" charset="2"/>
+              <a:buChar char=""/>
+              <a:defRPr sz="2000" b="0" i="0" kern="1200">
+                <a:solidFill>
+                  <a:schemeClr val="tx1"/>
+                </a:solidFill>
+                <a:latin typeface="+mj-lt"/>
+                <a:ea typeface="+mj-ea"/>
+                <a:cs typeface="+mj-cs"/>
+              </a:defRPr>
+            </a:lvl1pPr>
+            <a:lvl2pPr marL="742950" indent="-285750" algn="l" defTabSz="457200" rtl="0" eaLnBrk="1" latinLnBrk="0" hangingPunct="1">
+              <a:spcBef>
+                <a:spcPts val="1000"/>
+              </a:spcBef>
+              <a:spcAft>
+                <a:spcPts val="0"/>
+              </a:spcAft>
+              <a:buClr>
+                <a:schemeClr val="bg2">
+                  <a:lumMod val="40000"/>
+                  <a:lumOff val="60000"/>
+                </a:schemeClr>
+              </a:buClr>
+              <a:buSzPct val="80000"/>
+              <a:buFont typeface="Wingdings 3" charset="2"/>
+              <a:buChar char=""/>
+              <a:defRPr sz="1800" b="0" i="0" kern="1200">
+                <a:solidFill>
+                  <a:schemeClr val="tx1"/>
+                </a:solidFill>
+                <a:latin typeface="+mj-lt"/>
+                <a:ea typeface="+mj-ea"/>
+                <a:cs typeface="+mj-cs"/>
+              </a:defRPr>
+            </a:lvl2pPr>
+            <a:lvl3pPr marL="1143000" indent="-228600" algn="l" defTabSz="457200" rtl="0" eaLnBrk="1" latinLnBrk="0" hangingPunct="1">
+              <a:spcBef>
+                <a:spcPts val="1000"/>
+              </a:spcBef>
+              <a:spcAft>
+                <a:spcPts val="0"/>
+              </a:spcAft>
+              <a:buClr>
+                <a:schemeClr val="bg2">
+                  <a:lumMod val="40000"/>
+                  <a:lumOff val="60000"/>
+                </a:schemeClr>
+              </a:buClr>
+              <a:buSzPct val="80000"/>
+              <a:buFont typeface="Wingdings 3" charset="2"/>
+              <a:buChar char=""/>
+              <a:defRPr sz="1600" b="0" i="0" kern="1200">
+                <a:solidFill>
+                  <a:schemeClr val="tx1"/>
+                </a:solidFill>
+                <a:latin typeface="+mj-lt"/>
+                <a:ea typeface="+mj-ea"/>
+                <a:cs typeface="+mj-cs"/>
+              </a:defRPr>
+            </a:lvl3pPr>
+            <a:lvl4pPr marL="1600200" indent="-228600" algn="l" defTabSz="457200" rtl="0" eaLnBrk="1" latinLnBrk="0" hangingPunct="1">
+              <a:spcBef>
+                <a:spcPts val="1000"/>
+              </a:spcBef>
+              <a:spcAft>
+                <a:spcPts val="0"/>
+              </a:spcAft>
+              <a:buClr>
+                <a:schemeClr val="bg2">
+                  <a:lumMod val="40000"/>
+                  <a:lumOff val="60000"/>
+                </a:schemeClr>
+              </a:buClr>
+              <a:buSzPct val="80000"/>
+              <a:buFont typeface="Wingdings 3" charset="2"/>
+              <a:buChar char=""/>
+              <a:defRPr sz="1400" b="0" i="0" kern="1200">
+                <a:solidFill>
+                  <a:schemeClr val="tx1"/>
+                </a:solidFill>
+                <a:latin typeface="+mj-lt"/>
+                <a:ea typeface="+mj-ea"/>
+                <a:cs typeface="+mj-cs"/>
+              </a:defRPr>
+            </a:lvl4pPr>
+            <a:lvl5pPr marL="2057400" indent="-228600" algn="l" defTabSz="457200" rtl="0" eaLnBrk="1" latinLnBrk="0" hangingPunct="1">
+              <a:spcBef>
+                <a:spcPts val="1000"/>
+              </a:spcBef>
+              <a:spcAft>
+                <a:spcPts val="0"/>
+              </a:spcAft>
+              <a:buClr>
+                <a:schemeClr val="bg2">
+                  <a:lumMod val="40000"/>
+                  <a:lumOff val="60000"/>
+                </a:schemeClr>
+              </a:buClr>
+              <a:buSzPct val="80000"/>
+              <a:buFont typeface="Wingdings 3" charset="2"/>
+              <a:buChar char=""/>
+              <a:defRPr sz="1400" b="0" i="0" kern="1200">
+                <a:solidFill>
+                  <a:schemeClr val="tx1"/>
+                </a:solidFill>
+                <a:latin typeface="+mj-lt"/>
+                <a:ea typeface="+mj-ea"/>
+                <a:cs typeface="+mj-cs"/>
+              </a:defRPr>
+            </a:lvl5pPr>
+            <a:lvl6pPr marL="2506000" indent="-228600" algn="l" defTabSz="457200" rtl="0" eaLnBrk="1" latinLnBrk="0" hangingPunct="1">
+              <a:spcBef>
+                <a:spcPts val="1000"/>
+              </a:spcBef>
+              <a:spcAft>
+                <a:spcPts val="0"/>
+              </a:spcAft>
+              <a:buClr>
+                <a:schemeClr val="bg2">
+                  <a:lumMod val="40000"/>
+                  <a:lumOff val="60000"/>
+                </a:schemeClr>
+              </a:buClr>
+              <a:buSzPct val="80000"/>
+              <a:buFont typeface="Wingdings 3" charset="2"/>
+              <a:buChar char=""/>
+              <a:defRPr sz="1400" b="0" i="0" kern="1200">
+                <a:solidFill>
+                  <a:schemeClr val="tx1"/>
+                </a:solidFill>
+                <a:latin typeface="+mj-lt"/>
+                <a:ea typeface="+mj-ea"/>
+                <a:cs typeface="+mj-cs"/>
+              </a:defRPr>
+            </a:lvl6pPr>
+            <a:lvl7pPr marL="2971800" indent="-228600" algn="l" defTabSz="457200" rtl="0" eaLnBrk="1" latinLnBrk="0" hangingPunct="1">
+              <a:spcBef>
+                <a:spcPts val="1000"/>
+              </a:spcBef>
+              <a:spcAft>
+                <a:spcPts val="0"/>
+              </a:spcAft>
+              <a:buClr>
+                <a:schemeClr val="bg2">
+                  <a:lumMod val="40000"/>
+                  <a:lumOff val="60000"/>
+                </a:schemeClr>
+              </a:buClr>
+              <a:buSzPct val="80000"/>
+              <a:buFont typeface="Wingdings 3" charset="2"/>
+              <a:buChar char=""/>
+              <a:defRPr sz="1400" b="0" i="0" kern="1200">
+                <a:solidFill>
+                  <a:schemeClr val="tx1"/>
+                </a:solidFill>
+                <a:latin typeface="+mj-lt"/>
+                <a:ea typeface="+mj-ea"/>
+                <a:cs typeface="+mj-cs"/>
+              </a:defRPr>
+            </a:lvl7pPr>
+            <a:lvl8pPr marL="3429000" indent="-228600" algn="l" defTabSz="457200" rtl="0" eaLnBrk="1" latinLnBrk="0" hangingPunct="1">
+              <a:spcBef>
+                <a:spcPts val="1000"/>
+              </a:spcBef>
+              <a:spcAft>
+                <a:spcPts val="0"/>
+              </a:spcAft>
+              <a:buClr>
+                <a:schemeClr val="bg2">
+                  <a:lumMod val="40000"/>
+                  <a:lumOff val="60000"/>
+                </a:schemeClr>
+              </a:buClr>
+              <a:buSzPct val="80000"/>
+              <a:buFont typeface="Wingdings 3" charset="2"/>
+              <a:buChar char=""/>
+              <a:defRPr sz="1400" b="0" i="0" kern="1200">
+                <a:solidFill>
+                  <a:schemeClr val="tx1"/>
+                </a:solidFill>
+                <a:latin typeface="+mj-lt"/>
+                <a:ea typeface="+mj-ea"/>
+                <a:cs typeface="+mj-cs"/>
+              </a:defRPr>
+            </a:lvl8pPr>
+            <a:lvl9pPr marL="3886200" indent="-228600" algn="l" defTabSz="457200" rtl="0" eaLnBrk="1" latinLnBrk="0" hangingPunct="1">
+              <a:spcBef>
+                <a:spcPts val="1000"/>
+              </a:spcBef>
+              <a:spcAft>
+                <a:spcPts val="0"/>
+              </a:spcAft>
+              <a:buClr>
+                <a:schemeClr val="bg2">
+                  <a:lumMod val="40000"/>
+                  <a:lumOff val="60000"/>
+                </a:schemeClr>
+              </a:buClr>
+              <a:buSzPct val="80000"/>
+              <a:buFont typeface="Wingdings 3" charset="2"/>
+              <a:buChar char=""/>
+              <a:defRPr sz="1400" b="0" i="0" kern="1200">
+                <a:solidFill>
+                  <a:schemeClr val="tx1"/>
+                </a:solidFill>
+                <a:latin typeface="+mj-lt"/>
+                <a:ea typeface="+mj-ea"/>
+                <a:cs typeface="+mj-cs"/>
+              </a:defRPr>
+            </a:lvl9pPr>
+          </a:lstStyle>
+          <a:p>
+            <a:pPr marL="0" indent="0">
+              <a:buNone/>
+            </a:pPr>
+            <a:endParaRPr lang="en-GB" dirty="0" smtClean="0"/>
+          </a:p>
+          <a:p>
+            <a:endParaRPr lang="en-GB" dirty="0" smtClean="0"/>
+          </a:p>
+          <a:p>
+            <a:endParaRPr lang="en-GB" dirty="0" smtClean="0"/>
+          </a:p>
+          <a:p>
+            <a:endParaRPr lang="en-GB" dirty="0"/>
+          </a:p>
+        </p:txBody>
+      </p:sp>
+    </p:spTree>
+    <p:extLst>
+      <p:ext uri="{BB962C8B-B14F-4D97-AF65-F5344CB8AC3E}">
+        <p14:creationId xmlns:p14="http://schemas.microsoft.com/office/powerpoint/2010/main" val="2302556491"/>
+      </p:ext>
+    </p:extLst>
+  </p:cSld>
+  <p:clrMapOvr>
+    <a:masterClrMapping/>
+  </p:clrMapOvr>
+  <p:timing>
+    <p:tnLst>
+      <p:par>
+        <p:cTn id="1" dur="indefinite" restart="never" nodeType="tmRoot"/>
+      </p:par>
+    </p:tnLst>
+  </p:timing>
+</p:sld>
+</file>
+
+<file path=ppt/slides/slide14.xml><?xml version="1.0" encoding="utf-8"?>
+<p:sld xmlns:a="http://schemas.openxmlformats.org/drawingml/2006/main" xmlns:r="http://schemas.openxmlformats.org/officeDocument/2006/relationships" xmlns:p="http://schemas.openxmlformats.org/presentationml/2006/main">
+  <p:cSld>
+    <p:spTree>
+      <p:nvGrpSpPr>
+        <p:cNvPr id="1" name=""/>
+        <p:cNvGrpSpPr/>
+        <p:nvPr/>
+      </p:nvGrpSpPr>
+      <p:grpSpPr>
+        <a:xfrm>
+          <a:off x="0" y="0"/>
+          <a:ext cx="0" cy="0"/>
+          <a:chOff x="0" y="0"/>
+          <a:chExt cx="0" cy="0"/>
+        </a:xfrm>
+      </p:grpSpPr>
+      <p:sp>
+        <p:nvSpPr>
+          <p:cNvPr id="2" name="Title 1"/>
+          <p:cNvSpPr>
+            <a:spLocks noGrp="1"/>
+          </p:cNvSpPr>
+          <p:nvPr>
+            <p:ph type="title"/>
+          </p:nvPr>
+        </p:nvSpPr>
+        <p:spPr/>
+        <p:txBody>
+          <a:bodyPr/>
+          <a:lstStyle/>
+          <a:p>
+            <a:r>
+              <a:rPr lang="en-GB" dirty="0" smtClean="0"/>
+              <a:t>First Conditional Program.</a:t>
+            </a:r>
+            <a:endParaRPr lang="en-GB" dirty="0"/>
+          </a:p>
+        </p:txBody>
+      </p:sp>
+      <p:sp>
+        <p:nvSpPr>
+          <p:cNvPr id="4" name="Rectangle 3"/>
+          <p:cNvSpPr/>
+          <p:nvPr/>
+        </p:nvSpPr>
+        <p:spPr>
+          <a:xfrm>
+            <a:off x="646111" y="2244321"/>
+            <a:ext cx="4372456" cy="2585323"/>
+          </a:xfrm>
+          <a:prstGeom prst="rect">
+            <a:avLst/>
+          </a:prstGeom>
+        </p:spPr>
+        <p:txBody>
+          <a:bodyPr wrap="square">
+            <a:spAutoFit/>
+          </a:bodyPr>
+          <a:lstStyle/>
+          <a:p>
+            <a:r>
+              <a:rPr lang="en-GB" b="1" u="sng" dirty="0">
+                <a:solidFill>
+                  <a:srgbClr val="FFFF00"/>
+                </a:solidFill>
+              </a:rPr>
+              <a:t>TASK:</a:t>
+            </a:r>
+            <a:r>
+              <a:rPr lang="en-GB" b="1" dirty="0">
+                <a:solidFill>
+                  <a:srgbClr val="FFFF00"/>
+                </a:solidFill>
+              </a:rPr>
+              <a:t> </a:t>
+            </a:r>
+            <a:r>
+              <a:rPr lang="en-GB" dirty="0">
+                <a:solidFill>
+                  <a:srgbClr val="FFFF00"/>
+                </a:solidFill>
+              </a:rPr>
+              <a:t>What do you think the program on the right will do </a:t>
+            </a:r>
+            <a:r>
+              <a:rPr lang="en-GB" dirty="0" smtClean="0">
+                <a:solidFill>
+                  <a:srgbClr val="FFFF00"/>
+                </a:solidFill>
+              </a:rPr>
+              <a:t>?</a:t>
+            </a:r>
+          </a:p>
+          <a:p>
+            <a:r>
+              <a:rPr lang="en-GB" dirty="0" smtClean="0">
+                <a:solidFill>
+                  <a:srgbClr val="FFFF00"/>
+                </a:solidFill>
+              </a:rPr>
+              <a:t>	- If you type in "Amanda" as the name ?</a:t>
+            </a:r>
+          </a:p>
+          <a:p>
+            <a:r>
+              <a:rPr lang="en-GB" dirty="0" smtClean="0">
+                <a:solidFill>
+                  <a:srgbClr val="FFFF00"/>
+                </a:solidFill>
+              </a:rPr>
+              <a:t>	- If you type in "Dave" as the name ?</a:t>
+            </a:r>
+            <a:endParaRPr lang="en-GB" dirty="0">
+              <a:solidFill>
+                <a:srgbClr val="FFFF00"/>
+              </a:solidFill>
+            </a:endParaRPr>
+          </a:p>
+          <a:p>
+            <a:endParaRPr lang="en-GB" dirty="0">
+              <a:solidFill>
+                <a:srgbClr val="FFFF00"/>
+              </a:solidFill>
+            </a:endParaRPr>
+          </a:p>
+          <a:p>
+            <a:r>
+              <a:rPr lang="en-GB" b="1" u="sng" dirty="0">
+                <a:solidFill>
+                  <a:srgbClr val="FFFF00"/>
+                </a:solidFill>
+              </a:rPr>
+              <a:t>TASK:</a:t>
+            </a:r>
+            <a:r>
+              <a:rPr lang="en-GB" dirty="0">
+                <a:solidFill>
+                  <a:srgbClr val="FFFF00"/>
+                </a:solidFill>
+              </a:rPr>
+              <a:t> Type it in, run it and see if you were correct.</a:t>
+            </a:r>
+            <a:endParaRPr lang="en-GB" b="1" u="sng" dirty="0"/>
+          </a:p>
+        </p:txBody>
+      </p:sp>
+      <p:sp>
+        <p:nvSpPr>
+          <p:cNvPr id="6" name="Rectangle 5"/>
+          <p:cNvSpPr/>
+          <p:nvPr/>
+        </p:nvSpPr>
+        <p:spPr>
+          <a:xfrm>
+            <a:off x="5348472" y="2244321"/>
+            <a:ext cx="6096000" cy="2308324"/>
+          </a:xfrm>
+          <a:prstGeom prst="rect">
+            <a:avLst/>
+          </a:prstGeom>
+        </p:spPr>
+        <p:txBody>
+          <a:bodyPr>
+            <a:spAutoFit/>
+          </a:bodyPr>
+          <a:lstStyle/>
+          <a:p>
+            <a:r>
+              <a:rPr lang="en-GB" dirty="0">
+                <a:latin typeface="Courier New" panose="02070309020205020404" pitchFamily="49" charset="0"/>
+                <a:cs typeface="Courier New" panose="02070309020205020404" pitchFamily="49" charset="0"/>
+              </a:rPr>
+              <a:t># Week2, Program7</a:t>
+            </a:r>
+          </a:p>
+          <a:p>
+            <a:endParaRPr lang="en-GB" dirty="0">
+              <a:latin typeface="Courier New" panose="02070309020205020404" pitchFamily="49" charset="0"/>
+              <a:cs typeface="Courier New" panose="02070309020205020404" pitchFamily="49" charset="0"/>
+            </a:endParaRPr>
+          </a:p>
+          <a:p>
+            <a:r>
+              <a:rPr lang="en-GB" dirty="0">
+                <a:latin typeface="Courier New" panose="02070309020205020404" pitchFamily="49" charset="0"/>
+                <a:cs typeface="Courier New" panose="02070309020205020404" pitchFamily="49" charset="0"/>
+              </a:rPr>
+              <a:t>name = input("What is your name ?: ")</a:t>
+            </a:r>
+          </a:p>
+          <a:p>
+            <a:endParaRPr lang="en-GB" dirty="0">
+              <a:latin typeface="Courier New" panose="02070309020205020404" pitchFamily="49" charset="0"/>
+              <a:cs typeface="Courier New" panose="02070309020205020404" pitchFamily="49" charset="0"/>
+            </a:endParaRPr>
+          </a:p>
+          <a:p>
+            <a:r>
+              <a:rPr lang="en-GB" dirty="0">
+                <a:latin typeface="Courier New" panose="02070309020205020404" pitchFamily="49" charset="0"/>
+                <a:cs typeface="Courier New" panose="02070309020205020404" pitchFamily="49" charset="0"/>
+              </a:rPr>
+              <a:t>if name == "Dave":</a:t>
+            </a:r>
+          </a:p>
+          <a:p>
+            <a:r>
+              <a:rPr lang="en-GB" dirty="0">
+                <a:latin typeface="Courier New" panose="02070309020205020404" pitchFamily="49" charset="0"/>
+                <a:cs typeface="Courier New" panose="02070309020205020404" pitchFamily="49" charset="0"/>
+              </a:rPr>
+              <a:t>    print("You are my creator, Dave !")</a:t>
+            </a:r>
+          </a:p>
+          <a:p>
+            <a:r>
+              <a:rPr lang="en-GB" dirty="0">
+                <a:latin typeface="Courier New" panose="02070309020205020404" pitchFamily="49" charset="0"/>
+                <a:cs typeface="Courier New" panose="02070309020205020404" pitchFamily="49" charset="0"/>
+              </a:rPr>
+              <a:t>else:</a:t>
+            </a:r>
+          </a:p>
+          <a:p>
+            <a:r>
+              <a:rPr lang="en-GB" dirty="0">
+                <a:latin typeface="Courier New" panose="02070309020205020404" pitchFamily="49" charset="0"/>
+                <a:cs typeface="Courier New" panose="02070309020205020404" pitchFamily="49" charset="0"/>
+              </a:rPr>
+              <a:t>    print("Hello " + name)</a:t>
+            </a:r>
+          </a:p>
+        </p:txBody>
+      </p:sp>
+      <p:sp>
+        <p:nvSpPr>
+          <p:cNvPr id="7" name="Rectangle 6"/>
+          <p:cNvSpPr/>
+          <p:nvPr/>
+        </p:nvSpPr>
+        <p:spPr>
+          <a:xfrm>
+            <a:off x="646111" y="5201914"/>
+            <a:ext cx="9111034" cy="646331"/>
+          </a:xfrm>
+          <a:prstGeom prst="rect">
+            <a:avLst/>
+          </a:prstGeom>
+        </p:spPr>
+        <p:txBody>
+          <a:bodyPr wrap="square">
+            <a:spAutoFit/>
+          </a:bodyPr>
+          <a:lstStyle/>
+          <a:p>
+            <a:r>
+              <a:rPr lang="en-GB" b="1" u="sng" dirty="0" smtClean="0">
+                <a:solidFill>
+                  <a:srgbClr val="FFFF00"/>
+                </a:solidFill>
+              </a:rPr>
+              <a:t>EXTRA CREDIT:</a:t>
+            </a:r>
+            <a:r>
+              <a:rPr lang="en-GB" dirty="0" smtClean="0">
+                <a:solidFill>
+                  <a:srgbClr val="FFFF00"/>
+                </a:solidFill>
+              </a:rPr>
+              <a:t> What happens if you type in the name as "</a:t>
+            </a:r>
+            <a:r>
+              <a:rPr lang="en-GB" dirty="0" err="1" smtClean="0">
+                <a:solidFill>
+                  <a:srgbClr val="FFFF00"/>
+                </a:solidFill>
+              </a:rPr>
+              <a:t>dave</a:t>
+            </a:r>
+            <a:r>
+              <a:rPr lang="en-GB" dirty="0" smtClean="0">
+                <a:solidFill>
+                  <a:srgbClr val="FFFF00"/>
+                </a:solidFill>
+              </a:rPr>
+              <a:t>" or "DAVE". Why doesn't that say you are my creator ?</a:t>
+            </a:r>
+            <a:endParaRPr lang="en-GB" b="1" u="sng" dirty="0"/>
+          </a:p>
+        </p:txBody>
+      </p:sp>
+    </p:spTree>
+    <p:extLst>
+      <p:ext uri="{BB962C8B-B14F-4D97-AF65-F5344CB8AC3E}">
+        <p14:creationId xmlns:p14="http://schemas.microsoft.com/office/powerpoint/2010/main" val="2585540141"/>
+      </p:ext>
+    </p:extLst>
+  </p:cSld>
+  <p:clrMapOvr>
+    <a:masterClrMapping/>
+  </p:clrMapOvr>
+  <p:timing>
+    <p:tnLst>
+      <p:par>
+        <p:cTn id="1" dur="indefinite" restart="never" nodeType="tmRoot">
+          <p:childTnLst>
+            <p:seq concurrent="1" nextAc="seek">
+              <p:cTn id="2" restart="whenNotActive" fill="hold" evtFilter="cancelBubble" nodeType="interactiveSeq">
+                <p:stCondLst>
+                  <p:cond evt="onClick" delay="0">
+                    <p:tgtEl>
+                      <p:spTgt spid="4"/>
+                    </p:tgtEl>
+                  </p:cond>
+                </p:stCondLst>
+                <p:endSync evt="end" delay="0">
+                  <p:rtn val="all"/>
+                </p:endSync>
+                <p:childTnLst>
+                  <p:par>
+                    <p:cTn id="3" fill="hold">
+                      <p:stCondLst>
+                        <p:cond delay="0"/>
+                      </p:stCondLst>
+                      <p:childTnLst>
+                        <p:par>
+                          <p:cTn id="4" fill="hold">
+                            <p:stCondLst>
+                              <p:cond delay="0"/>
+                            </p:stCondLst>
+                            <p:childTnLst>
+                              <p:par>
+                                <p:cTn id="5" presetID="1" presetClass="entr" presetSubtype="0" fill="hold" grpId="0" nodeType="clickEffect">
+                                  <p:stCondLst>
+                                    <p:cond delay="60000"/>
+                                  </p:stCondLst>
+                                  <p:childTnLst>
+                                    <p:set>
+                                      <p:cBhvr>
+                                        <p:cTn id="6" dur="1" fill="hold">
+                                          <p:stCondLst>
+                                            <p:cond delay="0"/>
+                                          </p:stCondLst>
+                                        </p:cTn>
+                                        <p:tgtEl>
+                                          <p:spTgt spid="7"/>
+                                        </p:tgtEl>
+                                        <p:attrNameLst>
+                                          <p:attrName>style.visibility</p:attrName>
+                                        </p:attrNameLst>
+                                      </p:cBhvr>
+                                      <p:to>
+                                        <p:strVal val="visible"/>
+                                      </p:to>
+                                    </p:set>
+                                  </p:childTnLst>
+                                </p:cTn>
+                              </p:par>
+                            </p:childTnLst>
+                          </p:cTn>
+                        </p:par>
+                      </p:childTnLst>
+                    </p:cTn>
+                  </p:par>
+                </p:childTnLst>
+              </p:cTn>
+              <p:nextCondLst>
+                <p:cond evt="onClick" delay="0">
+                  <p:tgtEl>
+                    <p:spTgt spid="4"/>
+                  </p:tgtEl>
+                </p:cond>
+              </p:nextCondLst>
+            </p:seq>
+          </p:childTnLst>
+        </p:cTn>
+      </p:par>
+    </p:tnLst>
+    <p:bldLst>
+      <p:bldP spid="7" grpId="0"/>
+    </p:bldLst>
+  </p:timing>
+</p:sld>
+</file>
+
+<file path=ppt/slides/slide15.xml><?xml version="1.0" encoding="utf-8"?>
+<p:sld xmlns:a="http://schemas.openxmlformats.org/drawingml/2006/main" xmlns:r="http://schemas.openxmlformats.org/officeDocument/2006/relationships" xmlns:p="http://schemas.openxmlformats.org/presentationml/2006/main">
+  <p:cSld>
+    <p:spTree>
+      <p:nvGrpSpPr>
+        <p:cNvPr id="1" name=""/>
+        <p:cNvGrpSpPr/>
+        <p:nvPr/>
+      </p:nvGrpSpPr>
+      <p:grpSpPr>
+        <a:xfrm>
+          <a:off x="0" y="0"/>
+          <a:ext cx="0" cy="0"/>
+          <a:chOff x="0" y="0"/>
+          <a:chExt cx="0" cy="0"/>
+        </a:xfrm>
+      </p:grpSpPr>
+      <p:sp>
+        <p:nvSpPr>
+          <p:cNvPr id="2" name="Title 1"/>
+          <p:cNvSpPr>
+            <a:spLocks noGrp="1"/>
+          </p:cNvSpPr>
+          <p:nvPr>
+            <p:ph type="title"/>
+          </p:nvPr>
+        </p:nvSpPr>
+        <p:spPr/>
+        <p:txBody>
+          <a:bodyPr/>
+          <a:lstStyle/>
+          <a:p>
+            <a:r>
+              <a:rPr lang="en-GB" dirty="0" smtClean="0"/>
+              <a:t>Why the two equals ?</a:t>
+            </a:r>
+            <a:endParaRPr lang="en-GB" dirty="0"/>
+          </a:p>
+        </p:txBody>
+      </p:sp>
+      <p:sp>
+        <p:nvSpPr>
+          <p:cNvPr id="8" name="Content Placeholder 2"/>
+          <p:cNvSpPr>
+            <a:spLocks noGrp="1"/>
+          </p:cNvSpPr>
+          <p:nvPr>
+            <p:ph idx="1"/>
+          </p:nvPr>
+        </p:nvSpPr>
+        <p:spPr>
+          <a:xfrm>
+            <a:off x="1103312" y="2052918"/>
+            <a:ext cx="9274065" cy="4195481"/>
+          </a:xfrm>
+        </p:spPr>
+        <p:txBody>
+          <a:bodyPr/>
+          <a:lstStyle/>
+          <a:p>
+            <a:r>
+              <a:rPr lang="en-GB" dirty="0" smtClean="0"/>
+              <a:t>You will note the previous program uses single equals and double equals.</a:t>
+            </a:r>
+          </a:p>
+          <a:p>
+            <a:endParaRPr lang="en-GB" dirty="0"/>
+          </a:p>
+          <a:p>
+            <a:r>
+              <a:rPr lang="en-GB" dirty="0" smtClean="0"/>
+              <a:t>A single equals sign is used for assignment. It sets things.</a:t>
+            </a:r>
+          </a:p>
+          <a:p>
+            <a:r>
+              <a:rPr lang="en-GB" dirty="0" smtClean="0"/>
+              <a:t>This line </a:t>
+            </a:r>
+            <a:r>
+              <a:rPr lang="en-GB" b="1" u="sng" dirty="0" smtClean="0"/>
+              <a:t>assigns</a:t>
+            </a:r>
+            <a:r>
+              <a:rPr lang="en-GB" dirty="0" smtClean="0"/>
+              <a:t> a to be equal to 3.</a:t>
+            </a:r>
+          </a:p>
+          <a:p>
+            <a:pPr lvl="1"/>
+            <a:r>
+              <a:rPr lang="en-GB" dirty="0">
+                <a:latin typeface="Courier New" panose="02070309020205020404" pitchFamily="49" charset="0"/>
+                <a:cs typeface="Courier New" panose="02070309020205020404" pitchFamily="49" charset="0"/>
+              </a:rPr>
+              <a:t>a</a:t>
+            </a:r>
+            <a:r>
+              <a:rPr lang="en-GB" dirty="0" smtClean="0">
+                <a:latin typeface="Courier New" panose="02070309020205020404" pitchFamily="49" charset="0"/>
+                <a:cs typeface="Courier New" panose="02070309020205020404" pitchFamily="49" charset="0"/>
+              </a:rPr>
+              <a:t> = 3</a:t>
+            </a:r>
+          </a:p>
+          <a:p>
+            <a:pPr lvl="1"/>
+            <a:endParaRPr lang="en-GB" dirty="0"/>
+          </a:p>
+          <a:p>
+            <a:r>
+              <a:rPr lang="en-GB" dirty="0" smtClean="0"/>
+              <a:t>A double equals sign is used for comparison testing.</a:t>
+            </a:r>
+          </a:p>
+          <a:p>
+            <a:r>
+              <a:rPr lang="en-GB" dirty="0" smtClean="0"/>
+              <a:t>This line </a:t>
+            </a:r>
+            <a:r>
+              <a:rPr lang="en-GB" b="1" u="sng" dirty="0" smtClean="0"/>
+              <a:t>tests</a:t>
+            </a:r>
+            <a:r>
+              <a:rPr lang="en-GB" dirty="0" smtClean="0"/>
+              <a:t> if a is equal to 3.</a:t>
+            </a:r>
+          </a:p>
+          <a:p>
+            <a:pPr lvl="1"/>
+            <a:r>
+              <a:rPr lang="en-GB" dirty="0">
+                <a:latin typeface="Courier New" panose="02070309020205020404" pitchFamily="49" charset="0"/>
+                <a:cs typeface="Courier New" panose="02070309020205020404" pitchFamily="49" charset="0"/>
+              </a:rPr>
+              <a:t>i</a:t>
+            </a:r>
+            <a:r>
+              <a:rPr lang="en-GB" dirty="0" smtClean="0">
+                <a:latin typeface="Courier New" panose="02070309020205020404" pitchFamily="49" charset="0"/>
+                <a:cs typeface="Courier New" panose="02070309020205020404" pitchFamily="49" charset="0"/>
+              </a:rPr>
+              <a:t>f a == 3:</a:t>
+            </a:r>
+            <a:endParaRPr lang="en-GB" dirty="0">
+              <a:latin typeface="Courier New" panose="02070309020205020404" pitchFamily="49" charset="0"/>
+              <a:cs typeface="Courier New" panose="02070309020205020404" pitchFamily="49" charset="0"/>
+            </a:endParaRPr>
+          </a:p>
+        </p:txBody>
+      </p:sp>
+    </p:spTree>
+    <p:extLst>
+      <p:ext uri="{BB962C8B-B14F-4D97-AF65-F5344CB8AC3E}">
+        <p14:creationId xmlns:p14="http://schemas.microsoft.com/office/powerpoint/2010/main" val="1523782347"/>
+      </p:ext>
+    </p:extLst>
+  </p:cSld>
+  <p:clrMapOvr>
+    <a:masterClrMapping/>
+  </p:clrMapOvr>
+  <p:timing>
+    <p:tnLst>
+      <p:par>
+        <p:cTn id="1" dur="indefinite" restart="never" nodeType="tmRoot"/>
+      </p:par>
+    </p:tnLst>
+  </p:timing>
+</p:sld>
+</file>
+
+<file path=ppt/slides/slide16.xml><?xml version="1.0" encoding="utf-8"?>
+<p:sld xmlns:a="http://schemas.openxmlformats.org/drawingml/2006/main" xmlns:r="http://schemas.openxmlformats.org/officeDocument/2006/relationships" xmlns:p="http://schemas.openxmlformats.org/presentationml/2006/main">
+  <p:cSld>
+    <p:spTree>
+      <p:nvGrpSpPr>
+        <p:cNvPr id="1" name=""/>
+        <p:cNvGrpSpPr/>
+        <p:nvPr/>
+      </p:nvGrpSpPr>
+      <p:grpSpPr>
+        <a:xfrm>
+          <a:off x="0" y="0"/>
+          <a:ext cx="0" cy="0"/>
+          <a:chOff x="0" y="0"/>
+          <a:chExt cx="0" cy="0"/>
+        </a:xfrm>
+      </p:grpSpPr>
+      <p:sp>
+        <p:nvSpPr>
+          <p:cNvPr id="2" name="Title 1"/>
+          <p:cNvSpPr>
+            <a:spLocks noGrp="1"/>
+          </p:cNvSpPr>
+          <p:nvPr>
+            <p:ph type="title"/>
+          </p:nvPr>
+        </p:nvSpPr>
+        <p:spPr/>
+        <p:txBody>
+          <a:bodyPr/>
+          <a:lstStyle/>
+          <a:p>
+            <a:r>
+              <a:rPr lang="en-GB" dirty="0" smtClean="0"/>
+              <a:t>Other types of testing.</a:t>
+            </a:r>
+            <a:endParaRPr lang="en-GB" dirty="0"/>
+          </a:p>
+        </p:txBody>
+      </p:sp>
+      <p:sp>
+        <p:nvSpPr>
+          <p:cNvPr id="8" name="Content Placeholder 2"/>
+          <p:cNvSpPr>
+            <a:spLocks noGrp="1"/>
+          </p:cNvSpPr>
+          <p:nvPr>
+            <p:ph idx="1"/>
+          </p:nvPr>
+        </p:nvSpPr>
+        <p:spPr>
+          <a:xfrm>
+            <a:off x="1103312" y="2052918"/>
+            <a:ext cx="9274065" cy="4195481"/>
+          </a:xfrm>
+        </p:spPr>
+        <p:txBody>
+          <a:bodyPr/>
+          <a:lstStyle/>
+          <a:p>
+            <a:r>
+              <a:rPr lang="en-GB" dirty="0" smtClean="0"/>
+              <a:t>As well as testing for equality with ==, we can do other tests involving numbers.</a:t>
+            </a:r>
+          </a:p>
+          <a:p>
+            <a:endParaRPr lang="en-GB" dirty="0">
+              <a:latin typeface="Courier New" panose="02070309020205020404" pitchFamily="49" charset="0"/>
+              <a:cs typeface="Courier New" panose="02070309020205020404" pitchFamily="49" charset="0"/>
+            </a:endParaRPr>
+          </a:p>
+          <a:p>
+            <a:r>
+              <a:rPr lang="en-GB" dirty="0" smtClean="0">
+                <a:latin typeface="Courier New" panose="02070309020205020404" pitchFamily="49" charset="0"/>
+                <a:cs typeface="Courier New" panose="02070309020205020404" pitchFamily="49" charset="0"/>
+              </a:rPr>
+              <a:t>a &lt; b. </a:t>
+            </a:r>
+            <a:r>
+              <a:rPr lang="en-GB" dirty="0" smtClean="0">
+                <a:latin typeface="+mn-lt"/>
+                <a:cs typeface="Courier New" panose="02070309020205020404" pitchFamily="49" charset="0"/>
+              </a:rPr>
+              <a:t>Will be true if a is less than b.</a:t>
+            </a:r>
+          </a:p>
+          <a:p>
+            <a:r>
+              <a:rPr lang="en-GB" dirty="0" smtClean="0">
+                <a:latin typeface="Courier New" panose="02070309020205020404" pitchFamily="49" charset="0"/>
+                <a:cs typeface="Courier New" panose="02070309020205020404" pitchFamily="49" charset="0"/>
+              </a:rPr>
+              <a:t>a &gt; b. </a:t>
+            </a:r>
+            <a:r>
+              <a:rPr lang="en-GB" dirty="0" smtClean="0">
+                <a:latin typeface="+mn-lt"/>
+                <a:cs typeface="Courier New" panose="02070309020205020404" pitchFamily="49" charset="0"/>
+              </a:rPr>
+              <a:t>Will be true if a is greater than b.</a:t>
+            </a:r>
+          </a:p>
+          <a:p>
+            <a:r>
+              <a:rPr lang="en-GB" dirty="0" smtClean="0">
+                <a:latin typeface="+mn-lt"/>
+                <a:cs typeface="Courier New" panose="02070309020205020404" pitchFamily="49" charset="0"/>
+              </a:rPr>
+              <a:t>a &gt;= b </a:t>
+            </a:r>
+            <a:endParaRPr lang="en-GB" dirty="0">
+              <a:latin typeface="+mn-lt"/>
+              <a:cs typeface="Courier New" panose="02070309020205020404" pitchFamily="49" charset="0"/>
+            </a:endParaRPr>
+          </a:p>
+        </p:txBody>
+      </p:sp>
+    </p:spTree>
+    <p:extLst>
+      <p:ext uri="{BB962C8B-B14F-4D97-AF65-F5344CB8AC3E}">
+        <p14:creationId xmlns:p14="http://schemas.microsoft.com/office/powerpoint/2010/main" val="237858201"/>
+      </p:ext>
+    </p:extLst>
+  </p:cSld>
+  <p:clrMapOvr>
+    <a:masterClrMapping/>
+  </p:clrMapOvr>
+  <p:timing>
+    <p:tnLst>
+      <p:par>
+        <p:cTn id="1" dur="indefinite" restart="never" nodeType="tmRoot"/>
+      </p:par>
+    </p:tnLst>
+  </p:timing>
+</p:sld>
+</file>
+
+<file path=ppt/slides/slide17.xml><?xml version="1.0" encoding="utf-8"?>
+<p:sld xmlns:a="http://schemas.openxmlformats.org/drawingml/2006/main" xmlns:r="http://schemas.openxmlformats.org/officeDocument/2006/relationships" xmlns:p="http://schemas.openxmlformats.org/presentationml/2006/main">
+  <p:cSld>
+    <p:spTree>
+      <p:nvGrpSpPr>
+        <p:cNvPr id="1" name=""/>
+        <p:cNvGrpSpPr/>
+        <p:nvPr/>
+      </p:nvGrpSpPr>
+      <p:grpSpPr>
+        <a:xfrm>
+          <a:off x="0" y="0"/>
+          <a:ext cx="0" cy="0"/>
+          <a:chOff x="0" y="0"/>
+          <a:chExt cx="0" cy="0"/>
+        </a:xfrm>
+      </p:grpSpPr>
+      <p:sp>
+        <p:nvSpPr>
+          <p:cNvPr id="2" name="Title 1"/>
+          <p:cNvSpPr>
+            <a:spLocks noGrp="1"/>
+          </p:cNvSpPr>
+          <p:nvPr>
+            <p:ph type="title"/>
+          </p:nvPr>
+        </p:nvSpPr>
+        <p:spPr/>
+        <p:txBody>
+          <a:bodyPr/>
+          <a:lstStyle/>
+          <a:p>
+            <a:r>
+              <a:rPr lang="en-GB" dirty="0" smtClean="0"/>
+              <a:t>Doing things more than once.</a:t>
+            </a:r>
+            <a:endParaRPr lang="en-GB" dirty="0"/>
+          </a:p>
+        </p:txBody>
+      </p:sp>
+      <p:sp>
+        <p:nvSpPr>
+          <p:cNvPr id="8" name="Content Placeholder 2"/>
+          <p:cNvSpPr>
+            <a:spLocks noGrp="1"/>
+          </p:cNvSpPr>
+          <p:nvPr>
+            <p:ph idx="1"/>
+          </p:nvPr>
+        </p:nvSpPr>
+        <p:spPr>
+          <a:xfrm>
+            <a:off x="1103312" y="2052918"/>
+            <a:ext cx="9274065" cy="4195481"/>
+          </a:xfrm>
+        </p:spPr>
+        <p:txBody>
+          <a:bodyPr/>
+          <a:lstStyle/>
+          <a:p>
+            <a:r>
+              <a:rPr lang="en-GB" dirty="0" smtClean="0"/>
+              <a:t>Programming has the concept of loops.</a:t>
+            </a:r>
+            <a:endParaRPr lang="en-GB" dirty="0" smtClean="0">
+              <a:latin typeface="Courier New" panose="02070309020205020404" pitchFamily="49" charset="0"/>
+              <a:cs typeface="Courier New" panose="02070309020205020404" pitchFamily="49" charset="0"/>
+            </a:endParaRPr>
+          </a:p>
+          <a:p>
+            <a:r>
+              <a:rPr lang="en-GB" dirty="0" smtClean="0"/>
+              <a:t>Just like a car can go around a racing track in a loop, code can go around a loop, running over and over again.</a:t>
+            </a:r>
+          </a:p>
+          <a:p>
+            <a:r>
+              <a:rPr lang="en-GB" dirty="0" smtClean="0"/>
+              <a:t>You can change variables while going around the loop.</a:t>
+            </a:r>
+          </a:p>
+          <a:p>
+            <a:endParaRPr lang="en-GB" dirty="0"/>
+          </a:p>
+          <a:p>
+            <a:r>
+              <a:rPr lang="en-GB" dirty="0" smtClean="0"/>
+              <a:t>We will use this to recreate out counting to 10 program in a way that doesn't involve repeating ourselves.</a:t>
+            </a:r>
+          </a:p>
+          <a:p>
+            <a:endParaRPr lang="en-GB" dirty="0" smtClean="0"/>
+          </a:p>
+          <a:p>
+            <a:endParaRPr lang="en-GB" dirty="0" smtClean="0"/>
+          </a:p>
+        </p:txBody>
+      </p:sp>
+    </p:spTree>
+    <p:extLst>
+      <p:ext uri="{BB962C8B-B14F-4D97-AF65-F5344CB8AC3E}">
+        <p14:creationId xmlns:p14="http://schemas.microsoft.com/office/powerpoint/2010/main" val="566590178"/>
+      </p:ext>
+    </p:extLst>
+  </p:cSld>
+  <p:clrMapOvr>
+    <a:masterClrMapping/>
+  </p:clrMapOvr>
+  <p:timing>
+    <p:tnLst>
+      <p:par>
+        <p:cTn id="1" dur="indefinite" restart="never" nodeType="tmRoot"/>
+      </p:par>
+    </p:tnLst>
+  </p:timing>
+</p:sld>
+</file>
+
+<file path=ppt/slides/slide18.xml><?xml version="1.0" encoding="utf-8"?>
+<p:sld xmlns:a="http://schemas.openxmlformats.org/drawingml/2006/main" xmlns:r="http://schemas.openxmlformats.org/officeDocument/2006/relationships" xmlns:p="http://schemas.openxmlformats.org/presentationml/2006/main">
+  <p:cSld>
+    <p:spTree>
+      <p:nvGrpSpPr>
+        <p:cNvPr id="1" name=""/>
+        <p:cNvGrpSpPr/>
+        <p:nvPr/>
+      </p:nvGrpSpPr>
+      <p:grpSpPr>
+        <a:xfrm>
+          <a:off x="0" y="0"/>
+          <a:ext cx="0" cy="0"/>
+          <a:chOff x="0" y="0"/>
+          <a:chExt cx="0" cy="0"/>
+        </a:xfrm>
+      </p:grpSpPr>
+      <p:sp>
+        <p:nvSpPr>
+          <p:cNvPr id="2" name="Title 1"/>
+          <p:cNvSpPr>
+            <a:spLocks noGrp="1"/>
+          </p:cNvSpPr>
+          <p:nvPr>
+            <p:ph type="title"/>
+          </p:nvPr>
+        </p:nvSpPr>
+        <p:spPr/>
+        <p:txBody>
+          <a:bodyPr/>
+          <a:lstStyle/>
+          <a:p>
+            <a:r>
+              <a:rPr lang="en-GB" dirty="0" smtClean="0"/>
+              <a:t>Our first loop.</a:t>
+            </a:r>
+            <a:endParaRPr lang="en-GB" dirty="0"/>
+          </a:p>
+        </p:txBody>
+      </p:sp>
+      <p:sp>
+        <p:nvSpPr>
+          <p:cNvPr id="3" name="Content Placeholder 2"/>
+          <p:cNvSpPr>
+            <a:spLocks noGrp="1"/>
+          </p:cNvSpPr>
+          <p:nvPr>
+            <p:ph idx="1"/>
+          </p:nvPr>
+        </p:nvSpPr>
+        <p:spPr>
+          <a:xfrm>
+            <a:off x="646111" y="1853248"/>
+            <a:ext cx="5552670" cy="4604151"/>
+          </a:xfrm>
+        </p:spPr>
+        <p:txBody>
+          <a:bodyPr/>
+          <a:lstStyle/>
+          <a:p>
+            <a:r>
+              <a:rPr lang="en-GB" b="1" u="sng" dirty="0" smtClean="0">
+                <a:solidFill>
+                  <a:srgbClr val="FFFF00"/>
+                </a:solidFill>
+              </a:rPr>
+              <a:t>TASK</a:t>
+            </a:r>
+            <a:r>
+              <a:rPr lang="en-GB" b="1" u="sng" dirty="0">
+                <a:solidFill>
+                  <a:srgbClr val="FFFF00"/>
+                </a:solidFill>
+              </a:rPr>
+              <a:t>:</a:t>
+            </a:r>
+            <a:r>
+              <a:rPr lang="en-GB" b="1" dirty="0">
+                <a:solidFill>
+                  <a:srgbClr val="FFFF00"/>
+                </a:solidFill>
+              </a:rPr>
+              <a:t> </a:t>
+            </a:r>
+            <a:r>
+              <a:rPr lang="en-GB" dirty="0">
+                <a:solidFill>
+                  <a:srgbClr val="FFFF00"/>
+                </a:solidFill>
+              </a:rPr>
+              <a:t>What do you think the program on the right will do ?</a:t>
+            </a:r>
+          </a:p>
+          <a:p>
+            <a:r>
+              <a:rPr lang="en-GB" b="1" u="sng" dirty="0">
+                <a:solidFill>
+                  <a:srgbClr val="FFFF00"/>
+                </a:solidFill>
+              </a:rPr>
+              <a:t>TASK:</a:t>
+            </a:r>
+            <a:r>
+              <a:rPr lang="en-GB" dirty="0">
+                <a:solidFill>
+                  <a:srgbClr val="FFFF00"/>
+                </a:solidFill>
+              </a:rPr>
+              <a:t> Type it in, run it and see if you were correct.</a:t>
+            </a:r>
+            <a:endParaRPr lang="en-GB" dirty="0"/>
+          </a:p>
+          <a:p>
+            <a:endParaRPr lang="en-GB" dirty="0"/>
+          </a:p>
+        </p:txBody>
+      </p:sp>
+      <p:sp>
+        <p:nvSpPr>
+          <p:cNvPr id="4" name="Rectangle 3"/>
+          <p:cNvSpPr/>
+          <p:nvPr/>
+        </p:nvSpPr>
+        <p:spPr>
+          <a:xfrm>
+            <a:off x="6471684" y="1853248"/>
+            <a:ext cx="6096000" cy="2031325"/>
+          </a:xfrm>
+          <a:prstGeom prst="rect">
+            <a:avLst/>
+          </a:prstGeom>
+        </p:spPr>
+        <p:txBody>
+          <a:bodyPr>
+            <a:spAutoFit/>
+          </a:bodyPr>
+          <a:lstStyle/>
+          <a:p>
+            <a:r>
+              <a:rPr lang="en-GB" dirty="0">
+                <a:latin typeface="Courier New" panose="02070309020205020404" pitchFamily="49" charset="0"/>
+                <a:cs typeface="Courier New" panose="02070309020205020404" pitchFamily="49" charset="0"/>
+              </a:rPr>
+              <a:t># Week2, </a:t>
+            </a:r>
+            <a:r>
+              <a:rPr lang="en-GB" dirty="0" smtClean="0">
+                <a:latin typeface="Courier New" panose="02070309020205020404" pitchFamily="49" charset="0"/>
+                <a:cs typeface="Courier New" panose="02070309020205020404" pitchFamily="49" charset="0"/>
+              </a:rPr>
+              <a:t>Program8</a:t>
+            </a:r>
+            <a:endParaRPr lang="en-GB" dirty="0">
+              <a:latin typeface="Courier New" panose="02070309020205020404" pitchFamily="49" charset="0"/>
+              <a:cs typeface="Courier New" panose="02070309020205020404" pitchFamily="49" charset="0"/>
+            </a:endParaRPr>
+          </a:p>
+          <a:p>
+            <a:endParaRPr lang="en-GB" dirty="0">
+              <a:latin typeface="Courier New" panose="02070309020205020404" pitchFamily="49" charset="0"/>
+              <a:cs typeface="Courier New" panose="02070309020205020404" pitchFamily="49" charset="0"/>
+            </a:endParaRPr>
+          </a:p>
+          <a:p>
+            <a:r>
+              <a:rPr lang="en-GB" dirty="0">
+                <a:latin typeface="Courier New" panose="02070309020205020404" pitchFamily="49" charset="0"/>
+                <a:cs typeface="Courier New" panose="02070309020205020404" pitchFamily="49" charset="0"/>
+              </a:rPr>
+              <a:t>c = 1</a:t>
+            </a:r>
+          </a:p>
+          <a:p>
+            <a:endParaRPr lang="en-GB" dirty="0">
+              <a:latin typeface="Courier New" panose="02070309020205020404" pitchFamily="49" charset="0"/>
+              <a:cs typeface="Courier New" panose="02070309020205020404" pitchFamily="49" charset="0"/>
+            </a:endParaRPr>
+          </a:p>
+          <a:p>
+            <a:r>
+              <a:rPr lang="en-GB" dirty="0">
+                <a:latin typeface="Courier New" panose="02070309020205020404" pitchFamily="49" charset="0"/>
+                <a:cs typeface="Courier New" panose="02070309020205020404" pitchFamily="49" charset="0"/>
+              </a:rPr>
+              <a:t>while c &lt;= 10:</a:t>
+            </a:r>
+          </a:p>
+          <a:p>
+            <a:r>
+              <a:rPr lang="en-GB" dirty="0">
+                <a:latin typeface="Courier New" panose="02070309020205020404" pitchFamily="49" charset="0"/>
+                <a:cs typeface="Courier New" panose="02070309020205020404" pitchFamily="49" charset="0"/>
+              </a:rPr>
+              <a:t>    print(c)</a:t>
+            </a:r>
+          </a:p>
+          <a:p>
+            <a:r>
+              <a:rPr lang="en-GB" dirty="0">
+                <a:latin typeface="Courier New" panose="02070309020205020404" pitchFamily="49" charset="0"/>
+                <a:cs typeface="Courier New" panose="02070309020205020404" pitchFamily="49" charset="0"/>
+              </a:rPr>
+              <a:t>    c </a:t>
+            </a:r>
+            <a:r>
+              <a:rPr lang="en-GB" dirty="0" smtClean="0">
+                <a:latin typeface="Courier New" panose="02070309020205020404" pitchFamily="49" charset="0"/>
+                <a:cs typeface="Courier New" panose="02070309020205020404" pitchFamily="49" charset="0"/>
+              </a:rPr>
+              <a:t>= c + 1      </a:t>
+            </a:r>
+            <a:r>
+              <a:rPr lang="en-GB" dirty="0">
+                <a:latin typeface="Courier New" panose="02070309020205020404" pitchFamily="49" charset="0"/>
+                <a:cs typeface="Courier New" panose="02070309020205020404" pitchFamily="49" charset="0"/>
+              </a:rPr>
+              <a:t># Adds 1 to c</a:t>
+            </a:r>
+          </a:p>
+        </p:txBody>
+      </p:sp>
+    </p:spTree>
+    <p:extLst>
+      <p:ext uri="{BB962C8B-B14F-4D97-AF65-F5344CB8AC3E}">
+        <p14:creationId xmlns:p14="http://schemas.microsoft.com/office/powerpoint/2010/main" val="870808402"/>
+      </p:ext>
+    </p:extLst>
+  </p:cSld>
+  <p:clrMapOvr>
+    <a:masterClrMapping/>
+  </p:clrMapOvr>
+  <p:timing>
+    <p:tnLst>
+      <p:par>
+        <p:cTn id="1" dur="indefinite" restart="never" nodeType="tmRoot"/>
+      </p:par>
+    </p:tnLst>
+  </p:timing>
+</p:sld>
+</file>
+
+<file path=ppt/slides/slide2.xml><?xml version="1.0" encoding="utf-8"?>
+<p:sld xmlns:a="http://schemas.openxmlformats.org/drawingml/2006/main" xmlns:r="http://schemas.openxmlformats.org/officeDocument/2006/relationships" xmlns:p="http://schemas.openxmlformats.org/presentationml/2006/main">
+  <p:cSld>
+    <p:spTree>
+      <p:nvGrpSpPr>
+        <p:cNvPr id="1" name=""/>
+        <p:cNvGrpSpPr/>
+        <p:nvPr/>
+      </p:nvGrpSpPr>
+      <p:grpSpPr>
+        <a:xfrm>
+          <a:off x="0" y="0"/>
+          <a:ext cx="0" cy="0"/>
+          <a:chOff x="0" y="0"/>
+          <a:chExt cx="0" cy="0"/>
+        </a:xfrm>
+      </p:grpSpPr>
+      <p:sp>
+        <p:nvSpPr>
+          <p:cNvPr id="2" name="Title 1"/>
+          <p:cNvSpPr>
+            <a:spLocks noGrp="1"/>
+          </p:cNvSpPr>
+          <p:nvPr>
+            <p:ph type="title"/>
+          </p:nvPr>
+        </p:nvSpPr>
+        <p:spPr/>
+        <p:txBody>
+          <a:bodyPr/>
+          <a:lstStyle/>
+          <a:p>
+            <a:r>
+              <a:rPr lang="en-GB" dirty="0" smtClean="0"/>
+              <a:t>Goals of this week.</a:t>
+            </a:r>
+            <a:endParaRPr lang="en-GB" dirty="0"/>
+          </a:p>
+        </p:txBody>
+      </p:sp>
+      <p:sp>
+        <p:nvSpPr>
+          <p:cNvPr id="3" name="Content Placeholder 2"/>
+          <p:cNvSpPr>
+            <a:spLocks noGrp="1"/>
+          </p:cNvSpPr>
+          <p:nvPr>
+            <p:ph idx="1"/>
+          </p:nvPr>
+        </p:nvSpPr>
+        <p:spPr/>
+        <p:txBody>
+          <a:bodyPr>
+            <a:normAutofit lnSpcReduction="10000"/>
+          </a:bodyPr>
+          <a:lstStyle/>
+          <a:p>
+            <a:r>
+              <a:rPr lang="en-GB" dirty="0" smtClean="0"/>
+              <a:t>This week, we will learn :-</a:t>
+            </a:r>
+          </a:p>
+          <a:p>
+            <a:pPr lvl="1"/>
+            <a:r>
+              <a:rPr lang="en-GB" dirty="0" smtClean="0"/>
+              <a:t>How to work with variables.</a:t>
+            </a:r>
+          </a:p>
+          <a:p>
+            <a:pPr lvl="1"/>
+            <a:r>
+              <a:rPr lang="en-GB" dirty="0" smtClean="0"/>
+              <a:t>How to add comments for other human beings (or yourself).</a:t>
+            </a:r>
+          </a:p>
+          <a:p>
+            <a:pPr lvl="1"/>
+            <a:r>
+              <a:rPr lang="en-GB" dirty="0" smtClean="0"/>
+              <a:t>How to ask the user questions.</a:t>
+            </a:r>
+          </a:p>
+          <a:p>
+            <a:pPr lvl="1"/>
+            <a:r>
+              <a:rPr lang="en-GB" dirty="0" smtClean="0"/>
+              <a:t>Working with strings and integers (numbers)</a:t>
+            </a:r>
+          </a:p>
+          <a:p>
+            <a:pPr lvl="1"/>
+            <a:r>
+              <a:rPr lang="en-GB" dirty="0" smtClean="0"/>
+              <a:t>How to do different things based on different conditions.</a:t>
+            </a:r>
+          </a:p>
+          <a:p>
+            <a:pPr lvl="1"/>
+            <a:r>
+              <a:rPr lang="en-GB" dirty="0"/>
+              <a:t>How to do things more than once</a:t>
+            </a:r>
+            <a:r>
+              <a:rPr lang="en-GB" dirty="0" smtClean="0"/>
+              <a:t>.</a:t>
+            </a:r>
+          </a:p>
+          <a:p>
+            <a:pPr lvl="1"/>
+            <a:endParaRPr lang="en-GB" dirty="0"/>
+          </a:p>
+          <a:p>
+            <a:r>
+              <a:rPr lang="en-GB" dirty="0" smtClean="0"/>
+              <a:t>There are a lot of "building blocks" this week.</a:t>
+            </a:r>
+          </a:p>
+          <a:p>
+            <a:r>
+              <a:rPr lang="en-GB" dirty="0" smtClean="0"/>
+              <a:t>We will use these building blocks in later weeks to make more useful programs in future weeks.</a:t>
+            </a:r>
+            <a:endParaRPr lang="en-GB" dirty="0"/>
+          </a:p>
+          <a:p>
+            <a:pPr lvl="1"/>
+            <a:endParaRPr lang="en-GB" dirty="0"/>
+          </a:p>
+        </p:txBody>
+      </p:sp>
+    </p:spTree>
+    <p:extLst>
+      <p:ext uri="{BB962C8B-B14F-4D97-AF65-F5344CB8AC3E}">
+        <p14:creationId xmlns:p14="http://schemas.microsoft.com/office/powerpoint/2010/main" val="1451435175"/>
+      </p:ext>
+    </p:extLst>
+  </p:cSld>
+  <p:clrMapOvr>
+    <a:masterClrMapping/>
+  </p:clrMapOvr>
+  <p:timing>
+    <p:tnLst>
+      <p:par>
+        <p:cTn id="1" dur="indefinite" restart="never" nodeType="tmRoot"/>
+      </p:par>
+    </p:tnLst>
+  </p:timing>
+</p:sld>
+</file>
+
+<file path=ppt/slides/slide3.xml><?xml version="1.0" encoding="utf-8"?>
+<p:sld xmlns:a="http://schemas.openxmlformats.org/drawingml/2006/main" xmlns:r="http://schemas.openxmlformats.org/officeDocument/2006/relationships" xmlns:p="http://schemas.openxmlformats.org/presentationml/2006/main">
+  <p:cSld>
+    <p:spTree>
+      <p:nvGrpSpPr>
+        <p:cNvPr id="1" name=""/>
+        <p:cNvGrpSpPr/>
+        <p:nvPr/>
+      </p:nvGrpSpPr>
+      <p:grpSpPr>
+        <a:xfrm>
+          <a:off x="0" y="0"/>
+          <a:ext cx="0" cy="0"/>
+          <a:chOff x="0" y="0"/>
+          <a:chExt cx="0" cy="0"/>
+        </a:xfrm>
+      </p:grpSpPr>
+      <p:sp>
+        <p:nvSpPr>
+          <p:cNvPr id="2" name="Title 1"/>
+          <p:cNvSpPr>
+            <a:spLocks noGrp="1"/>
+          </p:cNvSpPr>
+          <p:nvPr>
+            <p:ph type="title"/>
+          </p:nvPr>
+        </p:nvSpPr>
+        <p:spPr/>
+        <p:txBody>
+          <a:bodyPr/>
+          <a:lstStyle/>
+          <a:p>
+            <a:r>
+              <a:rPr lang="en-GB" dirty="0" smtClean="0"/>
+              <a:t>Introduction to Variables.</a:t>
+            </a:r>
+            <a:endParaRPr lang="en-GB" dirty="0"/>
+          </a:p>
+        </p:txBody>
+      </p:sp>
+      <p:sp>
+        <p:nvSpPr>
+          <p:cNvPr id="3" name="Content Placeholder 2"/>
+          <p:cNvSpPr>
+            <a:spLocks noGrp="1"/>
+          </p:cNvSpPr>
+          <p:nvPr>
+            <p:ph idx="1"/>
+          </p:nvPr>
+        </p:nvSpPr>
+        <p:spPr>
+          <a:xfrm>
+            <a:off x="976312" y="1853248"/>
+            <a:ext cx="4400021" cy="4195481"/>
+          </a:xfrm>
+        </p:spPr>
+        <p:txBody>
+          <a:bodyPr>
+            <a:normAutofit fontScale="92500" lnSpcReduction="20000"/>
+          </a:bodyPr>
+          <a:lstStyle/>
+          <a:p>
+            <a:r>
+              <a:rPr lang="en-GB" dirty="0" smtClean="0"/>
+              <a:t>A variable in computer programming is :-</a:t>
+            </a:r>
+          </a:p>
+          <a:p>
+            <a:pPr lvl="1"/>
+            <a:r>
+              <a:rPr lang="en-GB" dirty="0" smtClean="0"/>
+              <a:t>A label for a “thing”.</a:t>
+            </a:r>
+          </a:p>
+          <a:p>
+            <a:pPr lvl="1"/>
+            <a:r>
+              <a:rPr lang="en-GB" dirty="0" smtClean="0"/>
+              <a:t>Where that “thing” can change.</a:t>
+            </a:r>
+          </a:p>
+          <a:p>
+            <a:pPr lvl="1"/>
+            <a:endParaRPr lang="en-GB" dirty="0"/>
+          </a:p>
+          <a:p>
+            <a:r>
+              <a:rPr lang="en-GB" dirty="0" smtClean="0"/>
+              <a:t>You can define a variable by setting it to be equal to something.</a:t>
+            </a:r>
+          </a:p>
+          <a:p>
+            <a:endParaRPr lang="en-GB" dirty="0"/>
+          </a:p>
+          <a:p>
+            <a:r>
+              <a:rPr lang="en-GB" b="1" u="sng" dirty="0" smtClean="0">
+                <a:solidFill>
+                  <a:srgbClr val="FFFF00"/>
+                </a:solidFill>
+              </a:rPr>
+              <a:t>TASK:</a:t>
+            </a:r>
+            <a:r>
+              <a:rPr lang="en-GB" b="1" dirty="0" smtClean="0">
+                <a:solidFill>
+                  <a:srgbClr val="FFFF00"/>
+                </a:solidFill>
+              </a:rPr>
+              <a:t> </a:t>
+            </a:r>
+            <a:r>
+              <a:rPr lang="en-GB" dirty="0" smtClean="0">
+                <a:solidFill>
+                  <a:srgbClr val="FFFF00"/>
+                </a:solidFill>
+              </a:rPr>
+              <a:t>What do you think the program on the right will do ?</a:t>
+            </a:r>
+          </a:p>
+          <a:p>
+            <a:r>
+              <a:rPr lang="en-GB" b="1" u="sng" dirty="0" smtClean="0">
+                <a:solidFill>
+                  <a:srgbClr val="FFFF00"/>
+                </a:solidFill>
+              </a:rPr>
+              <a:t>TASK:</a:t>
+            </a:r>
+            <a:r>
+              <a:rPr lang="en-GB" dirty="0" smtClean="0">
+                <a:solidFill>
+                  <a:srgbClr val="FFFF00"/>
+                </a:solidFill>
+              </a:rPr>
+              <a:t> Type it in, run it and see if you were correct.</a:t>
+            </a:r>
+            <a:endParaRPr lang="en-GB" dirty="0" smtClean="0">
+              <a:solidFill>
+                <a:srgbClr val="FFFF00"/>
+              </a:solidFill>
+            </a:endParaRPr>
+          </a:p>
+        </p:txBody>
+      </p:sp>
+      <p:sp>
+        <p:nvSpPr>
+          <p:cNvPr id="4" name="Content Placeholder 2"/>
+          <p:cNvSpPr txBox="1">
+            <a:spLocks/>
+          </p:cNvSpPr>
+          <p:nvPr/>
+        </p:nvSpPr>
+        <p:spPr>
+          <a:xfrm>
+            <a:off x="6107112" y="1853247"/>
+            <a:ext cx="4400021" cy="4195481"/>
+          </a:xfrm>
+          <a:prstGeom prst="rect">
+            <a:avLst/>
+          </a:prstGeom>
+        </p:spPr>
+        <p:txBody>
+          <a:bodyPr vert="horz" lIns="91440" tIns="45720" rIns="91440" bIns="45720" rtlCol="0">
+            <a:normAutofit/>
+          </a:bodyPr>
+          <a:lstStyle>
+            <a:lvl1pPr marL="342900" indent="-342900" algn="l" defTabSz="457200" rtl="0" eaLnBrk="1" latinLnBrk="0" hangingPunct="1">
+              <a:spcBef>
+                <a:spcPts val="1000"/>
+              </a:spcBef>
+              <a:spcAft>
+                <a:spcPts val="0"/>
+              </a:spcAft>
+              <a:buClr>
+                <a:schemeClr val="bg2">
+                  <a:lumMod val="40000"/>
+                  <a:lumOff val="60000"/>
+                </a:schemeClr>
+              </a:buClr>
+              <a:buSzPct val="80000"/>
+              <a:buFont typeface="Wingdings 3" charset="2"/>
+              <a:buChar char=""/>
+              <a:defRPr sz="2000" b="0" i="0" kern="1200">
+                <a:solidFill>
+                  <a:schemeClr val="tx1"/>
+                </a:solidFill>
+                <a:latin typeface="+mj-lt"/>
+                <a:ea typeface="+mj-ea"/>
+                <a:cs typeface="+mj-cs"/>
+              </a:defRPr>
+            </a:lvl1pPr>
+            <a:lvl2pPr marL="742950" indent="-285750" algn="l" defTabSz="457200" rtl="0" eaLnBrk="1" latinLnBrk="0" hangingPunct="1">
+              <a:spcBef>
+                <a:spcPts val="1000"/>
+              </a:spcBef>
+              <a:spcAft>
+                <a:spcPts val="0"/>
+              </a:spcAft>
+              <a:buClr>
+                <a:schemeClr val="bg2">
+                  <a:lumMod val="40000"/>
+                  <a:lumOff val="60000"/>
+                </a:schemeClr>
+              </a:buClr>
+              <a:buSzPct val="80000"/>
+              <a:buFont typeface="Wingdings 3" charset="2"/>
+              <a:buChar char=""/>
+              <a:defRPr sz="1800" b="0" i="0" kern="1200">
+                <a:solidFill>
+                  <a:schemeClr val="tx1"/>
+                </a:solidFill>
+                <a:latin typeface="+mj-lt"/>
+                <a:ea typeface="+mj-ea"/>
+                <a:cs typeface="+mj-cs"/>
+              </a:defRPr>
+            </a:lvl2pPr>
+            <a:lvl3pPr marL="1143000" indent="-228600" algn="l" defTabSz="457200" rtl="0" eaLnBrk="1" latinLnBrk="0" hangingPunct="1">
+              <a:spcBef>
+                <a:spcPts val="1000"/>
+              </a:spcBef>
+              <a:spcAft>
+                <a:spcPts val="0"/>
+              </a:spcAft>
+              <a:buClr>
+                <a:schemeClr val="bg2">
+                  <a:lumMod val="40000"/>
+                  <a:lumOff val="60000"/>
+                </a:schemeClr>
+              </a:buClr>
+              <a:buSzPct val="80000"/>
+              <a:buFont typeface="Wingdings 3" charset="2"/>
+              <a:buChar char=""/>
+              <a:defRPr sz="1600" b="0" i="0" kern="1200">
+                <a:solidFill>
+                  <a:schemeClr val="tx1"/>
+                </a:solidFill>
+                <a:latin typeface="+mj-lt"/>
+                <a:ea typeface="+mj-ea"/>
+                <a:cs typeface="+mj-cs"/>
+              </a:defRPr>
+            </a:lvl3pPr>
+            <a:lvl4pPr marL="1600200" indent="-228600" algn="l" defTabSz="457200" rtl="0" eaLnBrk="1" latinLnBrk="0" hangingPunct="1">
+              <a:spcBef>
+                <a:spcPts val="1000"/>
+              </a:spcBef>
+              <a:spcAft>
+                <a:spcPts val="0"/>
+              </a:spcAft>
+              <a:buClr>
+                <a:schemeClr val="bg2">
+                  <a:lumMod val="40000"/>
+                  <a:lumOff val="60000"/>
+                </a:schemeClr>
+              </a:buClr>
+              <a:buSzPct val="80000"/>
+              <a:buFont typeface="Wingdings 3" charset="2"/>
+              <a:buChar char=""/>
+              <a:defRPr sz="1400" b="0" i="0" kern="1200">
+                <a:solidFill>
+                  <a:schemeClr val="tx1"/>
+                </a:solidFill>
+                <a:latin typeface="+mj-lt"/>
+                <a:ea typeface="+mj-ea"/>
+                <a:cs typeface="+mj-cs"/>
+              </a:defRPr>
+            </a:lvl4pPr>
+            <a:lvl5pPr marL="2057400" indent="-228600" algn="l" defTabSz="457200" rtl="0" eaLnBrk="1" latinLnBrk="0" hangingPunct="1">
+              <a:spcBef>
+                <a:spcPts val="1000"/>
+              </a:spcBef>
+              <a:spcAft>
+                <a:spcPts val="0"/>
+              </a:spcAft>
+              <a:buClr>
+                <a:schemeClr val="bg2">
+                  <a:lumMod val="40000"/>
+                  <a:lumOff val="60000"/>
+                </a:schemeClr>
+              </a:buClr>
+              <a:buSzPct val="80000"/>
+              <a:buFont typeface="Wingdings 3" charset="2"/>
+              <a:buChar char=""/>
+              <a:defRPr sz="1400" b="0" i="0" kern="1200">
+                <a:solidFill>
+                  <a:schemeClr val="tx1"/>
+                </a:solidFill>
+                <a:latin typeface="+mj-lt"/>
+                <a:ea typeface="+mj-ea"/>
+                <a:cs typeface="+mj-cs"/>
+              </a:defRPr>
+            </a:lvl5pPr>
+            <a:lvl6pPr marL="2506000" indent="-228600" algn="l" defTabSz="457200" rtl="0" eaLnBrk="1" latinLnBrk="0" hangingPunct="1">
+              <a:spcBef>
+                <a:spcPts val="1000"/>
+              </a:spcBef>
+              <a:spcAft>
+                <a:spcPts val="0"/>
+              </a:spcAft>
+              <a:buClr>
+                <a:schemeClr val="bg2">
+                  <a:lumMod val="40000"/>
+                  <a:lumOff val="60000"/>
+                </a:schemeClr>
+              </a:buClr>
+              <a:buSzPct val="80000"/>
+              <a:buFont typeface="Wingdings 3" charset="2"/>
+              <a:buChar char=""/>
+              <a:defRPr sz="1400" b="0" i="0" kern="1200">
+                <a:solidFill>
+                  <a:schemeClr val="tx1"/>
+                </a:solidFill>
+                <a:latin typeface="+mj-lt"/>
+                <a:ea typeface="+mj-ea"/>
+                <a:cs typeface="+mj-cs"/>
+              </a:defRPr>
+            </a:lvl6pPr>
+            <a:lvl7pPr marL="2971800" indent="-228600" algn="l" defTabSz="457200" rtl="0" eaLnBrk="1" latinLnBrk="0" hangingPunct="1">
+              <a:spcBef>
+                <a:spcPts val="1000"/>
+              </a:spcBef>
+              <a:spcAft>
+                <a:spcPts val="0"/>
+              </a:spcAft>
+              <a:buClr>
+                <a:schemeClr val="bg2">
+                  <a:lumMod val="40000"/>
+                  <a:lumOff val="60000"/>
+                </a:schemeClr>
+              </a:buClr>
+              <a:buSzPct val="80000"/>
+              <a:buFont typeface="Wingdings 3" charset="2"/>
+              <a:buChar char=""/>
+              <a:defRPr sz="1400" b="0" i="0" kern="1200">
+                <a:solidFill>
+                  <a:schemeClr val="tx1"/>
+                </a:solidFill>
+                <a:latin typeface="+mj-lt"/>
+                <a:ea typeface="+mj-ea"/>
+                <a:cs typeface="+mj-cs"/>
+              </a:defRPr>
+            </a:lvl7pPr>
+            <a:lvl8pPr marL="3429000" indent="-228600" algn="l" defTabSz="457200" rtl="0" eaLnBrk="1" latinLnBrk="0" hangingPunct="1">
+              <a:spcBef>
+                <a:spcPts val="1000"/>
+              </a:spcBef>
+              <a:spcAft>
+                <a:spcPts val="0"/>
+              </a:spcAft>
+              <a:buClr>
+                <a:schemeClr val="bg2">
+                  <a:lumMod val="40000"/>
+                  <a:lumOff val="60000"/>
+                </a:schemeClr>
+              </a:buClr>
+              <a:buSzPct val="80000"/>
+              <a:buFont typeface="Wingdings 3" charset="2"/>
+              <a:buChar char=""/>
+              <a:defRPr sz="1400" b="0" i="0" kern="1200">
+                <a:solidFill>
+                  <a:schemeClr val="tx1"/>
+                </a:solidFill>
+                <a:latin typeface="+mj-lt"/>
+                <a:ea typeface="+mj-ea"/>
+                <a:cs typeface="+mj-cs"/>
+              </a:defRPr>
+            </a:lvl8pPr>
+            <a:lvl9pPr marL="3886200" indent="-228600" algn="l" defTabSz="457200" rtl="0" eaLnBrk="1" latinLnBrk="0" hangingPunct="1">
+              <a:spcBef>
+                <a:spcPts val="1000"/>
+              </a:spcBef>
+              <a:spcAft>
+                <a:spcPts val="0"/>
+              </a:spcAft>
+              <a:buClr>
+                <a:schemeClr val="bg2">
+                  <a:lumMod val="40000"/>
+                  <a:lumOff val="60000"/>
+                </a:schemeClr>
+              </a:buClr>
+              <a:buSzPct val="80000"/>
+              <a:buFont typeface="Wingdings 3" charset="2"/>
+              <a:buChar char=""/>
+              <a:defRPr sz="1400" b="0" i="0" kern="1200">
+                <a:solidFill>
+                  <a:schemeClr val="tx1"/>
+                </a:solidFill>
+                <a:latin typeface="+mj-lt"/>
+                <a:ea typeface="+mj-ea"/>
+                <a:cs typeface="+mj-cs"/>
+              </a:defRPr>
+            </a:lvl9pPr>
+          </a:lstStyle>
+          <a:p>
+            <a:pPr marL="0" indent="0">
+              <a:buNone/>
+            </a:pPr>
+            <a:endParaRPr lang="fr-FR" dirty="0">
+              <a:latin typeface="Courier New" panose="02070309020205020404" pitchFamily="49" charset="0"/>
+              <a:cs typeface="Courier New" panose="02070309020205020404" pitchFamily="49" charset="0"/>
+            </a:endParaRPr>
+          </a:p>
+          <a:p>
+            <a:pPr marL="0" indent="0">
+              <a:buNone/>
+            </a:pPr>
+            <a:endParaRPr lang="en-GB" dirty="0" smtClean="0"/>
+          </a:p>
+        </p:txBody>
+      </p:sp>
+      <p:sp>
+        <p:nvSpPr>
+          <p:cNvPr id="5" name="Content Placeholder 2"/>
+          <p:cNvSpPr txBox="1">
+            <a:spLocks/>
+          </p:cNvSpPr>
+          <p:nvPr/>
+        </p:nvSpPr>
+        <p:spPr>
+          <a:xfrm>
+            <a:off x="6016202" y="1853246"/>
+            <a:ext cx="4400021" cy="4195481"/>
+          </a:xfrm>
+          <a:prstGeom prst="rect">
+            <a:avLst/>
+          </a:prstGeom>
+        </p:spPr>
+        <p:txBody>
+          <a:bodyPr vert="horz" lIns="91440" tIns="45720" rIns="91440" bIns="45720" rtlCol="0">
+            <a:normAutofit/>
+          </a:bodyPr>
+          <a:lstStyle>
+            <a:lvl1pPr marL="342900" indent="-342900" algn="l" defTabSz="457200" rtl="0" eaLnBrk="1" latinLnBrk="0" hangingPunct="1">
+              <a:spcBef>
+                <a:spcPts val="1000"/>
+              </a:spcBef>
+              <a:spcAft>
+                <a:spcPts val="0"/>
+              </a:spcAft>
+              <a:buClr>
+                <a:schemeClr val="bg2">
+                  <a:lumMod val="40000"/>
+                  <a:lumOff val="60000"/>
+                </a:schemeClr>
+              </a:buClr>
+              <a:buSzPct val="80000"/>
+              <a:buFont typeface="Wingdings 3" charset="2"/>
+              <a:buChar char=""/>
+              <a:defRPr sz="2000" b="0" i="0" kern="1200">
+                <a:solidFill>
+                  <a:schemeClr val="tx1"/>
+                </a:solidFill>
+                <a:latin typeface="+mj-lt"/>
+                <a:ea typeface="+mj-ea"/>
+                <a:cs typeface="+mj-cs"/>
+              </a:defRPr>
+            </a:lvl1pPr>
+            <a:lvl2pPr marL="742950" indent="-285750" algn="l" defTabSz="457200" rtl="0" eaLnBrk="1" latinLnBrk="0" hangingPunct="1">
+              <a:spcBef>
+                <a:spcPts val="1000"/>
+              </a:spcBef>
+              <a:spcAft>
+                <a:spcPts val="0"/>
+              </a:spcAft>
+              <a:buClr>
+                <a:schemeClr val="bg2">
+                  <a:lumMod val="40000"/>
+                  <a:lumOff val="60000"/>
+                </a:schemeClr>
+              </a:buClr>
+              <a:buSzPct val="80000"/>
+              <a:buFont typeface="Wingdings 3" charset="2"/>
+              <a:buChar char=""/>
+              <a:defRPr sz="1800" b="0" i="0" kern="1200">
+                <a:solidFill>
+                  <a:schemeClr val="tx1"/>
+                </a:solidFill>
+                <a:latin typeface="+mj-lt"/>
+                <a:ea typeface="+mj-ea"/>
+                <a:cs typeface="+mj-cs"/>
+              </a:defRPr>
+            </a:lvl2pPr>
+            <a:lvl3pPr marL="1143000" indent="-228600" algn="l" defTabSz="457200" rtl="0" eaLnBrk="1" latinLnBrk="0" hangingPunct="1">
+              <a:spcBef>
+                <a:spcPts val="1000"/>
+              </a:spcBef>
+              <a:spcAft>
+                <a:spcPts val="0"/>
+              </a:spcAft>
+              <a:buClr>
+                <a:schemeClr val="bg2">
+                  <a:lumMod val="40000"/>
+                  <a:lumOff val="60000"/>
+                </a:schemeClr>
+              </a:buClr>
+              <a:buSzPct val="80000"/>
+              <a:buFont typeface="Wingdings 3" charset="2"/>
+              <a:buChar char=""/>
+              <a:defRPr sz="1600" b="0" i="0" kern="1200">
+                <a:solidFill>
+                  <a:schemeClr val="tx1"/>
+                </a:solidFill>
+                <a:latin typeface="+mj-lt"/>
+                <a:ea typeface="+mj-ea"/>
+                <a:cs typeface="+mj-cs"/>
+              </a:defRPr>
+            </a:lvl3pPr>
+            <a:lvl4pPr marL="1600200" indent="-228600" algn="l" defTabSz="457200" rtl="0" eaLnBrk="1" latinLnBrk="0" hangingPunct="1">
+              <a:spcBef>
+                <a:spcPts val="1000"/>
+              </a:spcBef>
+              <a:spcAft>
+                <a:spcPts val="0"/>
+              </a:spcAft>
+              <a:buClr>
+                <a:schemeClr val="bg2">
+                  <a:lumMod val="40000"/>
+                  <a:lumOff val="60000"/>
+                </a:schemeClr>
+              </a:buClr>
+              <a:buSzPct val="80000"/>
+              <a:buFont typeface="Wingdings 3" charset="2"/>
+              <a:buChar char=""/>
+              <a:defRPr sz="1400" b="0" i="0" kern="1200">
+                <a:solidFill>
+                  <a:schemeClr val="tx1"/>
+                </a:solidFill>
+                <a:latin typeface="+mj-lt"/>
+                <a:ea typeface="+mj-ea"/>
+                <a:cs typeface="+mj-cs"/>
+              </a:defRPr>
+            </a:lvl4pPr>
+            <a:lvl5pPr marL="2057400" indent="-228600" algn="l" defTabSz="457200" rtl="0" eaLnBrk="1" latinLnBrk="0" hangingPunct="1">
+              <a:spcBef>
+                <a:spcPts val="1000"/>
+              </a:spcBef>
+              <a:spcAft>
+                <a:spcPts val="0"/>
+              </a:spcAft>
+              <a:buClr>
+                <a:schemeClr val="bg2">
+                  <a:lumMod val="40000"/>
+                  <a:lumOff val="60000"/>
+                </a:schemeClr>
+              </a:buClr>
+              <a:buSzPct val="80000"/>
+              <a:buFont typeface="Wingdings 3" charset="2"/>
+              <a:buChar char=""/>
+              <a:defRPr sz="1400" b="0" i="0" kern="1200">
+                <a:solidFill>
+                  <a:schemeClr val="tx1"/>
+                </a:solidFill>
+                <a:latin typeface="+mj-lt"/>
+                <a:ea typeface="+mj-ea"/>
+                <a:cs typeface="+mj-cs"/>
+              </a:defRPr>
+            </a:lvl5pPr>
+            <a:lvl6pPr marL="2506000" indent="-228600" algn="l" defTabSz="457200" rtl="0" eaLnBrk="1" latinLnBrk="0" hangingPunct="1">
+              <a:spcBef>
+                <a:spcPts val="1000"/>
+              </a:spcBef>
+              <a:spcAft>
+                <a:spcPts val="0"/>
+              </a:spcAft>
+              <a:buClr>
+                <a:schemeClr val="bg2">
+                  <a:lumMod val="40000"/>
+                  <a:lumOff val="60000"/>
+                </a:schemeClr>
+              </a:buClr>
+              <a:buSzPct val="80000"/>
+              <a:buFont typeface="Wingdings 3" charset="2"/>
+              <a:buChar char=""/>
+              <a:defRPr sz="1400" b="0" i="0" kern="1200">
+                <a:solidFill>
+                  <a:schemeClr val="tx1"/>
+                </a:solidFill>
+                <a:latin typeface="+mj-lt"/>
+                <a:ea typeface="+mj-ea"/>
+                <a:cs typeface="+mj-cs"/>
+              </a:defRPr>
+            </a:lvl6pPr>
+            <a:lvl7pPr marL="2971800" indent="-228600" algn="l" defTabSz="457200" rtl="0" eaLnBrk="1" latinLnBrk="0" hangingPunct="1">
+              <a:spcBef>
+                <a:spcPts val="1000"/>
+              </a:spcBef>
+              <a:spcAft>
+                <a:spcPts val="0"/>
+              </a:spcAft>
+              <a:buClr>
+                <a:schemeClr val="bg2">
+                  <a:lumMod val="40000"/>
+                  <a:lumOff val="60000"/>
+                </a:schemeClr>
+              </a:buClr>
+              <a:buSzPct val="80000"/>
+              <a:buFont typeface="Wingdings 3" charset="2"/>
+              <a:buChar char=""/>
+              <a:defRPr sz="1400" b="0" i="0" kern="1200">
+                <a:solidFill>
+                  <a:schemeClr val="tx1"/>
+                </a:solidFill>
+                <a:latin typeface="+mj-lt"/>
+                <a:ea typeface="+mj-ea"/>
+                <a:cs typeface="+mj-cs"/>
+              </a:defRPr>
+            </a:lvl7pPr>
+            <a:lvl8pPr marL="3429000" indent="-228600" algn="l" defTabSz="457200" rtl="0" eaLnBrk="1" latinLnBrk="0" hangingPunct="1">
+              <a:spcBef>
+                <a:spcPts val="1000"/>
+              </a:spcBef>
+              <a:spcAft>
+                <a:spcPts val="0"/>
+              </a:spcAft>
+              <a:buClr>
+                <a:schemeClr val="bg2">
+                  <a:lumMod val="40000"/>
+                  <a:lumOff val="60000"/>
+                </a:schemeClr>
+              </a:buClr>
+              <a:buSzPct val="80000"/>
+              <a:buFont typeface="Wingdings 3" charset="2"/>
+              <a:buChar char=""/>
+              <a:defRPr sz="1400" b="0" i="0" kern="1200">
+                <a:solidFill>
+                  <a:schemeClr val="tx1"/>
+                </a:solidFill>
+                <a:latin typeface="+mj-lt"/>
+                <a:ea typeface="+mj-ea"/>
+                <a:cs typeface="+mj-cs"/>
+              </a:defRPr>
+            </a:lvl8pPr>
+            <a:lvl9pPr marL="3886200" indent="-228600" algn="l" defTabSz="457200" rtl="0" eaLnBrk="1" latinLnBrk="0" hangingPunct="1">
+              <a:spcBef>
+                <a:spcPts val="1000"/>
+              </a:spcBef>
+              <a:spcAft>
+                <a:spcPts val="0"/>
+              </a:spcAft>
+              <a:buClr>
+                <a:schemeClr val="bg2">
+                  <a:lumMod val="40000"/>
+                  <a:lumOff val="60000"/>
+                </a:schemeClr>
+              </a:buClr>
+              <a:buSzPct val="80000"/>
+              <a:buFont typeface="Wingdings 3" charset="2"/>
+              <a:buChar char=""/>
+              <a:defRPr sz="1400" b="0" i="0" kern="1200">
+                <a:solidFill>
+                  <a:schemeClr val="tx1"/>
+                </a:solidFill>
+                <a:latin typeface="+mj-lt"/>
+                <a:ea typeface="+mj-ea"/>
+                <a:cs typeface="+mj-cs"/>
+              </a:defRPr>
+            </a:lvl9pPr>
+          </a:lstStyle>
+          <a:p>
+            <a:pPr marL="0" indent="0">
+              <a:buNone/>
+            </a:pPr>
+            <a:r>
+              <a:rPr lang="en-GB" dirty="0" smtClean="0">
+                <a:latin typeface="Courier New" panose="02070309020205020404" pitchFamily="49" charset="0"/>
+                <a:cs typeface="Courier New" panose="02070309020205020404" pitchFamily="49" charset="0"/>
+              </a:rPr>
+              <a:t># Week2, Program1</a:t>
+            </a:r>
+          </a:p>
+          <a:p>
+            <a:pPr marL="0" indent="0">
+              <a:buNone/>
+            </a:pPr>
+            <a:endParaRPr lang="en-GB" dirty="0">
+              <a:latin typeface="Courier New" panose="02070309020205020404" pitchFamily="49" charset="0"/>
+              <a:cs typeface="Courier New" panose="02070309020205020404" pitchFamily="49" charset="0"/>
+            </a:endParaRPr>
+          </a:p>
+          <a:p>
+            <a:pPr marL="0" indent="0">
+              <a:buNone/>
+            </a:pPr>
+            <a:r>
+              <a:rPr lang="en-GB" dirty="0" smtClean="0">
+                <a:latin typeface="Courier New" panose="02070309020205020404" pitchFamily="49" charset="0"/>
+                <a:cs typeface="Courier New" panose="02070309020205020404" pitchFamily="49" charset="0"/>
+              </a:rPr>
+              <a:t>a = "Hello World"</a:t>
+            </a:r>
+          </a:p>
+          <a:p>
+            <a:pPr marL="0" indent="0">
+              <a:buNone/>
+            </a:pPr>
+            <a:r>
+              <a:rPr lang="en-GB" dirty="0">
+                <a:latin typeface="Courier New" panose="02070309020205020404" pitchFamily="49" charset="0"/>
+                <a:cs typeface="Courier New" panose="02070309020205020404" pitchFamily="49" charset="0"/>
+              </a:rPr>
+              <a:t>p</a:t>
+            </a:r>
+            <a:r>
+              <a:rPr lang="en-GB" dirty="0" smtClean="0">
+                <a:latin typeface="Courier New" panose="02070309020205020404" pitchFamily="49" charset="0"/>
+                <a:cs typeface="Courier New" panose="02070309020205020404" pitchFamily="49" charset="0"/>
+              </a:rPr>
+              <a:t>rint(a)</a:t>
+            </a:r>
+            <a:endParaRPr lang="en-GB" dirty="0" smtClean="0">
+              <a:latin typeface="Courier New" panose="02070309020205020404" pitchFamily="49" charset="0"/>
+              <a:cs typeface="Courier New" panose="02070309020205020404" pitchFamily="49" charset="0"/>
+            </a:endParaRPr>
+          </a:p>
+        </p:txBody>
+      </p:sp>
+    </p:spTree>
+    <p:extLst>
+      <p:ext uri="{BB962C8B-B14F-4D97-AF65-F5344CB8AC3E}">
+        <p14:creationId xmlns:p14="http://schemas.microsoft.com/office/powerpoint/2010/main" val="1960950790"/>
+      </p:ext>
+    </p:extLst>
+  </p:cSld>
+  <p:clrMapOvr>
+    <a:masterClrMapping/>
+  </p:clrMapOvr>
+  <p:timing>
+    <p:tnLst>
+      <p:par>
+        <p:cTn id="1" dur="indefinite" restart="never" nodeType="tmRoot"/>
+      </p:par>
+    </p:tnLst>
+  </p:timing>
+</p:sld>
+</file>
+
+<file path=ppt/slides/slide4.xml><?xml version="1.0" encoding="utf-8"?>
+<p:sld xmlns:a="http://schemas.openxmlformats.org/drawingml/2006/main" xmlns:r="http://schemas.openxmlformats.org/officeDocument/2006/relationships" xmlns:p="http://schemas.openxmlformats.org/presentationml/2006/main">
+  <p:cSld>
+    <p:spTree>
+      <p:nvGrpSpPr>
+        <p:cNvPr id="1" name=""/>
+        <p:cNvGrpSpPr/>
+        <p:nvPr/>
+      </p:nvGrpSpPr>
+      <p:grpSpPr>
+        <a:xfrm>
+          <a:off x="0" y="0"/>
+          <a:ext cx="0" cy="0"/>
+          <a:chOff x="0" y="0"/>
+          <a:chExt cx="0" cy="0"/>
+        </a:xfrm>
+      </p:grpSpPr>
+      <p:sp>
+        <p:nvSpPr>
+          <p:cNvPr id="2" name="Title 1"/>
+          <p:cNvSpPr>
+            <a:spLocks noGrp="1"/>
+          </p:cNvSpPr>
+          <p:nvPr>
+            <p:ph type="title"/>
+          </p:nvPr>
+        </p:nvSpPr>
+        <p:spPr/>
+        <p:txBody>
+          <a:bodyPr/>
+          <a:lstStyle/>
+          <a:p>
+            <a:r>
+              <a:rPr lang="en-GB" dirty="0" smtClean="0"/>
+              <a:t>Introduction to Comments</a:t>
+            </a:r>
+            <a:endParaRPr lang="en-GB" dirty="0"/>
+          </a:p>
+        </p:txBody>
+      </p:sp>
+      <p:sp>
+        <p:nvSpPr>
+          <p:cNvPr id="3" name="Content Placeholder 2"/>
+          <p:cNvSpPr>
+            <a:spLocks noGrp="1"/>
+          </p:cNvSpPr>
+          <p:nvPr>
+            <p:ph idx="1"/>
+          </p:nvPr>
+        </p:nvSpPr>
+        <p:spPr>
+          <a:xfrm>
+            <a:off x="976312" y="1853248"/>
+            <a:ext cx="9319155" cy="4195481"/>
+          </a:xfrm>
+        </p:spPr>
+        <p:txBody>
+          <a:bodyPr>
+            <a:normAutofit/>
+          </a:bodyPr>
+          <a:lstStyle/>
+          <a:p>
+            <a:r>
+              <a:rPr lang="en-GB" dirty="0" smtClean="0"/>
+              <a:t>In the previous program, there was a line starting with the hash (#) character.</a:t>
+            </a:r>
+          </a:p>
+          <a:p>
+            <a:r>
+              <a:rPr lang="en-GB" dirty="0" smtClean="0"/>
+              <a:t>This line was :-</a:t>
+            </a:r>
+          </a:p>
+          <a:p>
+            <a:pPr lvl="1"/>
+            <a:r>
+              <a:rPr lang="en-GB" dirty="0">
+                <a:latin typeface="Courier New" panose="02070309020205020404" pitchFamily="49" charset="0"/>
+                <a:cs typeface="Courier New" panose="02070309020205020404" pitchFamily="49" charset="0"/>
+              </a:rPr>
+              <a:t># Week2, </a:t>
+            </a:r>
+            <a:r>
+              <a:rPr lang="en-GB" dirty="0" smtClean="0">
+                <a:latin typeface="Courier New" panose="02070309020205020404" pitchFamily="49" charset="0"/>
+                <a:cs typeface="Courier New" panose="02070309020205020404" pitchFamily="49" charset="0"/>
+              </a:rPr>
+              <a:t>Program1</a:t>
+            </a:r>
+            <a:endParaRPr lang="en-GB" dirty="0">
+              <a:latin typeface="Courier New" panose="02070309020205020404" pitchFamily="49" charset="0"/>
+              <a:cs typeface="Courier New" panose="02070309020205020404" pitchFamily="49" charset="0"/>
+            </a:endParaRPr>
+          </a:p>
+          <a:p>
+            <a:endParaRPr lang="en-GB" dirty="0" smtClean="0">
+              <a:latin typeface="Courier New" panose="02070309020205020404" pitchFamily="49" charset="0"/>
+              <a:cs typeface="Courier New" panose="02070309020205020404" pitchFamily="49" charset="0"/>
+            </a:endParaRPr>
+          </a:p>
+          <a:p>
+            <a:r>
+              <a:rPr lang="en-GB" dirty="0" smtClean="0"/>
+              <a:t>Any line starting with a # character is totally ignored by Python.</a:t>
+            </a:r>
+          </a:p>
+          <a:p>
+            <a:r>
+              <a:rPr lang="en-GB" dirty="0" smtClean="0"/>
+              <a:t>It is only for human beings. Use comments to remind you why you put something in your program.</a:t>
+            </a:r>
+          </a:p>
+          <a:p>
+            <a:r>
+              <a:rPr lang="en-GB" dirty="0" smtClean="0"/>
+              <a:t>You will learn more about comments in a later week.</a:t>
+            </a:r>
+            <a:endParaRPr lang="en-GB" dirty="0"/>
+          </a:p>
+        </p:txBody>
+      </p:sp>
+      <p:sp>
+        <p:nvSpPr>
+          <p:cNvPr id="4" name="Content Placeholder 2"/>
+          <p:cNvSpPr txBox="1">
+            <a:spLocks/>
+          </p:cNvSpPr>
+          <p:nvPr/>
+        </p:nvSpPr>
+        <p:spPr>
+          <a:xfrm>
+            <a:off x="6107112" y="1853247"/>
+            <a:ext cx="4400021" cy="4195481"/>
+          </a:xfrm>
+          <a:prstGeom prst="rect">
+            <a:avLst/>
+          </a:prstGeom>
+        </p:spPr>
+        <p:txBody>
+          <a:bodyPr vert="horz" lIns="91440" tIns="45720" rIns="91440" bIns="45720" rtlCol="0">
+            <a:normAutofit/>
+          </a:bodyPr>
+          <a:lstStyle>
+            <a:lvl1pPr marL="342900" indent="-342900" algn="l" defTabSz="457200" rtl="0" eaLnBrk="1" latinLnBrk="0" hangingPunct="1">
+              <a:spcBef>
+                <a:spcPts val="1000"/>
+              </a:spcBef>
+              <a:spcAft>
+                <a:spcPts val="0"/>
+              </a:spcAft>
+              <a:buClr>
+                <a:schemeClr val="bg2">
+                  <a:lumMod val="40000"/>
+                  <a:lumOff val="60000"/>
+                </a:schemeClr>
+              </a:buClr>
+              <a:buSzPct val="80000"/>
+              <a:buFont typeface="Wingdings 3" charset="2"/>
+              <a:buChar char=""/>
+              <a:defRPr sz="2000" b="0" i="0" kern="1200">
+                <a:solidFill>
+                  <a:schemeClr val="tx1"/>
+                </a:solidFill>
+                <a:latin typeface="+mj-lt"/>
+                <a:ea typeface="+mj-ea"/>
+                <a:cs typeface="+mj-cs"/>
+              </a:defRPr>
+            </a:lvl1pPr>
+            <a:lvl2pPr marL="742950" indent="-285750" algn="l" defTabSz="457200" rtl="0" eaLnBrk="1" latinLnBrk="0" hangingPunct="1">
+              <a:spcBef>
+                <a:spcPts val="1000"/>
+              </a:spcBef>
+              <a:spcAft>
+                <a:spcPts val="0"/>
+              </a:spcAft>
+              <a:buClr>
+                <a:schemeClr val="bg2">
+                  <a:lumMod val="40000"/>
+                  <a:lumOff val="60000"/>
+                </a:schemeClr>
+              </a:buClr>
+              <a:buSzPct val="80000"/>
+              <a:buFont typeface="Wingdings 3" charset="2"/>
+              <a:buChar char=""/>
+              <a:defRPr sz="1800" b="0" i="0" kern="1200">
+                <a:solidFill>
+                  <a:schemeClr val="tx1"/>
+                </a:solidFill>
+                <a:latin typeface="+mj-lt"/>
+                <a:ea typeface="+mj-ea"/>
+                <a:cs typeface="+mj-cs"/>
+              </a:defRPr>
+            </a:lvl2pPr>
+            <a:lvl3pPr marL="1143000" indent="-228600" algn="l" defTabSz="457200" rtl="0" eaLnBrk="1" latinLnBrk="0" hangingPunct="1">
+              <a:spcBef>
+                <a:spcPts val="1000"/>
+              </a:spcBef>
+              <a:spcAft>
+                <a:spcPts val="0"/>
+              </a:spcAft>
+              <a:buClr>
+                <a:schemeClr val="bg2">
+                  <a:lumMod val="40000"/>
+                  <a:lumOff val="60000"/>
+                </a:schemeClr>
+              </a:buClr>
+              <a:buSzPct val="80000"/>
+              <a:buFont typeface="Wingdings 3" charset="2"/>
+              <a:buChar char=""/>
+              <a:defRPr sz="1600" b="0" i="0" kern="1200">
+                <a:solidFill>
+                  <a:schemeClr val="tx1"/>
+                </a:solidFill>
+                <a:latin typeface="+mj-lt"/>
+                <a:ea typeface="+mj-ea"/>
+                <a:cs typeface="+mj-cs"/>
+              </a:defRPr>
+            </a:lvl3pPr>
+            <a:lvl4pPr marL="1600200" indent="-228600" algn="l" defTabSz="457200" rtl="0" eaLnBrk="1" latinLnBrk="0" hangingPunct="1">
+              <a:spcBef>
+                <a:spcPts val="1000"/>
+              </a:spcBef>
+              <a:spcAft>
+                <a:spcPts val="0"/>
+              </a:spcAft>
+              <a:buClr>
+                <a:schemeClr val="bg2">
+                  <a:lumMod val="40000"/>
+                  <a:lumOff val="60000"/>
+                </a:schemeClr>
+              </a:buClr>
+              <a:buSzPct val="80000"/>
+              <a:buFont typeface="Wingdings 3" charset="2"/>
+              <a:buChar char=""/>
+              <a:defRPr sz="1400" b="0" i="0" kern="1200">
+                <a:solidFill>
+                  <a:schemeClr val="tx1"/>
+                </a:solidFill>
+                <a:latin typeface="+mj-lt"/>
+                <a:ea typeface="+mj-ea"/>
+                <a:cs typeface="+mj-cs"/>
+              </a:defRPr>
+            </a:lvl4pPr>
+            <a:lvl5pPr marL="2057400" indent="-228600" algn="l" defTabSz="457200" rtl="0" eaLnBrk="1" latinLnBrk="0" hangingPunct="1">
+              <a:spcBef>
+                <a:spcPts val="1000"/>
+              </a:spcBef>
+              <a:spcAft>
+                <a:spcPts val="0"/>
+              </a:spcAft>
+              <a:buClr>
+                <a:schemeClr val="bg2">
+                  <a:lumMod val="40000"/>
+                  <a:lumOff val="60000"/>
+                </a:schemeClr>
+              </a:buClr>
+              <a:buSzPct val="80000"/>
+              <a:buFont typeface="Wingdings 3" charset="2"/>
+              <a:buChar char=""/>
+              <a:defRPr sz="1400" b="0" i="0" kern="1200">
+                <a:solidFill>
+                  <a:schemeClr val="tx1"/>
+                </a:solidFill>
+                <a:latin typeface="+mj-lt"/>
+                <a:ea typeface="+mj-ea"/>
+                <a:cs typeface="+mj-cs"/>
+              </a:defRPr>
+            </a:lvl5pPr>
+            <a:lvl6pPr marL="2506000" indent="-228600" algn="l" defTabSz="457200" rtl="0" eaLnBrk="1" latinLnBrk="0" hangingPunct="1">
+              <a:spcBef>
+                <a:spcPts val="1000"/>
+              </a:spcBef>
+              <a:spcAft>
+                <a:spcPts val="0"/>
+              </a:spcAft>
+              <a:buClr>
+                <a:schemeClr val="bg2">
+                  <a:lumMod val="40000"/>
+                  <a:lumOff val="60000"/>
+                </a:schemeClr>
+              </a:buClr>
+              <a:buSzPct val="80000"/>
+              <a:buFont typeface="Wingdings 3" charset="2"/>
+              <a:buChar char=""/>
+              <a:defRPr sz="1400" b="0" i="0" kern="1200">
+                <a:solidFill>
+                  <a:schemeClr val="tx1"/>
+                </a:solidFill>
+                <a:latin typeface="+mj-lt"/>
+                <a:ea typeface="+mj-ea"/>
+                <a:cs typeface="+mj-cs"/>
+              </a:defRPr>
+            </a:lvl6pPr>
+            <a:lvl7pPr marL="2971800" indent="-228600" algn="l" defTabSz="457200" rtl="0" eaLnBrk="1" latinLnBrk="0" hangingPunct="1">
+              <a:spcBef>
+                <a:spcPts val="1000"/>
+              </a:spcBef>
+              <a:spcAft>
+                <a:spcPts val="0"/>
+              </a:spcAft>
+              <a:buClr>
+                <a:schemeClr val="bg2">
+                  <a:lumMod val="40000"/>
+                  <a:lumOff val="60000"/>
+                </a:schemeClr>
+              </a:buClr>
+              <a:buSzPct val="80000"/>
+              <a:buFont typeface="Wingdings 3" charset="2"/>
+              <a:buChar char=""/>
+              <a:defRPr sz="1400" b="0" i="0" kern="1200">
+                <a:solidFill>
+                  <a:schemeClr val="tx1"/>
+                </a:solidFill>
+                <a:latin typeface="+mj-lt"/>
+                <a:ea typeface="+mj-ea"/>
+                <a:cs typeface="+mj-cs"/>
+              </a:defRPr>
+            </a:lvl7pPr>
+            <a:lvl8pPr marL="3429000" indent="-228600" algn="l" defTabSz="457200" rtl="0" eaLnBrk="1" latinLnBrk="0" hangingPunct="1">
+              <a:spcBef>
+                <a:spcPts val="1000"/>
+              </a:spcBef>
+              <a:spcAft>
+                <a:spcPts val="0"/>
+              </a:spcAft>
+              <a:buClr>
+                <a:schemeClr val="bg2">
+                  <a:lumMod val="40000"/>
+                  <a:lumOff val="60000"/>
+                </a:schemeClr>
+              </a:buClr>
+              <a:buSzPct val="80000"/>
+              <a:buFont typeface="Wingdings 3" charset="2"/>
+              <a:buChar char=""/>
+              <a:defRPr sz="1400" b="0" i="0" kern="1200">
+                <a:solidFill>
+                  <a:schemeClr val="tx1"/>
+                </a:solidFill>
+                <a:latin typeface="+mj-lt"/>
+                <a:ea typeface="+mj-ea"/>
+                <a:cs typeface="+mj-cs"/>
+              </a:defRPr>
+            </a:lvl8pPr>
+            <a:lvl9pPr marL="3886200" indent="-228600" algn="l" defTabSz="457200" rtl="0" eaLnBrk="1" latinLnBrk="0" hangingPunct="1">
+              <a:spcBef>
+                <a:spcPts val="1000"/>
+              </a:spcBef>
+              <a:spcAft>
+                <a:spcPts val="0"/>
+              </a:spcAft>
+              <a:buClr>
+                <a:schemeClr val="bg2">
+                  <a:lumMod val="40000"/>
+                  <a:lumOff val="60000"/>
+                </a:schemeClr>
+              </a:buClr>
+              <a:buSzPct val="80000"/>
+              <a:buFont typeface="Wingdings 3" charset="2"/>
+              <a:buChar char=""/>
+              <a:defRPr sz="1400" b="0" i="0" kern="1200">
+                <a:solidFill>
+                  <a:schemeClr val="tx1"/>
+                </a:solidFill>
+                <a:latin typeface="+mj-lt"/>
+                <a:ea typeface="+mj-ea"/>
+                <a:cs typeface="+mj-cs"/>
+              </a:defRPr>
+            </a:lvl9pPr>
+          </a:lstStyle>
+          <a:p>
+            <a:pPr marL="0" indent="0">
+              <a:buNone/>
+            </a:pPr>
+            <a:endParaRPr lang="fr-FR" dirty="0">
+              <a:latin typeface="Courier New" panose="02070309020205020404" pitchFamily="49" charset="0"/>
+              <a:cs typeface="Courier New" panose="02070309020205020404" pitchFamily="49" charset="0"/>
+            </a:endParaRPr>
+          </a:p>
+          <a:p>
+            <a:pPr marL="0" indent="0">
+              <a:buNone/>
+            </a:pPr>
+            <a:endParaRPr lang="en-GB" dirty="0" smtClean="0"/>
+          </a:p>
+        </p:txBody>
+      </p:sp>
+    </p:spTree>
+    <p:extLst>
+      <p:ext uri="{BB962C8B-B14F-4D97-AF65-F5344CB8AC3E}">
+        <p14:creationId xmlns:p14="http://schemas.microsoft.com/office/powerpoint/2010/main" val="816143058"/>
+      </p:ext>
+    </p:extLst>
+  </p:cSld>
+  <p:clrMapOvr>
+    <a:masterClrMapping/>
+  </p:clrMapOvr>
+  <p:timing>
+    <p:tnLst>
+      <p:par>
+        <p:cTn id="1" dur="indefinite" restart="never" nodeType="tmRoot"/>
+      </p:par>
+    </p:tnLst>
+  </p:timing>
+</p:sld>
+</file>
+
+<file path=ppt/slides/slide5.xml><?xml version="1.0" encoding="utf-8"?>
+<p:sld xmlns:a="http://schemas.openxmlformats.org/drawingml/2006/main" xmlns:r="http://schemas.openxmlformats.org/officeDocument/2006/relationships" xmlns:p="http://schemas.openxmlformats.org/presentationml/2006/main">
+  <p:cSld>
+    <p:spTree>
+      <p:nvGrpSpPr>
+        <p:cNvPr id="1" name=""/>
+        <p:cNvGrpSpPr/>
+        <p:nvPr/>
+      </p:nvGrpSpPr>
+      <p:grpSpPr>
+        <a:xfrm>
+          <a:off x="0" y="0"/>
+          <a:ext cx="0" cy="0"/>
+          <a:chOff x="0" y="0"/>
+          <a:chExt cx="0" cy="0"/>
+        </a:xfrm>
+      </p:grpSpPr>
+      <p:sp>
+        <p:nvSpPr>
+          <p:cNvPr id="2" name="Title 1"/>
+          <p:cNvSpPr>
+            <a:spLocks noGrp="1"/>
+          </p:cNvSpPr>
+          <p:nvPr>
+            <p:ph type="title"/>
+          </p:nvPr>
+        </p:nvSpPr>
+        <p:spPr/>
+        <p:txBody>
+          <a:bodyPr/>
+          <a:lstStyle/>
+          <a:p>
+            <a:r>
+              <a:rPr lang="en-GB" dirty="0" smtClean="0"/>
+              <a:t>Changing Variables.</a:t>
+            </a:r>
+            <a:endParaRPr lang="en-GB" dirty="0"/>
+          </a:p>
+        </p:txBody>
+      </p:sp>
+      <p:sp>
+        <p:nvSpPr>
+          <p:cNvPr id="3" name="Content Placeholder 2"/>
+          <p:cNvSpPr>
+            <a:spLocks noGrp="1"/>
+          </p:cNvSpPr>
+          <p:nvPr>
+            <p:ph idx="1"/>
+          </p:nvPr>
+        </p:nvSpPr>
+        <p:spPr>
+          <a:xfrm>
+            <a:off x="976312" y="1853248"/>
+            <a:ext cx="4400021" cy="4195481"/>
+          </a:xfrm>
+        </p:spPr>
+        <p:txBody>
+          <a:bodyPr>
+            <a:normAutofit/>
+          </a:bodyPr>
+          <a:lstStyle/>
+          <a:p>
+            <a:r>
+              <a:rPr lang="en-GB" dirty="0" smtClean="0"/>
+              <a:t>You can redefine a variable at any time.</a:t>
+            </a:r>
+          </a:p>
+          <a:p>
+            <a:pPr marL="0" indent="0">
+              <a:buNone/>
+            </a:pPr>
+            <a:endParaRPr lang="en-GB" dirty="0"/>
+          </a:p>
+          <a:p>
+            <a:r>
+              <a:rPr lang="en-GB" b="1" u="sng" dirty="0" smtClean="0">
+                <a:solidFill>
+                  <a:srgbClr val="FFFF00"/>
+                </a:solidFill>
+              </a:rPr>
+              <a:t>TASK:</a:t>
+            </a:r>
+            <a:r>
+              <a:rPr lang="en-GB" b="1" dirty="0" smtClean="0">
+                <a:solidFill>
+                  <a:srgbClr val="FFFF00"/>
+                </a:solidFill>
+              </a:rPr>
+              <a:t> </a:t>
+            </a:r>
+            <a:r>
+              <a:rPr lang="en-GB" dirty="0" smtClean="0">
+                <a:solidFill>
+                  <a:srgbClr val="FFFF00"/>
+                </a:solidFill>
+              </a:rPr>
+              <a:t>What do you think the program on the right will do ?</a:t>
+            </a:r>
+          </a:p>
+          <a:p>
+            <a:r>
+              <a:rPr lang="en-GB" b="1" u="sng" dirty="0" smtClean="0">
+                <a:solidFill>
+                  <a:srgbClr val="FFFF00"/>
+                </a:solidFill>
+              </a:rPr>
+              <a:t>TASK:</a:t>
+            </a:r>
+            <a:r>
+              <a:rPr lang="en-GB" dirty="0" smtClean="0">
+                <a:solidFill>
+                  <a:srgbClr val="FFFF00"/>
+                </a:solidFill>
+              </a:rPr>
+              <a:t> Type it in, run it and see if you were correct.</a:t>
+            </a:r>
+            <a:endParaRPr lang="en-GB" dirty="0" smtClean="0">
+              <a:solidFill>
+                <a:srgbClr val="FFFF00"/>
+              </a:solidFill>
+            </a:endParaRPr>
+          </a:p>
+        </p:txBody>
+      </p:sp>
+      <p:sp>
+        <p:nvSpPr>
+          <p:cNvPr id="4" name="Content Placeholder 2"/>
+          <p:cNvSpPr txBox="1">
+            <a:spLocks/>
+          </p:cNvSpPr>
+          <p:nvPr/>
+        </p:nvSpPr>
+        <p:spPr>
+          <a:xfrm>
+            <a:off x="6107112" y="1853247"/>
+            <a:ext cx="4400021" cy="4195481"/>
+          </a:xfrm>
+          <a:prstGeom prst="rect">
+            <a:avLst/>
+          </a:prstGeom>
+        </p:spPr>
+        <p:txBody>
+          <a:bodyPr vert="horz" lIns="91440" tIns="45720" rIns="91440" bIns="45720" rtlCol="0">
+            <a:normAutofit/>
+          </a:bodyPr>
+          <a:lstStyle>
+            <a:lvl1pPr marL="342900" indent="-342900" algn="l" defTabSz="457200" rtl="0" eaLnBrk="1" latinLnBrk="0" hangingPunct="1">
+              <a:spcBef>
+                <a:spcPts val="1000"/>
+              </a:spcBef>
+              <a:spcAft>
+                <a:spcPts val="0"/>
+              </a:spcAft>
+              <a:buClr>
+                <a:schemeClr val="bg2">
+                  <a:lumMod val="40000"/>
+                  <a:lumOff val="60000"/>
+                </a:schemeClr>
+              </a:buClr>
+              <a:buSzPct val="80000"/>
+              <a:buFont typeface="Wingdings 3" charset="2"/>
+              <a:buChar char=""/>
+              <a:defRPr sz="2000" b="0" i="0" kern="1200">
+                <a:solidFill>
+                  <a:schemeClr val="tx1"/>
+                </a:solidFill>
+                <a:latin typeface="+mj-lt"/>
+                <a:ea typeface="+mj-ea"/>
+                <a:cs typeface="+mj-cs"/>
+              </a:defRPr>
+            </a:lvl1pPr>
+            <a:lvl2pPr marL="742950" indent="-285750" algn="l" defTabSz="457200" rtl="0" eaLnBrk="1" latinLnBrk="0" hangingPunct="1">
+              <a:spcBef>
+                <a:spcPts val="1000"/>
+              </a:spcBef>
+              <a:spcAft>
+                <a:spcPts val="0"/>
+              </a:spcAft>
+              <a:buClr>
+                <a:schemeClr val="bg2">
+                  <a:lumMod val="40000"/>
+                  <a:lumOff val="60000"/>
+                </a:schemeClr>
+              </a:buClr>
+              <a:buSzPct val="80000"/>
+              <a:buFont typeface="Wingdings 3" charset="2"/>
+              <a:buChar char=""/>
+              <a:defRPr sz="1800" b="0" i="0" kern="1200">
+                <a:solidFill>
+                  <a:schemeClr val="tx1"/>
+                </a:solidFill>
+                <a:latin typeface="+mj-lt"/>
+                <a:ea typeface="+mj-ea"/>
+                <a:cs typeface="+mj-cs"/>
+              </a:defRPr>
+            </a:lvl2pPr>
+            <a:lvl3pPr marL="1143000" indent="-228600" algn="l" defTabSz="457200" rtl="0" eaLnBrk="1" latinLnBrk="0" hangingPunct="1">
+              <a:spcBef>
+                <a:spcPts val="1000"/>
+              </a:spcBef>
+              <a:spcAft>
+                <a:spcPts val="0"/>
+              </a:spcAft>
+              <a:buClr>
+                <a:schemeClr val="bg2">
+                  <a:lumMod val="40000"/>
+                  <a:lumOff val="60000"/>
+                </a:schemeClr>
+              </a:buClr>
+              <a:buSzPct val="80000"/>
+              <a:buFont typeface="Wingdings 3" charset="2"/>
+              <a:buChar char=""/>
+              <a:defRPr sz="1600" b="0" i="0" kern="1200">
+                <a:solidFill>
+                  <a:schemeClr val="tx1"/>
+                </a:solidFill>
+                <a:latin typeface="+mj-lt"/>
+                <a:ea typeface="+mj-ea"/>
+                <a:cs typeface="+mj-cs"/>
+              </a:defRPr>
+            </a:lvl3pPr>
+            <a:lvl4pPr marL="1600200" indent="-228600" algn="l" defTabSz="457200" rtl="0" eaLnBrk="1" latinLnBrk="0" hangingPunct="1">
+              <a:spcBef>
+                <a:spcPts val="1000"/>
+              </a:spcBef>
+              <a:spcAft>
+                <a:spcPts val="0"/>
+              </a:spcAft>
+              <a:buClr>
+                <a:schemeClr val="bg2">
+                  <a:lumMod val="40000"/>
+                  <a:lumOff val="60000"/>
+                </a:schemeClr>
+              </a:buClr>
+              <a:buSzPct val="80000"/>
+              <a:buFont typeface="Wingdings 3" charset="2"/>
+              <a:buChar char=""/>
+              <a:defRPr sz="1400" b="0" i="0" kern="1200">
+                <a:solidFill>
+                  <a:schemeClr val="tx1"/>
+                </a:solidFill>
+                <a:latin typeface="+mj-lt"/>
+                <a:ea typeface="+mj-ea"/>
+                <a:cs typeface="+mj-cs"/>
+              </a:defRPr>
+            </a:lvl4pPr>
+            <a:lvl5pPr marL="2057400" indent="-228600" algn="l" defTabSz="457200" rtl="0" eaLnBrk="1" latinLnBrk="0" hangingPunct="1">
+              <a:spcBef>
+                <a:spcPts val="1000"/>
+              </a:spcBef>
+              <a:spcAft>
+                <a:spcPts val="0"/>
+              </a:spcAft>
+              <a:buClr>
+                <a:schemeClr val="bg2">
+                  <a:lumMod val="40000"/>
+                  <a:lumOff val="60000"/>
+                </a:schemeClr>
+              </a:buClr>
+              <a:buSzPct val="80000"/>
+              <a:buFont typeface="Wingdings 3" charset="2"/>
+              <a:buChar char=""/>
+              <a:defRPr sz="1400" b="0" i="0" kern="1200">
+                <a:solidFill>
+                  <a:schemeClr val="tx1"/>
+                </a:solidFill>
+                <a:latin typeface="+mj-lt"/>
+                <a:ea typeface="+mj-ea"/>
+                <a:cs typeface="+mj-cs"/>
+              </a:defRPr>
+            </a:lvl5pPr>
+            <a:lvl6pPr marL="2506000" indent="-228600" algn="l" defTabSz="457200" rtl="0" eaLnBrk="1" latinLnBrk="0" hangingPunct="1">
+              <a:spcBef>
+                <a:spcPts val="1000"/>
+              </a:spcBef>
+              <a:spcAft>
+                <a:spcPts val="0"/>
+              </a:spcAft>
+              <a:buClr>
+                <a:schemeClr val="bg2">
+                  <a:lumMod val="40000"/>
+                  <a:lumOff val="60000"/>
+                </a:schemeClr>
+              </a:buClr>
+              <a:buSzPct val="80000"/>
+              <a:buFont typeface="Wingdings 3" charset="2"/>
+              <a:buChar char=""/>
+              <a:defRPr sz="1400" b="0" i="0" kern="1200">
+                <a:solidFill>
+                  <a:schemeClr val="tx1"/>
+                </a:solidFill>
+                <a:latin typeface="+mj-lt"/>
+                <a:ea typeface="+mj-ea"/>
+                <a:cs typeface="+mj-cs"/>
+              </a:defRPr>
+            </a:lvl6pPr>
+            <a:lvl7pPr marL="2971800" indent="-228600" algn="l" defTabSz="457200" rtl="0" eaLnBrk="1" latinLnBrk="0" hangingPunct="1">
+              <a:spcBef>
+                <a:spcPts val="1000"/>
+              </a:spcBef>
+              <a:spcAft>
+                <a:spcPts val="0"/>
+              </a:spcAft>
+              <a:buClr>
+                <a:schemeClr val="bg2">
+                  <a:lumMod val="40000"/>
+                  <a:lumOff val="60000"/>
+                </a:schemeClr>
+              </a:buClr>
+              <a:buSzPct val="80000"/>
+              <a:buFont typeface="Wingdings 3" charset="2"/>
+              <a:buChar char=""/>
+              <a:defRPr sz="1400" b="0" i="0" kern="1200">
+                <a:solidFill>
+                  <a:schemeClr val="tx1"/>
+                </a:solidFill>
+                <a:latin typeface="+mj-lt"/>
+                <a:ea typeface="+mj-ea"/>
+                <a:cs typeface="+mj-cs"/>
+              </a:defRPr>
+            </a:lvl7pPr>
+            <a:lvl8pPr marL="3429000" indent="-228600" algn="l" defTabSz="457200" rtl="0" eaLnBrk="1" latinLnBrk="0" hangingPunct="1">
+              <a:spcBef>
+                <a:spcPts val="1000"/>
+              </a:spcBef>
+              <a:spcAft>
+                <a:spcPts val="0"/>
+              </a:spcAft>
+              <a:buClr>
+                <a:schemeClr val="bg2">
+                  <a:lumMod val="40000"/>
+                  <a:lumOff val="60000"/>
+                </a:schemeClr>
+              </a:buClr>
+              <a:buSzPct val="80000"/>
+              <a:buFont typeface="Wingdings 3" charset="2"/>
+              <a:buChar char=""/>
+              <a:defRPr sz="1400" b="0" i="0" kern="1200">
+                <a:solidFill>
+                  <a:schemeClr val="tx1"/>
+                </a:solidFill>
+                <a:latin typeface="+mj-lt"/>
+                <a:ea typeface="+mj-ea"/>
+                <a:cs typeface="+mj-cs"/>
+              </a:defRPr>
+            </a:lvl8pPr>
+            <a:lvl9pPr marL="3886200" indent="-228600" algn="l" defTabSz="457200" rtl="0" eaLnBrk="1" latinLnBrk="0" hangingPunct="1">
+              <a:spcBef>
+                <a:spcPts val="1000"/>
+              </a:spcBef>
+              <a:spcAft>
+                <a:spcPts val="0"/>
+              </a:spcAft>
+              <a:buClr>
+                <a:schemeClr val="bg2">
+                  <a:lumMod val="40000"/>
+                  <a:lumOff val="60000"/>
+                </a:schemeClr>
+              </a:buClr>
+              <a:buSzPct val="80000"/>
+              <a:buFont typeface="Wingdings 3" charset="2"/>
+              <a:buChar char=""/>
+              <a:defRPr sz="1400" b="0" i="0" kern="1200">
+                <a:solidFill>
+                  <a:schemeClr val="tx1"/>
+                </a:solidFill>
+                <a:latin typeface="+mj-lt"/>
+                <a:ea typeface="+mj-ea"/>
+                <a:cs typeface="+mj-cs"/>
+              </a:defRPr>
+            </a:lvl9pPr>
+          </a:lstStyle>
+          <a:p>
+            <a:pPr marL="0" indent="0">
+              <a:buNone/>
+            </a:pPr>
+            <a:endParaRPr lang="fr-FR" dirty="0">
+              <a:latin typeface="Courier New" panose="02070309020205020404" pitchFamily="49" charset="0"/>
+              <a:cs typeface="Courier New" panose="02070309020205020404" pitchFamily="49" charset="0"/>
+            </a:endParaRPr>
+          </a:p>
+          <a:p>
+            <a:pPr marL="0" indent="0">
+              <a:buNone/>
+            </a:pPr>
+            <a:endParaRPr lang="en-GB" dirty="0" smtClean="0"/>
+          </a:p>
+        </p:txBody>
+      </p:sp>
+      <p:sp>
+        <p:nvSpPr>
+          <p:cNvPr id="5" name="Content Placeholder 2"/>
+          <p:cNvSpPr txBox="1">
+            <a:spLocks/>
+          </p:cNvSpPr>
+          <p:nvPr/>
+        </p:nvSpPr>
+        <p:spPr>
+          <a:xfrm>
+            <a:off x="6016202" y="1853246"/>
+            <a:ext cx="4400021" cy="4195481"/>
+          </a:xfrm>
+          <a:prstGeom prst="rect">
+            <a:avLst/>
+          </a:prstGeom>
+        </p:spPr>
+        <p:txBody>
+          <a:bodyPr vert="horz" lIns="91440" tIns="45720" rIns="91440" bIns="45720" rtlCol="0">
+            <a:normAutofit/>
+          </a:bodyPr>
+          <a:lstStyle>
+            <a:lvl1pPr marL="342900" indent="-342900" algn="l" defTabSz="457200" rtl="0" eaLnBrk="1" latinLnBrk="0" hangingPunct="1">
+              <a:spcBef>
+                <a:spcPts val="1000"/>
+              </a:spcBef>
+              <a:spcAft>
+                <a:spcPts val="0"/>
+              </a:spcAft>
+              <a:buClr>
+                <a:schemeClr val="bg2">
+                  <a:lumMod val="40000"/>
+                  <a:lumOff val="60000"/>
+                </a:schemeClr>
+              </a:buClr>
+              <a:buSzPct val="80000"/>
+              <a:buFont typeface="Wingdings 3" charset="2"/>
+              <a:buChar char=""/>
+              <a:defRPr sz="2000" b="0" i="0" kern="1200">
+                <a:solidFill>
+                  <a:schemeClr val="tx1"/>
+                </a:solidFill>
+                <a:latin typeface="+mj-lt"/>
+                <a:ea typeface="+mj-ea"/>
+                <a:cs typeface="+mj-cs"/>
+              </a:defRPr>
+            </a:lvl1pPr>
+            <a:lvl2pPr marL="742950" indent="-285750" algn="l" defTabSz="457200" rtl="0" eaLnBrk="1" latinLnBrk="0" hangingPunct="1">
+              <a:spcBef>
+                <a:spcPts val="1000"/>
+              </a:spcBef>
+              <a:spcAft>
+                <a:spcPts val="0"/>
+              </a:spcAft>
+              <a:buClr>
+                <a:schemeClr val="bg2">
+                  <a:lumMod val="40000"/>
+                  <a:lumOff val="60000"/>
+                </a:schemeClr>
+              </a:buClr>
+              <a:buSzPct val="80000"/>
+              <a:buFont typeface="Wingdings 3" charset="2"/>
+              <a:buChar char=""/>
+              <a:defRPr sz="1800" b="0" i="0" kern="1200">
+                <a:solidFill>
+                  <a:schemeClr val="tx1"/>
+                </a:solidFill>
+                <a:latin typeface="+mj-lt"/>
+                <a:ea typeface="+mj-ea"/>
+                <a:cs typeface="+mj-cs"/>
+              </a:defRPr>
+            </a:lvl2pPr>
+            <a:lvl3pPr marL="1143000" indent="-228600" algn="l" defTabSz="457200" rtl="0" eaLnBrk="1" latinLnBrk="0" hangingPunct="1">
+              <a:spcBef>
+                <a:spcPts val="1000"/>
+              </a:spcBef>
+              <a:spcAft>
+                <a:spcPts val="0"/>
+              </a:spcAft>
+              <a:buClr>
+                <a:schemeClr val="bg2">
+                  <a:lumMod val="40000"/>
+                  <a:lumOff val="60000"/>
+                </a:schemeClr>
+              </a:buClr>
+              <a:buSzPct val="80000"/>
+              <a:buFont typeface="Wingdings 3" charset="2"/>
+              <a:buChar char=""/>
+              <a:defRPr sz="1600" b="0" i="0" kern="1200">
+                <a:solidFill>
+                  <a:schemeClr val="tx1"/>
+                </a:solidFill>
+                <a:latin typeface="+mj-lt"/>
+                <a:ea typeface="+mj-ea"/>
+                <a:cs typeface="+mj-cs"/>
+              </a:defRPr>
+            </a:lvl3pPr>
+            <a:lvl4pPr marL="1600200" indent="-228600" algn="l" defTabSz="457200" rtl="0" eaLnBrk="1" latinLnBrk="0" hangingPunct="1">
+              <a:spcBef>
+                <a:spcPts val="1000"/>
+              </a:spcBef>
+              <a:spcAft>
+                <a:spcPts val="0"/>
+              </a:spcAft>
+              <a:buClr>
+                <a:schemeClr val="bg2">
+                  <a:lumMod val="40000"/>
+                  <a:lumOff val="60000"/>
+                </a:schemeClr>
+              </a:buClr>
+              <a:buSzPct val="80000"/>
+              <a:buFont typeface="Wingdings 3" charset="2"/>
+              <a:buChar char=""/>
+              <a:defRPr sz="1400" b="0" i="0" kern="1200">
+                <a:solidFill>
+                  <a:schemeClr val="tx1"/>
+                </a:solidFill>
+                <a:latin typeface="+mj-lt"/>
+                <a:ea typeface="+mj-ea"/>
+                <a:cs typeface="+mj-cs"/>
+              </a:defRPr>
+            </a:lvl4pPr>
+            <a:lvl5pPr marL="2057400" indent="-228600" algn="l" defTabSz="457200" rtl="0" eaLnBrk="1" latinLnBrk="0" hangingPunct="1">
+              <a:spcBef>
+                <a:spcPts val="1000"/>
+              </a:spcBef>
+              <a:spcAft>
+                <a:spcPts val="0"/>
+              </a:spcAft>
+              <a:buClr>
+                <a:schemeClr val="bg2">
+                  <a:lumMod val="40000"/>
+                  <a:lumOff val="60000"/>
+                </a:schemeClr>
+              </a:buClr>
+              <a:buSzPct val="80000"/>
+              <a:buFont typeface="Wingdings 3" charset="2"/>
+              <a:buChar char=""/>
+              <a:defRPr sz="1400" b="0" i="0" kern="1200">
+                <a:solidFill>
+                  <a:schemeClr val="tx1"/>
+                </a:solidFill>
+                <a:latin typeface="+mj-lt"/>
+                <a:ea typeface="+mj-ea"/>
+                <a:cs typeface="+mj-cs"/>
+              </a:defRPr>
+            </a:lvl5pPr>
+            <a:lvl6pPr marL="2506000" indent="-228600" algn="l" defTabSz="457200" rtl="0" eaLnBrk="1" latinLnBrk="0" hangingPunct="1">
+              <a:spcBef>
+                <a:spcPts val="1000"/>
+              </a:spcBef>
+              <a:spcAft>
+                <a:spcPts val="0"/>
+              </a:spcAft>
+              <a:buClr>
+                <a:schemeClr val="bg2">
+                  <a:lumMod val="40000"/>
+                  <a:lumOff val="60000"/>
+                </a:schemeClr>
+              </a:buClr>
+              <a:buSzPct val="80000"/>
+              <a:buFont typeface="Wingdings 3" charset="2"/>
+              <a:buChar char=""/>
+              <a:defRPr sz="1400" b="0" i="0" kern="1200">
+                <a:solidFill>
+                  <a:schemeClr val="tx1"/>
+                </a:solidFill>
+                <a:latin typeface="+mj-lt"/>
+                <a:ea typeface="+mj-ea"/>
+                <a:cs typeface="+mj-cs"/>
+              </a:defRPr>
+            </a:lvl6pPr>
+            <a:lvl7pPr marL="2971800" indent="-228600" algn="l" defTabSz="457200" rtl="0" eaLnBrk="1" latinLnBrk="0" hangingPunct="1">
+              <a:spcBef>
+                <a:spcPts val="1000"/>
+              </a:spcBef>
+              <a:spcAft>
+                <a:spcPts val="0"/>
+              </a:spcAft>
+              <a:buClr>
+                <a:schemeClr val="bg2">
+                  <a:lumMod val="40000"/>
+                  <a:lumOff val="60000"/>
+                </a:schemeClr>
+              </a:buClr>
+              <a:buSzPct val="80000"/>
+              <a:buFont typeface="Wingdings 3" charset="2"/>
+              <a:buChar char=""/>
+              <a:defRPr sz="1400" b="0" i="0" kern="1200">
+                <a:solidFill>
+                  <a:schemeClr val="tx1"/>
+                </a:solidFill>
+                <a:latin typeface="+mj-lt"/>
+                <a:ea typeface="+mj-ea"/>
+                <a:cs typeface="+mj-cs"/>
+              </a:defRPr>
+            </a:lvl7pPr>
+            <a:lvl8pPr marL="3429000" indent="-228600" algn="l" defTabSz="457200" rtl="0" eaLnBrk="1" latinLnBrk="0" hangingPunct="1">
+              <a:spcBef>
+                <a:spcPts val="1000"/>
+              </a:spcBef>
+              <a:spcAft>
+                <a:spcPts val="0"/>
+              </a:spcAft>
+              <a:buClr>
+                <a:schemeClr val="bg2">
+                  <a:lumMod val="40000"/>
+                  <a:lumOff val="60000"/>
+                </a:schemeClr>
+              </a:buClr>
+              <a:buSzPct val="80000"/>
+              <a:buFont typeface="Wingdings 3" charset="2"/>
+              <a:buChar char=""/>
+              <a:defRPr sz="1400" b="0" i="0" kern="1200">
+                <a:solidFill>
+                  <a:schemeClr val="tx1"/>
+                </a:solidFill>
+                <a:latin typeface="+mj-lt"/>
+                <a:ea typeface="+mj-ea"/>
+                <a:cs typeface="+mj-cs"/>
+              </a:defRPr>
+            </a:lvl8pPr>
+            <a:lvl9pPr marL="3886200" indent="-228600" algn="l" defTabSz="457200" rtl="0" eaLnBrk="1" latinLnBrk="0" hangingPunct="1">
+              <a:spcBef>
+                <a:spcPts val="1000"/>
+              </a:spcBef>
+              <a:spcAft>
+                <a:spcPts val="0"/>
+              </a:spcAft>
+              <a:buClr>
+                <a:schemeClr val="bg2">
+                  <a:lumMod val="40000"/>
+                  <a:lumOff val="60000"/>
+                </a:schemeClr>
+              </a:buClr>
+              <a:buSzPct val="80000"/>
+              <a:buFont typeface="Wingdings 3" charset="2"/>
+              <a:buChar char=""/>
+              <a:defRPr sz="1400" b="0" i="0" kern="1200">
+                <a:solidFill>
+                  <a:schemeClr val="tx1"/>
+                </a:solidFill>
+                <a:latin typeface="+mj-lt"/>
+                <a:ea typeface="+mj-ea"/>
+                <a:cs typeface="+mj-cs"/>
+              </a:defRPr>
+            </a:lvl9pPr>
+          </a:lstStyle>
+          <a:p>
+            <a:pPr marL="0" indent="0">
+              <a:buNone/>
+            </a:pPr>
+            <a:endParaRPr lang="en-GB" dirty="0" smtClean="0">
+              <a:latin typeface="Courier New" panose="02070309020205020404" pitchFamily="49" charset="0"/>
+              <a:cs typeface="Courier New" panose="02070309020205020404" pitchFamily="49" charset="0"/>
+            </a:endParaRPr>
+          </a:p>
+        </p:txBody>
+      </p:sp>
+      <p:sp>
+        <p:nvSpPr>
+          <p:cNvPr id="7" name="Rectangle 6"/>
+          <p:cNvSpPr/>
+          <p:nvPr/>
+        </p:nvSpPr>
+        <p:spPr>
+          <a:xfrm>
+            <a:off x="5706534" y="1853245"/>
+            <a:ext cx="6096000" cy="1754326"/>
+          </a:xfrm>
+          <a:prstGeom prst="rect">
+            <a:avLst/>
+          </a:prstGeom>
+        </p:spPr>
+        <p:txBody>
+          <a:bodyPr>
+            <a:spAutoFit/>
+          </a:bodyPr>
+          <a:lstStyle/>
+          <a:p>
+            <a:r>
+              <a:rPr lang="en-GB" dirty="0">
+                <a:latin typeface="Courier New" panose="02070309020205020404" pitchFamily="49" charset="0"/>
+                <a:cs typeface="Courier New" panose="02070309020205020404" pitchFamily="49" charset="0"/>
+              </a:rPr>
+              <a:t># Week2, Program2</a:t>
+            </a:r>
+          </a:p>
+          <a:p>
+            <a:endParaRPr lang="en-GB" dirty="0">
+              <a:latin typeface="Courier New" panose="02070309020205020404" pitchFamily="49" charset="0"/>
+              <a:cs typeface="Courier New" panose="02070309020205020404" pitchFamily="49" charset="0"/>
+            </a:endParaRPr>
+          </a:p>
+          <a:p>
+            <a:r>
+              <a:rPr lang="en-GB" dirty="0">
+                <a:latin typeface="Courier New" panose="02070309020205020404" pitchFamily="49" charset="0"/>
+                <a:cs typeface="Courier New" panose="02070309020205020404" pitchFamily="49" charset="0"/>
+              </a:rPr>
+              <a:t>a = "Hello World"</a:t>
+            </a:r>
+          </a:p>
+          <a:p>
+            <a:r>
+              <a:rPr lang="en-GB" dirty="0">
+                <a:latin typeface="Courier New" panose="02070309020205020404" pitchFamily="49" charset="0"/>
+                <a:cs typeface="Courier New" panose="02070309020205020404" pitchFamily="49" charset="0"/>
+              </a:rPr>
+              <a:t>print(a)</a:t>
+            </a:r>
+          </a:p>
+          <a:p>
+            <a:r>
+              <a:rPr lang="en-GB" dirty="0">
+                <a:latin typeface="Courier New" panose="02070309020205020404" pitchFamily="49" charset="0"/>
+                <a:cs typeface="Courier New" panose="02070309020205020404" pitchFamily="49" charset="0"/>
+              </a:rPr>
+              <a:t>a = "Goodbye World"</a:t>
+            </a:r>
+          </a:p>
+          <a:p>
+            <a:r>
+              <a:rPr lang="en-GB" dirty="0">
+                <a:latin typeface="Courier New" panose="02070309020205020404" pitchFamily="49" charset="0"/>
+                <a:cs typeface="Courier New" panose="02070309020205020404" pitchFamily="49" charset="0"/>
+              </a:rPr>
+              <a:t>print(a)</a:t>
+            </a:r>
+          </a:p>
+        </p:txBody>
+      </p:sp>
+    </p:spTree>
+    <p:extLst>
+      <p:ext uri="{BB962C8B-B14F-4D97-AF65-F5344CB8AC3E}">
+        <p14:creationId xmlns:p14="http://schemas.microsoft.com/office/powerpoint/2010/main" val="781318817"/>
+      </p:ext>
+    </p:extLst>
+  </p:cSld>
+  <p:clrMapOvr>
+    <a:masterClrMapping/>
+  </p:clrMapOvr>
+  <p:timing>
+    <p:tnLst>
+      <p:par>
+        <p:cTn id="1" dur="indefinite" restart="never" nodeType="tmRoot"/>
+      </p:par>
+    </p:tnLst>
+  </p:timing>
+</p:sld>
+</file>
+
+<file path=ppt/slides/slide6.xml><?xml version="1.0" encoding="utf-8"?>
+<p:sld xmlns:a="http://schemas.openxmlformats.org/drawingml/2006/main" xmlns:r="http://schemas.openxmlformats.org/officeDocument/2006/relationships" xmlns:p="http://schemas.openxmlformats.org/presentationml/2006/main">
+  <p:cSld>
+    <p:spTree>
+      <p:nvGrpSpPr>
+        <p:cNvPr id="1" name=""/>
+        <p:cNvGrpSpPr/>
+        <p:nvPr/>
+      </p:nvGrpSpPr>
+      <p:grpSpPr>
+        <a:xfrm>
+          <a:off x="0" y="0"/>
+          <a:ext cx="0" cy="0"/>
+          <a:chOff x="0" y="0"/>
+          <a:chExt cx="0" cy="0"/>
+        </a:xfrm>
+      </p:grpSpPr>
+      <p:sp>
+        <p:nvSpPr>
+          <p:cNvPr id="2" name="Title 1"/>
+          <p:cNvSpPr>
+            <a:spLocks noGrp="1"/>
+          </p:cNvSpPr>
+          <p:nvPr>
+            <p:ph type="title"/>
+          </p:nvPr>
+        </p:nvSpPr>
+        <p:spPr/>
+        <p:txBody>
+          <a:bodyPr/>
+          <a:lstStyle/>
+          <a:p>
+            <a:r>
+              <a:rPr lang="en-GB" dirty="0" smtClean="0"/>
+              <a:t>Types of Variable.</a:t>
+            </a:r>
+            <a:endParaRPr lang="en-GB" dirty="0"/>
+          </a:p>
+        </p:txBody>
+      </p:sp>
+      <p:sp>
+        <p:nvSpPr>
+          <p:cNvPr id="3" name="Content Placeholder 2"/>
+          <p:cNvSpPr>
+            <a:spLocks noGrp="1"/>
+          </p:cNvSpPr>
+          <p:nvPr>
+            <p:ph idx="1"/>
+          </p:nvPr>
+        </p:nvSpPr>
+        <p:spPr/>
+        <p:txBody>
+          <a:bodyPr/>
+          <a:lstStyle/>
+          <a:p>
+            <a:r>
+              <a:rPr lang="en-GB" dirty="0" smtClean="0"/>
+              <a:t>The variables you have seen so far are all </a:t>
+            </a:r>
+            <a:r>
+              <a:rPr lang="en-GB" u="sng" dirty="0" smtClean="0"/>
+              <a:t>strings</a:t>
+            </a:r>
+            <a:r>
+              <a:rPr lang="en-GB" dirty="0" smtClean="0"/>
+              <a:t>.</a:t>
+            </a:r>
+          </a:p>
+          <a:p>
+            <a:r>
+              <a:rPr lang="en-GB" dirty="0" smtClean="0"/>
+              <a:t>In computing, a string is something composed of one or more </a:t>
+            </a:r>
+            <a:r>
+              <a:rPr lang="en-GB" u="sng" dirty="0" smtClean="0"/>
+              <a:t>characters</a:t>
+            </a:r>
+            <a:r>
+              <a:rPr lang="en-GB" dirty="0" smtClean="0"/>
+              <a:t>.</a:t>
+            </a:r>
+          </a:p>
+          <a:p>
+            <a:r>
+              <a:rPr lang="en-GB" dirty="0" smtClean="0"/>
+              <a:t>A </a:t>
+            </a:r>
+            <a:r>
+              <a:rPr lang="en-GB" u="sng" dirty="0" smtClean="0"/>
+              <a:t>character</a:t>
+            </a:r>
+            <a:r>
+              <a:rPr lang="en-GB" dirty="0"/>
+              <a:t> </a:t>
+            </a:r>
+            <a:r>
+              <a:rPr lang="en-GB" dirty="0" smtClean="0"/>
+              <a:t>is basically any symbol, like A or 1 or @.</a:t>
+            </a:r>
+          </a:p>
+          <a:p>
+            <a:endParaRPr lang="en-GB" u="sng" dirty="0"/>
+          </a:p>
+          <a:p>
+            <a:r>
+              <a:rPr lang="en-GB" dirty="0" smtClean="0"/>
+              <a:t>In Python, when you are setting a string, you must enclose it in quotes (either double or single quotes) to tell Python it is a string.</a:t>
+            </a:r>
+          </a:p>
+        </p:txBody>
+      </p:sp>
+    </p:spTree>
+    <p:extLst>
+      <p:ext uri="{BB962C8B-B14F-4D97-AF65-F5344CB8AC3E}">
+        <p14:creationId xmlns:p14="http://schemas.microsoft.com/office/powerpoint/2010/main" val="1853961912"/>
+      </p:ext>
+    </p:extLst>
+  </p:cSld>
+  <p:clrMapOvr>
+    <a:masterClrMapping/>
+  </p:clrMapOvr>
+  <p:timing>
+    <p:tnLst>
+      <p:par>
+        <p:cTn id="1" dur="indefinite" restart="never" nodeType="tmRoot"/>
+      </p:par>
+    </p:tnLst>
+  </p:timing>
+</p:sld>
+</file>
+
+<file path=ppt/slides/slide7.xml><?xml version="1.0" encoding="utf-8"?>
+<p:sld xmlns:a="http://schemas.openxmlformats.org/drawingml/2006/main" xmlns:r="http://schemas.openxmlformats.org/officeDocument/2006/relationships" xmlns:p="http://schemas.openxmlformats.org/presentationml/2006/main">
+  <p:cSld>
+    <p:spTree>
+      <p:nvGrpSpPr>
+        <p:cNvPr id="1" name=""/>
+        <p:cNvGrpSpPr/>
+        <p:nvPr/>
+      </p:nvGrpSpPr>
+      <p:grpSpPr>
+        <a:xfrm>
+          <a:off x="0" y="0"/>
+          <a:ext cx="0" cy="0"/>
+          <a:chOff x="0" y="0"/>
+          <a:chExt cx="0" cy="0"/>
+        </a:xfrm>
+      </p:grpSpPr>
+      <p:sp>
+        <p:nvSpPr>
+          <p:cNvPr id="2" name="Title 1"/>
+          <p:cNvSpPr>
+            <a:spLocks noGrp="1"/>
+          </p:cNvSpPr>
+          <p:nvPr>
+            <p:ph type="title"/>
+          </p:nvPr>
+        </p:nvSpPr>
+        <p:spPr/>
+        <p:txBody>
+          <a:bodyPr/>
+          <a:lstStyle/>
+          <a:p>
+            <a:r>
+              <a:rPr lang="en-GB" dirty="0" smtClean="0"/>
+              <a:t>Adding Strings Together.</a:t>
+            </a:r>
+            <a:endParaRPr lang="en-GB" dirty="0"/>
+          </a:p>
+        </p:txBody>
+      </p:sp>
+      <p:sp>
+        <p:nvSpPr>
+          <p:cNvPr id="3" name="Content Placeholder 2"/>
+          <p:cNvSpPr>
+            <a:spLocks noGrp="1"/>
+          </p:cNvSpPr>
+          <p:nvPr>
+            <p:ph idx="1"/>
+          </p:nvPr>
+        </p:nvSpPr>
+        <p:spPr>
+          <a:xfrm>
+            <a:off x="976312" y="1853249"/>
+            <a:ext cx="4400021" cy="2652076"/>
+          </a:xfrm>
+        </p:spPr>
+        <p:txBody>
+          <a:bodyPr>
+            <a:normAutofit/>
+          </a:bodyPr>
+          <a:lstStyle/>
+          <a:p>
+            <a:r>
+              <a:rPr lang="en-GB" dirty="0" smtClean="0"/>
+              <a:t>You can redefine a variable at any time.</a:t>
+            </a:r>
+          </a:p>
+          <a:p>
+            <a:pPr marL="0" indent="0">
+              <a:buNone/>
+            </a:pPr>
+            <a:endParaRPr lang="en-GB" dirty="0"/>
+          </a:p>
+          <a:p>
+            <a:r>
+              <a:rPr lang="en-GB" b="1" u="sng" dirty="0" smtClean="0">
+                <a:solidFill>
+                  <a:srgbClr val="FFFF00"/>
+                </a:solidFill>
+              </a:rPr>
+              <a:t>TASK:</a:t>
+            </a:r>
+            <a:r>
+              <a:rPr lang="en-GB" b="1" dirty="0" smtClean="0">
+                <a:solidFill>
+                  <a:srgbClr val="FFFF00"/>
+                </a:solidFill>
+              </a:rPr>
+              <a:t> </a:t>
+            </a:r>
+            <a:r>
+              <a:rPr lang="en-GB" dirty="0" smtClean="0">
+                <a:solidFill>
+                  <a:srgbClr val="FFFF00"/>
+                </a:solidFill>
+              </a:rPr>
+              <a:t>What do you think the program on the right will do ?</a:t>
+            </a:r>
+          </a:p>
+          <a:p>
+            <a:r>
+              <a:rPr lang="en-GB" b="1" u="sng" dirty="0" smtClean="0">
+                <a:solidFill>
+                  <a:srgbClr val="FFFF00"/>
+                </a:solidFill>
+              </a:rPr>
+              <a:t>TASK:</a:t>
+            </a:r>
+            <a:r>
+              <a:rPr lang="en-GB" dirty="0" smtClean="0">
+                <a:solidFill>
+                  <a:srgbClr val="FFFF00"/>
+                </a:solidFill>
+              </a:rPr>
+              <a:t> Type it in, run it and see if you were correct.</a:t>
+            </a:r>
+            <a:endParaRPr lang="en-GB" dirty="0" smtClean="0">
+              <a:solidFill>
+                <a:srgbClr val="FFFF00"/>
+              </a:solidFill>
+            </a:endParaRPr>
+          </a:p>
+        </p:txBody>
+      </p:sp>
+      <p:sp>
+        <p:nvSpPr>
+          <p:cNvPr id="4" name="Content Placeholder 2"/>
+          <p:cNvSpPr txBox="1">
+            <a:spLocks/>
+          </p:cNvSpPr>
+          <p:nvPr/>
+        </p:nvSpPr>
+        <p:spPr>
+          <a:xfrm>
+            <a:off x="6107112" y="1853247"/>
+            <a:ext cx="4400021" cy="4195481"/>
+          </a:xfrm>
+          <a:prstGeom prst="rect">
+            <a:avLst/>
+          </a:prstGeom>
+        </p:spPr>
+        <p:txBody>
+          <a:bodyPr vert="horz" lIns="91440" tIns="45720" rIns="91440" bIns="45720" rtlCol="0">
+            <a:normAutofit/>
+          </a:bodyPr>
+          <a:lstStyle>
+            <a:lvl1pPr marL="342900" indent="-342900" algn="l" defTabSz="457200" rtl="0" eaLnBrk="1" latinLnBrk="0" hangingPunct="1">
+              <a:spcBef>
+                <a:spcPts val="1000"/>
+              </a:spcBef>
+              <a:spcAft>
+                <a:spcPts val="0"/>
+              </a:spcAft>
+              <a:buClr>
+                <a:schemeClr val="bg2">
+                  <a:lumMod val="40000"/>
+                  <a:lumOff val="60000"/>
+                </a:schemeClr>
+              </a:buClr>
+              <a:buSzPct val="80000"/>
+              <a:buFont typeface="Wingdings 3" charset="2"/>
+              <a:buChar char=""/>
+              <a:defRPr sz="2000" b="0" i="0" kern="1200">
+                <a:solidFill>
+                  <a:schemeClr val="tx1"/>
+                </a:solidFill>
+                <a:latin typeface="+mj-lt"/>
+                <a:ea typeface="+mj-ea"/>
+                <a:cs typeface="+mj-cs"/>
+              </a:defRPr>
+            </a:lvl1pPr>
+            <a:lvl2pPr marL="742950" indent="-285750" algn="l" defTabSz="457200" rtl="0" eaLnBrk="1" latinLnBrk="0" hangingPunct="1">
+              <a:spcBef>
+                <a:spcPts val="1000"/>
+              </a:spcBef>
+              <a:spcAft>
+                <a:spcPts val="0"/>
+              </a:spcAft>
+              <a:buClr>
+                <a:schemeClr val="bg2">
+                  <a:lumMod val="40000"/>
+                  <a:lumOff val="60000"/>
+                </a:schemeClr>
+              </a:buClr>
+              <a:buSzPct val="80000"/>
+              <a:buFont typeface="Wingdings 3" charset="2"/>
+              <a:buChar char=""/>
+              <a:defRPr sz="1800" b="0" i="0" kern="1200">
+                <a:solidFill>
+                  <a:schemeClr val="tx1"/>
+                </a:solidFill>
+                <a:latin typeface="+mj-lt"/>
+                <a:ea typeface="+mj-ea"/>
+                <a:cs typeface="+mj-cs"/>
+              </a:defRPr>
+            </a:lvl2pPr>
+            <a:lvl3pPr marL="1143000" indent="-228600" algn="l" defTabSz="457200" rtl="0" eaLnBrk="1" latinLnBrk="0" hangingPunct="1">
+              <a:spcBef>
+                <a:spcPts val="1000"/>
+              </a:spcBef>
+              <a:spcAft>
+                <a:spcPts val="0"/>
+              </a:spcAft>
+              <a:buClr>
+                <a:schemeClr val="bg2">
+                  <a:lumMod val="40000"/>
+                  <a:lumOff val="60000"/>
+                </a:schemeClr>
+              </a:buClr>
+              <a:buSzPct val="80000"/>
+              <a:buFont typeface="Wingdings 3" charset="2"/>
+              <a:buChar char=""/>
+              <a:defRPr sz="1600" b="0" i="0" kern="1200">
+                <a:solidFill>
+                  <a:schemeClr val="tx1"/>
+                </a:solidFill>
+                <a:latin typeface="+mj-lt"/>
+                <a:ea typeface="+mj-ea"/>
+                <a:cs typeface="+mj-cs"/>
+              </a:defRPr>
+            </a:lvl3pPr>
+            <a:lvl4pPr marL="1600200" indent="-228600" algn="l" defTabSz="457200" rtl="0" eaLnBrk="1" latinLnBrk="0" hangingPunct="1">
+              <a:spcBef>
+                <a:spcPts val="1000"/>
+              </a:spcBef>
+              <a:spcAft>
+                <a:spcPts val="0"/>
+              </a:spcAft>
+              <a:buClr>
+                <a:schemeClr val="bg2">
+                  <a:lumMod val="40000"/>
+                  <a:lumOff val="60000"/>
+                </a:schemeClr>
+              </a:buClr>
+              <a:buSzPct val="80000"/>
+              <a:buFont typeface="Wingdings 3" charset="2"/>
+              <a:buChar char=""/>
+              <a:defRPr sz="1400" b="0" i="0" kern="1200">
+                <a:solidFill>
+                  <a:schemeClr val="tx1"/>
+                </a:solidFill>
+                <a:latin typeface="+mj-lt"/>
+                <a:ea typeface="+mj-ea"/>
+                <a:cs typeface="+mj-cs"/>
+              </a:defRPr>
+            </a:lvl4pPr>
+            <a:lvl5pPr marL="2057400" indent="-228600" algn="l" defTabSz="457200" rtl="0" eaLnBrk="1" latinLnBrk="0" hangingPunct="1">
+              <a:spcBef>
+                <a:spcPts val="1000"/>
+              </a:spcBef>
+              <a:spcAft>
+                <a:spcPts val="0"/>
+              </a:spcAft>
+              <a:buClr>
+                <a:schemeClr val="bg2">
+                  <a:lumMod val="40000"/>
+                  <a:lumOff val="60000"/>
+                </a:schemeClr>
+              </a:buClr>
+              <a:buSzPct val="80000"/>
+              <a:buFont typeface="Wingdings 3" charset="2"/>
+              <a:buChar char=""/>
+              <a:defRPr sz="1400" b="0" i="0" kern="1200">
+                <a:solidFill>
+                  <a:schemeClr val="tx1"/>
+                </a:solidFill>
+                <a:latin typeface="+mj-lt"/>
+                <a:ea typeface="+mj-ea"/>
+                <a:cs typeface="+mj-cs"/>
+              </a:defRPr>
+            </a:lvl5pPr>
+            <a:lvl6pPr marL="2506000" indent="-228600" algn="l" defTabSz="457200" rtl="0" eaLnBrk="1" latinLnBrk="0" hangingPunct="1">
+              <a:spcBef>
+                <a:spcPts val="1000"/>
+              </a:spcBef>
+              <a:spcAft>
+                <a:spcPts val="0"/>
+              </a:spcAft>
+              <a:buClr>
+                <a:schemeClr val="bg2">
+                  <a:lumMod val="40000"/>
+                  <a:lumOff val="60000"/>
+                </a:schemeClr>
+              </a:buClr>
+              <a:buSzPct val="80000"/>
+              <a:buFont typeface="Wingdings 3" charset="2"/>
+              <a:buChar char=""/>
+              <a:defRPr sz="1400" b="0" i="0" kern="1200">
+                <a:solidFill>
+                  <a:schemeClr val="tx1"/>
+                </a:solidFill>
+                <a:latin typeface="+mj-lt"/>
+                <a:ea typeface="+mj-ea"/>
+                <a:cs typeface="+mj-cs"/>
+              </a:defRPr>
+            </a:lvl6pPr>
+            <a:lvl7pPr marL="2971800" indent="-228600" algn="l" defTabSz="457200" rtl="0" eaLnBrk="1" latinLnBrk="0" hangingPunct="1">
+              <a:spcBef>
+                <a:spcPts val="1000"/>
+              </a:spcBef>
+              <a:spcAft>
+                <a:spcPts val="0"/>
+              </a:spcAft>
+              <a:buClr>
+                <a:schemeClr val="bg2">
+                  <a:lumMod val="40000"/>
+                  <a:lumOff val="60000"/>
+                </a:schemeClr>
+              </a:buClr>
+              <a:buSzPct val="80000"/>
+              <a:buFont typeface="Wingdings 3" charset="2"/>
+              <a:buChar char=""/>
+              <a:defRPr sz="1400" b="0" i="0" kern="1200">
+                <a:solidFill>
+                  <a:schemeClr val="tx1"/>
+                </a:solidFill>
+                <a:latin typeface="+mj-lt"/>
+                <a:ea typeface="+mj-ea"/>
+                <a:cs typeface="+mj-cs"/>
+              </a:defRPr>
+            </a:lvl7pPr>
+            <a:lvl8pPr marL="3429000" indent="-228600" algn="l" defTabSz="457200" rtl="0" eaLnBrk="1" latinLnBrk="0" hangingPunct="1">
+              <a:spcBef>
+                <a:spcPts val="1000"/>
+              </a:spcBef>
+              <a:spcAft>
+                <a:spcPts val="0"/>
+              </a:spcAft>
+              <a:buClr>
+                <a:schemeClr val="bg2">
+                  <a:lumMod val="40000"/>
+                  <a:lumOff val="60000"/>
+                </a:schemeClr>
+              </a:buClr>
+              <a:buSzPct val="80000"/>
+              <a:buFont typeface="Wingdings 3" charset="2"/>
+              <a:buChar char=""/>
+              <a:defRPr sz="1400" b="0" i="0" kern="1200">
+                <a:solidFill>
+                  <a:schemeClr val="tx1"/>
+                </a:solidFill>
+                <a:latin typeface="+mj-lt"/>
+                <a:ea typeface="+mj-ea"/>
+                <a:cs typeface="+mj-cs"/>
+              </a:defRPr>
+            </a:lvl8pPr>
+            <a:lvl9pPr marL="3886200" indent="-228600" algn="l" defTabSz="457200" rtl="0" eaLnBrk="1" latinLnBrk="0" hangingPunct="1">
+              <a:spcBef>
+                <a:spcPts val="1000"/>
+              </a:spcBef>
+              <a:spcAft>
+                <a:spcPts val="0"/>
+              </a:spcAft>
+              <a:buClr>
+                <a:schemeClr val="bg2">
+                  <a:lumMod val="40000"/>
+                  <a:lumOff val="60000"/>
+                </a:schemeClr>
+              </a:buClr>
+              <a:buSzPct val="80000"/>
+              <a:buFont typeface="Wingdings 3" charset="2"/>
+              <a:buChar char=""/>
+              <a:defRPr sz="1400" b="0" i="0" kern="1200">
+                <a:solidFill>
+                  <a:schemeClr val="tx1"/>
+                </a:solidFill>
+                <a:latin typeface="+mj-lt"/>
+                <a:ea typeface="+mj-ea"/>
+                <a:cs typeface="+mj-cs"/>
+              </a:defRPr>
+            </a:lvl9pPr>
+          </a:lstStyle>
+          <a:p>
+            <a:pPr marL="0" indent="0">
+              <a:buNone/>
+            </a:pPr>
+            <a:endParaRPr lang="fr-FR" dirty="0">
+              <a:latin typeface="Courier New" panose="02070309020205020404" pitchFamily="49" charset="0"/>
+              <a:cs typeface="Courier New" panose="02070309020205020404" pitchFamily="49" charset="0"/>
+            </a:endParaRPr>
+          </a:p>
+          <a:p>
+            <a:pPr marL="0" indent="0">
+              <a:buNone/>
+            </a:pPr>
+            <a:endParaRPr lang="en-GB" dirty="0" smtClean="0"/>
+          </a:p>
+        </p:txBody>
+      </p:sp>
+      <p:sp>
+        <p:nvSpPr>
+          <p:cNvPr id="5" name="Content Placeholder 2"/>
+          <p:cNvSpPr txBox="1">
+            <a:spLocks/>
+          </p:cNvSpPr>
+          <p:nvPr/>
+        </p:nvSpPr>
+        <p:spPr>
+          <a:xfrm>
+            <a:off x="6016202" y="1853246"/>
+            <a:ext cx="4400021" cy="4195481"/>
+          </a:xfrm>
+          <a:prstGeom prst="rect">
+            <a:avLst/>
+          </a:prstGeom>
+        </p:spPr>
+        <p:txBody>
+          <a:bodyPr vert="horz" lIns="91440" tIns="45720" rIns="91440" bIns="45720" rtlCol="0">
+            <a:normAutofit/>
+          </a:bodyPr>
+          <a:lstStyle>
+            <a:lvl1pPr marL="342900" indent="-342900" algn="l" defTabSz="457200" rtl="0" eaLnBrk="1" latinLnBrk="0" hangingPunct="1">
+              <a:spcBef>
+                <a:spcPts val="1000"/>
+              </a:spcBef>
+              <a:spcAft>
+                <a:spcPts val="0"/>
+              </a:spcAft>
+              <a:buClr>
+                <a:schemeClr val="bg2">
+                  <a:lumMod val="40000"/>
+                  <a:lumOff val="60000"/>
+                </a:schemeClr>
+              </a:buClr>
+              <a:buSzPct val="80000"/>
+              <a:buFont typeface="Wingdings 3" charset="2"/>
+              <a:buChar char=""/>
+              <a:defRPr sz="2000" b="0" i="0" kern="1200">
+                <a:solidFill>
+                  <a:schemeClr val="tx1"/>
+                </a:solidFill>
+                <a:latin typeface="+mj-lt"/>
+                <a:ea typeface="+mj-ea"/>
+                <a:cs typeface="+mj-cs"/>
+              </a:defRPr>
+            </a:lvl1pPr>
+            <a:lvl2pPr marL="742950" indent="-285750" algn="l" defTabSz="457200" rtl="0" eaLnBrk="1" latinLnBrk="0" hangingPunct="1">
+              <a:spcBef>
+                <a:spcPts val="1000"/>
+              </a:spcBef>
+              <a:spcAft>
+                <a:spcPts val="0"/>
+              </a:spcAft>
+              <a:buClr>
+                <a:schemeClr val="bg2">
+                  <a:lumMod val="40000"/>
+                  <a:lumOff val="60000"/>
+                </a:schemeClr>
+              </a:buClr>
+              <a:buSzPct val="80000"/>
+              <a:buFont typeface="Wingdings 3" charset="2"/>
+              <a:buChar char=""/>
+              <a:defRPr sz="1800" b="0" i="0" kern="1200">
+                <a:solidFill>
+                  <a:schemeClr val="tx1"/>
+                </a:solidFill>
+                <a:latin typeface="+mj-lt"/>
+                <a:ea typeface="+mj-ea"/>
+                <a:cs typeface="+mj-cs"/>
+              </a:defRPr>
+            </a:lvl2pPr>
+            <a:lvl3pPr marL="1143000" indent="-228600" algn="l" defTabSz="457200" rtl="0" eaLnBrk="1" latinLnBrk="0" hangingPunct="1">
+              <a:spcBef>
+                <a:spcPts val="1000"/>
+              </a:spcBef>
+              <a:spcAft>
+                <a:spcPts val="0"/>
+              </a:spcAft>
+              <a:buClr>
+                <a:schemeClr val="bg2">
+                  <a:lumMod val="40000"/>
+                  <a:lumOff val="60000"/>
+                </a:schemeClr>
+              </a:buClr>
+              <a:buSzPct val="80000"/>
+              <a:buFont typeface="Wingdings 3" charset="2"/>
+              <a:buChar char=""/>
+              <a:defRPr sz="1600" b="0" i="0" kern="1200">
+                <a:solidFill>
+                  <a:schemeClr val="tx1"/>
+                </a:solidFill>
+                <a:latin typeface="+mj-lt"/>
+                <a:ea typeface="+mj-ea"/>
+                <a:cs typeface="+mj-cs"/>
+              </a:defRPr>
+            </a:lvl3pPr>
+            <a:lvl4pPr marL="1600200" indent="-228600" algn="l" defTabSz="457200" rtl="0" eaLnBrk="1" latinLnBrk="0" hangingPunct="1">
+              <a:spcBef>
+                <a:spcPts val="1000"/>
+              </a:spcBef>
+              <a:spcAft>
+                <a:spcPts val="0"/>
+              </a:spcAft>
+              <a:buClr>
+                <a:schemeClr val="bg2">
+                  <a:lumMod val="40000"/>
+                  <a:lumOff val="60000"/>
+                </a:schemeClr>
+              </a:buClr>
+              <a:buSzPct val="80000"/>
+              <a:buFont typeface="Wingdings 3" charset="2"/>
+              <a:buChar char=""/>
+              <a:defRPr sz="1400" b="0" i="0" kern="1200">
+                <a:solidFill>
+                  <a:schemeClr val="tx1"/>
+                </a:solidFill>
+                <a:latin typeface="+mj-lt"/>
+                <a:ea typeface="+mj-ea"/>
+                <a:cs typeface="+mj-cs"/>
+              </a:defRPr>
+            </a:lvl4pPr>
+            <a:lvl5pPr marL="2057400" indent="-228600" algn="l" defTabSz="457200" rtl="0" eaLnBrk="1" latinLnBrk="0" hangingPunct="1">
+              <a:spcBef>
+                <a:spcPts val="1000"/>
+              </a:spcBef>
+              <a:spcAft>
+                <a:spcPts val="0"/>
+              </a:spcAft>
+              <a:buClr>
+                <a:schemeClr val="bg2">
+                  <a:lumMod val="40000"/>
+                  <a:lumOff val="60000"/>
+                </a:schemeClr>
+              </a:buClr>
+              <a:buSzPct val="80000"/>
+              <a:buFont typeface="Wingdings 3" charset="2"/>
+              <a:buChar char=""/>
+              <a:defRPr sz="1400" b="0" i="0" kern="1200">
+                <a:solidFill>
+                  <a:schemeClr val="tx1"/>
+                </a:solidFill>
+                <a:latin typeface="+mj-lt"/>
+                <a:ea typeface="+mj-ea"/>
+                <a:cs typeface="+mj-cs"/>
+              </a:defRPr>
+            </a:lvl5pPr>
+            <a:lvl6pPr marL="2506000" indent="-228600" algn="l" defTabSz="457200" rtl="0" eaLnBrk="1" latinLnBrk="0" hangingPunct="1">
+              <a:spcBef>
+                <a:spcPts val="1000"/>
+              </a:spcBef>
+              <a:spcAft>
+                <a:spcPts val="0"/>
+              </a:spcAft>
+              <a:buClr>
+                <a:schemeClr val="bg2">
+                  <a:lumMod val="40000"/>
+                  <a:lumOff val="60000"/>
+                </a:schemeClr>
+              </a:buClr>
+              <a:buSzPct val="80000"/>
+              <a:buFont typeface="Wingdings 3" charset="2"/>
+              <a:buChar char=""/>
+              <a:defRPr sz="1400" b="0" i="0" kern="1200">
+                <a:solidFill>
+                  <a:schemeClr val="tx1"/>
+                </a:solidFill>
+                <a:latin typeface="+mj-lt"/>
+                <a:ea typeface="+mj-ea"/>
+                <a:cs typeface="+mj-cs"/>
+              </a:defRPr>
+            </a:lvl6pPr>
+            <a:lvl7pPr marL="2971800" indent="-228600" algn="l" defTabSz="457200" rtl="0" eaLnBrk="1" latinLnBrk="0" hangingPunct="1">
+              <a:spcBef>
+                <a:spcPts val="1000"/>
+              </a:spcBef>
+              <a:spcAft>
+                <a:spcPts val="0"/>
+              </a:spcAft>
+              <a:buClr>
+                <a:schemeClr val="bg2">
+                  <a:lumMod val="40000"/>
+                  <a:lumOff val="60000"/>
+                </a:schemeClr>
+              </a:buClr>
+              <a:buSzPct val="80000"/>
+              <a:buFont typeface="Wingdings 3" charset="2"/>
+              <a:buChar char=""/>
+              <a:defRPr sz="1400" b="0" i="0" kern="1200">
+                <a:solidFill>
+                  <a:schemeClr val="tx1"/>
+                </a:solidFill>
+                <a:latin typeface="+mj-lt"/>
+                <a:ea typeface="+mj-ea"/>
+                <a:cs typeface="+mj-cs"/>
+              </a:defRPr>
+            </a:lvl7pPr>
+            <a:lvl8pPr marL="3429000" indent="-228600" algn="l" defTabSz="457200" rtl="0" eaLnBrk="1" latinLnBrk="0" hangingPunct="1">
+              <a:spcBef>
+                <a:spcPts val="1000"/>
+              </a:spcBef>
+              <a:spcAft>
+                <a:spcPts val="0"/>
+              </a:spcAft>
+              <a:buClr>
+                <a:schemeClr val="bg2">
+                  <a:lumMod val="40000"/>
+                  <a:lumOff val="60000"/>
+                </a:schemeClr>
+              </a:buClr>
+              <a:buSzPct val="80000"/>
+              <a:buFont typeface="Wingdings 3" charset="2"/>
+              <a:buChar char=""/>
+              <a:defRPr sz="1400" b="0" i="0" kern="1200">
+                <a:solidFill>
+                  <a:schemeClr val="tx1"/>
+                </a:solidFill>
+                <a:latin typeface="+mj-lt"/>
+                <a:ea typeface="+mj-ea"/>
+                <a:cs typeface="+mj-cs"/>
+              </a:defRPr>
+            </a:lvl8pPr>
+            <a:lvl9pPr marL="3886200" indent="-228600" algn="l" defTabSz="457200" rtl="0" eaLnBrk="1" latinLnBrk="0" hangingPunct="1">
+              <a:spcBef>
+                <a:spcPts val="1000"/>
+              </a:spcBef>
+              <a:spcAft>
+                <a:spcPts val="0"/>
+              </a:spcAft>
+              <a:buClr>
+                <a:schemeClr val="bg2">
+                  <a:lumMod val="40000"/>
+                  <a:lumOff val="60000"/>
+                </a:schemeClr>
+              </a:buClr>
+              <a:buSzPct val="80000"/>
+              <a:buFont typeface="Wingdings 3" charset="2"/>
+              <a:buChar char=""/>
+              <a:defRPr sz="1400" b="0" i="0" kern="1200">
+                <a:solidFill>
+                  <a:schemeClr val="tx1"/>
+                </a:solidFill>
+                <a:latin typeface="+mj-lt"/>
+                <a:ea typeface="+mj-ea"/>
+                <a:cs typeface="+mj-cs"/>
+              </a:defRPr>
+            </a:lvl9pPr>
+          </a:lstStyle>
+          <a:p>
+            <a:pPr marL="0" indent="0">
+              <a:buNone/>
+            </a:pPr>
+            <a:endParaRPr lang="en-GB" dirty="0" smtClean="0">
+              <a:latin typeface="Courier New" panose="02070309020205020404" pitchFamily="49" charset="0"/>
+              <a:cs typeface="Courier New" panose="02070309020205020404" pitchFamily="49" charset="0"/>
+            </a:endParaRPr>
+          </a:p>
+        </p:txBody>
+      </p:sp>
+      <p:sp>
+        <p:nvSpPr>
+          <p:cNvPr id="7" name="Rectangle 6"/>
+          <p:cNvSpPr/>
+          <p:nvPr/>
+        </p:nvSpPr>
+        <p:spPr>
+          <a:xfrm>
+            <a:off x="5706534" y="1853245"/>
+            <a:ext cx="6096000" cy="2031325"/>
+          </a:xfrm>
+          <a:prstGeom prst="rect">
+            <a:avLst/>
+          </a:prstGeom>
+        </p:spPr>
+        <p:txBody>
+          <a:bodyPr>
+            <a:spAutoFit/>
+          </a:bodyPr>
+          <a:lstStyle/>
+          <a:p>
+            <a:r>
+              <a:rPr lang="en-GB" dirty="0">
+                <a:latin typeface="Courier New" panose="02070309020205020404" pitchFamily="49" charset="0"/>
+                <a:cs typeface="Courier New" panose="02070309020205020404" pitchFamily="49" charset="0"/>
+              </a:rPr>
+              <a:t># Week2, </a:t>
+            </a:r>
+            <a:r>
+              <a:rPr lang="en-GB" dirty="0" smtClean="0">
+                <a:latin typeface="Courier New" panose="02070309020205020404" pitchFamily="49" charset="0"/>
+                <a:cs typeface="Courier New" panose="02070309020205020404" pitchFamily="49" charset="0"/>
+              </a:rPr>
+              <a:t>Program3</a:t>
+            </a:r>
+            <a:endParaRPr lang="en-GB" dirty="0">
+              <a:latin typeface="Courier New" panose="02070309020205020404" pitchFamily="49" charset="0"/>
+              <a:cs typeface="Courier New" panose="02070309020205020404" pitchFamily="49" charset="0"/>
+            </a:endParaRPr>
+          </a:p>
+          <a:p>
+            <a:endParaRPr lang="en-GB" dirty="0">
+              <a:latin typeface="Courier New" panose="02070309020205020404" pitchFamily="49" charset="0"/>
+              <a:cs typeface="Courier New" panose="02070309020205020404" pitchFamily="49" charset="0"/>
+            </a:endParaRPr>
+          </a:p>
+          <a:p>
+            <a:r>
+              <a:rPr lang="en-GB" dirty="0">
+                <a:latin typeface="Courier New" panose="02070309020205020404" pitchFamily="49" charset="0"/>
+                <a:cs typeface="Courier New" panose="02070309020205020404" pitchFamily="49" charset="0"/>
+              </a:rPr>
+              <a:t>a = "</a:t>
+            </a:r>
+            <a:r>
+              <a:rPr lang="en-GB" dirty="0" smtClean="0">
+                <a:latin typeface="Courier New" panose="02070309020205020404" pitchFamily="49" charset="0"/>
+                <a:cs typeface="Courier New" panose="02070309020205020404" pitchFamily="49" charset="0"/>
+              </a:rPr>
+              <a:t>Hello"</a:t>
+            </a:r>
+            <a:endParaRPr lang="en-GB" dirty="0">
+              <a:latin typeface="Courier New" panose="02070309020205020404" pitchFamily="49" charset="0"/>
+              <a:cs typeface="Courier New" panose="02070309020205020404" pitchFamily="49" charset="0"/>
+            </a:endParaRPr>
+          </a:p>
+          <a:p>
+            <a:r>
+              <a:rPr lang="en-GB" dirty="0" smtClean="0">
+                <a:latin typeface="Courier New" panose="02070309020205020404" pitchFamily="49" charset="0"/>
+                <a:cs typeface="Courier New" panose="02070309020205020404" pitchFamily="49" charset="0"/>
+              </a:rPr>
+              <a:t>b </a:t>
+            </a:r>
+            <a:r>
+              <a:rPr lang="en-GB" dirty="0">
+                <a:latin typeface="Courier New" panose="02070309020205020404" pitchFamily="49" charset="0"/>
+                <a:cs typeface="Courier New" panose="02070309020205020404" pitchFamily="49" charset="0"/>
+              </a:rPr>
+              <a:t>= </a:t>
+            </a:r>
+            <a:r>
+              <a:rPr lang="en-GB" dirty="0" smtClean="0">
+                <a:latin typeface="Courier New" panose="02070309020205020404" pitchFamily="49" charset="0"/>
+                <a:cs typeface="Courier New" panose="02070309020205020404" pitchFamily="49" charset="0"/>
+              </a:rPr>
+              <a:t>"World"</a:t>
+            </a:r>
+          </a:p>
+          <a:p>
+            <a:endParaRPr lang="en-GB" dirty="0">
+              <a:latin typeface="Courier New" panose="02070309020205020404" pitchFamily="49" charset="0"/>
+              <a:cs typeface="Courier New" panose="02070309020205020404" pitchFamily="49" charset="0"/>
+            </a:endParaRPr>
+          </a:p>
+          <a:p>
+            <a:r>
+              <a:rPr lang="en-GB" dirty="0" smtClean="0">
+                <a:latin typeface="Courier New" panose="02070309020205020404" pitchFamily="49" charset="0"/>
+                <a:cs typeface="Courier New" panose="02070309020205020404" pitchFamily="49" charset="0"/>
+              </a:rPr>
+              <a:t>print(a + b)</a:t>
+            </a:r>
+            <a:endParaRPr lang="en-GB" dirty="0">
+              <a:latin typeface="Courier New" panose="02070309020205020404" pitchFamily="49" charset="0"/>
+              <a:cs typeface="Courier New" panose="02070309020205020404" pitchFamily="49" charset="0"/>
+            </a:endParaRPr>
+          </a:p>
+          <a:p>
+            <a:endParaRPr lang="en-GB" dirty="0">
+              <a:latin typeface="Courier New" panose="02070309020205020404" pitchFamily="49" charset="0"/>
+              <a:cs typeface="Courier New" panose="02070309020205020404" pitchFamily="49" charset="0"/>
+            </a:endParaRPr>
+          </a:p>
+        </p:txBody>
+      </p:sp>
+      <p:sp>
+        <p:nvSpPr>
+          <p:cNvPr id="8" name="Content Placeholder 2"/>
+          <p:cNvSpPr txBox="1">
+            <a:spLocks/>
+          </p:cNvSpPr>
+          <p:nvPr/>
+        </p:nvSpPr>
+        <p:spPr>
+          <a:xfrm>
+            <a:off x="976312" y="4581524"/>
+            <a:ext cx="6271868" cy="1933575"/>
+          </a:xfrm>
+          <a:prstGeom prst="rect">
+            <a:avLst/>
+          </a:prstGeom>
+        </p:spPr>
+        <p:txBody>
+          <a:bodyPr vert="horz" lIns="91440" tIns="45720" rIns="91440" bIns="45720" rtlCol="0">
+            <a:normAutofit/>
+          </a:bodyPr>
+          <a:lstStyle>
+            <a:lvl1pPr marL="342900" indent="-342900" algn="l" defTabSz="457200" rtl="0" eaLnBrk="1" latinLnBrk="0" hangingPunct="1">
+              <a:spcBef>
+                <a:spcPts val="1000"/>
+              </a:spcBef>
+              <a:spcAft>
+                <a:spcPts val="0"/>
+              </a:spcAft>
+              <a:buClr>
+                <a:schemeClr val="bg2">
+                  <a:lumMod val="40000"/>
+                  <a:lumOff val="60000"/>
+                </a:schemeClr>
+              </a:buClr>
+              <a:buSzPct val="80000"/>
+              <a:buFont typeface="Wingdings 3" charset="2"/>
+              <a:buChar char=""/>
+              <a:defRPr sz="2000" b="0" i="0" kern="1200">
+                <a:solidFill>
+                  <a:schemeClr val="tx1"/>
+                </a:solidFill>
+                <a:latin typeface="+mj-lt"/>
+                <a:ea typeface="+mj-ea"/>
+                <a:cs typeface="+mj-cs"/>
+              </a:defRPr>
+            </a:lvl1pPr>
+            <a:lvl2pPr marL="742950" indent="-285750" algn="l" defTabSz="457200" rtl="0" eaLnBrk="1" latinLnBrk="0" hangingPunct="1">
+              <a:spcBef>
+                <a:spcPts val="1000"/>
+              </a:spcBef>
+              <a:spcAft>
+                <a:spcPts val="0"/>
+              </a:spcAft>
+              <a:buClr>
+                <a:schemeClr val="bg2">
+                  <a:lumMod val="40000"/>
+                  <a:lumOff val="60000"/>
+                </a:schemeClr>
+              </a:buClr>
+              <a:buSzPct val="80000"/>
+              <a:buFont typeface="Wingdings 3" charset="2"/>
+              <a:buChar char=""/>
+              <a:defRPr sz="1800" b="0" i="0" kern="1200">
+                <a:solidFill>
+                  <a:schemeClr val="tx1"/>
+                </a:solidFill>
+                <a:latin typeface="+mj-lt"/>
+                <a:ea typeface="+mj-ea"/>
+                <a:cs typeface="+mj-cs"/>
+              </a:defRPr>
+            </a:lvl2pPr>
+            <a:lvl3pPr marL="1143000" indent="-228600" algn="l" defTabSz="457200" rtl="0" eaLnBrk="1" latinLnBrk="0" hangingPunct="1">
+              <a:spcBef>
+                <a:spcPts val="1000"/>
+              </a:spcBef>
+              <a:spcAft>
+                <a:spcPts val="0"/>
+              </a:spcAft>
+              <a:buClr>
+                <a:schemeClr val="bg2">
+                  <a:lumMod val="40000"/>
+                  <a:lumOff val="60000"/>
+                </a:schemeClr>
+              </a:buClr>
+              <a:buSzPct val="80000"/>
+              <a:buFont typeface="Wingdings 3" charset="2"/>
+              <a:buChar char=""/>
+              <a:defRPr sz="1600" b="0" i="0" kern="1200">
+                <a:solidFill>
+                  <a:schemeClr val="tx1"/>
+                </a:solidFill>
+                <a:latin typeface="+mj-lt"/>
+                <a:ea typeface="+mj-ea"/>
+                <a:cs typeface="+mj-cs"/>
+              </a:defRPr>
+            </a:lvl3pPr>
+            <a:lvl4pPr marL="1600200" indent="-228600" algn="l" defTabSz="457200" rtl="0" eaLnBrk="1" latinLnBrk="0" hangingPunct="1">
+              <a:spcBef>
+                <a:spcPts val="1000"/>
+              </a:spcBef>
+              <a:spcAft>
+                <a:spcPts val="0"/>
+              </a:spcAft>
+              <a:buClr>
+                <a:schemeClr val="bg2">
+                  <a:lumMod val="40000"/>
+                  <a:lumOff val="60000"/>
+                </a:schemeClr>
+              </a:buClr>
+              <a:buSzPct val="80000"/>
+              <a:buFont typeface="Wingdings 3" charset="2"/>
+              <a:buChar char=""/>
+              <a:defRPr sz="1400" b="0" i="0" kern="1200">
+                <a:solidFill>
+                  <a:schemeClr val="tx1"/>
+                </a:solidFill>
+                <a:latin typeface="+mj-lt"/>
+                <a:ea typeface="+mj-ea"/>
+                <a:cs typeface="+mj-cs"/>
+              </a:defRPr>
+            </a:lvl4pPr>
+            <a:lvl5pPr marL="2057400" indent="-228600" algn="l" defTabSz="457200" rtl="0" eaLnBrk="1" latinLnBrk="0" hangingPunct="1">
+              <a:spcBef>
+                <a:spcPts val="1000"/>
+              </a:spcBef>
+              <a:spcAft>
+                <a:spcPts val="0"/>
+              </a:spcAft>
+              <a:buClr>
+                <a:schemeClr val="bg2">
+                  <a:lumMod val="40000"/>
+                  <a:lumOff val="60000"/>
+                </a:schemeClr>
+              </a:buClr>
+              <a:buSzPct val="80000"/>
+              <a:buFont typeface="Wingdings 3" charset="2"/>
+              <a:buChar char=""/>
+              <a:defRPr sz="1400" b="0" i="0" kern="1200">
+                <a:solidFill>
+                  <a:schemeClr val="tx1"/>
+                </a:solidFill>
+                <a:latin typeface="+mj-lt"/>
+                <a:ea typeface="+mj-ea"/>
+                <a:cs typeface="+mj-cs"/>
+              </a:defRPr>
+            </a:lvl5pPr>
+            <a:lvl6pPr marL="2506000" indent="-228600" algn="l" defTabSz="457200" rtl="0" eaLnBrk="1" latinLnBrk="0" hangingPunct="1">
+              <a:spcBef>
+                <a:spcPts val="1000"/>
+              </a:spcBef>
+              <a:spcAft>
+                <a:spcPts val="0"/>
+              </a:spcAft>
+              <a:buClr>
+                <a:schemeClr val="bg2">
+                  <a:lumMod val="40000"/>
+                  <a:lumOff val="60000"/>
+                </a:schemeClr>
+              </a:buClr>
+              <a:buSzPct val="80000"/>
+              <a:buFont typeface="Wingdings 3" charset="2"/>
+              <a:buChar char=""/>
+              <a:defRPr sz="1400" b="0" i="0" kern="1200">
+                <a:solidFill>
+                  <a:schemeClr val="tx1"/>
+                </a:solidFill>
+                <a:latin typeface="+mj-lt"/>
+                <a:ea typeface="+mj-ea"/>
+                <a:cs typeface="+mj-cs"/>
+              </a:defRPr>
+            </a:lvl6pPr>
+            <a:lvl7pPr marL="2971800" indent="-228600" algn="l" defTabSz="457200" rtl="0" eaLnBrk="1" latinLnBrk="0" hangingPunct="1">
+              <a:spcBef>
+                <a:spcPts val="1000"/>
+              </a:spcBef>
+              <a:spcAft>
+                <a:spcPts val="0"/>
+              </a:spcAft>
+              <a:buClr>
+                <a:schemeClr val="bg2">
+                  <a:lumMod val="40000"/>
+                  <a:lumOff val="60000"/>
+                </a:schemeClr>
+              </a:buClr>
+              <a:buSzPct val="80000"/>
+              <a:buFont typeface="Wingdings 3" charset="2"/>
+              <a:buChar char=""/>
+              <a:defRPr sz="1400" b="0" i="0" kern="1200">
+                <a:solidFill>
+                  <a:schemeClr val="tx1"/>
+                </a:solidFill>
+                <a:latin typeface="+mj-lt"/>
+                <a:ea typeface="+mj-ea"/>
+                <a:cs typeface="+mj-cs"/>
+              </a:defRPr>
+            </a:lvl7pPr>
+            <a:lvl8pPr marL="3429000" indent="-228600" algn="l" defTabSz="457200" rtl="0" eaLnBrk="1" latinLnBrk="0" hangingPunct="1">
+              <a:spcBef>
+                <a:spcPts val="1000"/>
+              </a:spcBef>
+              <a:spcAft>
+                <a:spcPts val="0"/>
+              </a:spcAft>
+              <a:buClr>
+                <a:schemeClr val="bg2">
+                  <a:lumMod val="40000"/>
+                  <a:lumOff val="60000"/>
+                </a:schemeClr>
+              </a:buClr>
+              <a:buSzPct val="80000"/>
+              <a:buFont typeface="Wingdings 3" charset="2"/>
+              <a:buChar char=""/>
+              <a:defRPr sz="1400" b="0" i="0" kern="1200">
+                <a:solidFill>
+                  <a:schemeClr val="tx1"/>
+                </a:solidFill>
+                <a:latin typeface="+mj-lt"/>
+                <a:ea typeface="+mj-ea"/>
+                <a:cs typeface="+mj-cs"/>
+              </a:defRPr>
+            </a:lvl8pPr>
+            <a:lvl9pPr marL="3886200" indent="-228600" algn="l" defTabSz="457200" rtl="0" eaLnBrk="1" latinLnBrk="0" hangingPunct="1">
+              <a:spcBef>
+                <a:spcPts val="1000"/>
+              </a:spcBef>
+              <a:spcAft>
+                <a:spcPts val="0"/>
+              </a:spcAft>
+              <a:buClr>
+                <a:schemeClr val="bg2">
+                  <a:lumMod val="40000"/>
+                  <a:lumOff val="60000"/>
+                </a:schemeClr>
+              </a:buClr>
+              <a:buSzPct val="80000"/>
+              <a:buFont typeface="Wingdings 3" charset="2"/>
+              <a:buChar char=""/>
+              <a:defRPr sz="1400" b="0" i="0" kern="1200">
+                <a:solidFill>
+                  <a:schemeClr val="tx1"/>
+                </a:solidFill>
+                <a:latin typeface="+mj-lt"/>
+                <a:ea typeface="+mj-ea"/>
+                <a:cs typeface="+mj-cs"/>
+              </a:defRPr>
+            </a:lvl9pPr>
+          </a:lstStyle>
+          <a:p>
+            <a:r>
+              <a:rPr lang="en-GB" b="1" u="sng" dirty="0" smtClean="0">
+                <a:solidFill>
+                  <a:srgbClr val="FFFF00"/>
+                </a:solidFill>
+              </a:rPr>
+              <a:t>QUESTION:</a:t>
+            </a:r>
+            <a:r>
+              <a:rPr lang="en-GB" b="1" dirty="0" smtClean="0">
+                <a:solidFill>
+                  <a:srgbClr val="FFFF00"/>
+                </a:solidFill>
+              </a:rPr>
+              <a:t> </a:t>
+            </a:r>
+            <a:r>
+              <a:rPr lang="en-GB" dirty="0" smtClean="0">
+                <a:solidFill>
+                  <a:srgbClr val="FFFF00"/>
+                </a:solidFill>
+              </a:rPr>
+              <a:t>Were you expecting HelloWorld (no space) or Hello World (with a space) ?</a:t>
+            </a:r>
+          </a:p>
+          <a:p>
+            <a:r>
+              <a:rPr lang="en-GB" b="1" u="sng" dirty="0" smtClean="0">
+                <a:solidFill>
+                  <a:srgbClr val="FFFF00"/>
+                </a:solidFill>
+              </a:rPr>
+              <a:t>TASK:</a:t>
+            </a:r>
+            <a:r>
+              <a:rPr lang="en-GB" b="1" dirty="0" smtClean="0">
+                <a:solidFill>
+                  <a:srgbClr val="FFFF00"/>
+                </a:solidFill>
+              </a:rPr>
+              <a:t> </a:t>
+            </a:r>
+            <a:r>
+              <a:rPr lang="en-GB" dirty="0" smtClean="0">
+                <a:solidFill>
+                  <a:srgbClr val="FFFF00"/>
+                </a:solidFill>
+              </a:rPr>
+              <a:t>If you didn't expect a space, how could you have a space ?. There are multiple ways to do this.</a:t>
+            </a:r>
+            <a:endParaRPr lang="en-GB" dirty="0" smtClean="0">
+              <a:solidFill>
+                <a:srgbClr val="FFFF00"/>
+              </a:solidFill>
+            </a:endParaRPr>
+          </a:p>
+        </p:txBody>
+      </p:sp>
+    </p:spTree>
+    <p:extLst>
+      <p:ext uri="{BB962C8B-B14F-4D97-AF65-F5344CB8AC3E}">
+        <p14:creationId xmlns:p14="http://schemas.microsoft.com/office/powerpoint/2010/main" val="286972858"/>
+      </p:ext>
+    </p:extLst>
+  </p:cSld>
+  <p:clrMapOvr>
+    <a:masterClrMapping/>
+  </p:clrMapOvr>
+  <p:timing>
+    <p:tnLst>
+      <p:par>
+        <p:cTn id="1" dur="indefinite" restart="never" nodeType="tmRoot">
+          <p:childTnLst>
+            <p:seq concurrent="1" nextAc="seek">
+              <p:cTn id="2" dur="indefinite" nodeType="mainSeq">
+                <p:childTnLst>
+                  <p:par>
+                    <p:cTn id="3" fill="hold">
+                      <p:stCondLst>
+                        <p:cond delay="indefinite"/>
+                      </p:stCondLst>
+                      <p:childTnLst>
+                        <p:par>
+                          <p:cTn id="4" fill="hold">
+                            <p:stCondLst>
+                              <p:cond delay="0"/>
+                            </p:stCondLst>
+                            <p:childTnLst>
+                              <p:par>
+                                <p:cTn id="5" presetID="1" presetClass="entr" presetSubtype="0" fill="hold" grpId="0" nodeType="clickEffect">
+                                  <p:stCondLst>
+                                    <p:cond delay="0"/>
+                                  </p:stCondLst>
+                                  <p:childTnLst>
+                                    <p:set>
+                                      <p:cBhvr>
+                                        <p:cTn id="6" dur="1" fill="hold">
+                                          <p:stCondLst>
+                                            <p:cond delay="0"/>
+                                          </p:stCondLst>
+                                        </p:cTn>
+                                        <p:tgtEl>
+                                          <p:spTgt spid="2"/>
+                                        </p:tgtEl>
+                                        <p:attrNameLst>
+                                          <p:attrName>style.visibility</p:attrName>
+                                        </p:attrNameLst>
+                                      </p:cBhvr>
+                                      <p:to>
+                                        <p:strVal val="visible"/>
+                                      </p:to>
+                                    </p:set>
+                                  </p:childTnLst>
+                                </p:cTn>
+                              </p:par>
+                            </p:childTnLst>
+                          </p:cTn>
+                        </p:par>
+                      </p:childTnLst>
+                    </p:cTn>
+                  </p:par>
+                  <p:par>
+                    <p:cTn id="7" fill="hold">
+                      <p:stCondLst>
+                        <p:cond delay="indefinite"/>
+                      </p:stCondLst>
+                      <p:childTnLst>
+                        <p:par>
+                          <p:cTn id="8" fill="hold">
+                            <p:stCondLst>
+                              <p:cond delay="0"/>
+                            </p:stCondLst>
+                            <p:childTnLst>
+                              <p:par>
+                                <p:cTn id="9" presetID="1" presetClass="entr" presetSubtype="0" fill="hold" grpId="0" nodeType="clickEffect">
+                                  <p:stCondLst>
+                                    <p:cond delay="0"/>
+                                  </p:stCondLst>
+                                  <p:childTnLst>
+                                    <p:set>
+                                      <p:cBhvr>
+                                        <p:cTn id="10" dur="1" fill="hold">
+                                          <p:stCondLst>
+                                            <p:cond delay="0"/>
+                                          </p:stCondLst>
+                                        </p:cTn>
+                                        <p:tgtEl>
+                                          <p:spTgt spid="3">
+                                            <p:txEl>
+                                              <p:pRg st="0" end="0"/>
+                                            </p:txEl>
+                                          </p:spTgt>
+                                        </p:tgtEl>
+                                        <p:attrNameLst>
+                                          <p:attrName>style.visibility</p:attrName>
+                                        </p:attrNameLst>
+                                      </p:cBhvr>
+                                      <p:to>
+                                        <p:strVal val="visible"/>
+                                      </p:to>
+                                    </p:set>
+                                  </p:childTnLst>
+                                </p:cTn>
+                              </p:par>
+                            </p:childTnLst>
+                          </p:cTn>
+                        </p:par>
+                      </p:childTnLst>
+                    </p:cTn>
+                  </p:par>
+                  <p:par>
+                    <p:cTn id="11" fill="hold">
+                      <p:stCondLst>
+                        <p:cond delay="indefinite"/>
+                      </p:stCondLst>
+                      <p:childTnLst>
+                        <p:par>
+                          <p:cTn id="12" fill="hold">
+                            <p:stCondLst>
+                              <p:cond delay="0"/>
+                            </p:stCondLst>
+                            <p:childTnLst>
+                              <p:par>
+                                <p:cTn id="13" presetID="1" presetClass="entr" presetSubtype="0" fill="hold" grpId="0" nodeType="clickEffect">
+                                  <p:stCondLst>
+                                    <p:cond delay="0"/>
+                                  </p:stCondLst>
+                                  <p:childTnLst>
+                                    <p:set>
+                                      <p:cBhvr>
+                                        <p:cTn id="14" dur="1" fill="hold">
+                                          <p:stCondLst>
+                                            <p:cond delay="0"/>
+                                          </p:stCondLst>
+                                        </p:cTn>
+                                        <p:tgtEl>
+                                          <p:spTgt spid="3">
+                                            <p:txEl>
+                                              <p:pRg st="2" end="2"/>
+                                            </p:txEl>
+                                          </p:spTgt>
+                                        </p:tgtEl>
+                                        <p:attrNameLst>
+                                          <p:attrName>style.visibility</p:attrName>
+                                        </p:attrNameLst>
+                                      </p:cBhvr>
+                                      <p:to>
+                                        <p:strVal val="visible"/>
+                                      </p:to>
+                                    </p:set>
+                                  </p:childTnLst>
+                                </p:cTn>
+                              </p:par>
+                            </p:childTnLst>
+                          </p:cTn>
+                        </p:par>
+                      </p:childTnLst>
+                    </p:cTn>
+                  </p:par>
+                  <p:par>
+                    <p:cTn id="15" fill="hold">
+                      <p:stCondLst>
+                        <p:cond delay="indefinite"/>
+                      </p:stCondLst>
+                      <p:childTnLst>
+                        <p:par>
+                          <p:cTn id="16" fill="hold">
+                            <p:stCondLst>
+                              <p:cond delay="0"/>
+                            </p:stCondLst>
+                            <p:childTnLst>
+                              <p:par>
+                                <p:cTn id="17" presetID="1" presetClass="entr" presetSubtype="0" fill="hold" grpId="0" nodeType="clickEffect">
+                                  <p:stCondLst>
+                                    <p:cond delay="71900"/>
+                                  </p:stCondLst>
+                                  <p:childTnLst>
+                                    <p:set>
+                                      <p:cBhvr>
+                                        <p:cTn id="18" dur="1" fill="hold">
+                                          <p:stCondLst>
+                                            <p:cond delay="0"/>
+                                          </p:stCondLst>
+                                        </p:cTn>
+                                        <p:tgtEl>
+                                          <p:spTgt spid="7"/>
+                                        </p:tgtEl>
+                                        <p:attrNameLst>
+                                          <p:attrName>style.visibility</p:attrName>
+                                        </p:attrNameLst>
+                                      </p:cBhvr>
+                                      <p:to>
+                                        <p:strVal val="visible"/>
+                                      </p:to>
+                                    </p:set>
+                                  </p:childTnLst>
+                                </p:cTn>
+                              </p:par>
+                            </p:childTnLst>
+                          </p:cTn>
+                        </p:par>
+                      </p:childTnLst>
+                    </p:cTn>
+                  </p:par>
+                  <p:par>
+                    <p:cTn id="19" fill="hold">
+                      <p:stCondLst>
+                        <p:cond delay="indefinite"/>
+                      </p:stCondLst>
+                      <p:childTnLst>
+                        <p:par>
+                          <p:cTn id="20" fill="hold">
+                            <p:stCondLst>
+                              <p:cond delay="0"/>
+                            </p:stCondLst>
+                            <p:childTnLst>
+                              <p:par>
+                                <p:cTn id="21" presetID="1" presetClass="entr" presetSubtype="0" fill="hold" grpId="0" nodeType="clickEffect">
+                                  <p:stCondLst>
+                                    <p:cond delay="0"/>
+                                  </p:stCondLst>
+                                  <p:childTnLst>
+                                    <p:set>
+                                      <p:cBhvr>
+                                        <p:cTn id="22" dur="1" fill="hold">
+                                          <p:stCondLst>
+                                            <p:cond delay="0"/>
+                                          </p:stCondLst>
+                                        </p:cTn>
+                                        <p:tgtEl>
+                                          <p:spTgt spid="3">
+                                            <p:txEl>
+                                              <p:pRg st="3" end="3"/>
+                                            </p:txEl>
+                                          </p:spTgt>
+                                        </p:tgtEl>
+                                        <p:attrNameLst>
+                                          <p:attrName>style.visibility</p:attrName>
+                                        </p:attrNameLst>
+                                      </p:cBhvr>
+                                      <p:to>
+                                        <p:strVal val="visible"/>
+                                      </p:to>
+                                    </p:set>
+                                  </p:childTnLst>
+                                </p:cTn>
+                              </p:par>
+                            </p:childTnLst>
+                          </p:cTn>
+                        </p:par>
+                      </p:childTnLst>
+                    </p:cTn>
+                  </p:par>
+                  <p:par>
+                    <p:cTn id="23" fill="hold">
+                      <p:stCondLst>
+                        <p:cond delay="indefinite"/>
+                      </p:stCondLst>
+                      <p:childTnLst>
+                        <p:par>
+                          <p:cTn id="24" fill="hold">
+                            <p:stCondLst>
+                              <p:cond delay="0"/>
+                            </p:stCondLst>
+                            <p:childTnLst>
+                              <p:par>
+                                <p:cTn id="25" presetID="1" presetClass="entr" presetSubtype="0" fill="hold" grpId="0" nodeType="clickEffect">
+                                  <p:stCondLst>
+                                    <p:cond delay="60000"/>
+                                  </p:stCondLst>
+                                  <p:childTnLst>
+                                    <p:set>
+                                      <p:cBhvr>
+                                        <p:cTn id="26" dur="1" fill="hold">
+                                          <p:stCondLst>
+                                            <p:cond delay="999"/>
+                                          </p:stCondLst>
+                                        </p:cTn>
+                                        <p:tgtEl>
+                                          <p:spTgt spid="8"/>
+                                        </p:tgtEl>
+                                        <p:attrNameLst>
+                                          <p:attrName>style.visibility</p:attrName>
+                                        </p:attrNameLst>
+                                      </p:cBhvr>
+                                      <p:to>
+                                        <p:strVal val="visible"/>
+                                      </p:to>
+                                    </p:set>
+                                  </p:childTnLst>
+                                </p:cTn>
+                              </p:par>
+                            </p:childTnLst>
+                          </p:cTn>
+                        </p:par>
+                      </p:childTnLst>
+                    </p:cTn>
+                  </p:par>
+                </p:childTnLst>
+              </p:cTn>
+              <p:prevCondLst>
+                <p:cond evt="onPrev" delay="0">
+                  <p:tgtEl>
+                    <p:sldTgt/>
+                  </p:tgtEl>
+                </p:cond>
+              </p:prevCondLst>
+              <p:nextCondLst>
+                <p:cond evt="onNext" delay="0">
+                  <p:tgtEl>
+                    <p:sldTgt/>
+                  </p:tgtEl>
+                </p:cond>
+              </p:nextCondLst>
+            </p:seq>
+          </p:childTnLst>
+        </p:cTn>
+      </p:par>
+    </p:tnLst>
+    <p:bldLst>
+      <p:bldP spid="2" grpId="0"/>
+      <p:bldP spid="3" grpId="0" uiExpand="1" build="p"/>
+      <p:bldP spid="7" grpId="0"/>
+      <p:bldP spid="8" grpId="0"/>
+    </p:bldLst>
+  </p:timing>
 </p:sld>
 </file>
 
@@ -9032,7 +12309,7 @@
           <a:p>
             <a:r>
               <a:rPr lang="en-GB" dirty="0" smtClean="0"/>
-              <a:t>Saving your program.</a:t>
+              <a:t>Getting User Input.</a:t>
             </a:r>
             <a:endParaRPr lang="en-GB" dirty="0"/>
           </a:p>
@@ -9040,376 +12317,175 @@
       </p:sp>
       <p:sp>
         <p:nvSpPr>
-          <p:cNvPr id="4" name="Content Placeholder 2"/>
-          <p:cNvSpPr txBox="1">
-            <a:spLocks/>
-          </p:cNvSpPr>
-          <p:nvPr/>
+          <p:cNvPr id="3" name="Content Placeholder 2"/>
+          <p:cNvSpPr>
+            <a:spLocks noGrp="1"/>
+          </p:cNvSpPr>
+          <p:nvPr>
+            <p:ph idx="1"/>
+          </p:nvPr>
         </p:nvSpPr>
         <p:spPr>
           <a:xfrm>
-            <a:off x="646111" y="2059458"/>
-            <a:ext cx="4032982" cy="4324865"/>
+            <a:off x="1103312" y="2052918"/>
+            <a:ext cx="4457516" cy="4195481"/>
+          </a:xfrm>
+        </p:spPr>
+        <p:txBody>
+          <a:bodyPr>
+            <a:normAutofit lnSpcReduction="10000"/>
+          </a:bodyPr>
+          <a:lstStyle/>
+          <a:p>
+            <a:r>
+              <a:rPr lang="en-GB" dirty="0" smtClean="0"/>
+              <a:t>You can use input() to get the user to type in a string when the program is run.</a:t>
+            </a:r>
+          </a:p>
+          <a:p>
+            <a:endParaRPr lang="en-GB" dirty="0"/>
+          </a:p>
+          <a:p>
+            <a:r>
+              <a:rPr lang="en-GB" b="1" u="sng" dirty="0">
+                <a:solidFill>
+                  <a:srgbClr val="FFFF00"/>
+                </a:solidFill>
+              </a:rPr>
+              <a:t>TASK:</a:t>
+            </a:r>
+            <a:r>
+              <a:rPr lang="en-GB" b="1" dirty="0">
+                <a:solidFill>
+                  <a:srgbClr val="FFFF00"/>
+                </a:solidFill>
+              </a:rPr>
+              <a:t> </a:t>
+            </a:r>
+            <a:r>
+              <a:rPr lang="en-GB" dirty="0">
+                <a:solidFill>
+                  <a:srgbClr val="FFFF00"/>
+                </a:solidFill>
+              </a:rPr>
+              <a:t>What do you think the program on the right will do ?</a:t>
+            </a:r>
+          </a:p>
+          <a:p>
+            <a:r>
+              <a:rPr lang="en-GB" b="1" u="sng" dirty="0">
+                <a:solidFill>
+                  <a:srgbClr val="FFFF00"/>
+                </a:solidFill>
+              </a:rPr>
+              <a:t>TASK:</a:t>
+            </a:r>
+            <a:r>
+              <a:rPr lang="en-GB" dirty="0">
+                <a:solidFill>
+                  <a:srgbClr val="FFFF00"/>
+                </a:solidFill>
+              </a:rPr>
+              <a:t> Type it in, run it and see if you were correct</a:t>
+            </a:r>
+            <a:r>
+              <a:rPr lang="en-GB" dirty="0" smtClean="0">
+                <a:solidFill>
+                  <a:srgbClr val="FFFF00"/>
+                </a:solidFill>
+              </a:rPr>
+              <a:t>.</a:t>
+            </a:r>
+          </a:p>
+          <a:p>
+            <a:r>
+              <a:rPr lang="en-GB" dirty="0" smtClean="0">
+                <a:solidFill>
+                  <a:srgbClr val="FFFF00"/>
+                </a:solidFill>
+              </a:rPr>
+              <a:t>(Note: You will need to click on the window at the bottom and type something in to have it work).</a:t>
+            </a:r>
+            <a:endParaRPr lang="en-GB" dirty="0">
+              <a:solidFill>
+                <a:srgbClr val="FFFF00"/>
+              </a:solidFill>
+            </a:endParaRPr>
+          </a:p>
+        </p:txBody>
+      </p:sp>
+      <p:sp>
+        <p:nvSpPr>
+          <p:cNvPr id="4" name="Rectangle 3"/>
+          <p:cNvSpPr/>
+          <p:nvPr/>
+        </p:nvSpPr>
+        <p:spPr>
+          <a:xfrm>
+            <a:off x="5706534" y="1853245"/>
+            <a:ext cx="6096000" cy="1200329"/>
           </a:xfrm>
           <a:prstGeom prst="rect">
             <a:avLst/>
           </a:prstGeom>
         </p:spPr>
         <p:txBody>
-          <a:bodyPr vert="horz" lIns="91440" tIns="45720" rIns="91440" bIns="45720" rtlCol="0">
-            <a:normAutofit lnSpcReduction="10000"/>
+          <a:bodyPr>
+            <a:spAutoFit/>
           </a:bodyPr>
-          <a:lstStyle>
-            <a:lvl1pPr marL="342900" indent="-342900" algn="l" defTabSz="457200" rtl="0" eaLnBrk="1" latinLnBrk="0" hangingPunct="1">
-              <a:spcBef>
-                <a:spcPts val="1000"/>
-              </a:spcBef>
-              <a:spcAft>
-                <a:spcPts val="0"/>
-              </a:spcAft>
-              <a:buClr>
-                <a:schemeClr val="bg2">
-                  <a:lumMod val="40000"/>
-                  <a:lumOff val="60000"/>
-                </a:schemeClr>
-              </a:buClr>
-              <a:buSzPct val="80000"/>
-              <a:buFont typeface="Wingdings 3" charset="2"/>
-              <a:buChar char=""/>
-              <a:defRPr sz="2000" b="0" i="0" kern="1200">
-                <a:solidFill>
-                  <a:schemeClr val="tx1"/>
-                </a:solidFill>
-                <a:latin typeface="+mj-lt"/>
-                <a:ea typeface="+mj-ea"/>
-                <a:cs typeface="+mj-cs"/>
-              </a:defRPr>
-            </a:lvl1pPr>
-            <a:lvl2pPr marL="742950" indent="-285750" algn="l" defTabSz="457200" rtl="0" eaLnBrk="1" latinLnBrk="0" hangingPunct="1">
-              <a:spcBef>
-                <a:spcPts val="1000"/>
-              </a:spcBef>
-              <a:spcAft>
-                <a:spcPts val="0"/>
-              </a:spcAft>
-              <a:buClr>
-                <a:schemeClr val="bg2">
-                  <a:lumMod val="40000"/>
-                  <a:lumOff val="60000"/>
-                </a:schemeClr>
-              </a:buClr>
-              <a:buSzPct val="80000"/>
-              <a:buFont typeface="Wingdings 3" charset="2"/>
-              <a:buChar char=""/>
-              <a:defRPr sz="1800" b="0" i="0" kern="1200">
-                <a:solidFill>
-                  <a:schemeClr val="tx1"/>
-                </a:solidFill>
-                <a:latin typeface="+mj-lt"/>
-                <a:ea typeface="+mj-ea"/>
-                <a:cs typeface="+mj-cs"/>
-              </a:defRPr>
-            </a:lvl2pPr>
-            <a:lvl3pPr marL="1143000" indent="-228600" algn="l" defTabSz="457200" rtl="0" eaLnBrk="1" latinLnBrk="0" hangingPunct="1">
-              <a:spcBef>
-                <a:spcPts val="1000"/>
-              </a:spcBef>
-              <a:spcAft>
-                <a:spcPts val="0"/>
-              </a:spcAft>
-              <a:buClr>
-                <a:schemeClr val="bg2">
-                  <a:lumMod val="40000"/>
-                  <a:lumOff val="60000"/>
-                </a:schemeClr>
-              </a:buClr>
-              <a:buSzPct val="80000"/>
-              <a:buFont typeface="Wingdings 3" charset="2"/>
-              <a:buChar char=""/>
-              <a:defRPr sz="1600" b="0" i="0" kern="1200">
-                <a:solidFill>
-                  <a:schemeClr val="tx1"/>
-                </a:solidFill>
-                <a:latin typeface="+mj-lt"/>
-                <a:ea typeface="+mj-ea"/>
-                <a:cs typeface="+mj-cs"/>
-              </a:defRPr>
-            </a:lvl3pPr>
-            <a:lvl4pPr marL="1600200" indent="-228600" algn="l" defTabSz="457200" rtl="0" eaLnBrk="1" latinLnBrk="0" hangingPunct="1">
-              <a:spcBef>
-                <a:spcPts val="1000"/>
-              </a:spcBef>
-              <a:spcAft>
-                <a:spcPts val="0"/>
-              </a:spcAft>
-              <a:buClr>
-                <a:schemeClr val="bg2">
-                  <a:lumMod val="40000"/>
-                  <a:lumOff val="60000"/>
-                </a:schemeClr>
-              </a:buClr>
-              <a:buSzPct val="80000"/>
-              <a:buFont typeface="Wingdings 3" charset="2"/>
-              <a:buChar char=""/>
-              <a:defRPr sz="1400" b="0" i="0" kern="1200">
-                <a:solidFill>
-                  <a:schemeClr val="tx1"/>
-                </a:solidFill>
-                <a:latin typeface="+mj-lt"/>
-                <a:ea typeface="+mj-ea"/>
-                <a:cs typeface="+mj-cs"/>
-              </a:defRPr>
-            </a:lvl4pPr>
-            <a:lvl5pPr marL="2057400" indent="-228600" algn="l" defTabSz="457200" rtl="0" eaLnBrk="1" latinLnBrk="0" hangingPunct="1">
-              <a:spcBef>
-                <a:spcPts val="1000"/>
-              </a:spcBef>
-              <a:spcAft>
-                <a:spcPts val="0"/>
-              </a:spcAft>
-              <a:buClr>
-                <a:schemeClr val="bg2">
-                  <a:lumMod val="40000"/>
-                  <a:lumOff val="60000"/>
-                </a:schemeClr>
-              </a:buClr>
-              <a:buSzPct val="80000"/>
-              <a:buFont typeface="Wingdings 3" charset="2"/>
-              <a:buChar char=""/>
-              <a:defRPr sz="1400" b="0" i="0" kern="1200">
-                <a:solidFill>
-                  <a:schemeClr val="tx1"/>
-                </a:solidFill>
-                <a:latin typeface="+mj-lt"/>
-                <a:ea typeface="+mj-ea"/>
-                <a:cs typeface="+mj-cs"/>
-              </a:defRPr>
-            </a:lvl5pPr>
-            <a:lvl6pPr marL="2506000" indent="-228600" algn="l" defTabSz="457200" rtl="0" eaLnBrk="1" latinLnBrk="0" hangingPunct="1">
-              <a:spcBef>
-                <a:spcPts val="1000"/>
-              </a:spcBef>
-              <a:spcAft>
-                <a:spcPts val="0"/>
-              </a:spcAft>
-              <a:buClr>
-                <a:schemeClr val="bg2">
-                  <a:lumMod val="40000"/>
-                  <a:lumOff val="60000"/>
-                </a:schemeClr>
-              </a:buClr>
-              <a:buSzPct val="80000"/>
-              <a:buFont typeface="Wingdings 3" charset="2"/>
-              <a:buChar char=""/>
-              <a:defRPr sz="1400" b="0" i="0" kern="1200">
-                <a:solidFill>
-                  <a:schemeClr val="tx1"/>
-                </a:solidFill>
-                <a:latin typeface="+mj-lt"/>
-                <a:ea typeface="+mj-ea"/>
-                <a:cs typeface="+mj-cs"/>
-              </a:defRPr>
-            </a:lvl6pPr>
-            <a:lvl7pPr marL="2971800" indent="-228600" algn="l" defTabSz="457200" rtl="0" eaLnBrk="1" latinLnBrk="0" hangingPunct="1">
-              <a:spcBef>
-                <a:spcPts val="1000"/>
-              </a:spcBef>
-              <a:spcAft>
-                <a:spcPts val="0"/>
-              </a:spcAft>
-              <a:buClr>
-                <a:schemeClr val="bg2">
-                  <a:lumMod val="40000"/>
-                  <a:lumOff val="60000"/>
-                </a:schemeClr>
-              </a:buClr>
-              <a:buSzPct val="80000"/>
-              <a:buFont typeface="Wingdings 3" charset="2"/>
-              <a:buChar char=""/>
-              <a:defRPr sz="1400" b="0" i="0" kern="1200">
-                <a:solidFill>
-                  <a:schemeClr val="tx1"/>
-                </a:solidFill>
-                <a:latin typeface="+mj-lt"/>
-                <a:ea typeface="+mj-ea"/>
-                <a:cs typeface="+mj-cs"/>
-              </a:defRPr>
-            </a:lvl7pPr>
-            <a:lvl8pPr marL="3429000" indent="-228600" algn="l" defTabSz="457200" rtl="0" eaLnBrk="1" latinLnBrk="0" hangingPunct="1">
-              <a:spcBef>
-                <a:spcPts val="1000"/>
-              </a:spcBef>
-              <a:spcAft>
-                <a:spcPts val="0"/>
-              </a:spcAft>
-              <a:buClr>
-                <a:schemeClr val="bg2">
-                  <a:lumMod val="40000"/>
-                  <a:lumOff val="60000"/>
-                </a:schemeClr>
-              </a:buClr>
-              <a:buSzPct val="80000"/>
-              <a:buFont typeface="Wingdings 3" charset="2"/>
-              <a:buChar char=""/>
-              <a:defRPr sz="1400" b="0" i="0" kern="1200">
-                <a:solidFill>
-                  <a:schemeClr val="tx1"/>
-                </a:solidFill>
-                <a:latin typeface="+mj-lt"/>
-                <a:ea typeface="+mj-ea"/>
-                <a:cs typeface="+mj-cs"/>
-              </a:defRPr>
-            </a:lvl8pPr>
-            <a:lvl9pPr marL="3886200" indent="-228600" algn="l" defTabSz="457200" rtl="0" eaLnBrk="1" latinLnBrk="0" hangingPunct="1">
-              <a:spcBef>
-                <a:spcPts val="1000"/>
-              </a:spcBef>
-              <a:spcAft>
-                <a:spcPts val="0"/>
-              </a:spcAft>
-              <a:buClr>
-                <a:schemeClr val="bg2">
-                  <a:lumMod val="40000"/>
-                  <a:lumOff val="60000"/>
-                </a:schemeClr>
-              </a:buClr>
-              <a:buSzPct val="80000"/>
-              <a:buFont typeface="Wingdings 3" charset="2"/>
-              <a:buChar char=""/>
-              <a:defRPr sz="1400" b="0" i="0" kern="1200">
-                <a:solidFill>
-                  <a:schemeClr val="tx1"/>
-                </a:solidFill>
-                <a:latin typeface="+mj-lt"/>
-                <a:ea typeface="+mj-ea"/>
-                <a:cs typeface="+mj-cs"/>
-              </a:defRPr>
-            </a:lvl9pPr>
-          </a:lstStyle>
-          <a:p>
-            <a:r>
-              <a:rPr lang="en-GB" dirty="0" smtClean="0">
-                <a:latin typeface="+mn-lt"/>
+          <a:lstStyle/>
+          <a:p>
+            <a:r>
+              <a:rPr lang="en-GB" dirty="0">
+                <a:latin typeface="Courier New" panose="02070309020205020404" pitchFamily="49" charset="0"/>
                 <a:cs typeface="Courier New" panose="02070309020205020404" pitchFamily="49" charset="0"/>
               </a:rPr>
-              <a:t>Now you need to save the program.</a:t>
-            </a:r>
-          </a:p>
-          <a:p>
-            <a:r>
-              <a:rPr lang="en-GB" dirty="0" smtClean="0">
-                <a:latin typeface="+mn-lt"/>
+              <a:t># Week2, Program4</a:t>
+            </a:r>
+          </a:p>
+          <a:p>
+            <a:endParaRPr lang="en-GB" dirty="0">
+              <a:latin typeface="Courier New" panose="02070309020205020404" pitchFamily="49" charset="0"/>
+              <a:cs typeface="Courier New" panose="02070309020205020404" pitchFamily="49" charset="0"/>
+            </a:endParaRPr>
+          </a:p>
+          <a:p>
+            <a:r>
+              <a:rPr lang="en-GB" dirty="0">
+                <a:latin typeface="Courier New" panose="02070309020205020404" pitchFamily="49" charset="0"/>
                 <a:cs typeface="Courier New" panose="02070309020205020404" pitchFamily="49" charset="0"/>
               </a:rPr>
-              <a:t>Like with other things, use the “File” </a:t>
-            </a:r>
-            <a:r>
-              <a:rPr lang="en-GB" dirty="0" smtClean="0">
-                <a:latin typeface="+mn-lt"/>
-                <a:cs typeface="Courier New" panose="02070309020205020404" pitchFamily="49" charset="0"/>
-                <a:sym typeface="Wingdings" panose="05000000000000000000" pitchFamily="2" charset="2"/>
-              </a:rPr>
-              <a:t> “Save” option to save the file.</a:t>
-            </a:r>
-          </a:p>
-          <a:p>
-            <a:r>
-              <a:rPr lang="en-GB" dirty="0" smtClean="0">
-                <a:latin typeface="+mn-lt"/>
-                <a:cs typeface="Courier New" panose="02070309020205020404" pitchFamily="49" charset="0"/>
-                <a:sym typeface="Wingdings" panose="05000000000000000000" pitchFamily="2" charset="2"/>
-              </a:rPr>
-              <a:t>We will need to give the program a name. This can be anything you want.</a:t>
-            </a:r>
-          </a:p>
-          <a:p>
-            <a:r>
-              <a:rPr lang="en-GB" dirty="0" smtClean="0">
-                <a:latin typeface="+mn-lt"/>
-                <a:cs typeface="Courier New" panose="02070309020205020404" pitchFamily="49" charset="0"/>
-                <a:sym typeface="Wingdings" panose="05000000000000000000" pitchFamily="2" charset="2"/>
-              </a:rPr>
-              <a:t>You should save it in “This PC” -&gt; “Documents”.</a:t>
-            </a:r>
-            <a:endParaRPr lang="en-GB" dirty="0" smtClean="0">
-              <a:latin typeface="+mn-lt"/>
-              <a:cs typeface="Courier New" panose="02070309020205020404" pitchFamily="49" charset="0"/>
-            </a:endParaRPr>
-          </a:p>
-          <a:p>
-            <a:r>
-              <a:rPr lang="en-GB" b="1" u="sng" dirty="0" smtClean="0">
-                <a:solidFill>
-                  <a:srgbClr val="FFFF00"/>
-                </a:solidFill>
-                <a:latin typeface="+mn-lt"/>
+              <a:t>a = input("What is your name: ")</a:t>
+            </a:r>
+          </a:p>
+          <a:p>
+            <a:r>
+              <a:rPr lang="en-GB" dirty="0">
+                <a:latin typeface="Courier New" panose="02070309020205020404" pitchFamily="49" charset="0"/>
                 <a:cs typeface="Courier New" panose="02070309020205020404" pitchFamily="49" charset="0"/>
               </a:rPr>
-              <a:t>Action:</a:t>
-            </a:r>
-            <a:r>
-              <a:rPr lang="en-GB" b="1" dirty="0" smtClean="0">
-                <a:solidFill>
-                  <a:srgbClr val="FFFF00"/>
-                </a:solidFill>
-                <a:latin typeface="+mn-lt"/>
-                <a:cs typeface="Courier New" panose="02070309020205020404" pitchFamily="49" charset="0"/>
-              </a:rPr>
-              <a:t> </a:t>
-            </a:r>
-            <a:r>
-              <a:rPr lang="en-GB" dirty="0" smtClean="0">
-                <a:solidFill>
-                  <a:srgbClr val="FFFF00"/>
-                </a:solidFill>
-                <a:latin typeface="+mn-lt"/>
-                <a:cs typeface="Courier New" panose="02070309020205020404" pitchFamily="49" charset="0"/>
-              </a:rPr>
-              <a:t>Save the program. Remember what you called it ! </a:t>
-            </a:r>
-          </a:p>
-          <a:p>
-            <a:endParaRPr lang="en-GB" dirty="0">
-              <a:latin typeface="+mn-lt"/>
-              <a:cs typeface="Courier New" panose="02070309020205020404" pitchFamily="49" charset="0"/>
-            </a:endParaRPr>
-          </a:p>
-        </p:txBody>
-      </p:sp>
-      <p:pic>
-        <p:nvPicPr>
-          <p:cNvPr id="3" name="Picture 2"/>
-          <p:cNvPicPr>
-            <a:picLocks noChangeAspect="1"/>
-          </p:cNvPicPr>
-          <p:nvPr/>
-        </p:nvPicPr>
-        <p:blipFill>
-          <a:blip r:embed="rId2"/>
-          <a:stretch>
-            <a:fillRect/>
-          </a:stretch>
-        </p:blipFill>
-        <p:spPr>
-          <a:xfrm>
-            <a:off x="5198225" y="2001793"/>
-            <a:ext cx="6512273" cy="4143634"/>
-          </a:xfrm>
-          <a:prstGeom prst="rect">
-            <a:avLst/>
-          </a:prstGeom>
-        </p:spPr>
-      </p:pic>
+              <a:t>print("Hello, " + a)</a:t>
+            </a:r>
+          </a:p>
+        </p:txBody>
+      </p:sp>
     </p:spTree>
     <p:extLst>
       <p:ext uri="{BB962C8B-B14F-4D97-AF65-F5344CB8AC3E}">
-        <p14:creationId xmlns:p14="http://schemas.microsoft.com/office/powerpoint/2010/main" val="3822870985"/>
+        <p14:creationId xmlns:p14="http://schemas.microsoft.com/office/powerpoint/2010/main" val="1059301502"/>
       </p:ext>
     </p:extLst>
   </p:cSld>
   <p:clrMapOvr>
     <a:masterClrMapping/>
   </p:clrMapOvr>
+  <p:timing>
+    <p:tnLst>
+      <p:par>
+        <p:cTn id="1" dur="indefinite" restart="never" nodeType="tmRoot"/>
+      </p:par>
+    </p:tnLst>
+  </p:timing>
 </p:sld>
 </file>
 
@@ -9447,7 +12523,7 @@
           <a:p>
             <a:r>
               <a:rPr lang="en-GB" dirty="0" smtClean="0"/>
-              <a:t>Running your program</a:t>
+              <a:t>Getting User Input.</a:t>
             </a:r>
             <a:endParaRPr lang="en-GB" dirty="0"/>
           </a:p>
@@ -9465,39 +12541,35 @@
         </p:nvSpPr>
         <p:spPr>
           <a:xfrm>
-            <a:off x="1103313" y="2052918"/>
-            <a:ext cx="5009164" cy="4195481"/>
+            <a:off x="1103312" y="2052918"/>
+            <a:ext cx="4457516" cy="4195481"/>
           </a:xfrm>
         </p:spPr>
         <p:txBody>
-          <a:bodyPr/>
+          <a:bodyPr>
+            <a:normAutofit lnSpcReduction="10000"/>
+          </a:bodyPr>
           <a:lstStyle/>
           <a:p>
             <a:r>
               <a:rPr lang="en-GB" dirty="0" smtClean="0"/>
-              <a:t>You can use the command prompt to run Python programs.</a:t>
-            </a:r>
-          </a:p>
-          <a:p>
-            <a:r>
-              <a:rPr lang="en-GB" dirty="0" smtClean="0"/>
-              <a:t>The command prompt has many other uses – and later in this course we will find other uses.</a:t>
-            </a:r>
-          </a:p>
-          <a:p>
-            <a:endParaRPr lang="en-GB" dirty="0" smtClean="0"/>
-          </a:p>
-          <a:p>
-            <a:r>
-              <a:rPr lang="en-GB" b="1" u="sng" dirty="0" smtClean="0">
+              <a:t>You can use input() to get the user to type in a string when the program is run.</a:t>
+            </a:r>
+          </a:p>
+          <a:p>
+            <a:endParaRPr lang="en-GB" dirty="0"/>
+          </a:p>
+          <a:p>
+            <a:r>
+              <a:rPr lang="en-GB" b="1" u="sng" dirty="0">
                 <a:solidFill>
                   <a:srgbClr val="FFFF00"/>
                 </a:solidFill>
               </a:rPr>
-              <a:t>ACTION:</a:t>
-            </a:r>
-            <a:r>
-              <a:rPr lang="en-GB" b="1" dirty="0" smtClean="0">
+              <a:t>TASK:</a:t>
+            </a:r>
+            <a:r>
+              <a:rPr lang="en-GB" b="1" dirty="0">
                 <a:solidFill>
                   <a:srgbClr val="FFFF00"/>
                 </a:solidFill>
@@ -9505,40 +12577,50 @@
               <a:t> </a:t>
             </a:r>
             <a:r>
+              <a:rPr lang="en-GB" dirty="0">
+                <a:solidFill>
+                  <a:srgbClr val="FFFF00"/>
+                </a:solidFill>
+              </a:rPr>
+              <a:t>What do you think the program on the right will do ?</a:t>
+            </a:r>
+          </a:p>
+          <a:p>
+            <a:r>
+              <a:rPr lang="en-GB" b="1" u="sng" dirty="0">
+                <a:solidFill>
+                  <a:srgbClr val="FFFF00"/>
+                </a:solidFill>
+              </a:rPr>
+              <a:t>TASK:</a:t>
+            </a:r>
+            <a:r>
+              <a:rPr lang="en-GB" dirty="0">
+                <a:solidFill>
+                  <a:srgbClr val="FFFF00"/>
+                </a:solidFill>
+              </a:rPr>
+              <a:t> Type it in, run it and see if you were correct</a:t>
+            </a:r>
+            <a:r>
               <a:rPr lang="en-GB" dirty="0" smtClean="0">
                 <a:solidFill>
                   <a:srgbClr val="FFFF00"/>
                 </a:solidFill>
               </a:rPr>
-              <a:t>Copy the commands shown in the command prompt on the right.</a:t>
-            </a:r>
-          </a:p>
-          <a:p>
-            <a:r>
-              <a:rPr lang="en-GB" b="1" u="sng" dirty="0" smtClean="0">
+              <a:t>.</a:t>
+            </a:r>
+          </a:p>
+          <a:p>
+            <a:r>
+              <a:rPr lang="en-GB" dirty="0" smtClean="0">
                 <a:solidFill>
                   <a:srgbClr val="FFFF00"/>
                 </a:solidFill>
               </a:rPr>
-              <a:t>CHECK:</a:t>
-            </a:r>
-            <a:r>
-              <a:rPr lang="en-GB" b="1" dirty="0" smtClean="0">
-                <a:solidFill>
-                  <a:srgbClr val="FFFF00"/>
-                </a:solidFill>
-              </a:rPr>
-              <a:t> </a:t>
-            </a:r>
-            <a:r>
-              <a:rPr lang="en-GB" dirty="0" smtClean="0">
-                <a:solidFill>
-                  <a:srgbClr val="FFFF00"/>
-                </a:solidFill>
-              </a:rPr>
-              <a:t>You should see the result “Hello World !”</a:t>
-            </a:r>
-            <a:endParaRPr lang="en-GB" b="1" u="sng" dirty="0">
+              <a:t>(Note: You will need to click on the window at the bottom and type something in to have it work).</a:t>
+            </a:r>
+            <a:endParaRPr lang="en-GB" dirty="0">
               <a:solidFill>
                 <a:srgbClr val="FFFF00"/>
               </a:solidFill>
@@ -9546,102 +12628,78 @@
           </a:p>
         </p:txBody>
       </p:sp>
-      <p:pic>
-        <p:nvPicPr>
-          <p:cNvPr id="4" name="Picture 3"/>
-          <p:cNvPicPr>
-            <a:picLocks noChangeAspect="1"/>
-          </p:cNvPicPr>
+      <p:sp>
+        <p:nvSpPr>
+          <p:cNvPr id="4" name="Rectangle 3"/>
+          <p:cNvSpPr/>
           <p:nvPr/>
-        </p:nvPicPr>
-        <p:blipFill>
-          <a:blip r:embed="rId2"/>
-          <a:stretch>
-            <a:fillRect/>
-          </a:stretch>
-        </p:blipFill>
+        </p:nvSpPr>
         <p:spPr>
           <a:xfrm>
-            <a:off x="6876370" y="2303884"/>
-            <a:ext cx="4448175" cy="2324100"/>
+            <a:off x="5706534" y="1853245"/>
+            <a:ext cx="6096000" cy="1200329"/>
           </a:xfrm>
           <a:prstGeom prst="rect">
             <a:avLst/>
           </a:prstGeom>
         </p:spPr>
-      </p:pic>
-      <p:cxnSp>
-        <p:nvCxnSpPr>
-          <p:cNvPr id="14" name="Straight Connector 13"/>
-          <p:cNvCxnSpPr/>
-          <p:nvPr/>
-        </p:nvCxnSpPr>
-        <p:spPr>
-          <a:xfrm>
-            <a:off x="7912359" y="3228392"/>
-            <a:ext cx="942392" cy="0"/>
-          </a:xfrm>
-          <a:prstGeom prst="line">
-            <a:avLst/>
-          </a:prstGeom>
-          <a:ln w="50800"/>
-        </p:spPr>
-        <p:style>
-          <a:lnRef idx="1">
-            <a:schemeClr val="accent1"/>
-          </a:lnRef>
-          <a:fillRef idx="0">
-            <a:schemeClr val="accent1"/>
-          </a:fillRef>
-          <a:effectRef idx="0">
-            <a:schemeClr val="accent1"/>
-          </a:effectRef>
-          <a:fontRef idx="minor">
-            <a:schemeClr val="tx1"/>
-          </a:fontRef>
-        </p:style>
-      </p:cxnSp>
-      <p:cxnSp>
-        <p:nvCxnSpPr>
-          <p:cNvPr id="16" name="Straight Connector 15"/>
-          <p:cNvCxnSpPr/>
-          <p:nvPr/>
-        </p:nvCxnSpPr>
-        <p:spPr>
-          <a:xfrm flipV="1">
-            <a:off x="8680579" y="3545633"/>
-            <a:ext cx="1956319" cy="12440"/>
-          </a:xfrm>
-          <a:prstGeom prst="line">
-            <a:avLst/>
-          </a:prstGeom>
-          <a:ln w="50800"/>
-        </p:spPr>
-        <p:style>
-          <a:lnRef idx="1">
-            <a:schemeClr val="accent1"/>
-          </a:lnRef>
-          <a:fillRef idx="0">
-            <a:schemeClr val="accent1"/>
-          </a:fillRef>
-          <a:effectRef idx="0">
-            <a:schemeClr val="accent1"/>
-          </a:effectRef>
-          <a:fontRef idx="minor">
-            <a:schemeClr val="tx1"/>
-          </a:fontRef>
-        </p:style>
-      </p:cxnSp>
+        <p:txBody>
+          <a:bodyPr>
+            <a:spAutoFit/>
+          </a:bodyPr>
+          <a:lstStyle/>
+          <a:p>
+            <a:r>
+              <a:rPr lang="en-GB" dirty="0">
+                <a:latin typeface="Courier New" panose="02070309020205020404" pitchFamily="49" charset="0"/>
+                <a:cs typeface="Courier New" panose="02070309020205020404" pitchFamily="49" charset="0"/>
+              </a:rPr>
+              <a:t># Week2, Program4</a:t>
+            </a:r>
+          </a:p>
+          <a:p>
+            <a:endParaRPr lang="en-GB" dirty="0">
+              <a:latin typeface="Courier New" panose="02070309020205020404" pitchFamily="49" charset="0"/>
+              <a:cs typeface="Courier New" panose="02070309020205020404" pitchFamily="49" charset="0"/>
+            </a:endParaRPr>
+          </a:p>
+          <a:p>
+            <a:r>
+              <a:rPr lang="en-GB" dirty="0">
+                <a:latin typeface="Courier New" panose="02070309020205020404" pitchFamily="49" charset="0"/>
+                <a:cs typeface="Courier New" panose="02070309020205020404" pitchFamily="49" charset="0"/>
+              </a:rPr>
+              <a:t>a = input("What is your name: ")</a:t>
+            </a:r>
+          </a:p>
+          <a:p>
+            <a:r>
+              <a:rPr lang="en-GB" dirty="0">
+                <a:latin typeface="Courier New" panose="02070309020205020404" pitchFamily="49" charset="0"/>
+                <a:cs typeface="Courier New" panose="02070309020205020404" pitchFamily="49" charset="0"/>
+              </a:rPr>
+              <a:t>print("Hello, " + a)</a:t>
+            </a:r>
+          </a:p>
+        </p:txBody>
+      </p:sp>
     </p:spTree>
     <p:extLst>
       <p:ext uri="{BB962C8B-B14F-4D97-AF65-F5344CB8AC3E}">
-        <p14:creationId xmlns:p14="http://schemas.microsoft.com/office/powerpoint/2010/main" val="664149163"/>
+        <p14:creationId xmlns:p14="http://schemas.microsoft.com/office/powerpoint/2010/main" val="2331575272"/>
       </p:ext>
     </p:extLst>
   </p:cSld>
   <p:clrMapOvr>
     <a:masterClrMapping/>
   </p:clrMapOvr>
+  <p:timing>
+    <p:tnLst>
+      <p:par>
+        <p:cTn id="1" dur="indefinite" restart="never" nodeType="tmRoot"/>
+      </p:par>
+    </p:tnLst>
+  </p:timing>
 </p:sld>
 </file>
 

--- a/week2/week2.pptx
+++ b/week2/week2.pptx
@@ -7,22 +7,29 @@
   <p:sldIdLst>
     <p:sldId id="256" r:id="rId2"/>
     <p:sldId id="259" r:id="rId3"/>
-    <p:sldId id="260" r:id="rId4"/>
-    <p:sldId id="264" r:id="rId5"/>
-    <p:sldId id="261" r:id="rId6"/>
-    <p:sldId id="262" r:id="rId7"/>
-    <p:sldId id="263" r:id="rId8"/>
-    <p:sldId id="265" r:id="rId9"/>
-    <p:sldId id="266" r:id="rId10"/>
-    <p:sldId id="267" r:id="rId11"/>
-    <p:sldId id="268" r:id="rId12"/>
-    <p:sldId id="269" r:id="rId13"/>
-    <p:sldId id="270" r:id="rId14"/>
-    <p:sldId id="271" r:id="rId15"/>
-    <p:sldId id="272" r:id="rId16"/>
-    <p:sldId id="275" r:id="rId17"/>
-    <p:sldId id="273" r:id="rId18"/>
-    <p:sldId id="274" r:id="rId19"/>
+    <p:sldId id="276" r:id="rId4"/>
+    <p:sldId id="260" r:id="rId5"/>
+    <p:sldId id="264" r:id="rId6"/>
+    <p:sldId id="261" r:id="rId7"/>
+    <p:sldId id="262" r:id="rId8"/>
+    <p:sldId id="263" r:id="rId9"/>
+    <p:sldId id="265" r:id="rId10"/>
+    <p:sldId id="266" r:id="rId11"/>
+    <p:sldId id="267" r:id="rId12"/>
+    <p:sldId id="268" r:id="rId13"/>
+    <p:sldId id="269" r:id="rId14"/>
+    <p:sldId id="270" r:id="rId15"/>
+    <p:sldId id="271" r:id="rId16"/>
+    <p:sldId id="272" r:id="rId17"/>
+    <p:sldId id="277" r:id="rId18"/>
+    <p:sldId id="275" r:id="rId19"/>
+    <p:sldId id="273" r:id="rId20"/>
+    <p:sldId id="274" r:id="rId21"/>
+    <p:sldId id="278" r:id="rId22"/>
+    <p:sldId id="279" r:id="rId23"/>
+    <p:sldId id="280" r:id="rId24"/>
+    <p:sldId id="281" r:id="rId25"/>
+    <p:sldId id="282" r:id="rId26"/>
   </p:sldIdLst>
   <p:sldSz cx="12192000" cy="6858000"/>
   <p:notesSz cx="6858000" cy="9144000"/>
@@ -122,6 +129,47 @@
     </a:lvl9pPr>
   </p:defaultTextStyle>
   <p:extLst>
+    <p:ext uri="{521415D9-36F7-43E2-AB2F-B90AF26B5E84}">
+      <p14:sectionLst xmlns:p14="http://schemas.microsoft.com/office/powerpoint/2010/main">
+        <p14:section name="Tutorial" id="{E8B8B779-C037-4864-B17C-C02845DED49A}">
+          <p14:sldIdLst>
+            <p14:sldId id="256"/>
+            <p14:sldId id="259"/>
+            <p14:sldId id="276"/>
+            <p14:sldId id="260"/>
+            <p14:sldId id="264"/>
+            <p14:sldId id="261"/>
+            <p14:sldId id="262"/>
+            <p14:sldId id="263"/>
+            <p14:sldId id="265"/>
+            <p14:sldId id="266"/>
+            <p14:sldId id="267"/>
+            <p14:sldId id="268"/>
+            <p14:sldId id="269"/>
+            <p14:sldId id="270"/>
+            <p14:sldId id="271"/>
+            <p14:sldId id="272"/>
+            <p14:sldId id="277"/>
+            <p14:sldId id="275"/>
+            <p14:sldId id="273"/>
+            <p14:sldId id="274"/>
+          </p14:sldIdLst>
+        </p14:section>
+        <p14:section name="Homework" id="{58F40B92-EA96-44EF-BD4A-D1E80F75E29E}">
+          <p14:sldIdLst>
+            <p14:sldId id="278"/>
+            <p14:sldId id="279"/>
+            <p14:sldId id="280"/>
+            <p14:sldId id="281"/>
+          </p14:sldIdLst>
+        </p14:section>
+        <p14:section name="Next Week" id="{B2E86CDA-F55E-42CA-B38B-16B67EE4F37C}">
+          <p14:sldIdLst>
+            <p14:sldId id="282"/>
+          </p14:sldIdLst>
+        </p14:section>
+      </p14:sectionLst>
+    </p:ext>
     <p:ext uri="{EFAFB233-063F-42B5-8137-9DF3F51BA10A}">
       <p15:sldGuideLst xmlns:p15="http://schemas.microsoft.com/office/powerpoint/2012/main"/>
     </p:ext>
@@ -315,7 +363,7 @@
           <a:p>
             <a:fld id="{4AAD347D-5ACD-4C99-B74B-A9C85AD731AF}" type="datetimeFigureOut">
               <a:rPr lang="en-US" dirty="0"/>
-              <a:t>3/1/2018</a:t>
+              <a:t>3/2/2018</a:t>
             </a:fld>
             <a:endParaRPr lang="en-US" dirty="0"/>
           </a:p>
@@ -585,7 +633,7 @@
           <a:p>
             <a:fld id="{4509A250-FF31-4206-8172-F9D3106AACB1}" type="datetimeFigureOut">
               <a:rPr lang="en-US" dirty="0"/>
-              <a:t>3/1/2018</a:t>
+              <a:t>3/2/2018</a:t>
             </a:fld>
             <a:endParaRPr lang="en-US" dirty="0"/>
           </a:p>
@@ -774,7 +822,7 @@
           <a:p>
             <a:fld id="{4509A250-FF31-4206-8172-F9D3106AACB1}" type="datetimeFigureOut">
               <a:rPr lang="en-US" dirty="0"/>
-              <a:t>3/1/2018</a:t>
+              <a:t>3/2/2018</a:t>
             </a:fld>
             <a:endParaRPr lang="en-US" dirty="0"/>
           </a:p>
@@ -1042,7 +1090,7 @@
           <a:p>
             <a:fld id="{4509A250-FF31-4206-8172-F9D3106AACB1}" type="datetimeFigureOut">
               <a:rPr lang="en-US" dirty="0"/>
-              <a:t>3/1/2018</a:t>
+              <a:t>3/2/2018</a:t>
             </a:fld>
             <a:endParaRPr lang="en-US" dirty="0"/>
           </a:p>
@@ -1378,7 +1426,7 @@
           <a:p>
             <a:fld id="{4509A250-FF31-4206-8172-F9D3106AACB1}" type="datetimeFigureOut">
               <a:rPr lang="en-US" dirty="0"/>
-              <a:t>3/1/2018</a:t>
+              <a:t>3/2/2018</a:t>
             </a:fld>
             <a:endParaRPr lang="en-US" dirty="0"/>
           </a:p>
@@ -1996,7 +2044,7 @@
           <a:p>
             <a:fld id="{4509A250-FF31-4206-8172-F9D3106AACB1}" type="datetimeFigureOut">
               <a:rPr lang="en-US" dirty="0"/>
-              <a:t>3/1/2018</a:t>
+              <a:t>3/2/2018</a:t>
             </a:fld>
             <a:endParaRPr lang="en-US" dirty="0"/>
           </a:p>
@@ -2851,7 +2899,7 @@
           <a:p>
             <a:fld id="{4509A250-FF31-4206-8172-F9D3106AACB1}" type="datetimeFigureOut">
               <a:rPr lang="en-US" dirty="0"/>
-              <a:t>3/1/2018</a:t>
+              <a:t>3/2/2018</a:t>
             </a:fld>
             <a:endParaRPr lang="en-US" dirty="0"/>
           </a:p>
@@ -3016,7 +3064,7 @@
           <a:p>
             <a:fld id="{4509A250-FF31-4206-8172-F9D3106AACB1}" type="datetimeFigureOut">
               <a:rPr lang="en-US" dirty="0"/>
-              <a:t>3/1/2018</a:t>
+              <a:t>3/2/2018</a:t>
             </a:fld>
             <a:endParaRPr lang="en-US" dirty="0"/>
           </a:p>
@@ -3191,7 +3239,7 @@
           <a:p>
             <a:fld id="{4509A250-FF31-4206-8172-F9D3106AACB1}" type="datetimeFigureOut">
               <a:rPr lang="en-US" dirty="0"/>
-              <a:t>3/1/2018</a:t>
+              <a:t>3/2/2018</a:t>
             </a:fld>
             <a:endParaRPr lang="en-US" dirty="0"/>
           </a:p>
@@ -3356,7 +3404,7 @@
           <a:p>
             <a:fld id="{4509A250-FF31-4206-8172-F9D3106AACB1}" type="datetimeFigureOut">
               <a:rPr lang="en-US" dirty="0"/>
-              <a:t>3/1/2018</a:t>
+              <a:t>3/2/2018</a:t>
             </a:fld>
             <a:endParaRPr lang="en-US" dirty="0"/>
           </a:p>
@@ -3598,7 +3646,7 @@
           <a:p>
             <a:fld id="{9796027F-7875-4030-9381-8BD8C4F21935}" type="datetimeFigureOut">
               <a:rPr lang="en-US" dirty="0"/>
-              <a:t>3/1/2018</a:t>
+              <a:t>3/2/2018</a:t>
             </a:fld>
             <a:endParaRPr lang="en-US" dirty="0"/>
           </a:p>
@@ -3885,7 +3933,7 @@
           <a:p>
             <a:fld id="{9796027F-7875-4030-9381-8BD8C4F21935}" type="datetimeFigureOut">
               <a:rPr lang="en-US" dirty="0"/>
-              <a:t>3/1/2018</a:t>
+              <a:t>3/2/2018</a:t>
             </a:fld>
             <a:endParaRPr lang="en-US" dirty="0"/>
           </a:p>
@@ -4324,7 +4372,7 @@
           <a:p>
             <a:fld id="{9796027F-7875-4030-9381-8BD8C4F21935}" type="datetimeFigureOut">
               <a:rPr lang="en-US" dirty="0"/>
-              <a:t>3/1/2018</a:t>
+              <a:t>3/2/2018</a:t>
             </a:fld>
             <a:endParaRPr lang="en-US" dirty="0"/>
           </a:p>
@@ -4437,7 +4485,7 @@
           <a:p>
             <a:fld id="{4509A250-FF31-4206-8172-F9D3106AACB1}" type="datetimeFigureOut">
               <a:rPr lang="en-US" dirty="0"/>
-              <a:t>3/1/2018</a:t>
+              <a:t>3/2/2018</a:t>
             </a:fld>
             <a:endParaRPr lang="en-US" dirty="0"/>
           </a:p>
@@ -4527,7 +4575,7 @@
           <a:p>
             <a:fld id="{4509A250-FF31-4206-8172-F9D3106AACB1}" type="datetimeFigureOut">
               <a:rPr lang="en-US" dirty="0"/>
-              <a:t>3/1/2018</a:t>
+              <a:t>3/2/2018</a:t>
             </a:fld>
             <a:endParaRPr lang="en-US" dirty="0"/>
           </a:p>
@@ -4801,7 +4849,7 @@
           <a:p>
             <a:fld id="{4509A250-FF31-4206-8172-F9D3106AACB1}" type="datetimeFigureOut">
               <a:rPr lang="en-US" dirty="0"/>
-              <a:t>3/1/2018</a:t>
+              <a:t>3/2/2018</a:t>
             </a:fld>
             <a:endParaRPr lang="en-US" dirty="0"/>
           </a:p>
@@ -5071,7 +5119,7 @@
           <a:p>
             <a:fld id="{4509A250-FF31-4206-8172-F9D3106AACB1}" type="datetimeFigureOut">
               <a:rPr lang="en-US" dirty="0"/>
-              <a:t>3/1/2018</a:t>
+              <a:t>3/2/2018</a:t>
             </a:fld>
             <a:endParaRPr lang="en-US" dirty="0"/>
           </a:p>
@@ -5495,7 +5543,7 @@
           <a:p>
             <a:fld id="{4AAD347D-5ACD-4C99-B74B-A9C85AD731AF}" type="datetimeFigureOut">
               <a:rPr lang="en-US" dirty="0"/>
-              <a:t>3/1/2018</a:t>
+              <a:t>3/2/2018</a:t>
             </a:fld>
             <a:endParaRPr lang="en-US" dirty="0"/>
           </a:p>
@@ -6062,11 +6110,7 @@
           <a:p>
             <a:r>
               <a:rPr lang="en-GB" dirty="0" smtClean="0"/>
-              <a:t>Week </a:t>
-            </a:r>
-            <a:r>
-              <a:rPr lang="en-GB" dirty="0" smtClean="0"/>
-              <a:t>2: VARIABLES, LOOPS, INPUTS, AND DECISIONS.</a:t>
+              <a:t>Week 2: VARIABLES, LOOPS, INPUTS, AND DECISIONS.</a:t>
             </a:r>
             <a:endParaRPr lang="en-GB" dirty="0"/>
           </a:p>
@@ -6126,7 +6170,7 @@
           <a:p>
             <a:r>
               <a:rPr lang="en-GB" dirty="0" smtClean="0"/>
-              <a:t>Working With Numbers</a:t>
+              <a:t>Getting User Input.</a:t>
             </a:r>
             <a:endParaRPr lang="en-GB" dirty="0"/>
           </a:p>
@@ -6142,20 +6186,21 @@
             <p:ph idx="1"/>
           </p:nvPr>
         </p:nvSpPr>
-        <p:spPr/>
-        <p:txBody>
-          <a:bodyPr/>
+        <p:spPr>
+          <a:xfrm>
+            <a:off x="1103312" y="2052918"/>
+            <a:ext cx="4457516" cy="4195481"/>
+          </a:xfrm>
+        </p:spPr>
+        <p:txBody>
+          <a:bodyPr>
+            <a:normAutofit lnSpcReduction="10000"/>
+          </a:bodyPr>
           <a:lstStyle/>
           <a:p>
             <a:r>
               <a:rPr lang="en-GB" dirty="0" smtClean="0"/>
-              <a:t>An integer is term from mathematics for a type of number.</a:t>
-            </a:r>
-          </a:p>
-          <a:p>
-            <a:r>
-              <a:rPr lang="en-GB" dirty="0" smtClean="0"/>
-              <a:t>An integer is a whole number, but can be either positive or negative.</a:t>
+              <a:t>You can use input() to get the user to type in a string when the program is run.</a:t>
             </a:r>
           </a:p>
           <a:p>
@@ -6163,73 +6208,132 @@
           </a:p>
           <a:p>
             <a:r>
-              <a:rPr lang="en-GB" dirty="0" smtClean="0"/>
-              <a:t>These are integers: 	</a:t>
-            </a:r>
-            <a:r>
-              <a:rPr lang="en-GB" b="1" dirty="0" smtClean="0">
-                <a:solidFill>
-                  <a:srgbClr val="92D050"/>
+              <a:rPr lang="en-GB" b="1" u="sng" dirty="0">
+                <a:solidFill>
+                  <a:srgbClr val="FFFF00"/>
                 </a:solidFill>
               </a:rPr>
-              <a:t>-9, -4, 0, 333, 123199414</a:t>
-            </a:r>
-            <a:endParaRPr lang="en-GB" b="1" dirty="0">
+              <a:t>TASK:</a:t>
+            </a:r>
+            <a:r>
+              <a:rPr lang="en-GB" b="1" dirty="0">
+                <a:solidFill>
+                  <a:srgbClr val="FFFF00"/>
+                </a:solidFill>
+              </a:rPr>
+              <a:t> </a:t>
+            </a:r>
+            <a:r>
+              <a:rPr lang="en-GB" dirty="0">
+                <a:solidFill>
+                  <a:srgbClr val="FFFF00"/>
+                </a:solidFill>
+              </a:rPr>
+              <a:t>What do you think the program on the right will do ?</a:t>
+            </a:r>
+          </a:p>
+          <a:p>
+            <a:r>
+              <a:rPr lang="en-GB" b="1" u="sng" dirty="0">
+                <a:solidFill>
+                  <a:srgbClr val="FFFF00"/>
+                </a:solidFill>
+              </a:rPr>
+              <a:t>TASK:</a:t>
+            </a:r>
+            <a:r>
+              <a:rPr lang="en-GB" dirty="0">
+                <a:solidFill>
+                  <a:srgbClr val="FFFF00"/>
+                </a:solidFill>
+              </a:rPr>
+              <a:t> Type it in, run it and see if you were correct</a:t>
+            </a:r>
+            <a:r>
+              <a:rPr lang="en-GB" dirty="0" smtClean="0">
+                <a:solidFill>
+                  <a:srgbClr val="FFFF00"/>
+                </a:solidFill>
+              </a:rPr>
+              <a:t>.</a:t>
+            </a:r>
+          </a:p>
+          <a:p>
+            <a:r>
+              <a:rPr lang="en-GB" dirty="0" smtClean="0">
+                <a:solidFill>
+                  <a:srgbClr val="FFFF00"/>
+                </a:solidFill>
+              </a:rPr>
+              <a:t>(Note: You will need to click on the window at the bottom and type something in to have it work).</a:t>
+            </a:r>
+            <a:endParaRPr lang="en-GB" dirty="0">
               <a:solidFill>
-                <a:srgbClr val="92D050"/>
+                <a:srgbClr val="FFFF00"/>
               </a:solidFill>
             </a:endParaRPr>
           </a:p>
-          <a:p>
-            <a:r>
-              <a:rPr lang="en-GB" dirty="0" smtClean="0"/>
-              <a:t>These are not: 		</a:t>
-            </a:r>
-            <a:r>
-              <a:rPr lang="en-GB" b="1" dirty="0" smtClean="0">
-                <a:solidFill>
-                  <a:schemeClr val="accent1">
-                    <a:lumMod val="40000"/>
-                    <a:lumOff val="60000"/>
-                  </a:schemeClr>
-                </a:solidFill>
+        </p:txBody>
+      </p:sp>
+      <p:sp>
+        <p:nvSpPr>
+          <p:cNvPr id="4" name="Rectangle 3"/>
+          <p:cNvSpPr/>
+          <p:nvPr/>
+        </p:nvSpPr>
+        <p:spPr>
+          <a:xfrm>
+            <a:off x="5706534" y="1853245"/>
+            <a:ext cx="6096000" cy="1200329"/>
+          </a:xfrm>
+          <a:prstGeom prst="rect">
+            <a:avLst/>
+          </a:prstGeom>
+        </p:spPr>
+        <p:txBody>
+          <a:bodyPr>
+            <a:spAutoFit/>
+          </a:bodyPr>
+          <a:lstStyle/>
+          <a:p>
+            <a:r>
+              <a:rPr lang="en-GB" dirty="0">
+                <a:latin typeface="Courier New" panose="02070309020205020404" pitchFamily="49" charset="0"/>
+                <a:cs typeface="Courier New" panose="02070309020205020404" pitchFamily="49" charset="0"/>
               </a:rPr>
-              <a:t>-0.5, 3.1415, 55.9</a:t>
-            </a:r>
-          </a:p>
-          <a:p>
-            <a:endParaRPr lang="en-GB" b="1" dirty="0">
-              <a:solidFill>
-                <a:schemeClr val="accent1">
-                  <a:lumMod val="40000"/>
-                  <a:lumOff val="60000"/>
-                </a:schemeClr>
-              </a:solidFill>
+              <a:t># Week2, Program4</a:t>
+            </a:r>
+          </a:p>
+          <a:p>
+            <a:endParaRPr lang="en-GB" dirty="0">
+              <a:latin typeface="Courier New" panose="02070309020205020404" pitchFamily="49" charset="0"/>
+              <a:cs typeface="Courier New" panose="02070309020205020404" pitchFamily="49" charset="0"/>
             </a:endParaRPr>
           </a:p>
           <a:p>
             <a:r>
-              <a:rPr lang="en-GB" dirty="0" smtClean="0"/>
-              <a:t>Python can deal with decimal numbers, but we will learn about this in a later week. For now, just integers !</a:t>
-            </a:r>
-            <a:endParaRPr lang="en-GB" dirty="0"/>
-          </a:p>
-          <a:p>
-            <a:endParaRPr lang="en-GB" b="1" dirty="0">
-              <a:solidFill>
-                <a:schemeClr val="accent1">
-                  <a:lumMod val="40000"/>
-                  <a:lumOff val="60000"/>
-                </a:schemeClr>
-              </a:solidFill>
-            </a:endParaRPr>
+              <a:rPr lang="en-GB" dirty="0">
+                <a:latin typeface="Courier New" panose="02070309020205020404" pitchFamily="49" charset="0"/>
+                <a:cs typeface="Courier New" panose="02070309020205020404" pitchFamily="49" charset="0"/>
+              </a:rPr>
+              <a:t>a = input("What is your name: ")</a:t>
+            </a:r>
+          </a:p>
+          <a:p>
+            <a:r>
+              <a:rPr lang="en-GB" dirty="0">
+                <a:latin typeface="Courier New" panose="02070309020205020404" pitchFamily="49" charset="0"/>
+                <a:cs typeface="Courier New" panose="02070309020205020404" pitchFamily="49" charset="0"/>
+              </a:rPr>
+              <a:t>print("Hello, " + a)</a:t>
+            </a:r>
           </a:p>
         </p:txBody>
       </p:sp>
     </p:spTree>
     <p:extLst>
       <p:ext uri="{BB962C8B-B14F-4D97-AF65-F5344CB8AC3E}">
-        <p14:creationId xmlns:p14="http://schemas.microsoft.com/office/powerpoint/2010/main" val="2914851393"/>
+        <p14:creationId xmlns:p14="http://schemas.microsoft.com/office/powerpoint/2010/main" val="2331575272"/>
       </p:ext>
     </p:extLst>
   </p:cSld>
@@ -6280,6 +6384,160 @@
           <a:p>
             <a:r>
               <a:rPr lang="en-GB" dirty="0" smtClean="0"/>
+              <a:t>Working With Numbers</a:t>
+            </a:r>
+            <a:endParaRPr lang="en-GB" dirty="0"/>
+          </a:p>
+        </p:txBody>
+      </p:sp>
+      <p:sp>
+        <p:nvSpPr>
+          <p:cNvPr id="3" name="Content Placeholder 2"/>
+          <p:cNvSpPr>
+            <a:spLocks noGrp="1"/>
+          </p:cNvSpPr>
+          <p:nvPr>
+            <p:ph idx="1"/>
+          </p:nvPr>
+        </p:nvSpPr>
+        <p:spPr/>
+        <p:txBody>
+          <a:bodyPr/>
+          <a:lstStyle/>
+          <a:p>
+            <a:r>
+              <a:rPr lang="en-GB" dirty="0" smtClean="0"/>
+              <a:t>An integer is term from mathematics for a type of number.</a:t>
+            </a:r>
+          </a:p>
+          <a:p>
+            <a:r>
+              <a:rPr lang="en-GB" dirty="0" smtClean="0"/>
+              <a:t>An integer is a whole number, but can be either positive or negative.</a:t>
+            </a:r>
+          </a:p>
+          <a:p>
+            <a:endParaRPr lang="en-GB" dirty="0"/>
+          </a:p>
+          <a:p>
+            <a:r>
+              <a:rPr lang="en-GB" dirty="0" smtClean="0"/>
+              <a:t>These are integers: 	</a:t>
+            </a:r>
+            <a:r>
+              <a:rPr lang="en-GB" b="1" dirty="0" smtClean="0">
+                <a:solidFill>
+                  <a:srgbClr val="92D050"/>
+                </a:solidFill>
+              </a:rPr>
+              <a:t>-9, -4, 0, 333, 123199414</a:t>
+            </a:r>
+            <a:endParaRPr lang="en-GB" b="1" dirty="0">
+              <a:solidFill>
+                <a:srgbClr val="92D050"/>
+              </a:solidFill>
+            </a:endParaRPr>
+          </a:p>
+          <a:p>
+            <a:r>
+              <a:rPr lang="en-GB" dirty="0" smtClean="0"/>
+              <a:t>These are not: 		</a:t>
+            </a:r>
+            <a:r>
+              <a:rPr lang="en-GB" b="1" dirty="0" smtClean="0">
+                <a:solidFill>
+                  <a:schemeClr val="accent1">
+                    <a:lumMod val="40000"/>
+                    <a:lumOff val="60000"/>
+                  </a:schemeClr>
+                </a:solidFill>
+              </a:rPr>
+              <a:t>-0.5, 3.1415, 55.9</a:t>
+            </a:r>
+          </a:p>
+          <a:p>
+            <a:endParaRPr lang="en-GB" b="1" dirty="0">
+              <a:solidFill>
+                <a:schemeClr val="accent1">
+                  <a:lumMod val="40000"/>
+                  <a:lumOff val="60000"/>
+                </a:schemeClr>
+              </a:solidFill>
+            </a:endParaRPr>
+          </a:p>
+          <a:p>
+            <a:r>
+              <a:rPr lang="en-GB" dirty="0" smtClean="0"/>
+              <a:t>Python can deal with decimal numbers, but we will learn about this in a later week. For now, just integers !</a:t>
+            </a:r>
+            <a:endParaRPr lang="en-GB" dirty="0"/>
+          </a:p>
+          <a:p>
+            <a:endParaRPr lang="en-GB" b="1" dirty="0">
+              <a:solidFill>
+                <a:schemeClr val="accent1">
+                  <a:lumMod val="40000"/>
+                  <a:lumOff val="60000"/>
+                </a:schemeClr>
+              </a:solidFill>
+            </a:endParaRPr>
+          </a:p>
+        </p:txBody>
+      </p:sp>
+    </p:spTree>
+    <p:extLst>
+      <p:ext uri="{BB962C8B-B14F-4D97-AF65-F5344CB8AC3E}">
+        <p14:creationId xmlns:p14="http://schemas.microsoft.com/office/powerpoint/2010/main" val="2914851393"/>
+      </p:ext>
+    </p:extLst>
+  </p:cSld>
+  <p:clrMapOvr>
+    <a:masterClrMapping/>
+  </p:clrMapOvr>
+  <p:timing>
+    <p:tnLst>
+      <p:par>
+        <p:cTn id="1" dur="indefinite" restart="never" nodeType="tmRoot"/>
+      </p:par>
+    </p:tnLst>
+  </p:timing>
+</p:sld>
+</file>
+
+<file path=ppt/slides/slide12.xml><?xml version="1.0" encoding="utf-8"?>
+<p:sld xmlns:a="http://schemas.openxmlformats.org/drawingml/2006/main" xmlns:r="http://schemas.openxmlformats.org/officeDocument/2006/relationships" xmlns:p="http://schemas.openxmlformats.org/presentationml/2006/main">
+  <p:cSld>
+    <p:spTree>
+      <p:nvGrpSpPr>
+        <p:cNvPr id="1" name=""/>
+        <p:cNvGrpSpPr/>
+        <p:nvPr/>
+      </p:nvGrpSpPr>
+      <p:grpSpPr>
+        <a:xfrm>
+          <a:off x="0" y="0"/>
+          <a:ext cx="0" cy="0"/>
+          <a:chOff x="0" y="0"/>
+          <a:chExt cx="0" cy="0"/>
+        </a:xfrm>
+      </p:grpSpPr>
+      <p:sp>
+        <p:nvSpPr>
+          <p:cNvPr id="2" name="Title 1"/>
+          <p:cNvSpPr>
+            <a:spLocks noGrp="1"/>
+          </p:cNvSpPr>
+          <p:nvPr>
+            <p:ph type="title"/>
+          </p:nvPr>
+        </p:nvSpPr>
+        <p:spPr/>
+        <p:txBody>
+          <a:bodyPr/>
+          <a:lstStyle/>
+          <a:p>
+            <a:r>
+              <a:rPr lang="en-GB" dirty="0" smtClean="0"/>
               <a:t>Assigning Numbers</a:t>
             </a:r>
             <a:endParaRPr lang="en-GB" dirty="0"/>
@@ -6468,7 +6726,7 @@
 </p:sld>
 </file>
 
-<file path=ppt/slides/slide12.xml><?xml version="1.0" encoding="utf-8"?>
+<file path=ppt/slides/slide13.xml><?xml version="1.0" encoding="utf-8"?>
 <p:sld xmlns:a="http://schemas.openxmlformats.org/drawingml/2006/main" xmlns:r="http://schemas.openxmlformats.org/officeDocument/2006/relationships" xmlns:p="http://schemas.openxmlformats.org/presentationml/2006/main">
   <p:cSld>
     <p:spTree>
@@ -7220,7 +7478,7 @@
 </p:sld>
 </file>
 
-<file path=ppt/slides/slide13.xml><?xml version="1.0" encoding="utf-8"?>
+<file path=ppt/slides/slide14.xml><?xml version="1.0" encoding="utf-8"?>
 <p:sld xmlns:a="http://schemas.openxmlformats.org/drawingml/2006/main" xmlns:r="http://schemas.openxmlformats.org/officeDocument/2006/relationships" xmlns:p="http://schemas.openxmlformats.org/presentationml/2006/main">
   <p:cSld>
     <p:spTree>
@@ -7653,7 +7911,7 @@
 </p:sld>
 </file>
 
-<file path=ppt/slides/slide14.xml><?xml version="1.0" encoding="utf-8"?>
+<file path=ppt/slides/slide15.xml><?xml version="1.0" encoding="utf-8"?>
 <p:sld xmlns:a="http://schemas.openxmlformats.org/drawingml/2006/main" xmlns:r="http://schemas.openxmlformats.org/officeDocument/2006/relationships" xmlns:p="http://schemas.openxmlformats.org/presentationml/2006/main">
   <p:cSld>
     <p:spTree>
@@ -8039,178 +8297,6 @@
 </p:sld>
 </file>
 
-<file path=ppt/slides/slide15.xml><?xml version="1.0" encoding="utf-8"?>
-<p:sld xmlns:a="http://schemas.openxmlformats.org/drawingml/2006/main" xmlns:r="http://schemas.openxmlformats.org/officeDocument/2006/relationships" xmlns:p="http://schemas.openxmlformats.org/presentationml/2006/main">
-  <p:cSld>
-    <p:spTree>
-      <p:nvGrpSpPr>
-        <p:cNvPr id="1" name=""/>
-        <p:cNvGrpSpPr/>
-        <p:nvPr/>
-      </p:nvGrpSpPr>
-      <p:grpSpPr>
-        <a:xfrm>
-          <a:off x="0" y="0"/>
-          <a:ext cx="0" cy="0"/>
-          <a:chOff x="0" y="0"/>
-          <a:chExt cx="0" cy="0"/>
-        </a:xfrm>
-      </p:grpSpPr>
-      <p:sp>
-        <p:nvSpPr>
-          <p:cNvPr id="2" name="Title 1"/>
-          <p:cNvSpPr>
-            <a:spLocks noGrp="1"/>
-          </p:cNvSpPr>
-          <p:nvPr>
-            <p:ph type="title"/>
-          </p:nvPr>
-        </p:nvSpPr>
-        <p:spPr/>
-        <p:txBody>
-          <a:bodyPr/>
-          <a:lstStyle/>
-          <a:p>
-            <a:r>
-              <a:rPr lang="en-GB" dirty="0" smtClean="0"/>
-              <a:t>Why the two equals ?</a:t>
-            </a:r>
-            <a:endParaRPr lang="en-GB" dirty="0"/>
-          </a:p>
-        </p:txBody>
-      </p:sp>
-      <p:sp>
-        <p:nvSpPr>
-          <p:cNvPr id="8" name="Content Placeholder 2"/>
-          <p:cNvSpPr>
-            <a:spLocks noGrp="1"/>
-          </p:cNvSpPr>
-          <p:nvPr>
-            <p:ph idx="1"/>
-          </p:nvPr>
-        </p:nvSpPr>
-        <p:spPr>
-          <a:xfrm>
-            <a:off x="1103312" y="2052918"/>
-            <a:ext cx="9274065" cy="4195481"/>
-          </a:xfrm>
-        </p:spPr>
-        <p:txBody>
-          <a:bodyPr/>
-          <a:lstStyle/>
-          <a:p>
-            <a:r>
-              <a:rPr lang="en-GB" dirty="0" smtClean="0"/>
-              <a:t>You will note the previous program uses single equals and double equals.</a:t>
-            </a:r>
-          </a:p>
-          <a:p>
-            <a:endParaRPr lang="en-GB" dirty="0"/>
-          </a:p>
-          <a:p>
-            <a:r>
-              <a:rPr lang="en-GB" dirty="0" smtClean="0"/>
-              <a:t>A single equals sign is used for assignment. It sets things.</a:t>
-            </a:r>
-          </a:p>
-          <a:p>
-            <a:r>
-              <a:rPr lang="en-GB" dirty="0" smtClean="0"/>
-              <a:t>This line </a:t>
-            </a:r>
-            <a:r>
-              <a:rPr lang="en-GB" b="1" u="sng" dirty="0" smtClean="0"/>
-              <a:t>assigns</a:t>
-            </a:r>
-            <a:r>
-              <a:rPr lang="en-GB" dirty="0" smtClean="0"/>
-              <a:t> a to be equal to 3.</a:t>
-            </a:r>
-          </a:p>
-          <a:p>
-            <a:pPr lvl="1"/>
-            <a:r>
-              <a:rPr lang="en-GB" dirty="0">
-                <a:latin typeface="Courier New" panose="02070309020205020404" pitchFamily="49" charset="0"/>
-                <a:cs typeface="Courier New" panose="02070309020205020404" pitchFamily="49" charset="0"/>
-              </a:rPr>
-              <a:t>a</a:t>
-            </a:r>
-            <a:r>
-              <a:rPr lang="en-GB" dirty="0" smtClean="0">
-                <a:latin typeface="Courier New" panose="02070309020205020404" pitchFamily="49" charset="0"/>
-                <a:cs typeface="Courier New" panose="02070309020205020404" pitchFamily="49" charset="0"/>
-              </a:rPr>
-              <a:t> = 3</a:t>
-            </a:r>
-          </a:p>
-          <a:p>
-            <a:pPr lvl="1"/>
-            <a:endParaRPr lang="en-GB" dirty="0"/>
-          </a:p>
-          <a:p>
-            <a:r>
-              <a:rPr lang="en-GB" dirty="0" smtClean="0"/>
-              <a:t>A double equals sign is used for comparison testing.</a:t>
-            </a:r>
-          </a:p>
-          <a:p>
-            <a:r>
-              <a:rPr lang="en-GB" dirty="0" smtClean="0"/>
-              <a:t>This line </a:t>
-            </a:r>
-            <a:r>
-              <a:rPr lang="en-GB" b="1" u="sng" dirty="0" smtClean="0"/>
-              <a:t>tests</a:t>
-            </a:r>
-            <a:r>
-              <a:rPr lang="en-GB" dirty="0" smtClean="0"/>
-              <a:t> if a is equal to 3.</a:t>
-            </a:r>
-          </a:p>
-          <a:p>
-            <a:pPr lvl="1"/>
-            <a:r>
-              <a:rPr lang="en-GB" dirty="0">
-                <a:latin typeface="Courier New" panose="02070309020205020404" pitchFamily="49" charset="0"/>
-                <a:cs typeface="Courier New" panose="02070309020205020404" pitchFamily="49" charset="0"/>
-              </a:rPr>
-              <a:t>i</a:t>
-            </a:r>
-            <a:r>
-              <a:rPr lang="en-GB" dirty="0" smtClean="0">
-                <a:latin typeface="Courier New" panose="02070309020205020404" pitchFamily="49" charset="0"/>
-                <a:cs typeface="Courier New" panose="02070309020205020404" pitchFamily="49" charset="0"/>
-              </a:rPr>
-              <a:t>f a == 3:</a:t>
-            </a:r>
-            <a:endParaRPr lang="en-GB" dirty="0">
-              <a:latin typeface="Courier New" panose="02070309020205020404" pitchFamily="49" charset="0"/>
-              <a:cs typeface="Courier New" panose="02070309020205020404" pitchFamily="49" charset="0"/>
-            </a:endParaRPr>
-          </a:p>
-        </p:txBody>
-      </p:sp>
-    </p:spTree>
-    <p:extLst>
-      <p:ext uri="{BB962C8B-B14F-4D97-AF65-F5344CB8AC3E}">
-        <p14:creationId xmlns:p14="http://schemas.microsoft.com/office/powerpoint/2010/main" val="1523782347"/>
-      </p:ext>
-    </p:extLst>
-  </p:cSld>
-  <p:clrMapOvr>
-    <a:masterClrMapping/>
-  </p:clrMapOvr>
-  <p:timing>
-    <p:tnLst>
-      <p:par>
-        <p:cTn id="1" dur="indefinite" restart="never" nodeType="tmRoot"/>
-      </p:par>
-    </p:tnLst>
-  </p:timing>
-</p:sld>
-</file>
-
 <file path=ppt/slides/slide16.xml><?xml version="1.0" encoding="utf-8"?>
 <p:sld xmlns:a="http://schemas.openxmlformats.org/drawingml/2006/main" xmlns:r="http://schemas.openxmlformats.org/officeDocument/2006/relationships" xmlns:p="http://schemas.openxmlformats.org/presentationml/2006/main">
   <p:cSld>
@@ -8245,7 +8331,7 @@
           <a:p>
             <a:r>
               <a:rPr lang="en-GB" dirty="0" smtClean="0"/>
-              <a:t>Other types of testing.</a:t>
+              <a:t>Why the two equals ?</a:t>
             </a:r>
             <a:endParaRPr lang="en-GB" dirty="0"/>
           </a:p>
@@ -8273,66 +8359,100 @@
           <a:p>
             <a:r>
               <a:rPr lang="en-GB" dirty="0" smtClean="0"/>
-              <a:t>As well as testing for equality with ==, we can do other tests involving numbers.</a:t>
-            </a:r>
-          </a:p>
-          <a:p>
+              <a:t>You will note the previous program uses single equals and double equals.</a:t>
+            </a:r>
+          </a:p>
+          <a:p>
+            <a:endParaRPr lang="en-GB" dirty="0"/>
+          </a:p>
+          <a:p>
+            <a:r>
+              <a:rPr lang="en-GB" dirty="0" smtClean="0"/>
+              <a:t>A single equals sign is used for assignment. It sets things.</a:t>
+            </a:r>
+          </a:p>
+          <a:p>
+            <a:r>
+              <a:rPr lang="en-GB" dirty="0" smtClean="0"/>
+              <a:t>This line </a:t>
+            </a:r>
+            <a:r>
+              <a:rPr lang="en-GB" b="1" u="sng" dirty="0" smtClean="0"/>
+              <a:t>assigns</a:t>
+            </a:r>
+            <a:r>
+              <a:rPr lang="en-GB" dirty="0" smtClean="0"/>
+              <a:t> a to be equal to 3.</a:t>
+            </a:r>
+          </a:p>
+          <a:p>
+            <a:pPr lvl="1"/>
+            <a:r>
+              <a:rPr lang="en-GB" dirty="0">
+                <a:latin typeface="Courier New" panose="02070309020205020404" pitchFamily="49" charset="0"/>
+                <a:cs typeface="Courier New" panose="02070309020205020404" pitchFamily="49" charset="0"/>
+              </a:rPr>
+              <a:t>a</a:t>
+            </a:r>
+            <a:r>
+              <a:rPr lang="en-GB" dirty="0" smtClean="0">
+                <a:latin typeface="Courier New" panose="02070309020205020404" pitchFamily="49" charset="0"/>
+                <a:cs typeface="Courier New" panose="02070309020205020404" pitchFamily="49" charset="0"/>
+              </a:rPr>
+              <a:t> = 3</a:t>
+            </a:r>
+          </a:p>
+          <a:p>
+            <a:pPr lvl="1"/>
+            <a:endParaRPr lang="en-GB" dirty="0"/>
+          </a:p>
+          <a:p>
+            <a:r>
+              <a:rPr lang="en-GB" dirty="0" smtClean="0"/>
+              <a:t>A double equals sign is used for comparison testing.</a:t>
+            </a:r>
+          </a:p>
+          <a:p>
+            <a:r>
+              <a:rPr lang="en-GB" dirty="0" smtClean="0"/>
+              <a:t>This line </a:t>
+            </a:r>
+            <a:r>
+              <a:rPr lang="en-GB" b="1" u="sng" dirty="0" smtClean="0"/>
+              <a:t>tests</a:t>
+            </a:r>
+            <a:r>
+              <a:rPr lang="en-GB" dirty="0" smtClean="0"/>
+              <a:t> if a is equal to 3.</a:t>
+            </a:r>
+          </a:p>
+          <a:p>
+            <a:pPr lvl="1"/>
+            <a:r>
+              <a:rPr lang="en-GB" dirty="0">
+                <a:latin typeface="Courier New" panose="02070309020205020404" pitchFamily="49" charset="0"/>
+                <a:cs typeface="Courier New" panose="02070309020205020404" pitchFamily="49" charset="0"/>
+              </a:rPr>
+              <a:t>i</a:t>
+            </a:r>
+            <a:r>
+              <a:rPr lang="en-GB" dirty="0" smtClean="0">
+                <a:latin typeface="Courier New" panose="02070309020205020404" pitchFamily="49" charset="0"/>
+                <a:cs typeface="Courier New" panose="02070309020205020404" pitchFamily="49" charset="0"/>
+              </a:rPr>
+              <a:t>f a == 3:</a:t>
+            </a:r>
             <a:endParaRPr lang="en-GB" dirty="0">
               <a:latin typeface="Courier New" panose="02070309020205020404" pitchFamily="49" charset="0"/>
               <a:cs typeface="Courier New" panose="02070309020205020404" pitchFamily="49" charset="0"/>
             </a:endParaRPr>
           </a:p>
-          <a:p>
-            <a:r>
-              <a:rPr lang="en-GB" dirty="0" smtClean="0">
-                <a:latin typeface="Courier New" panose="02070309020205020404" pitchFamily="49" charset="0"/>
-                <a:cs typeface="Courier New" panose="02070309020205020404" pitchFamily="49" charset="0"/>
-              </a:rPr>
-              <a:t>a &lt; b. </a:t>
-            </a:r>
-            <a:r>
-              <a:rPr lang="en-GB" dirty="0" smtClean="0">
-                <a:latin typeface="+mn-lt"/>
-                <a:cs typeface="Courier New" panose="02070309020205020404" pitchFamily="49" charset="0"/>
-              </a:rPr>
-              <a:t>Will be true if a is less than b.</a:t>
-            </a:r>
-          </a:p>
-          <a:p>
-            <a:r>
-              <a:rPr lang="en-GB" dirty="0" smtClean="0">
-                <a:latin typeface="Courier New" panose="02070309020205020404" pitchFamily="49" charset="0"/>
-                <a:cs typeface="Courier New" panose="02070309020205020404" pitchFamily="49" charset="0"/>
-              </a:rPr>
-              <a:t>a &gt; b. </a:t>
-            </a:r>
-            <a:r>
-              <a:rPr lang="en-GB" dirty="0" smtClean="0">
-                <a:latin typeface="+mn-lt"/>
-                <a:cs typeface="Courier New" panose="02070309020205020404" pitchFamily="49" charset="0"/>
-              </a:rPr>
-              <a:t>Will be true if a is greater than b.</a:t>
-            </a:r>
-          </a:p>
-          <a:p>
-            <a:r>
-              <a:rPr lang="en-GB" dirty="0" smtClean="0">
-                <a:latin typeface="+mn-lt"/>
-                <a:cs typeface="Courier New" panose="02070309020205020404" pitchFamily="49" charset="0"/>
-              </a:rPr>
-              <a:t>a &gt;= b </a:t>
-            </a:r>
-            <a:endParaRPr lang="en-GB" dirty="0">
-              <a:latin typeface="+mn-lt"/>
-              <a:cs typeface="Courier New" panose="02070309020205020404" pitchFamily="49" charset="0"/>
-            </a:endParaRPr>
-          </a:p>
         </p:txBody>
       </p:sp>
     </p:spTree>
     <p:extLst>
       <p:ext uri="{BB962C8B-B14F-4D97-AF65-F5344CB8AC3E}">
-        <p14:creationId xmlns:p14="http://schemas.microsoft.com/office/powerpoint/2010/main" val="237858201"/>
+        <p14:creationId xmlns:p14="http://schemas.microsoft.com/office/powerpoint/2010/main" val="1523782347"/>
       </p:ext>
     </p:extLst>
   </p:cSld>
@@ -8383,7 +8503,7 @@
           <a:p>
             <a:r>
               <a:rPr lang="en-GB" dirty="0" smtClean="0"/>
-              <a:t>Doing things more than once.</a:t>
+              <a:t>Why the indentation ?</a:t>
             </a:r>
             <a:endParaRPr lang="en-GB" dirty="0"/>
           </a:p>
@@ -8391,7 +8511,7 @@
       </p:sp>
       <p:sp>
         <p:nvSpPr>
-          <p:cNvPr id="8" name="Content Placeholder 2"/>
+          <p:cNvPr id="3" name="Content Placeholder 2"/>
           <p:cNvSpPr>
             <a:spLocks noGrp="1"/>
           </p:cNvSpPr>
@@ -8402,68 +8522,316 @@
         <p:spPr>
           <a:xfrm>
             <a:off x="1103312" y="2052918"/>
-            <a:ext cx="9274065" cy="4195481"/>
+            <a:ext cx="4789488" cy="4195481"/>
           </a:xfrm>
         </p:spPr>
         <p:txBody>
-          <a:bodyPr/>
+          <a:bodyPr>
+            <a:normAutofit fontScale="92500" lnSpcReduction="10000"/>
+          </a:bodyPr>
           <a:lstStyle/>
           <a:p>
             <a:r>
               <a:rPr lang="en-GB" dirty="0" smtClean="0"/>
-              <a:t>Programming has the concept of loops.</a:t>
-            </a:r>
-            <a:endParaRPr lang="en-GB" dirty="0" smtClean="0">
+              <a:t>See the new example program on the right.</a:t>
+            </a:r>
+            <a:endParaRPr lang="en-GB" dirty="0"/>
+          </a:p>
+          <a:p>
+            <a:r>
+              <a:rPr lang="en-GB" dirty="0" smtClean="0"/>
+              <a:t>Note the indentation (marked with the yellow lines).</a:t>
+            </a:r>
+          </a:p>
+          <a:p>
+            <a:endParaRPr lang="en-GB" dirty="0"/>
+          </a:p>
+          <a:p>
+            <a:r>
+              <a:rPr lang="en-GB" dirty="0" smtClean="0"/>
+              <a:t>This program checks if the name is "Dave" and then does all the indented things. You can have as many lines indented as you want.</a:t>
+            </a:r>
+          </a:p>
+          <a:p>
+            <a:endParaRPr lang="en-GB" dirty="0"/>
+          </a:p>
+          <a:p>
+            <a:r>
+              <a:rPr lang="en-GB" dirty="0" smtClean="0"/>
+              <a:t>Python uses these indentations to identify "blocks" of code to run together.</a:t>
+            </a:r>
+          </a:p>
+          <a:p>
+            <a:pPr marL="0" indent="0">
+              <a:buNone/>
+            </a:pPr>
+            <a:endParaRPr lang="en-GB" dirty="0" smtClean="0"/>
+          </a:p>
+          <a:p>
+            <a:endParaRPr lang="en-GB" dirty="0"/>
+          </a:p>
+        </p:txBody>
+      </p:sp>
+      <p:sp>
+        <p:nvSpPr>
+          <p:cNvPr id="4" name="Rectangle 3"/>
+          <p:cNvSpPr/>
+          <p:nvPr/>
+        </p:nvSpPr>
+        <p:spPr>
+          <a:xfrm>
+            <a:off x="6426200" y="2052918"/>
+            <a:ext cx="6096000" cy="2862322"/>
+          </a:xfrm>
+          <a:prstGeom prst="rect">
+            <a:avLst/>
+          </a:prstGeom>
+        </p:spPr>
+        <p:txBody>
+          <a:bodyPr>
+            <a:spAutoFit/>
+          </a:bodyPr>
+          <a:lstStyle/>
+          <a:p>
+            <a:r>
+              <a:rPr lang="en-GB" dirty="0">
+                <a:latin typeface="Courier New" panose="02070309020205020404" pitchFamily="49" charset="0"/>
+                <a:cs typeface="Courier New" panose="02070309020205020404" pitchFamily="49" charset="0"/>
+              </a:rPr>
+              <a:t># Week2, Program8</a:t>
+            </a:r>
+          </a:p>
+          <a:p>
+            <a:endParaRPr lang="en-GB" dirty="0">
               <a:latin typeface="Courier New" panose="02070309020205020404" pitchFamily="49" charset="0"/>
               <a:cs typeface="Courier New" panose="02070309020205020404" pitchFamily="49" charset="0"/>
             </a:endParaRPr>
           </a:p>
           <a:p>
             <a:r>
-              <a:rPr lang="en-GB" dirty="0" smtClean="0"/>
-              <a:t>Just like a car can go around a racing track in a loop, code can go around a loop, running over and over again.</a:t>
-            </a:r>
-          </a:p>
-          <a:p>
-            <a:r>
-              <a:rPr lang="en-GB" dirty="0" smtClean="0"/>
-              <a:t>You can change variables while going around the loop.</a:t>
-            </a:r>
-          </a:p>
-          <a:p>
-            <a:endParaRPr lang="en-GB" dirty="0"/>
-          </a:p>
-          <a:p>
-            <a:r>
-              <a:rPr lang="en-GB" dirty="0" smtClean="0"/>
-              <a:t>We will use this to recreate out counting to 10 program in a way that doesn't involve repeating ourselves.</a:t>
-            </a:r>
-          </a:p>
-          <a:p>
-            <a:endParaRPr lang="en-GB" dirty="0" smtClean="0"/>
-          </a:p>
-          <a:p>
-            <a:endParaRPr lang="en-GB" dirty="0" smtClean="0"/>
-          </a:p>
-        </p:txBody>
-      </p:sp>
+              <a:rPr lang="en-GB" dirty="0">
+                <a:latin typeface="Courier New" panose="02070309020205020404" pitchFamily="49" charset="0"/>
+                <a:cs typeface="Courier New" panose="02070309020205020404" pitchFamily="49" charset="0"/>
+              </a:rPr>
+              <a:t>name = input("What is your name ?: ")</a:t>
+            </a:r>
+          </a:p>
+          <a:p>
+            <a:endParaRPr lang="en-GB" dirty="0">
+              <a:latin typeface="Courier New" panose="02070309020205020404" pitchFamily="49" charset="0"/>
+              <a:cs typeface="Courier New" panose="02070309020205020404" pitchFamily="49" charset="0"/>
+            </a:endParaRPr>
+          </a:p>
+          <a:p>
+            <a:r>
+              <a:rPr lang="en-GB" dirty="0">
+                <a:latin typeface="Courier New" panose="02070309020205020404" pitchFamily="49" charset="0"/>
+                <a:cs typeface="Courier New" panose="02070309020205020404" pitchFamily="49" charset="0"/>
+              </a:rPr>
+              <a:t>if name == "Dave":</a:t>
+            </a:r>
+          </a:p>
+          <a:p>
+            <a:r>
+              <a:rPr lang="en-GB" dirty="0">
+                <a:latin typeface="Courier New" panose="02070309020205020404" pitchFamily="49" charset="0"/>
+                <a:cs typeface="Courier New" panose="02070309020205020404" pitchFamily="49" charset="0"/>
+              </a:rPr>
+              <a:t>    print("You are my creator, Dave !")</a:t>
+            </a:r>
+          </a:p>
+          <a:p>
+            <a:r>
+              <a:rPr lang="en-GB" dirty="0">
+                <a:latin typeface="Courier New" panose="02070309020205020404" pitchFamily="49" charset="0"/>
+                <a:cs typeface="Courier New" panose="02070309020205020404" pitchFamily="49" charset="0"/>
+              </a:rPr>
+              <a:t>    print("How are you today ?")</a:t>
+            </a:r>
+          </a:p>
+          <a:p>
+            <a:r>
+              <a:rPr lang="en-GB" dirty="0">
+                <a:latin typeface="Courier New" panose="02070309020205020404" pitchFamily="49" charset="0"/>
+                <a:cs typeface="Courier New" panose="02070309020205020404" pitchFamily="49" charset="0"/>
+              </a:rPr>
+              <a:t>else:</a:t>
+            </a:r>
+          </a:p>
+          <a:p>
+            <a:r>
+              <a:rPr lang="en-GB" dirty="0">
+                <a:latin typeface="Courier New" panose="02070309020205020404" pitchFamily="49" charset="0"/>
+                <a:cs typeface="Courier New" panose="02070309020205020404" pitchFamily="49" charset="0"/>
+              </a:rPr>
+              <a:t>    print("Hello " + name)</a:t>
+            </a:r>
+          </a:p>
+          <a:p>
+            <a:r>
+              <a:rPr lang="en-GB" dirty="0">
+                <a:latin typeface="Courier New" panose="02070309020205020404" pitchFamily="49" charset="0"/>
+                <a:cs typeface="Courier New" panose="02070309020205020404" pitchFamily="49" charset="0"/>
+              </a:rPr>
+              <a:t>    print("How are you today ?")</a:t>
+            </a:r>
+          </a:p>
+        </p:txBody>
+      </p:sp>
+      <p:cxnSp>
+        <p:nvCxnSpPr>
+          <p:cNvPr id="6" name="Straight Arrow Connector 5"/>
+          <p:cNvCxnSpPr/>
+          <p:nvPr/>
+        </p:nvCxnSpPr>
+        <p:spPr>
+          <a:xfrm>
+            <a:off x="6544733" y="3666067"/>
+            <a:ext cx="516467" cy="0"/>
+          </a:xfrm>
+          <a:prstGeom prst="straightConnector1">
+            <a:avLst/>
+          </a:prstGeom>
+          <a:ln w="25400">
+            <a:solidFill>
+              <a:srgbClr val="FFFF00"/>
+            </a:solidFill>
+            <a:tailEnd type="triangle"/>
+          </a:ln>
+        </p:spPr>
+        <p:style>
+          <a:lnRef idx="1">
+            <a:schemeClr val="accent1"/>
+          </a:lnRef>
+          <a:fillRef idx="0">
+            <a:schemeClr val="accent1"/>
+          </a:fillRef>
+          <a:effectRef idx="0">
+            <a:schemeClr val="accent1"/>
+          </a:effectRef>
+          <a:fontRef idx="minor">
+            <a:schemeClr val="tx1"/>
+          </a:fontRef>
+        </p:style>
+      </p:cxnSp>
+      <p:cxnSp>
+        <p:nvCxnSpPr>
+          <p:cNvPr id="7" name="Straight Arrow Connector 6"/>
+          <p:cNvCxnSpPr/>
+          <p:nvPr/>
+        </p:nvCxnSpPr>
+        <p:spPr>
+          <a:xfrm>
+            <a:off x="6544733" y="3920067"/>
+            <a:ext cx="516467" cy="0"/>
+          </a:xfrm>
+          <a:prstGeom prst="straightConnector1">
+            <a:avLst/>
+          </a:prstGeom>
+          <a:ln w="25400">
+            <a:solidFill>
+              <a:srgbClr val="FFFF00"/>
+            </a:solidFill>
+            <a:tailEnd type="triangle"/>
+          </a:ln>
+        </p:spPr>
+        <p:style>
+          <a:lnRef idx="1">
+            <a:schemeClr val="accent1"/>
+          </a:lnRef>
+          <a:fillRef idx="0">
+            <a:schemeClr val="accent1"/>
+          </a:fillRef>
+          <a:effectRef idx="0">
+            <a:schemeClr val="accent1"/>
+          </a:effectRef>
+          <a:fontRef idx="minor">
+            <a:schemeClr val="tx1"/>
+          </a:fontRef>
+        </p:style>
+      </p:cxnSp>
+      <p:cxnSp>
+        <p:nvCxnSpPr>
+          <p:cNvPr id="8" name="Straight Arrow Connector 7"/>
+          <p:cNvCxnSpPr/>
+          <p:nvPr/>
+        </p:nvCxnSpPr>
+        <p:spPr>
+          <a:xfrm>
+            <a:off x="6544733" y="4445000"/>
+            <a:ext cx="516467" cy="0"/>
+          </a:xfrm>
+          <a:prstGeom prst="straightConnector1">
+            <a:avLst/>
+          </a:prstGeom>
+          <a:ln w="25400">
+            <a:solidFill>
+              <a:srgbClr val="FFFF00"/>
+            </a:solidFill>
+            <a:tailEnd type="triangle"/>
+          </a:ln>
+        </p:spPr>
+        <p:style>
+          <a:lnRef idx="1">
+            <a:schemeClr val="accent1"/>
+          </a:lnRef>
+          <a:fillRef idx="0">
+            <a:schemeClr val="accent1"/>
+          </a:fillRef>
+          <a:effectRef idx="0">
+            <a:schemeClr val="accent1"/>
+          </a:effectRef>
+          <a:fontRef idx="minor">
+            <a:schemeClr val="tx1"/>
+          </a:fontRef>
+        </p:style>
+      </p:cxnSp>
+      <p:cxnSp>
+        <p:nvCxnSpPr>
+          <p:cNvPr id="9" name="Straight Arrow Connector 8"/>
+          <p:cNvCxnSpPr/>
+          <p:nvPr/>
+        </p:nvCxnSpPr>
+        <p:spPr>
+          <a:xfrm>
+            <a:off x="6544733" y="4715934"/>
+            <a:ext cx="516467" cy="0"/>
+          </a:xfrm>
+          <a:prstGeom prst="straightConnector1">
+            <a:avLst/>
+          </a:prstGeom>
+          <a:ln w="25400">
+            <a:solidFill>
+              <a:srgbClr val="FFFF00"/>
+            </a:solidFill>
+            <a:tailEnd type="triangle"/>
+          </a:ln>
+        </p:spPr>
+        <p:style>
+          <a:lnRef idx="1">
+            <a:schemeClr val="accent1"/>
+          </a:lnRef>
+          <a:fillRef idx="0">
+            <a:schemeClr val="accent1"/>
+          </a:fillRef>
+          <a:effectRef idx="0">
+            <a:schemeClr val="accent1"/>
+          </a:effectRef>
+          <a:fontRef idx="minor">
+            <a:schemeClr val="tx1"/>
+          </a:fontRef>
+        </p:style>
+      </p:cxnSp>
     </p:spTree>
     <p:extLst>
       <p:ext uri="{BB962C8B-B14F-4D97-AF65-F5344CB8AC3E}">
-        <p14:creationId xmlns:p14="http://schemas.microsoft.com/office/powerpoint/2010/main" val="566590178"/>
+        <p14:creationId xmlns:p14="http://schemas.microsoft.com/office/powerpoint/2010/main" val="1901101616"/>
       </p:ext>
     </p:extLst>
   </p:cSld>
   <p:clrMapOvr>
     <a:masterClrMapping/>
   </p:clrMapOvr>
-  <p:timing>
-    <p:tnLst>
-      <p:par>
-        <p:cTn id="1" dur="indefinite" restart="never" nodeType="tmRoot"/>
-      </p:par>
-    </p:tnLst>
-  </p:timing>
 </p:sld>
 </file>
 
@@ -8501,7 +8869,7 @@
           <a:p>
             <a:r>
               <a:rPr lang="en-GB" dirty="0" smtClean="0"/>
-              <a:t>Our first loop.</a:t>
+              <a:t>Other types of testing.</a:t>
             </a:r>
             <a:endParaRPr lang="en-GB" dirty="0"/>
           </a:p>
@@ -8509,7 +8877,7 @@
       </p:sp>
       <p:sp>
         <p:nvSpPr>
-          <p:cNvPr id="3" name="Content Placeholder 2"/>
+          <p:cNvPr id="8" name="Content Placeholder 2"/>
           <p:cNvSpPr>
             <a:spLocks noGrp="1"/>
           </p:cNvSpPr>
@@ -8519,8 +8887,8 @@
         </p:nvSpPr>
         <p:spPr>
           <a:xfrm>
-            <a:off x="646111" y="1853248"/>
-            <a:ext cx="5552670" cy="4604151"/>
+            <a:off x="1103312" y="2052918"/>
+            <a:ext cx="9274065" cy="4195481"/>
           </a:xfrm>
         </p:spPr>
         <p:txBody>
@@ -8528,170 +8896,185 @@
           <a:lstStyle/>
           <a:p>
             <a:r>
-              <a:rPr lang="en-GB" b="1" u="sng" dirty="0" smtClean="0">
-                <a:solidFill>
-                  <a:srgbClr val="FFFF00"/>
-                </a:solidFill>
-              </a:rPr>
-              <a:t>TASK</a:t>
-            </a:r>
-            <a:r>
-              <a:rPr lang="en-GB" b="1" u="sng" dirty="0">
-                <a:solidFill>
-                  <a:srgbClr val="FFFF00"/>
-                </a:solidFill>
-              </a:rPr>
-              <a:t>:</a:t>
-            </a:r>
-            <a:r>
-              <a:rPr lang="en-GB" b="1" dirty="0">
-                <a:solidFill>
-                  <a:srgbClr val="FFFF00"/>
-                </a:solidFill>
-              </a:rPr>
-              <a:t> </a:t>
-            </a:r>
-            <a:r>
-              <a:rPr lang="en-GB" dirty="0">
-                <a:solidFill>
-                  <a:srgbClr val="FFFF00"/>
-                </a:solidFill>
-              </a:rPr>
-              <a:t>What do you think the program on the right will do ?</a:t>
-            </a:r>
-          </a:p>
-          <a:p>
-            <a:r>
-              <a:rPr lang="en-GB" b="1" u="sng" dirty="0">
-                <a:solidFill>
-                  <a:srgbClr val="FFFF00"/>
-                </a:solidFill>
-              </a:rPr>
-              <a:t>TASK:</a:t>
-            </a:r>
-            <a:r>
-              <a:rPr lang="en-GB" dirty="0">
-                <a:solidFill>
-                  <a:srgbClr val="FFFF00"/>
-                </a:solidFill>
-              </a:rPr>
-              <a:t> Type it in, run it and see if you were correct.</a:t>
-            </a:r>
-            <a:endParaRPr lang="en-GB" dirty="0"/>
-          </a:p>
-          <a:p>
-            <a:endParaRPr lang="en-GB" dirty="0"/>
-          </a:p>
-        </p:txBody>
-      </p:sp>
-      <p:sp>
-        <p:nvSpPr>
-          <p:cNvPr id="4" name="Rectangle 3"/>
-          <p:cNvSpPr/>
-          <p:nvPr/>
-        </p:nvSpPr>
-        <p:spPr>
-          <a:xfrm>
-            <a:off x="6471684" y="1853248"/>
-            <a:ext cx="6096000" cy="2031325"/>
-          </a:xfrm>
-          <a:prstGeom prst="rect">
-            <a:avLst/>
-          </a:prstGeom>
-        </p:spPr>
-        <p:txBody>
-          <a:bodyPr>
-            <a:spAutoFit/>
-          </a:bodyPr>
-          <a:lstStyle/>
-          <a:p>
-            <a:r>
-              <a:rPr lang="en-GB" dirty="0">
-                <a:latin typeface="Courier New" panose="02070309020205020404" pitchFamily="49" charset="0"/>
-                <a:cs typeface="Courier New" panose="02070309020205020404" pitchFamily="49" charset="0"/>
-              </a:rPr>
-              <a:t># Week2, </a:t>
-            </a:r>
+              <a:rPr lang="en-GB" dirty="0" smtClean="0"/>
+              <a:t>As well as testing for equality with ==, we can do other tests involving numbers.</a:t>
+            </a:r>
+          </a:p>
+          <a:p>
+            <a:endParaRPr lang="en-GB" dirty="0">
+              <a:latin typeface="Courier New" panose="02070309020205020404" pitchFamily="49" charset="0"/>
+              <a:cs typeface="Courier New" panose="02070309020205020404" pitchFamily="49" charset="0"/>
+            </a:endParaRPr>
+          </a:p>
+          <a:p>
             <a:r>
               <a:rPr lang="en-GB" dirty="0" smtClean="0">
                 <a:latin typeface="Courier New" panose="02070309020205020404" pitchFamily="49" charset="0"/>
                 <a:cs typeface="Courier New" panose="02070309020205020404" pitchFamily="49" charset="0"/>
               </a:rPr>
-              <a:t>Program8</a:t>
-            </a:r>
-            <a:endParaRPr lang="en-GB" dirty="0">
-              <a:latin typeface="Courier New" panose="02070309020205020404" pitchFamily="49" charset="0"/>
-              <a:cs typeface="Courier New" panose="02070309020205020404" pitchFamily="49" charset="0"/>
-            </a:endParaRPr>
-          </a:p>
-          <a:p>
-            <a:endParaRPr lang="en-GB" dirty="0">
-              <a:latin typeface="Courier New" panose="02070309020205020404" pitchFamily="49" charset="0"/>
-              <a:cs typeface="Courier New" panose="02070309020205020404" pitchFamily="49" charset="0"/>
-            </a:endParaRPr>
-          </a:p>
-          <a:p>
-            <a:r>
-              <a:rPr lang="en-GB" dirty="0">
-                <a:latin typeface="Courier New" panose="02070309020205020404" pitchFamily="49" charset="0"/>
+              <a:t>a &lt; b. </a:t>
+            </a:r>
+            <a:r>
+              <a:rPr lang="en-GB" dirty="0" smtClean="0">
+                <a:latin typeface="+mn-lt"/>
                 <a:cs typeface="Courier New" panose="02070309020205020404" pitchFamily="49" charset="0"/>
               </a:rPr>
-              <a:t>c = 1</a:t>
-            </a:r>
-          </a:p>
-          <a:p>
-            <a:endParaRPr lang="en-GB" dirty="0">
-              <a:latin typeface="Courier New" panose="02070309020205020404" pitchFamily="49" charset="0"/>
-              <a:cs typeface="Courier New" panose="02070309020205020404" pitchFamily="49" charset="0"/>
-            </a:endParaRPr>
-          </a:p>
-          <a:p>
-            <a:r>
-              <a:rPr lang="en-GB" dirty="0">
-                <a:latin typeface="Courier New" panose="02070309020205020404" pitchFamily="49" charset="0"/>
-                <a:cs typeface="Courier New" panose="02070309020205020404" pitchFamily="49" charset="0"/>
-              </a:rPr>
-              <a:t>while c &lt;= 10:</a:t>
-            </a:r>
-          </a:p>
-          <a:p>
-            <a:r>
-              <a:rPr lang="en-GB" dirty="0">
-                <a:latin typeface="Courier New" panose="02070309020205020404" pitchFamily="49" charset="0"/>
-                <a:cs typeface="Courier New" panose="02070309020205020404" pitchFamily="49" charset="0"/>
-              </a:rPr>
-              <a:t>    print(c)</a:t>
-            </a:r>
-          </a:p>
-          <a:p>
-            <a:r>
-              <a:rPr lang="en-GB" dirty="0">
-                <a:latin typeface="Courier New" panose="02070309020205020404" pitchFamily="49" charset="0"/>
-                <a:cs typeface="Courier New" panose="02070309020205020404" pitchFamily="49" charset="0"/>
-              </a:rPr>
-              <a:t>    c </a:t>
-            </a:r>
+              <a:t>Will be true if a is less than b.</a:t>
+            </a:r>
+          </a:p>
+          <a:p>
             <a:r>
               <a:rPr lang="en-GB" dirty="0" smtClean="0">
                 <a:latin typeface="Courier New" panose="02070309020205020404" pitchFamily="49" charset="0"/>
                 <a:cs typeface="Courier New" panose="02070309020205020404" pitchFamily="49" charset="0"/>
               </a:rPr>
-              <a:t>= c + 1      </a:t>
-            </a:r>
-            <a:r>
-              <a:rPr lang="en-GB" dirty="0">
-                <a:latin typeface="Courier New" panose="02070309020205020404" pitchFamily="49" charset="0"/>
+              <a:t>a &gt; b. </a:t>
+            </a:r>
+            <a:r>
+              <a:rPr lang="en-GB" dirty="0" smtClean="0">
+                <a:latin typeface="+mn-lt"/>
                 <a:cs typeface="Courier New" panose="02070309020205020404" pitchFamily="49" charset="0"/>
               </a:rPr>
-              <a:t># Adds 1 to c</a:t>
-            </a:r>
+              <a:t>Will be true if a is greater than b.</a:t>
+            </a:r>
+          </a:p>
+          <a:p>
+            <a:r>
+              <a:rPr lang="en-GB" dirty="0" smtClean="0">
+                <a:latin typeface="+mn-lt"/>
+                <a:cs typeface="Courier New" panose="02070309020205020404" pitchFamily="49" charset="0"/>
+              </a:rPr>
+              <a:t>a &gt;= b </a:t>
+            </a:r>
+            <a:endParaRPr lang="en-GB" dirty="0">
+              <a:latin typeface="+mn-lt"/>
+              <a:cs typeface="Courier New" panose="02070309020205020404" pitchFamily="49" charset="0"/>
+            </a:endParaRPr>
           </a:p>
         </p:txBody>
       </p:sp>
     </p:spTree>
     <p:extLst>
       <p:ext uri="{BB962C8B-B14F-4D97-AF65-F5344CB8AC3E}">
-        <p14:creationId xmlns:p14="http://schemas.microsoft.com/office/powerpoint/2010/main" val="870808402"/>
+        <p14:creationId xmlns:p14="http://schemas.microsoft.com/office/powerpoint/2010/main" val="237858201"/>
+      </p:ext>
+    </p:extLst>
+  </p:cSld>
+  <p:clrMapOvr>
+    <a:masterClrMapping/>
+  </p:clrMapOvr>
+  <p:timing>
+    <p:tnLst>
+      <p:par>
+        <p:cTn id="1" dur="indefinite" restart="never" nodeType="tmRoot"/>
+      </p:par>
+    </p:tnLst>
+  </p:timing>
+</p:sld>
+</file>
+
+<file path=ppt/slides/slide19.xml><?xml version="1.0" encoding="utf-8"?>
+<p:sld xmlns:a="http://schemas.openxmlformats.org/drawingml/2006/main" xmlns:r="http://schemas.openxmlformats.org/officeDocument/2006/relationships" xmlns:p="http://schemas.openxmlformats.org/presentationml/2006/main">
+  <p:cSld>
+    <p:spTree>
+      <p:nvGrpSpPr>
+        <p:cNvPr id="1" name=""/>
+        <p:cNvGrpSpPr/>
+        <p:nvPr/>
+      </p:nvGrpSpPr>
+      <p:grpSpPr>
+        <a:xfrm>
+          <a:off x="0" y="0"/>
+          <a:ext cx="0" cy="0"/>
+          <a:chOff x="0" y="0"/>
+          <a:chExt cx="0" cy="0"/>
+        </a:xfrm>
+      </p:grpSpPr>
+      <p:sp>
+        <p:nvSpPr>
+          <p:cNvPr id="2" name="Title 1"/>
+          <p:cNvSpPr>
+            <a:spLocks noGrp="1"/>
+          </p:cNvSpPr>
+          <p:nvPr>
+            <p:ph type="title"/>
+          </p:nvPr>
+        </p:nvSpPr>
+        <p:spPr/>
+        <p:txBody>
+          <a:bodyPr/>
+          <a:lstStyle/>
+          <a:p>
+            <a:r>
+              <a:rPr lang="en-GB" dirty="0" smtClean="0"/>
+              <a:t>Doing things more than once.</a:t>
+            </a:r>
+            <a:endParaRPr lang="en-GB" dirty="0"/>
+          </a:p>
+        </p:txBody>
+      </p:sp>
+      <p:sp>
+        <p:nvSpPr>
+          <p:cNvPr id="8" name="Content Placeholder 2"/>
+          <p:cNvSpPr>
+            <a:spLocks noGrp="1"/>
+          </p:cNvSpPr>
+          <p:nvPr>
+            <p:ph idx="1"/>
+          </p:nvPr>
+        </p:nvSpPr>
+        <p:spPr>
+          <a:xfrm>
+            <a:off x="1103312" y="2052918"/>
+            <a:ext cx="9274065" cy="4195481"/>
+          </a:xfrm>
+        </p:spPr>
+        <p:txBody>
+          <a:bodyPr/>
+          <a:lstStyle/>
+          <a:p>
+            <a:r>
+              <a:rPr lang="en-GB" dirty="0" smtClean="0"/>
+              <a:t>Programming has the concept of loops.</a:t>
+            </a:r>
+            <a:endParaRPr lang="en-GB" dirty="0" smtClean="0">
+              <a:latin typeface="Courier New" panose="02070309020205020404" pitchFamily="49" charset="0"/>
+              <a:cs typeface="Courier New" panose="02070309020205020404" pitchFamily="49" charset="0"/>
+            </a:endParaRPr>
+          </a:p>
+          <a:p>
+            <a:r>
+              <a:rPr lang="en-GB" dirty="0" smtClean="0"/>
+              <a:t>Just like a car can go around a racing track in a loop, code can go around a loop, running over and over again.</a:t>
+            </a:r>
+          </a:p>
+          <a:p>
+            <a:r>
+              <a:rPr lang="en-GB" dirty="0" smtClean="0"/>
+              <a:t>You can change variables while going around the loop.</a:t>
+            </a:r>
+          </a:p>
+          <a:p>
+            <a:endParaRPr lang="en-GB" dirty="0"/>
+          </a:p>
+          <a:p>
+            <a:r>
+              <a:rPr lang="en-GB" dirty="0" smtClean="0"/>
+              <a:t>We will use this to recreate out counting to 10 program in a way that doesn't involve repeating ourselves.</a:t>
+            </a:r>
+          </a:p>
+          <a:p>
+            <a:endParaRPr lang="en-GB" dirty="0" smtClean="0"/>
+          </a:p>
+          <a:p>
+            <a:endParaRPr lang="en-GB" dirty="0" smtClean="0"/>
+          </a:p>
+        </p:txBody>
+      </p:sp>
+    </p:spTree>
+    <p:extLst>
+      <p:ext uri="{BB962C8B-B14F-4D97-AF65-F5344CB8AC3E}">
+        <p14:creationId xmlns:p14="http://schemas.microsoft.com/office/powerpoint/2010/main" val="566590178"/>
       </p:ext>
     </p:extLst>
   </p:cSld>
@@ -8859,7 +9242,7 @@
 </p:sld>
 </file>
 
-<file path=ppt/slides/slide3.xml><?xml version="1.0" encoding="utf-8"?>
+<file path=ppt/slides/slide20.xml><?xml version="1.0" encoding="utf-8"?>
 <p:sld xmlns:a="http://schemas.openxmlformats.org/drawingml/2006/main" xmlns:r="http://schemas.openxmlformats.org/officeDocument/2006/relationships" xmlns:p="http://schemas.openxmlformats.org/presentationml/2006/main">
   <p:cSld>
     <p:spTree>
@@ -8893,7 +9276,7 @@
           <a:p>
             <a:r>
               <a:rPr lang="en-GB" dirty="0" smtClean="0"/>
-              <a:t>Introduction to Variables.</a:t>
+              <a:t>Our first loop.</a:t>
             </a:r>
             <a:endParaRPr lang="en-GB" dirty="0"/>
           </a:p>
@@ -8911,97 +9294,587 @@
         </p:nvSpPr>
         <p:spPr>
           <a:xfrm>
-            <a:off x="976312" y="1853248"/>
-            <a:ext cx="4400021" cy="4195481"/>
+            <a:off x="646111" y="1455682"/>
+            <a:ext cx="5552670" cy="4604151"/>
           </a:xfrm>
         </p:spPr>
         <p:txBody>
           <a:bodyPr>
-            <a:normAutofit fontScale="92500" lnSpcReduction="20000"/>
+            <a:normAutofit/>
           </a:bodyPr>
           <a:lstStyle/>
           <a:p>
             <a:r>
+              <a:rPr lang="en-GB" dirty="0"/>
+              <a:t>This </a:t>
+            </a:r>
+            <a:r>
               <a:rPr lang="en-GB" dirty="0" smtClean="0"/>
-              <a:t>A variable in computer programming is :-</a:t>
-            </a:r>
-          </a:p>
-          <a:p>
-            <a:pPr lvl="1"/>
+              <a:t>program introduces two new concepts.</a:t>
+            </a:r>
+          </a:p>
+          <a:p>
             <a:r>
               <a:rPr lang="en-GB" dirty="0" smtClean="0"/>
-              <a:t>A label for a “thing”.</a:t>
-            </a:r>
-          </a:p>
-          <a:p>
-            <a:pPr lvl="1"/>
+              <a:t>It introduces the "while" statement. This runs the indented block of code over and over as long as the "while" condition is met.</a:t>
+            </a:r>
+          </a:p>
+          <a:p>
             <a:r>
               <a:rPr lang="en-GB" dirty="0" smtClean="0"/>
-              <a:t>Where that “thing” can change.</a:t>
-            </a:r>
-          </a:p>
-          <a:p>
-            <a:pPr lvl="1"/>
+              <a:t>It also introduces modifying an existing variable, rather than just setting it to something. </a:t>
+            </a:r>
             <a:endParaRPr lang="en-GB" dirty="0"/>
           </a:p>
           <a:p>
-            <a:r>
-              <a:rPr lang="en-GB" dirty="0" smtClean="0"/>
-              <a:t>You can define a variable by setting it to be equal to something.</a:t>
-            </a:r>
-          </a:p>
-          <a:p>
-            <a:endParaRPr lang="en-GB" dirty="0"/>
-          </a:p>
-          <a:p>
-            <a:r>
-              <a:rPr lang="en-GB" b="1" u="sng" dirty="0" smtClean="0">
-                <a:solidFill>
-                  <a:srgbClr val="FFFF00"/>
-                </a:solidFill>
-              </a:rPr>
-              <a:t>TASK:</a:t>
-            </a:r>
-            <a:r>
-              <a:rPr lang="en-GB" b="1" dirty="0" smtClean="0">
-                <a:solidFill>
-                  <a:srgbClr val="FFFF00"/>
-                </a:solidFill>
-              </a:rPr>
-              <a:t> </a:t>
-            </a:r>
-            <a:r>
-              <a:rPr lang="en-GB" dirty="0" smtClean="0">
-                <a:solidFill>
-                  <a:srgbClr val="FFFF00"/>
-                </a:solidFill>
-              </a:rPr>
-              <a:t>What do you think the program on the right will do ?</a:t>
-            </a:r>
-          </a:p>
-          <a:p>
-            <a:r>
-              <a:rPr lang="en-GB" b="1" u="sng" dirty="0" smtClean="0">
-                <a:solidFill>
-                  <a:srgbClr val="FFFF00"/>
-                </a:solidFill>
-              </a:rPr>
-              <a:t>TASK:</a:t>
-            </a:r>
-            <a:r>
-              <a:rPr lang="en-GB" dirty="0" smtClean="0">
-                <a:solidFill>
-                  <a:srgbClr val="FFFF00"/>
-                </a:solidFill>
-              </a:rPr>
-              <a:t> Type it in, run it and see if you were correct.</a:t>
-            </a:r>
-            <a:endParaRPr lang="en-GB" dirty="0" smtClean="0">
+            <a:endParaRPr lang="en-GB" b="1" u="sng" dirty="0">
               <a:solidFill>
                 <a:srgbClr val="FFFF00"/>
               </a:solidFill>
             </a:endParaRPr>
           </a:p>
+          <a:p>
+            <a:endParaRPr lang="en-GB" dirty="0"/>
+          </a:p>
+        </p:txBody>
+      </p:sp>
+      <p:sp>
+        <p:nvSpPr>
+          <p:cNvPr id="4" name="Rectangle 3"/>
+          <p:cNvSpPr/>
+          <p:nvPr/>
+        </p:nvSpPr>
+        <p:spPr>
+          <a:xfrm>
+            <a:off x="6198781" y="1460252"/>
+            <a:ext cx="6096000" cy="2031325"/>
+          </a:xfrm>
+          <a:prstGeom prst="rect">
+            <a:avLst/>
+          </a:prstGeom>
+        </p:spPr>
+        <p:txBody>
+          <a:bodyPr>
+            <a:spAutoFit/>
+          </a:bodyPr>
+          <a:lstStyle/>
+          <a:p>
+            <a:r>
+              <a:rPr lang="en-GB" dirty="0">
+                <a:latin typeface="Courier New" panose="02070309020205020404" pitchFamily="49" charset="0"/>
+                <a:cs typeface="Courier New" panose="02070309020205020404" pitchFamily="49" charset="0"/>
+              </a:rPr>
+              <a:t># Week2, </a:t>
+            </a:r>
+            <a:r>
+              <a:rPr lang="en-GB" dirty="0" smtClean="0">
+                <a:latin typeface="Courier New" panose="02070309020205020404" pitchFamily="49" charset="0"/>
+                <a:cs typeface="Courier New" panose="02070309020205020404" pitchFamily="49" charset="0"/>
+              </a:rPr>
+              <a:t>Program9</a:t>
+            </a:r>
+            <a:endParaRPr lang="en-GB" dirty="0">
+              <a:latin typeface="Courier New" panose="02070309020205020404" pitchFamily="49" charset="0"/>
+              <a:cs typeface="Courier New" panose="02070309020205020404" pitchFamily="49" charset="0"/>
+            </a:endParaRPr>
+          </a:p>
+          <a:p>
+            <a:endParaRPr lang="en-GB" dirty="0">
+              <a:latin typeface="Courier New" panose="02070309020205020404" pitchFamily="49" charset="0"/>
+              <a:cs typeface="Courier New" panose="02070309020205020404" pitchFamily="49" charset="0"/>
+            </a:endParaRPr>
+          </a:p>
+          <a:p>
+            <a:r>
+              <a:rPr lang="en-GB" dirty="0">
+                <a:latin typeface="Courier New" panose="02070309020205020404" pitchFamily="49" charset="0"/>
+                <a:cs typeface="Courier New" panose="02070309020205020404" pitchFamily="49" charset="0"/>
+              </a:rPr>
+              <a:t>c = 1</a:t>
+            </a:r>
+          </a:p>
+          <a:p>
+            <a:endParaRPr lang="en-GB" dirty="0">
+              <a:latin typeface="Courier New" panose="02070309020205020404" pitchFamily="49" charset="0"/>
+              <a:cs typeface="Courier New" panose="02070309020205020404" pitchFamily="49" charset="0"/>
+            </a:endParaRPr>
+          </a:p>
+          <a:p>
+            <a:r>
+              <a:rPr lang="en-GB" dirty="0">
+                <a:latin typeface="Courier New" panose="02070309020205020404" pitchFamily="49" charset="0"/>
+                <a:cs typeface="Courier New" panose="02070309020205020404" pitchFamily="49" charset="0"/>
+              </a:rPr>
+              <a:t>while c &lt;= 10:</a:t>
+            </a:r>
+          </a:p>
+          <a:p>
+            <a:r>
+              <a:rPr lang="en-GB" dirty="0">
+                <a:latin typeface="Courier New" panose="02070309020205020404" pitchFamily="49" charset="0"/>
+                <a:cs typeface="Courier New" panose="02070309020205020404" pitchFamily="49" charset="0"/>
+              </a:rPr>
+              <a:t>    print(c)</a:t>
+            </a:r>
+          </a:p>
+          <a:p>
+            <a:r>
+              <a:rPr lang="en-GB" dirty="0">
+                <a:latin typeface="Courier New" panose="02070309020205020404" pitchFamily="49" charset="0"/>
+                <a:cs typeface="Courier New" panose="02070309020205020404" pitchFamily="49" charset="0"/>
+              </a:rPr>
+              <a:t>    c </a:t>
+            </a:r>
+            <a:r>
+              <a:rPr lang="en-GB" dirty="0" smtClean="0">
+                <a:latin typeface="Courier New" panose="02070309020205020404" pitchFamily="49" charset="0"/>
+                <a:cs typeface="Courier New" panose="02070309020205020404" pitchFamily="49" charset="0"/>
+              </a:rPr>
+              <a:t>= c + 1      </a:t>
+            </a:r>
+            <a:r>
+              <a:rPr lang="en-GB" dirty="0">
+                <a:latin typeface="Courier New" panose="02070309020205020404" pitchFamily="49" charset="0"/>
+                <a:cs typeface="Courier New" panose="02070309020205020404" pitchFamily="49" charset="0"/>
+              </a:rPr>
+              <a:t># Adds 1 to c</a:t>
+            </a:r>
+          </a:p>
+        </p:txBody>
+      </p:sp>
+      <p:sp>
+        <p:nvSpPr>
+          <p:cNvPr id="5" name="Rectangle 4"/>
+          <p:cNvSpPr/>
+          <p:nvPr/>
+        </p:nvSpPr>
+        <p:spPr>
+          <a:xfrm>
+            <a:off x="1030356" y="5136503"/>
+            <a:ext cx="6096000" cy="923330"/>
+          </a:xfrm>
+          <a:prstGeom prst="rect">
+            <a:avLst/>
+          </a:prstGeom>
+        </p:spPr>
+        <p:txBody>
+          <a:bodyPr>
+            <a:spAutoFit/>
+          </a:bodyPr>
+          <a:lstStyle/>
+          <a:p>
+            <a:r>
+              <a:rPr lang="en-GB" b="1" u="sng" dirty="0">
+                <a:solidFill>
+                  <a:srgbClr val="FFFF00"/>
+                </a:solidFill>
+              </a:rPr>
+              <a:t>TASK:</a:t>
+            </a:r>
+            <a:r>
+              <a:rPr lang="en-GB" b="1" dirty="0">
+                <a:solidFill>
+                  <a:srgbClr val="FFFF00"/>
+                </a:solidFill>
+              </a:rPr>
+              <a:t> </a:t>
+            </a:r>
+            <a:r>
+              <a:rPr lang="en-GB" dirty="0">
+                <a:solidFill>
+                  <a:srgbClr val="FFFF00"/>
+                </a:solidFill>
+              </a:rPr>
+              <a:t>What do you think the program on the right will do ?</a:t>
+            </a:r>
+          </a:p>
+          <a:p>
+            <a:r>
+              <a:rPr lang="en-GB" b="1" u="sng" dirty="0">
+                <a:solidFill>
+                  <a:srgbClr val="FFFF00"/>
+                </a:solidFill>
+              </a:rPr>
+              <a:t>TASK:</a:t>
+            </a:r>
+            <a:r>
+              <a:rPr lang="en-GB" dirty="0">
+                <a:solidFill>
+                  <a:srgbClr val="FFFF00"/>
+                </a:solidFill>
+              </a:rPr>
+              <a:t> Type it in, run it and see if you were correct.</a:t>
+            </a:r>
+            <a:endParaRPr lang="en-GB" dirty="0"/>
+          </a:p>
+        </p:txBody>
+      </p:sp>
+    </p:spTree>
+    <p:extLst>
+      <p:ext uri="{BB962C8B-B14F-4D97-AF65-F5344CB8AC3E}">
+        <p14:creationId xmlns:p14="http://schemas.microsoft.com/office/powerpoint/2010/main" val="870808402"/>
+      </p:ext>
+    </p:extLst>
+  </p:cSld>
+  <p:clrMapOvr>
+    <a:masterClrMapping/>
+  </p:clrMapOvr>
+  <p:timing>
+    <p:tnLst>
+      <p:par>
+        <p:cTn id="1" dur="indefinite" restart="never" nodeType="tmRoot"/>
+      </p:par>
+    </p:tnLst>
+  </p:timing>
+</p:sld>
+</file>
+
+<file path=ppt/slides/slide21.xml><?xml version="1.0" encoding="utf-8"?>
+<p:sld xmlns:a="http://schemas.openxmlformats.org/drawingml/2006/main" xmlns:r="http://schemas.openxmlformats.org/officeDocument/2006/relationships" xmlns:p="http://schemas.openxmlformats.org/presentationml/2006/main">
+  <p:cSld>
+    <p:spTree>
+      <p:nvGrpSpPr>
+        <p:cNvPr id="1" name=""/>
+        <p:cNvGrpSpPr/>
+        <p:nvPr/>
+      </p:nvGrpSpPr>
+      <p:grpSpPr>
+        <a:xfrm>
+          <a:off x="0" y="0"/>
+          <a:ext cx="0" cy="0"/>
+          <a:chOff x="0" y="0"/>
+          <a:chExt cx="0" cy="0"/>
+        </a:xfrm>
+      </p:grpSpPr>
+      <p:sp>
+        <p:nvSpPr>
+          <p:cNvPr id="2" name="Title 1"/>
+          <p:cNvSpPr>
+            <a:spLocks noGrp="1"/>
+          </p:cNvSpPr>
+          <p:nvPr>
+            <p:ph type="title"/>
+          </p:nvPr>
+        </p:nvSpPr>
+        <p:spPr/>
+        <p:txBody>
+          <a:bodyPr/>
+          <a:lstStyle/>
+          <a:p>
+            <a:r>
+              <a:rPr lang="en-GB" dirty="0" smtClean="0"/>
+              <a:t>Homework Time </a:t>
+            </a:r>
+            <a:r>
+              <a:rPr lang="en-GB" dirty="0" smtClean="0">
+                <a:sym typeface="Wingdings" panose="05000000000000000000" pitchFamily="2" charset="2"/>
+              </a:rPr>
+              <a:t>(Program 10).</a:t>
+            </a:r>
+            <a:endParaRPr lang="en-GB" dirty="0"/>
+          </a:p>
+        </p:txBody>
+      </p:sp>
+      <p:sp>
+        <p:nvSpPr>
+          <p:cNvPr id="3" name="Content Placeholder 2"/>
+          <p:cNvSpPr>
+            <a:spLocks noGrp="1"/>
+          </p:cNvSpPr>
+          <p:nvPr>
+            <p:ph idx="1"/>
+          </p:nvPr>
+        </p:nvSpPr>
+        <p:spPr>
+          <a:xfrm>
+            <a:off x="646111" y="2027583"/>
+            <a:ext cx="10634802" cy="4032250"/>
+          </a:xfrm>
+        </p:spPr>
+        <p:txBody>
+          <a:bodyPr>
+            <a:normAutofit/>
+          </a:bodyPr>
+          <a:lstStyle/>
+          <a:p>
+            <a:r>
+              <a:rPr lang="en-GB" dirty="0" smtClean="0"/>
+              <a:t>Week2, Program 10.</a:t>
+            </a:r>
+          </a:p>
+          <a:p>
+            <a:pPr lvl="1"/>
+            <a:r>
+              <a:rPr lang="en-GB" dirty="0" smtClean="0"/>
+              <a:t>Write a program that asks for the users first name, and then the users surname.</a:t>
+            </a:r>
+          </a:p>
+          <a:p>
+            <a:pPr lvl="1"/>
+            <a:r>
+              <a:rPr lang="en-GB" dirty="0" smtClean="0"/>
+              <a:t>If the users first name is the same as your first name, say "heh, you share my first name !"</a:t>
+            </a:r>
+          </a:p>
+          <a:p>
+            <a:pPr lvl="1"/>
+            <a:r>
+              <a:rPr lang="en-GB" dirty="0" smtClean="0"/>
+              <a:t>If the users surname is the same as your surname, say "heh, you share my surname !"</a:t>
+            </a:r>
+            <a:endParaRPr lang="en-GB" dirty="0"/>
+          </a:p>
+          <a:p>
+            <a:endParaRPr lang="en-GB" b="1" u="sng" dirty="0">
+              <a:solidFill>
+                <a:srgbClr val="FFFF00"/>
+              </a:solidFill>
+            </a:endParaRPr>
+          </a:p>
+          <a:p>
+            <a:endParaRPr lang="en-GB" dirty="0"/>
+          </a:p>
+        </p:txBody>
+      </p:sp>
+    </p:spTree>
+    <p:extLst>
+      <p:ext uri="{BB962C8B-B14F-4D97-AF65-F5344CB8AC3E}">
+        <p14:creationId xmlns:p14="http://schemas.microsoft.com/office/powerpoint/2010/main" val="1267538495"/>
+      </p:ext>
+    </p:extLst>
+  </p:cSld>
+  <p:clrMapOvr>
+    <a:masterClrMapping/>
+  </p:clrMapOvr>
+  <p:timing>
+    <p:tnLst>
+      <p:par>
+        <p:cTn id="1" dur="indefinite" restart="never" nodeType="tmRoot"/>
+      </p:par>
+    </p:tnLst>
+  </p:timing>
+</p:sld>
+</file>
+
+<file path=ppt/slides/slide22.xml><?xml version="1.0" encoding="utf-8"?>
+<p:sld xmlns:a="http://schemas.openxmlformats.org/drawingml/2006/main" xmlns:r="http://schemas.openxmlformats.org/officeDocument/2006/relationships" xmlns:p="http://schemas.openxmlformats.org/presentationml/2006/main">
+  <p:cSld>
+    <p:spTree>
+      <p:nvGrpSpPr>
+        <p:cNvPr id="1" name=""/>
+        <p:cNvGrpSpPr/>
+        <p:nvPr/>
+      </p:nvGrpSpPr>
+      <p:grpSpPr>
+        <a:xfrm>
+          <a:off x="0" y="0"/>
+          <a:ext cx="0" cy="0"/>
+          <a:chOff x="0" y="0"/>
+          <a:chExt cx="0" cy="0"/>
+        </a:xfrm>
+      </p:grpSpPr>
+      <p:sp>
+        <p:nvSpPr>
+          <p:cNvPr id="2" name="Title 1"/>
+          <p:cNvSpPr>
+            <a:spLocks noGrp="1"/>
+          </p:cNvSpPr>
+          <p:nvPr>
+            <p:ph type="title"/>
+          </p:nvPr>
+        </p:nvSpPr>
+        <p:spPr/>
+        <p:txBody>
+          <a:bodyPr/>
+          <a:lstStyle/>
+          <a:p>
+            <a:r>
+              <a:rPr lang="en-GB" dirty="0" smtClean="0"/>
+              <a:t>Homework (Program 11 and 12).</a:t>
+            </a:r>
+            <a:endParaRPr lang="en-GB" dirty="0"/>
+          </a:p>
+        </p:txBody>
+      </p:sp>
+      <p:sp>
+        <p:nvSpPr>
+          <p:cNvPr id="3" name="Content Placeholder 2"/>
+          <p:cNvSpPr>
+            <a:spLocks noGrp="1"/>
+          </p:cNvSpPr>
+          <p:nvPr>
+            <p:ph idx="1"/>
+          </p:nvPr>
+        </p:nvSpPr>
+        <p:spPr>
+          <a:xfrm>
+            <a:off x="646111" y="2027583"/>
+            <a:ext cx="10634802" cy="4032250"/>
+          </a:xfrm>
+        </p:spPr>
+        <p:txBody>
+          <a:bodyPr>
+            <a:normAutofit/>
+          </a:bodyPr>
+          <a:lstStyle/>
+          <a:p>
+            <a:r>
+              <a:rPr lang="en-GB" dirty="0" smtClean="0"/>
+              <a:t>Week2, Program 11.</a:t>
+            </a:r>
+          </a:p>
+          <a:p>
+            <a:pPr lvl="1"/>
+            <a:r>
+              <a:rPr lang="en-GB" dirty="0" smtClean="0"/>
+              <a:t>Write a program that prints all the even numbers from 2 to 100.</a:t>
+            </a:r>
+          </a:p>
+          <a:p>
+            <a:pPr lvl="1"/>
+            <a:endParaRPr lang="en-GB" dirty="0"/>
+          </a:p>
+          <a:p>
+            <a:r>
+              <a:rPr lang="en-GB" dirty="0" smtClean="0"/>
+              <a:t>Week2, Program 12.</a:t>
+            </a:r>
+          </a:p>
+          <a:p>
+            <a:pPr lvl="1"/>
+            <a:r>
+              <a:rPr lang="en-GB" dirty="0" smtClean="0"/>
+              <a:t>Based on the program above, write a program that prints all the even numbers from 2 to 100 in reverse order (so 100, 98, 96 …).</a:t>
+            </a:r>
+            <a:endParaRPr lang="en-GB" dirty="0"/>
+          </a:p>
+          <a:p>
+            <a:endParaRPr lang="en-GB" b="1" u="sng" dirty="0">
+              <a:solidFill>
+                <a:srgbClr val="FFFF00"/>
+              </a:solidFill>
+            </a:endParaRPr>
+          </a:p>
+          <a:p>
+            <a:endParaRPr lang="en-GB" dirty="0"/>
+          </a:p>
+        </p:txBody>
+      </p:sp>
+    </p:spTree>
+    <p:extLst>
+      <p:ext uri="{BB962C8B-B14F-4D97-AF65-F5344CB8AC3E}">
+        <p14:creationId xmlns:p14="http://schemas.microsoft.com/office/powerpoint/2010/main" val="1376916041"/>
+      </p:ext>
+    </p:extLst>
+  </p:cSld>
+  <p:clrMapOvr>
+    <a:masterClrMapping/>
+  </p:clrMapOvr>
+  <p:timing>
+    <p:tnLst>
+      <p:par>
+        <p:cTn id="1" dur="indefinite" restart="never" nodeType="tmRoot"/>
+      </p:par>
+    </p:tnLst>
+  </p:timing>
+</p:sld>
+</file>
+
+<file path=ppt/slides/slide23.xml><?xml version="1.0" encoding="utf-8"?>
+<p:sld xmlns:a="http://schemas.openxmlformats.org/drawingml/2006/main" xmlns:r="http://schemas.openxmlformats.org/officeDocument/2006/relationships" xmlns:p="http://schemas.openxmlformats.org/presentationml/2006/main">
+  <p:cSld>
+    <p:spTree>
+      <p:nvGrpSpPr>
+        <p:cNvPr id="1" name=""/>
+        <p:cNvGrpSpPr/>
+        <p:nvPr/>
+      </p:nvGrpSpPr>
+      <p:grpSpPr>
+        <a:xfrm>
+          <a:off x="0" y="0"/>
+          <a:ext cx="0" cy="0"/>
+          <a:chOff x="0" y="0"/>
+          <a:chExt cx="0" cy="0"/>
+        </a:xfrm>
+      </p:grpSpPr>
+      <p:sp>
+        <p:nvSpPr>
+          <p:cNvPr id="2" name="Title 1"/>
+          <p:cNvSpPr>
+            <a:spLocks noGrp="1"/>
+          </p:cNvSpPr>
+          <p:nvPr>
+            <p:ph type="title"/>
+          </p:nvPr>
+        </p:nvSpPr>
+        <p:spPr/>
+        <p:txBody>
+          <a:bodyPr/>
+          <a:lstStyle/>
+          <a:p>
+            <a:r>
+              <a:rPr lang="en-GB" dirty="0" smtClean="0"/>
+              <a:t>Homework (Program 13).</a:t>
+            </a:r>
+            <a:endParaRPr lang="en-GB" dirty="0"/>
+          </a:p>
+        </p:txBody>
+      </p:sp>
+      <p:sp>
+        <p:nvSpPr>
+          <p:cNvPr id="3" name="Content Placeholder 2"/>
+          <p:cNvSpPr>
+            <a:spLocks noGrp="1"/>
+          </p:cNvSpPr>
+          <p:nvPr>
+            <p:ph idx="1"/>
+          </p:nvPr>
+        </p:nvSpPr>
+        <p:spPr>
+          <a:xfrm>
+            <a:off x="646111" y="2027583"/>
+            <a:ext cx="4422846" cy="4032250"/>
+          </a:xfrm>
+        </p:spPr>
+        <p:txBody>
+          <a:bodyPr>
+            <a:normAutofit/>
+          </a:bodyPr>
+          <a:lstStyle/>
+          <a:p>
+            <a:r>
+              <a:rPr lang="en-GB" dirty="0" smtClean="0"/>
+              <a:t>Week2, Program 13.</a:t>
+            </a:r>
+          </a:p>
+          <a:p>
+            <a:endParaRPr lang="en-GB" b="1" u="sng" dirty="0">
+              <a:solidFill>
+                <a:srgbClr val="FFFF00"/>
+              </a:solidFill>
+            </a:endParaRPr>
+          </a:p>
+          <a:p>
+            <a:r>
+              <a:rPr lang="en-GB" dirty="0" smtClean="0"/>
+              <a:t>Write a program that will print the multiples of 6, from 6 to 60.</a:t>
+            </a:r>
+          </a:p>
+          <a:p>
+            <a:pPr marL="0" indent="0">
+              <a:buNone/>
+            </a:pPr>
+            <a:endParaRPr lang="en-GB" dirty="0" smtClean="0"/>
+          </a:p>
+          <a:p>
+            <a:r>
+              <a:rPr lang="en-GB" dirty="0"/>
+              <a:t>It should have output like :-</a:t>
+            </a:r>
+          </a:p>
+          <a:p>
+            <a:endParaRPr lang="en-GB" dirty="0"/>
+          </a:p>
         </p:txBody>
       </p:sp>
       <p:sp>
@@ -9014,8 +9887,8 @@
         </p:nvSpPr>
         <p:spPr>
           <a:xfrm>
-            <a:off x="6107112" y="1853247"/>
-            <a:ext cx="4400021" cy="4195481"/>
+            <a:off x="5627988" y="2027583"/>
+            <a:ext cx="5921282" cy="4032250"/>
           </a:xfrm>
           <a:prstGeom prst="rect">
             <a:avLst/>
@@ -9256,16 +10129,7 @@
             <a:pPr marL="0" indent="0">
               <a:buNone/>
             </a:pPr>
-            <a:endParaRPr lang="fr-FR" dirty="0">
-              <a:latin typeface="Courier New" panose="02070309020205020404" pitchFamily="49" charset="0"/>
-              <a:cs typeface="Courier New" panose="02070309020205020404" pitchFamily="49" charset="0"/>
-            </a:endParaRPr>
-          </a:p>
-          <a:p>
-            <a:pPr marL="0" indent="0">
-              <a:buNone/>
-            </a:pPr>
-            <a:endParaRPr lang="en-GB" dirty="0" smtClean="0"/>
+            <a:endParaRPr lang="en-GB" dirty="0"/>
           </a:p>
         </p:txBody>
       </p:sp>
@@ -9279,8 +10143,8 @@
         </p:nvSpPr>
         <p:spPr>
           <a:xfrm>
-            <a:off x="6016202" y="1853246"/>
-            <a:ext cx="4400021" cy="4195481"/>
+            <a:off x="6858000" y="2027583"/>
+            <a:ext cx="1603514" cy="4412974"/>
           </a:xfrm>
           <a:prstGeom prst="rect">
             <a:avLst/>
@@ -9526,59 +10390,725 @@
                 <a:latin typeface="Courier New" panose="02070309020205020404" pitchFamily="49" charset="0"/>
                 <a:cs typeface="Courier New" panose="02070309020205020404" pitchFamily="49" charset="0"/>
               </a:rPr>
-              <a:t># Week2, Program1</a:t>
+              <a:t>6</a:t>
             </a:r>
           </a:p>
           <a:p>
             <a:pPr marL="0" indent="0">
               <a:buNone/>
             </a:pPr>
+            <a:r>
+              <a:rPr lang="en-GB" dirty="0" smtClean="0">
+                <a:latin typeface="Courier New" panose="02070309020205020404" pitchFamily="49" charset="0"/>
+                <a:cs typeface="Courier New" panose="02070309020205020404" pitchFamily="49" charset="0"/>
+              </a:rPr>
+              <a:t>12</a:t>
+            </a:r>
+          </a:p>
+          <a:p>
+            <a:pPr marL="0" indent="0">
+              <a:buNone/>
+            </a:pPr>
+            <a:r>
+              <a:rPr lang="en-GB" dirty="0" smtClean="0">
+                <a:latin typeface="Courier New" panose="02070309020205020404" pitchFamily="49" charset="0"/>
+                <a:cs typeface="Courier New" panose="02070309020205020404" pitchFamily="49" charset="0"/>
+              </a:rPr>
+              <a:t>18</a:t>
+            </a:r>
+          </a:p>
+          <a:p>
+            <a:pPr marL="0" indent="0">
+              <a:buNone/>
+            </a:pPr>
+            <a:r>
+              <a:rPr lang="en-GB" dirty="0" smtClean="0">
+                <a:latin typeface="Courier New" panose="02070309020205020404" pitchFamily="49" charset="0"/>
+                <a:cs typeface="Courier New" panose="02070309020205020404" pitchFamily="49" charset="0"/>
+              </a:rPr>
+              <a:t>24</a:t>
+            </a:r>
+          </a:p>
+          <a:p>
+            <a:pPr marL="0" indent="0">
+              <a:buNone/>
+            </a:pPr>
+            <a:r>
+              <a:rPr lang="en-GB" dirty="0" smtClean="0">
+                <a:latin typeface="Courier New" panose="02070309020205020404" pitchFamily="49" charset="0"/>
+                <a:cs typeface="Courier New" panose="02070309020205020404" pitchFamily="49" charset="0"/>
+              </a:rPr>
+              <a:t>30</a:t>
+            </a:r>
+          </a:p>
+          <a:p>
+            <a:pPr marL="0" indent="0">
+              <a:buNone/>
+            </a:pPr>
+            <a:r>
+              <a:rPr lang="en-GB" dirty="0" smtClean="0">
+                <a:latin typeface="Courier New" panose="02070309020205020404" pitchFamily="49" charset="0"/>
+                <a:cs typeface="Courier New" panose="02070309020205020404" pitchFamily="49" charset="0"/>
+              </a:rPr>
+              <a:t>36</a:t>
+            </a:r>
+          </a:p>
+          <a:p>
+            <a:pPr marL="0" indent="0">
+              <a:buNone/>
+            </a:pPr>
+            <a:r>
+              <a:rPr lang="en-GB" dirty="0" smtClean="0">
+                <a:latin typeface="Courier New" panose="02070309020205020404" pitchFamily="49" charset="0"/>
+                <a:cs typeface="Courier New" panose="02070309020205020404" pitchFamily="49" charset="0"/>
+              </a:rPr>
+              <a:t>42</a:t>
+            </a:r>
+          </a:p>
+          <a:p>
+            <a:pPr marL="0" indent="0">
+              <a:buNone/>
+            </a:pPr>
+            <a:r>
+              <a:rPr lang="en-GB" dirty="0" smtClean="0">
+                <a:latin typeface="Courier New" panose="02070309020205020404" pitchFamily="49" charset="0"/>
+                <a:cs typeface="Courier New" panose="02070309020205020404" pitchFamily="49" charset="0"/>
+              </a:rPr>
+              <a:t>48</a:t>
+            </a:r>
+          </a:p>
+          <a:p>
+            <a:pPr marL="0" indent="0">
+              <a:buNone/>
+            </a:pPr>
+            <a:r>
+              <a:rPr lang="en-GB" dirty="0" smtClean="0">
+                <a:latin typeface="Courier New" panose="02070309020205020404" pitchFamily="49" charset="0"/>
+                <a:cs typeface="Courier New" panose="02070309020205020404" pitchFamily="49" charset="0"/>
+              </a:rPr>
+              <a:t>56</a:t>
+            </a:r>
+          </a:p>
+          <a:p>
+            <a:pPr marL="0" indent="0">
+              <a:buNone/>
+            </a:pPr>
+            <a:r>
+              <a:rPr lang="en-GB" dirty="0" smtClean="0">
+                <a:latin typeface="Courier New" panose="02070309020205020404" pitchFamily="49" charset="0"/>
+                <a:cs typeface="Courier New" panose="02070309020205020404" pitchFamily="49" charset="0"/>
+              </a:rPr>
+              <a:t>60</a:t>
+            </a:r>
             <a:endParaRPr lang="en-GB" dirty="0">
               <a:latin typeface="Courier New" panose="02070309020205020404" pitchFamily="49" charset="0"/>
               <a:cs typeface="Courier New" panose="02070309020205020404" pitchFamily="49" charset="0"/>
             </a:endParaRPr>
           </a:p>
-          <a:p>
-            <a:pPr marL="0" indent="0">
-              <a:buNone/>
-            </a:pPr>
-            <a:r>
-              <a:rPr lang="en-GB" dirty="0" smtClean="0">
-                <a:latin typeface="Courier New" panose="02070309020205020404" pitchFamily="49" charset="0"/>
-                <a:cs typeface="Courier New" panose="02070309020205020404" pitchFamily="49" charset="0"/>
-              </a:rPr>
-              <a:t>a = "Hello World"</a:t>
-            </a:r>
-          </a:p>
-          <a:p>
-            <a:pPr marL="0" indent="0">
-              <a:buNone/>
-            </a:pPr>
-            <a:r>
-              <a:rPr lang="en-GB" dirty="0">
-                <a:latin typeface="Courier New" panose="02070309020205020404" pitchFamily="49" charset="0"/>
-                <a:cs typeface="Courier New" panose="02070309020205020404" pitchFamily="49" charset="0"/>
-              </a:rPr>
-              <a:t>p</a:t>
-            </a:r>
-            <a:r>
-              <a:rPr lang="en-GB" dirty="0" smtClean="0">
-                <a:latin typeface="Courier New" panose="02070309020205020404" pitchFamily="49" charset="0"/>
-                <a:cs typeface="Courier New" panose="02070309020205020404" pitchFamily="49" charset="0"/>
-              </a:rPr>
-              <a:t>rint(a)</a:t>
-            </a:r>
-            <a:endParaRPr lang="en-GB" dirty="0" smtClean="0">
-              <a:latin typeface="Courier New" panose="02070309020205020404" pitchFamily="49" charset="0"/>
-              <a:cs typeface="Courier New" panose="02070309020205020404" pitchFamily="49" charset="0"/>
-            </a:endParaRPr>
-          </a:p>
         </p:txBody>
       </p:sp>
     </p:spTree>
     <p:extLst>
       <p:ext uri="{BB962C8B-B14F-4D97-AF65-F5344CB8AC3E}">
-        <p14:creationId xmlns:p14="http://schemas.microsoft.com/office/powerpoint/2010/main" val="1960950790"/>
+        <p14:creationId xmlns:p14="http://schemas.microsoft.com/office/powerpoint/2010/main" val="944585974"/>
+      </p:ext>
+    </p:extLst>
+  </p:cSld>
+  <p:clrMapOvr>
+    <a:masterClrMapping/>
+  </p:clrMapOvr>
+  <p:timing>
+    <p:tnLst>
+      <p:par>
+        <p:cTn id="1" dur="indefinite" restart="never" nodeType="tmRoot"/>
+      </p:par>
+    </p:tnLst>
+  </p:timing>
+</p:sld>
+</file>
+
+<file path=ppt/slides/slide24.xml><?xml version="1.0" encoding="utf-8"?>
+<p:sld xmlns:a="http://schemas.openxmlformats.org/drawingml/2006/main" xmlns:r="http://schemas.openxmlformats.org/officeDocument/2006/relationships" xmlns:p="http://schemas.openxmlformats.org/presentationml/2006/main">
+  <p:cSld>
+    <p:spTree>
+      <p:nvGrpSpPr>
+        <p:cNvPr id="1" name=""/>
+        <p:cNvGrpSpPr/>
+        <p:nvPr/>
+      </p:nvGrpSpPr>
+      <p:grpSpPr>
+        <a:xfrm>
+          <a:off x="0" y="0"/>
+          <a:ext cx="0" cy="0"/>
+          <a:chOff x="0" y="0"/>
+          <a:chExt cx="0" cy="0"/>
+        </a:xfrm>
+      </p:grpSpPr>
+      <p:sp>
+        <p:nvSpPr>
+          <p:cNvPr id="2" name="Title 1"/>
+          <p:cNvSpPr>
+            <a:spLocks noGrp="1"/>
+          </p:cNvSpPr>
+          <p:nvPr>
+            <p:ph type="title"/>
+          </p:nvPr>
+        </p:nvSpPr>
+        <p:spPr/>
+        <p:txBody>
+          <a:bodyPr/>
+          <a:lstStyle/>
+          <a:p>
+            <a:r>
+              <a:rPr lang="en-GB" dirty="0" smtClean="0"/>
+              <a:t>Homework (Program 14).</a:t>
+            </a:r>
+            <a:endParaRPr lang="en-GB" dirty="0"/>
+          </a:p>
+        </p:txBody>
+      </p:sp>
+      <p:sp>
+        <p:nvSpPr>
+          <p:cNvPr id="3" name="Content Placeholder 2"/>
+          <p:cNvSpPr>
+            <a:spLocks noGrp="1"/>
+          </p:cNvSpPr>
+          <p:nvPr>
+            <p:ph idx="1"/>
+          </p:nvPr>
+        </p:nvSpPr>
+        <p:spPr>
+          <a:xfrm>
+            <a:off x="646111" y="2027583"/>
+            <a:ext cx="10127906" cy="4032250"/>
+          </a:xfrm>
+        </p:spPr>
+        <p:txBody>
+          <a:bodyPr>
+            <a:normAutofit/>
+          </a:bodyPr>
+          <a:lstStyle/>
+          <a:p>
+            <a:r>
+              <a:rPr lang="en-GB" dirty="0" smtClean="0"/>
+              <a:t>Week2, Program 14.</a:t>
+            </a:r>
+          </a:p>
+          <a:p>
+            <a:endParaRPr lang="en-GB" b="1" u="sng" dirty="0">
+              <a:solidFill>
+                <a:srgbClr val="FFFF00"/>
+              </a:solidFill>
+            </a:endParaRPr>
+          </a:p>
+          <a:p>
+            <a:r>
+              <a:rPr lang="en-GB" dirty="0" smtClean="0"/>
+              <a:t>Write a program to add up all the numbers between 1 and 999.</a:t>
+            </a:r>
+          </a:p>
+          <a:p>
+            <a:endParaRPr lang="en-GB" dirty="0"/>
+          </a:p>
+          <a:p>
+            <a:r>
+              <a:rPr lang="en-GB" dirty="0" smtClean="0">
+                <a:solidFill>
+                  <a:srgbClr val="FFFF00"/>
+                </a:solidFill>
+              </a:rPr>
+              <a:t>Super Extra Credit: Can you think of an easy way, without using a computer, to check that your computer program got the correct result. </a:t>
+            </a:r>
+          </a:p>
+        </p:txBody>
+      </p:sp>
+      <p:sp>
+        <p:nvSpPr>
+          <p:cNvPr id="4" name="Content Placeholder 2"/>
+          <p:cNvSpPr txBox="1">
+            <a:spLocks/>
+          </p:cNvSpPr>
+          <p:nvPr/>
+        </p:nvSpPr>
+        <p:spPr>
+          <a:xfrm>
+            <a:off x="5627988" y="2027583"/>
+            <a:ext cx="5921282" cy="4032250"/>
+          </a:xfrm>
+          <a:prstGeom prst="rect">
+            <a:avLst/>
+          </a:prstGeom>
+        </p:spPr>
+        <p:txBody>
+          <a:bodyPr vert="horz" lIns="91440" tIns="45720" rIns="91440" bIns="45720" rtlCol="0">
+            <a:normAutofit/>
+          </a:bodyPr>
+          <a:lstStyle>
+            <a:lvl1pPr marL="342900" indent="-342900" algn="l" defTabSz="457200" rtl="0" eaLnBrk="1" latinLnBrk="0" hangingPunct="1">
+              <a:spcBef>
+                <a:spcPts val="1000"/>
+              </a:spcBef>
+              <a:spcAft>
+                <a:spcPts val="0"/>
+              </a:spcAft>
+              <a:buClr>
+                <a:schemeClr val="bg2">
+                  <a:lumMod val="40000"/>
+                  <a:lumOff val="60000"/>
+                </a:schemeClr>
+              </a:buClr>
+              <a:buSzPct val="80000"/>
+              <a:buFont typeface="Wingdings 3" charset="2"/>
+              <a:buChar char=""/>
+              <a:defRPr sz="2000" b="0" i="0" kern="1200">
+                <a:solidFill>
+                  <a:schemeClr val="tx1"/>
+                </a:solidFill>
+                <a:latin typeface="+mj-lt"/>
+                <a:ea typeface="+mj-ea"/>
+                <a:cs typeface="+mj-cs"/>
+              </a:defRPr>
+            </a:lvl1pPr>
+            <a:lvl2pPr marL="742950" indent="-285750" algn="l" defTabSz="457200" rtl="0" eaLnBrk="1" latinLnBrk="0" hangingPunct="1">
+              <a:spcBef>
+                <a:spcPts val="1000"/>
+              </a:spcBef>
+              <a:spcAft>
+                <a:spcPts val="0"/>
+              </a:spcAft>
+              <a:buClr>
+                <a:schemeClr val="bg2">
+                  <a:lumMod val="40000"/>
+                  <a:lumOff val="60000"/>
+                </a:schemeClr>
+              </a:buClr>
+              <a:buSzPct val="80000"/>
+              <a:buFont typeface="Wingdings 3" charset="2"/>
+              <a:buChar char=""/>
+              <a:defRPr sz="1800" b="0" i="0" kern="1200">
+                <a:solidFill>
+                  <a:schemeClr val="tx1"/>
+                </a:solidFill>
+                <a:latin typeface="+mj-lt"/>
+                <a:ea typeface="+mj-ea"/>
+                <a:cs typeface="+mj-cs"/>
+              </a:defRPr>
+            </a:lvl2pPr>
+            <a:lvl3pPr marL="1143000" indent="-228600" algn="l" defTabSz="457200" rtl="0" eaLnBrk="1" latinLnBrk="0" hangingPunct="1">
+              <a:spcBef>
+                <a:spcPts val="1000"/>
+              </a:spcBef>
+              <a:spcAft>
+                <a:spcPts val="0"/>
+              </a:spcAft>
+              <a:buClr>
+                <a:schemeClr val="bg2">
+                  <a:lumMod val="40000"/>
+                  <a:lumOff val="60000"/>
+                </a:schemeClr>
+              </a:buClr>
+              <a:buSzPct val="80000"/>
+              <a:buFont typeface="Wingdings 3" charset="2"/>
+              <a:buChar char=""/>
+              <a:defRPr sz="1600" b="0" i="0" kern="1200">
+                <a:solidFill>
+                  <a:schemeClr val="tx1"/>
+                </a:solidFill>
+                <a:latin typeface="+mj-lt"/>
+                <a:ea typeface="+mj-ea"/>
+                <a:cs typeface="+mj-cs"/>
+              </a:defRPr>
+            </a:lvl3pPr>
+            <a:lvl4pPr marL="1600200" indent="-228600" algn="l" defTabSz="457200" rtl="0" eaLnBrk="1" latinLnBrk="0" hangingPunct="1">
+              <a:spcBef>
+                <a:spcPts val="1000"/>
+              </a:spcBef>
+              <a:spcAft>
+                <a:spcPts val="0"/>
+              </a:spcAft>
+              <a:buClr>
+                <a:schemeClr val="bg2">
+                  <a:lumMod val="40000"/>
+                  <a:lumOff val="60000"/>
+                </a:schemeClr>
+              </a:buClr>
+              <a:buSzPct val="80000"/>
+              <a:buFont typeface="Wingdings 3" charset="2"/>
+              <a:buChar char=""/>
+              <a:defRPr sz="1400" b="0" i="0" kern="1200">
+                <a:solidFill>
+                  <a:schemeClr val="tx1"/>
+                </a:solidFill>
+                <a:latin typeface="+mj-lt"/>
+                <a:ea typeface="+mj-ea"/>
+                <a:cs typeface="+mj-cs"/>
+              </a:defRPr>
+            </a:lvl4pPr>
+            <a:lvl5pPr marL="2057400" indent="-228600" algn="l" defTabSz="457200" rtl="0" eaLnBrk="1" latinLnBrk="0" hangingPunct="1">
+              <a:spcBef>
+                <a:spcPts val="1000"/>
+              </a:spcBef>
+              <a:spcAft>
+                <a:spcPts val="0"/>
+              </a:spcAft>
+              <a:buClr>
+                <a:schemeClr val="bg2">
+                  <a:lumMod val="40000"/>
+                  <a:lumOff val="60000"/>
+                </a:schemeClr>
+              </a:buClr>
+              <a:buSzPct val="80000"/>
+              <a:buFont typeface="Wingdings 3" charset="2"/>
+              <a:buChar char=""/>
+              <a:defRPr sz="1400" b="0" i="0" kern="1200">
+                <a:solidFill>
+                  <a:schemeClr val="tx1"/>
+                </a:solidFill>
+                <a:latin typeface="+mj-lt"/>
+                <a:ea typeface="+mj-ea"/>
+                <a:cs typeface="+mj-cs"/>
+              </a:defRPr>
+            </a:lvl5pPr>
+            <a:lvl6pPr marL="2506000" indent="-228600" algn="l" defTabSz="457200" rtl="0" eaLnBrk="1" latinLnBrk="0" hangingPunct="1">
+              <a:spcBef>
+                <a:spcPts val="1000"/>
+              </a:spcBef>
+              <a:spcAft>
+                <a:spcPts val="0"/>
+              </a:spcAft>
+              <a:buClr>
+                <a:schemeClr val="bg2">
+                  <a:lumMod val="40000"/>
+                  <a:lumOff val="60000"/>
+                </a:schemeClr>
+              </a:buClr>
+              <a:buSzPct val="80000"/>
+              <a:buFont typeface="Wingdings 3" charset="2"/>
+              <a:buChar char=""/>
+              <a:defRPr sz="1400" b="0" i="0" kern="1200">
+                <a:solidFill>
+                  <a:schemeClr val="tx1"/>
+                </a:solidFill>
+                <a:latin typeface="+mj-lt"/>
+                <a:ea typeface="+mj-ea"/>
+                <a:cs typeface="+mj-cs"/>
+              </a:defRPr>
+            </a:lvl6pPr>
+            <a:lvl7pPr marL="2971800" indent="-228600" algn="l" defTabSz="457200" rtl="0" eaLnBrk="1" latinLnBrk="0" hangingPunct="1">
+              <a:spcBef>
+                <a:spcPts val="1000"/>
+              </a:spcBef>
+              <a:spcAft>
+                <a:spcPts val="0"/>
+              </a:spcAft>
+              <a:buClr>
+                <a:schemeClr val="bg2">
+                  <a:lumMod val="40000"/>
+                  <a:lumOff val="60000"/>
+                </a:schemeClr>
+              </a:buClr>
+              <a:buSzPct val="80000"/>
+              <a:buFont typeface="Wingdings 3" charset="2"/>
+              <a:buChar char=""/>
+              <a:defRPr sz="1400" b="0" i="0" kern="1200">
+                <a:solidFill>
+                  <a:schemeClr val="tx1"/>
+                </a:solidFill>
+                <a:latin typeface="+mj-lt"/>
+                <a:ea typeface="+mj-ea"/>
+                <a:cs typeface="+mj-cs"/>
+              </a:defRPr>
+            </a:lvl7pPr>
+            <a:lvl8pPr marL="3429000" indent="-228600" algn="l" defTabSz="457200" rtl="0" eaLnBrk="1" latinLnBrk="0" hangingPunct="1">
+              <a:spcBef>
+                <a:spcPts val="1000"/>
+              </a:spcBef>
+              <a:spcAft>
+                <a:spcPts val="0"/>
+              </a:spcAft>
+              <a:buClr>
+                <a:schemeClr val="bg2">
+                  <a:lumMod val="40000"/>
+                  <a:lumOff val="60000"/>
+                </a:schemeClr>
+              </a:buClr>
+              <a:buSzPct val="80000"/>
+              <a:buFont typeface="Wingdings 3" charset="2"/>
+              <a:buChar char=""/>
+              <a:defRPr sz="1400" b="0" i="0" kern="1200">
+                <a:solidFill>
+                  <a:schemeClr val="tx1"/>
+                </a:solidFill>
+                <a:latin typeface="+mj-lt"/>
+                <a:ea typeface="+mj-ea"/>
+                <a:cs typeface="+mj-cs"/>
+              </a:defRPr>
+            </a:lvl8pPr>
+            <a:lvl9pPr marL="3886200" indent="-228600" algn="l" defTabSz="457200" rtl="0" eaLnBrk="1" latinLnBrk="0" hangingPunct="1">
+              <a:spcBef>
+                <a:spcPts val="1000"/>
+              </a:spcBef>
+              <a:spcAft>
+                <a:spcPts val="0"/>
+              </a:spcAft>
+              <a:buClr>
+                <a:schemeClr val="bg2">
+                  <a:lumMod val="40000"/>
+                  <a:lumOff val="60000"/>
+                </a:schemeClr>
+              </a:buClr>
+              <a:buSzPct val="80000"/>
+              <a:buFont typeface="Wingdings 3" charset="2"/>
+              <a:buChar char=""/>
+              <a:defRPr sz="1400" b="0" i="0" kern="1200">
+                <a:solidFill>
+                  <a:schemeClr val="tx1"/>
+                </a:solidFill>
+                <a:latin typeface="+mj-lt"/>
+                <a:ea typeface="+mj-ea"/>
+                <a:cs typeface="+mj-cs"/>
+              </a:defRPr>
+            </a:lvl9pPr>
+          </a:lstStyle>
+          <a:p>
+            <a:pPr marL="0" indent="0">
+              <a:buNone/>
+            </a:pPr>
+            <a:endParaRPr lang="en-GB" dirty="0"/>
+          </a:p>
+        </p:txBody>
+      </p:sp>
+    </p:spTree>
+    <p:extLst>
+      <p:ext uri="{BB962C8B-B14F-4D97-AF65-F5344CB8AC3E}">
+        <p14:creationId xmlns:p14="http://schemas.microsoft.com/office/powerpoint/2010/main" val="576747105"/>
+      </p:ext>
+    </p:extLst>
+  </p:cSld>
+  <p:clrMapOvr>
+    <a:masterClrMapping/>
+  </p:clrMapOvr>
+  <p:timing>
+    <p:tnLst>
+      <p:par>
+        <p:cTn id="1" dur="indefinite" restart="never" nodeType="tmRoot"/>
+      </p:par>
+    </p:tnLst>
+  </p:timing>
+</p:sld>
+</file>
+
+<file path=ppt/slides/slide25.xml><?xml version="1.0" encoding="utf-8"?>
+<p:sld xmlns:a="http://schemas.openxmlformats.org/drawingml/2006/main" xmlns:r="http://schemas.openxmlformats.org/officeDocument/2006/relationships" xmlns:p="http://schemas.openxmlformats.org/presentationml/2006/main">
+  <p:cSld>
+    <p:spTree>
+      <p:nvGrpSpPr>
+        <p:cNvPr id="1" name=""/>
+        <p:cNvGrpSpPr/>
+        <p:nvPr/>
+      </p:nvGrpSpPr>
+      <p:grpSpPr>
+        <a:xfrm>
+          <a:off x="0" y="0"/>
+          <a:ext cx="0" cy="0"/>
+          <a:chOff x="0" y="0"/>
+          <a:chExt cx="0" cy="0"/>
+        </a:xfrm>
+      </p:grpSpPr>
+      <p:sp>
+        <p:nvSpPr>
+          <p:cNvPr id="2" name="Title 1"/>
+          <p:cNvSpPr>
+            <a:spLocks noGrp="1"/>
+          </p:cNvSpPr>
+          <p:nvPr>
+            <p:ph type="title"/>
+          </p:nvPr>
+        </p:nvSpPr>
+        <p:spPr/>
+        <p:txBody>
+          <a:bodyPr/>
+          <a:lstStyle/>
+          <a:p>
+            <a:r>
+              <a:rPr lang="en-GB" dirty="0" smtClean="0"/>
+              <a:t>Next Week.</a:t>
+            </a:r>
+            <a:endParaRPr lang="en-GB" dirty="0"/>
+          </a:p>
+        </p:txBody>
+      </p:sp>
+      <p:sp>
+        <p:nvSpPr>
+          <p:cNvPr id="3" name="Content Placeholder 2"/>
+          <p:cNvSpPr>
+            <a:spLocks noGrp="1"/>
+          </p:cNvSpPr>
+          <p:nvPr>
+            <p:ph idx="1"/>
+          </p:nvPr>
+        </p:nvSpPr>
+        <p:spPr/>
+        <p:txBody>
+          <a:bodyPr/>
+          <a:lstStyle/>
+          <a:p>
+            <a:r>
+              <a:rPr lang="en-GB" dirty="0" smtClean="0"/>
+              <a:t>We will learn to mix strings and integers.</a:t>
+            </a:r>
+          </a:p>
+          <a:p>
+            <a:endParaRPr lang="en-GB" dirty="0" smtClean="0"/>
+          </a:p>
+          <a:p>
+            <a:r>
+              <a:rPr lang="en-GB" dirty="0" smtClean="0"/>
+              <a:t>We will learn more about division.</a:t>
+            </a:r>
+          </a:p>
+          <a:p>
+            <a:endParaRPr lang="en-GB" dirty="0" smtClean="0"/>
+          </a:p>
+          <a:p>
+            <a:r>
+              <a:rPr lang="en-GB" dirty="0" smtClean="0"/>
+              <a:t>We will learn about lists of things.</a:t>
+            </a:r>
+          </a:p>
+          <a:p>
+            <a:endParaRPr lang="en-GB" dirty="0" smtClean="0"/>
+          </a:p>
+          <a:p>
+            <a:r>
+              <a:rPr lang="en-GB" dirty="0" smtClean="0"/>
+              <a:t>We will learn how to do something on everything in a list.</a:t>
+            </a:r>
+            <a:endParaRPr lang="en-GB" dirty="0"/>
+          </a:p>
+        </p:txBody>
+      </p:sp>
+    </p:spTree>
+    <p:extLst>
+      <p:ext uri="{BB962C8B-B14F-4D97-AF65-F5344CB8AC3E}">
+        <p14:creationId xmlns:p14="http://schemas.microsoft.com/office/powerpoint/2010/main" val="4053531929"/>
+      </p:ext>
+    </p:extLst>
+  </p:cSld>
+  <p:clrMapOvr>
+    <a:masterClrMapping/>
+  </p:clrMapOvr>
+</p:sld>
+</file>
+
+<file path=ppt/slides/slide3.xml><?xml version="1.0" encoding="utf-8"?>
+<p:sld xmlns:a="http://schemas.openxmlformats.org/drawingml/2006/main" xmlns:r="http://schemas.openxmlformats.org/officeDocument/2006/relationships" xmlns:p="http://schemas.openxmlformats.org/presentationml/2006/main">
+  <p:cSld>
+    <p:spTree>
+      <p:nvGrpSpPr>
+        <p:cNvPr id="1" name=""/>
+        <p:cNvGrpSpPr/>
+        <p:nvPr/>
+      </p:nvGrpSpPr>
+      <p:grpSpPr>
+        <a:xfrm>
+          <a:off x="0" y="0"/>
+          <a:ext cx="0" cy="0"/>
+          <a:chOff x="0" y="0"/>
+          <a:chExt cx="0" cy="0"/>
+        </a:xfrm>
+      </p:grpSpPr>
+      <p:sp>
+        <p:nvSpPr>
+          <p:cNvPr id="2" name="Title 1"/>
+          <p:cNvSpPr>
+            <a:spLocks noGrp="1"/>
+          </p:cNvSpPr>
+          <p:nvPr>
+            <p:ph type="title"/>
+          </p:nvPr>
+        </p:nvSpPr>
+        <p:spPr/>
+        <p:txBody>
+          <a:bodyPr/>
+          <a:lstStyle/>
+          <a:p>
+            <a:r>
+              <a:rPr lang="en-GB" dirty="0" smtClean="0"/>
+              <a:t>Notes:</a:t>
+            </a:r>
+            <a:endParaRPr lang="en-GB" dirty="0"/>
+          </a:p>
+        </p:txBody>
+      </p:sp>
+      <p:sp>
+        <p:nvSpPr>
+          <p:cNvPr id="3" name="Content Placeholder 2"/>
+          <p:cNvSpPr>
+            <a:spLocks noGrp="1"/>
+          </p:cNvSpPr>
+          <p:nvPr>
+            <p:ph idx="1"/>
+          </p:nvPr>
+        </p:nvSpPr>
+        <p:spPr/>
+        <p:txBody>
+          <a:bodyPr>
+            <a:normAutofit/>
+          </a:bodyPr>
+          <a:lstStyle/>
+          <a:p>
+            <a:r>
+              <a:rPr lang="en-GB" dirty="0" smtClean="0"/>
+              <a:t>We are skipping over a few details.</a:t>
+            </a:r>
+          </a:p>
+          <a:p>
+            <a:r>
+              <a:rPr lang="en-GB" dirty="0" smtClean="0"/>
+              <a:t>This is to get you writing things that do things quickly !</a:t>
+            </a:r>
+          </a:p>
+          <a:p>
+            <a:endParaRPr lang="en-GB" dirty="0"/>
+          </a:p>
+          <a:p>
+            <a:r>
+              <a:rPr lang="en-GB" dirty="0" smtClean="0"/>
+              <a:t>There are three main ways to get extra details.</a:t>
+            </a:r>
+          </a:p>
+          <a:p>
+            <a:pPr lvl="1"/>
+            <a:r>
+              <a:rPr lang="en-GB" dirty="0" smtClean="0"/>
+              <a:t>1.) Ask me !. I will answer any questions you may have.</a:t>
+            </a:r>
+          </a:p>
+          <a:p>
+            <a:pPr lvl="1"/>
+            <a:r>
+              <a:rPr lang="en-GB" dirty="0" smtClean="0"/>
+              <a:t>2.) Play. Try stuff and see what happens. There is no reason to not experiment.</a:t>
+            </a:r>
+          </a:p>
+          <a:p>
+            <a:pPr lvl="1"/>
+            <a:r>
+              <a:rPr lang="en-GB" dirty="0" smtClean="0"/>
+              <a:t>3.) Look it up. Try searching Google for what you want. As you get more experience, you will also get better at typing the correct searches into Google.</a:t>
+            </a:r>
+          </a:p>
+          <a:p>
+            <a:pPr lvl="1"/>
+            <a:endParaRPr lang="en-GB" dirty="0"/>
+          </a:p>
+        </p:txBody>
+      </p:sp>
+    </p:spTree>
+    <p:extLst>
+      <p:ext uri="{BB962C8B-B14F-4D97-AF65-F5344CB8AC3E}">
+        <p14:creationId xmlns:p14="http://schemas.microsoft.com/office/powerpoint/2010/main" val="906892999"/>
       </p:ext>
     </p:extLst>
   </p:cSld>
@@ -9629,7 +11159,7 @@
           <a:p>
             <a:r>
               <a:rPr lang="en-GB" dirty="0" smtClean="0"/>
-              <a:t>Introduction to Comments</a:t>
+              <a:t>Introduction to Variables.</a:t>
             </a:r>
             <a:endParaRPr lang="en-GB" dirty="0"/>
           </a:p>
@@ -9648,71 +11178,90 @@
         <p:spPr>
           <a:xfrm>
             <a:off x="976312" y="1853248"/>
-            <a:ext cx="9319155" cy="4195481"/>
+            <a:ext cx="4400021" cy="4195481"/>
           </a:xfrm>
         </p:spPr>
         <p:txBody>
           <a:bodyPr>
-            <a:normAutofit/>
+            <a:normAutofit fontScale="92500" lnSpcReduction="20000"/>
           </a:bodyPr>
           <a:lstStyle/>
           <a:p>
             <a:r>
               <a:rPr lang="en-GB" dirty="0" smtClean="0"/>
-              <a:t>In the previous program, there was a line starting with the hash (#) character.</a:t>
-            </a:r>
-          </a:p>
-          <a:p>
+              <a:t>A variable in computer programming is :-</a:t>
+            </a:r>
+          </a:p>
+          <a:p>
+            <a:pPr lvl="1"/>
             <a:r>
               <a:rPr lang="en-GB" dirty="0" smtClean="0"/>
-              <a:t>This line was :-</a:t>
+              <a:t>A label for a “thing”.</a:t>
             </a:r>
           </a:p>
           <a:p>
             <a:pPr lvl="1"/>
             <a:r>
-              <a:rPr lang="en-GB" dirty="0">
-                <a:latin typeface="Courier New" panose="02070309020205020404" pitchFamily="49" charset="0"/>
-                <a:cs typeface="Courier New" panose="02070309020205020404" pitchFamily="49" charset="0"/>
+              <a:rPr lang="en-GB" dirty="0" smtClean="0"/>
+              <a:t>Where that “thing” can change.</a:t>
+            </a:r>
+          </a:p>
+          <a:p>
+            <a:pPr lvl="1"/>
+            <a:endParaRPr lang="en-GB" dirty="0"/>
+          </a:p>
+          <a:p>
+            <a:r>
+              <a:rPr lang="en-GB" dirty="0" smtClean="0"/>
+              <a:t>You can define a variable by setting it to be equal to something.</a:t>
+            </a:r>
+          </a:p>
+          <a:p>
+            <a:endParaRPr lang="en-GB" dirty="0"/>
+          </a:p>
+          <a:p>
+            <a:r>
+              <a:rPr lang="en-GB" b="1" u="sng" dirty="0" smtClean="0">
+                <a:solidFill>
+                  <a:srgbClr val="FFFF00"/>
+                </a:solidFill>
               </a:rPr>
-              <a:t># Week2, </a:t>
+              <a:t>TASK:</a:t>
+            </a:r>
+            <a:r>
+              <a:rPr lang="en-GB" b="1" dirty="0" smtClean="0">
+                <a:solidFill>
+                  <a:srgbClr val="FFFF00"/>
+                </a:solidFill>
+              </a:rPr>
+              <a:t> </a:t>
             </a:r>
             <a:r>
               <a:rPr lang="en-GB" dirty="0" smtClean="0">
-                <a:latin typeface="Courier New" panose="02070309020205020404" pitchFamily="49" charset="0"/>
-                <a:cs typeface="Courier New" panose="02070309020205020404" pitchFamily="49" charset="0"/>
+                <a:solidFill>
+                  <a:srgbClr val="FFFF00"/>
+                </a:solidFill>
               </a:rPr>
-              <a:t>Program1</a:t>
-            </a:r>
-            <a:endParaRPr lang="en-GB" dirty="0">
-              <a:latin typeface="Courier New" panose="02070309020205020404" pitchFamily="49" charset="0"/>
-              <a:cs typeface="Courier New" panose="02070309020205020404" pitchFamily="49" charset="0"/>
-            </a:endParaRPr>
-          </a:p>
-          <a:p>
-            <a:endParaRPr lang="en-GB" dirty="0" smtClean="0">
-              <a:latin typeface="Courier New" panose="02070309020205020404" pitchFamily="49" charset="0"/>
-              <a:cs typeface="Courier New" panose="02070309020205020404" pitchFamily="49" charset="0"/>
-            </a:endParaRPr>
-          </a:p>
-          <a:p>
-            <a:r>
-              <a:rPr lang="en-GB" dirty="0" smtClean="0"/>
-              <a:t>Any line starting with a # character is totally ignored by Python.</a:t>
-            </a:r>
-          </a:p>
-          <a:p>
-            <a:r>
-              <a:rPr lang="en-GB" dirty="0" smtClean="0"/>
-              <a:t>It is only for human beings. Use comments to remind you why you put something in your program.</a:t>
-            </a:r>
-          </a:p>
-          <a:p>
-            <a:r>
-              <a:rPr lang="en-GB" dirty="0" smtClean="0"/>
-              <a:t>You will learn more about comments in a later week.</a:t>
-            </a:r>
-            <a:endParaRPr lang="en-GB" dirty="0"/>
+              <a:t>What do you think the program on the right will do ?</a:t>
+            </a:r>
+          </a:p>
+          <a:p>
+            <a:r>
+              <a:rPr lang="en-GB" b="1" u="sng" dirty="0" smtClean="0">
+                <a:solidFill>
+                  <a:srgbClr val="FFFF00"/>
+                </a:solidFill>
+              </a:rPr>
+              <a:t>TASK:</a:t>
+            </a:r>
+            <a:r>
+              <a:rPr lang="en-GB" dirty="0" smtClean="0">
+                <a:solidFill>
+                  <a:srgbClr val="FFFF00"/>
+                </a:solidFill>
+              </a:rPr>
+              <a:t> Type it in, run it and see if you were correct.</a:t>
+            </a:r>
           </a:p>
         </p:txBody>
       </p:sp>
@@ -9981,10 +11530,312 @@
           </a:p>
         </p:txBody>
       </p:sp>
+      <p:sp>
+        <p:nvSpPr>
+          <p:cNvPr id="5" name="Content Placeholder 2"/>
+          <p:cNvSpPr txBox="1">
+            <a:spLocks/>
+          </p:cNvSpPr>
+          <p:nvPr/>
+        </p:nvSpPr>
+        <p:spPr>
+          <a:xfrm>
+            <a:off x="6016202" y="1853246"/>
+            <a:ext cx="4400021" cy="4195481"/>
+          </a:xfrm>
+          <a:prstGeom prst="rect">
+            <a:avLst/>
+          </a:prstGeom>
+        </p:spPr>
+        <p:txBody>
+          <a:bodyPr vert="horz" lIns="91440" tIns="45720" rIns="91440" bIns="45720" rtlCol="0">
+            <a:normAutofit/>
+          </a:bodyPr>
+          <a:lstStyle>
+            <a:lvl1pPr marL="342900" indent="-342900" algn="l" defTabSz="457200" rtl="0" eaLnBrk="1" latinLnBrk="0" hangingPunct="1">
+              <a:spcBef>
+                <a:spcPts val="1000"/>
+              </a:spcBef>
+              <a:spcAft>
+                <a:spcPts val="0"/>
+              </a:spcAft>
+              <a:buClr>
+                <a:schemeClr val="bg2">
+                  <a:lumMod val="40000"/>
+                  <a:lumOff val="60000"/>
+                </a:schemeClr>
+              </a:buClr>
+              <a:buSzPct val="80000"/>
+              <a:buFont typeface="Wingdings 3" charset="2"/>
+              <a:buChar char=""/>
+              <a:defRPr sz="2000" b="0" i="0" kern="1200">
+                <a:solidFill>
+                  <a:schemeClr val="tx1"/>
+                </a:solidFill>
+                <a:latin typeface="+mj-lt"/>
+                <a:ea typeface="+mj-ea"/>
+                <a:cs typeface="+mj-cs"/>
+              </a:defRPr>
+            </a:lvl1pPr>
+            <a:lvl2pPr marL="742950" indent="-285750" algn="l" defTabSz="457200" rtl="0" eaLnBrk="1" latinLnBrk="0" hangingPunct="1">
+              <a:spcBef>
+                <a:spcPts val="1000"/>
+              </a:spcBef>
+              <a:spcAft>
+                <a:spcPts val="0"/>
+              </a:spcAft>
+              <a:buClr>
+                <a:schemeClr val="bg2">
+                  <a:lumMod val="40000"/>
+                  <a:lumOff val="60000"/>
+                </a:schemeClr>
+              </a:buClr>
+              <a:buSzPct val="80000"/>
+              <a:buFont typeface="Wingdings 3" charset="2"/>
+              <a:buChar char=""/>
+              <a:defRPr sz="1800" b="0" i="0" kern="1200">
+                <a:solidFill>
+                  <a:schemeClr val="tx1"/>
+                </a:solidFill>
+                <a:latin typeface="+mj-lt"/>
+                <a:ea typeface="+mj-ea"/>
+                <a:cs typeface="+mj-cs"/>
+              </a:defRPr>
+            </a:lvl2pPr>
+            <a:lvl3pPr marL="1143000" indent="-228600" algn="l" defTabSz="457200" rtl="0" eaLnBrk="1" latinLnBrk="0" hangingPunct="1">
+              <a:spcBef>
+                <a:spcPts val="1000"/>
+              </a:spcBef>
+              <a:spcAft>
+                <a:spcPts val="0"/>
+              </a:spcAft>
+              <a:buClr>
+                <a:schemeClr val="bg2">
+                  <a:lumMod val="40000"/>
+                  <a:lumOff val="60000"/>
+                </a:schemeClr>
+              </a:buClr>
+              <a:buSzPct val="80000"/>
+              <a:buFont typeface="Wingdings 3" charset="2"/>
+              <a:buChar char=""/>
+              <a:defRPr sz="1600" b="0" i="0" kern="1200">
+                <a:solidFill>
+                  <a:schemeClr val="tx1"/>
+                </a:solidFill>
+                <a:latin typeface="+mj-lt"/>
+                <a:ea typeface="+mj-ea"/>
+                <a:cs typeface="+mj-cs"/>
+              </a:defRPr>
+            </a:lvl3pPr>
+            <a:lvl4pPr marL="1600200" indent="-228600" algn="l" defTabSz="457200" rtl="0" eaLnBrk="1" latinLnBrk="0" hangingPunct="1">
+              <a:spcBef>
+                <a:spcPts val="1000"/>
+              </a:spcBef>
+              <a:spcAft>
+                <a:spcPts val="0"/>
+              </a:spcAft>
+              <a:buClr>
+                <a:schemeClr val="bg2">
+                  <a:lumMod val="40000"/>
+                  <a:lumOff val="60000"/>
+                </a:schemeClr>
+              </a:buClr>
+              <a:buSzPct val="80000"/>
+              <a:buFont typeface="Wingdings 3" charset="2"/>
+              <a:buChar char=""/>
+              <a:defRPr sz="1400" b="0" i="0" kern="1200">
+                <a:solidFill>
+                  <a:schemeClr val="tx1"/>
+                </a:solidFill>
+                <a:latin typeface="+mj-lt"/>
+                <a:ea typeface="+mj-ea"/>
+                <a:cs typeface="+mj-cs"/>
+              </a:defRPr>
+            </a:lvl4pPr>
+            <a:lvl5pPr marL="2057400" indent="-228600" algn="l" defTabSz="457200" rtl="0" eaLnBrk="1" latinLnBrk="0" hangingPunct="1">
+              <a:spcBef>
+                <a:spcPts val="1000"/>
+              </a:spcBef>
+              <a:spcAft>
+                <a:spcPts val="0"/>
+              </a:spcAft>
+              <a:buClr>
+                <a:schemeClr val="bg2">
+                  <a:lumMod val="40000"/>
+                  <a:lumOff val="60000"/>
+                </a:schemeClr>
+              </a:buClr>
+              <a:buSzPct val="80000"/>
+              <a:buFont typeface="Wingdings 3" charset="2"/>
+              <a:buChar char=""/>
+              <a:defRPr sz="1400" b="0" i="0" kern="1200">
+                <a:solidFill>
+                  <a:schemeClr val="tx1"/>
+                </a:solidFill>
+                <a:latin typeface="+mj-lt"/>
+                <a:ea typeface="+mj-ea"/>
+                <a:cs typeface="+mj-cs"/>
+              </a:defRPr>
+            </a:lvl5pPr>
+            <a:lvl6pPr marL="2506000" indent="-228600" algn="l" defTabSz="457200" rtl="0" eaLnBrk="1" latinLnBrk="0" hangingPunct="1">
+              <a:spcBef>
+                <a:spcPts val="1000"/>
+              </a:spcBef>
+              <a:spcAft>
+                <a:spcPts val="0"/>
+              </a:spcAft>
+              <a:buClr>
+                <a:schemeClr val="bg2">
+                  <a:lumMod val="40000"/>
+                  <a:lumOff val="60000"/>
+                </a:schemeClr>
+              </a:buClr>
+              <a:buSzPct val="80000"/>
+              <a:buFont typeface="Wingdings 3" charset="2"/>
+              <a:buChar char=""/>
+              <a:defRPr sz="1400" b="0" i="0" kern="1200">
+                <a:solidFill>
+                  <a:schemeClr val="tx1"/>
+                </a:solidFill>
+                <a:latin typeface="+mj-lt"/>
+                <a:ea typeface="+mj-ea"/>
+                <a:cs typeface="+mj-cs"/>
+              </a:defRPr>
+            </a:lvl6pPr>
+            <a:lvl7pPr marL="2971800" indent="-228600" algn="l" defTabSz="457200" rtl="0" eaLnBrk="1" latinLnBrk="0" hangingPunct="1">
+              <a:spcBef>
+                <a:spcPts val="1000"/>
+              </a:spcBef>
+              <a:spcAft>
+                <a:spcPts val="0"/>
+              </a:spcAft>
+              <a:buClr>
+                <a:schemeClr val="bg2">
+                  <a:lumMod val="40000"/>
+                  <a:lumOff val="60000"/>
+                </a:schemeClr>
+              </a:buClr>
+              <a:buSzPct val="80000"/>
+              <a:buFont typeface="Wingdings 3" charset="2"/>
+              <a:buChar char=""/>
+              <a:defRPr sz="1400" b="0" i="0" kern="1200">
+                <a:solidFill>
+                  <a:schemeClr val="tx1"/>
+                </a:solidFill>
+                <a:latin typeface="+mj-lt"/>
+                <a:ea typeface="+mj-ea"/>
+                <a:cs typeface="+mj-cs"/>
+              </a:defRPr>
+            </a:lvl7pPr>
+            <a:lvl8pPr marL="3429000" indent="-228600" algn="l" defTabSz="457200" rtl="0" eaLnBrk="1" latinLnBrk="0" hangingPunct="1">
+              <a:spcBef>
+                <a:spcPts val="1000"/>
+              </a:spcBef>
+              <a:spcAft>
+                <a:spcPts val="0"/>
+              </a:spcAft>
+              <a:buClr>
+                <a:schemeClr val="bg2">
+                  <a:lumMod val="40000"/>
+                  <a:lumOff val="60000"/>
+                </a:schemeClr>
+              </a:buClr>
+              <a:buSzPct val="80000"/>
+              <a:buFont typeface="Wingdings 3" charset="2"/>
+              <a:buChar char=""/>
+              <a:defRPr sz="1400" b="0" i="0" kern="1200">
+                <a:solidFill>
+                  <a:schemeClr val="tx1"/>
+                </a:solidFill>
+                <a:latin typeface="+mj-lt"/>
+                <a:ea typeface="+mj-ea"/>
+                <a:cs typeface="+mj-cs"/>
+              </a:defRPr>
+            </a:lvl8pPr>
+            <a:lvl9pPr marL="3886200" indent="-228600" algn="l" defTabSz="457200" rtl="0" eaLnBrk="1" latinLnBrk="0" hangingPunct="1">
+              <a:spcBef>
+                <a:spcPts val="1000"/>
+              </a:spcBef>
+              <a:spcAft>
+                <a:spcPts val="0"/>
+              </a:spcAft>
+              <a:buClr>
+                <a:schemeClr val="bg2">
+                  <a:lumMod val="40000"/>
+                  <a:lumOff val="60000"/>
+                </a:schemeClr>
+              </a:buClr>
+              <a:buSzPct val="80000"/>
+              <a:buFont typeface="Wingdings 3" charset="2"/>
+              <a:buChar char=""/>
+              <a:defRPr sz="1400" b="0" i="0" kern="1200">
+                <a:solidFill>
+                  <a:schemeClr val="tx1"/>
+                </a:solidFill>
+                <a:latin typeface="+mj-lt"/>
+                <a:ea typeface="+mj-ea"/>
+                <a:cs typeface="+mj-cs"/>
+              </a:defRPr>
+            </a:lvl9pPr>
+          </a:lstStyle>
+          <a:p>
+            <a:pPr marL="0" indent="0">
+              <a:buNone/>
+            </a:pPr>
+            <a:r>
+              <a:rPr lang="en-GB" dirty="0" smtClean="0">
+                <a:latin typeface="Courier New" panose="02070309020205020404" pitchFamily="49" charset="0"/>
+                <a:cs typeface="Courier New" panose="02070309020205020404" pitchFamily="49" charset="0"/>
+              </a:rPr>
+              <a:t># Week2, Program1</a:t>
+            </a:r>
+          </a:p>
+          <a:p>
+            <a:pPr marL="0" indent="0">
+              <a:buNone/>
+            </a:pPr>
+            <a:endParaRPr lang="en-GB" dirty="0">
+              <a:latin typeface="Courier New" panose="02070309020205020404" pitchFamily="49" charset="0"/>
+              <a:cs typeface="Courier New" panose="02070309020205020404" pitchFamily="49" charset="0"/>
+            </a:endParaRPr>
+          </a:p>
+          <a:p>
+            <a:pPr marL="0" indent="0">
+              <a:buNone/>
+            </a:pPr>
+            <a:r>
+              <a:rPr lang="en-GB" dirty="0" smtClean="0">
+                <a:latin typeface="Courier New" panose="02070309020205020404" pitchFamily="49" charset="0"/>
+                <a:cs typeface="Courier New" panose="02070309020205020404" pitchFamily="49" charset="0"/>
+              </a:rPr>
+              <a:t>a = "Hello World"</a:t>
+            </a:r>
+          </a:p>
+          <a:p>
+            <a:pPr marL="0" indent="0">
+              <a:buNone/>
+            </a:pPr>
+            <a:r>
+              <a:rPr lang="en-GB" dirty="0">
+                <a:latin typeface="Courier New" panose="02070309020205020404" pitchFamily="49" charset="0"/>
+                <a:cs typeface="Courier New" panose="02070309020205020404" pitchFamily="49" charset="0"/>
+              </a:rPr>
+              <a:t>p</a:t>
+            </a:r>
+            <a:r>
+              <a:rPr lang="en-GB" dirty="0" smtClean="0">
+                <a:latin typeface="Courier New" panose="02070309020205020404" pitchFamily="49" charset="0"/>
+                <a:cs typeface="Courier New" panose="02070309020205020404" pitchFamily="49" charset="0"/>
+              </a:rPr>
+              <a:t>rint(a)</a:t>
+            </a:r>
+          </a:p>
+        </p:txBody>
+      </p:sp>
     </p:spTree>
     <p:extLst>
       <p:ext uri="{BB962C8B-B14F-4D97-AF65-F5344CB8AC3E}">
-        <p14:creationId xmlns:p14="http://schemas.microsoft.com/office/powerpoint/2010/main" val="816143058"/>
+        <p14:creationId xmlns:p14="http://schemas.microsoft.com/office/powerpoint/2010/main" val="1960950790"/>
       </p:ext>
     </p:extLst>
   </p:cSld>
@@ -10035,7 +11886,7 @@
           <a:p>
             <a:r>
               <a:rPr lang="en-GB" dirty="0" smtClean="0"/>
-              <a:t>Changing Variables.</a:t>
+              <a:t>Introduction to Comments</a:t>
             </a:r>
             <a:endParaRPr lang="en-GB" dirty="0"/>
           </a:p>
@@ -10054,7 +11905,7 @@
         <p:spPr>
           <a:xfrm>
             <a:off x="976312" y="1853248"/>
-            <a:ext cx="4400021" cy="4195481"/>
+            <a:ext cx="9319155" cy="4195481"/>
           </a:xfrm>
         </p:spPr>
         <p:txBody>
@@ -10065,63 +11916,60 @@
           <a:p>
             <a:r>
               <a:rPr lang="en-GB" dirty="0" smtClean="0"/>
-              <a:t>You can redefine a variable at any time.</a:t>
-            </a:r>
-          </a:p>
-          <a:p>
-            <a:pPr marL="0" indent="0">
-              <a:buNone/>
-            </a:pPr>
+              <a:t>In the previous program, there was a line starting with the hash (#) character.</a:t>
+            </a:r>
+          </a:p>
+          <a:p>
+            <a:r>
+              <a:rPr lang="en-GB" dirty="0" smtClean="0"/>
+              <a:t>This line was :-</a:t>
+            </a:r>
+          </a:p>
+          <a:p>
+            <a:pPr lvl="1"/>
+            <a:r>
+              <a:rPr lang="en-GB" dirty="0">
+                <a:latin typeface="Courier New" panose="02070309020205020404" pitchFamily="49" charset="0"/>
+                <a:cs typeface="Courier New" panose="02070309020205020404" pitchFamily="49" charset="0"/>
+              </a:rPr>
+              <a:t># Week2, </a:t>
+            </a:r>
+            <a:r>
+              <a:rPr lang="en-GB" dirty="0" smtClean="0">
+                <a:latin typeface="Courier New" panose="02070309020205020404" pitchFamily="49" charset="0"/>
+                <a:cs typeface="Courier New" panose="02070309020205020404" pitchFamily="49" charset="0"/>
+              </a:rPr>
+              <a:t>Program1</a:t>
+            </a:r>
+            <a:endParaRPr lang="en-GB" dirty="0">
+              <a:latin typeface="Courier New" panose="02070309020205020404" pitchFamily="49" charset="0"/>
+              <a:cs typeface="Courier New" panose="02070309020205020404" pitchFamily="49" charset="0"/>
+            </a:endParaRPr>
+          </a:p>
+          <a:p>
+            <a:endParaRPr lang="en-GB" dirty="0" smtClean="0">
+              <a:latin typeface="Courier New" panose="02070309020205020404" pitchFamily="49" charset="0"/>
+              <a:cs typeface="Courier New" panose="02070309020205020404" pitchFamily="49" charset="0"/>
+            </a:endParaRPr>
+          </a:p>
+          <a:p>
+            <a:r>
+              <a:rPr lang="en-GB" dirty="0" smtClean="0"/>
+              <a:t>Any line starting with a # character is totally ignored by Python.</a:t>
+            </a:r>
+          </a:p>
+          <a:p>
+            <a:r>
+              <a:rPr lang="en-GB" dirty="0" smtClean="0"/>
+              <a:t>It is only for human beings. Use comments to remind you why you put something in your program.</a:t>
+            </a:r>
+          </a:p>
+          <a:p>
+            <a:r>
+              <a:rPr lang="en-GB" dirty="0" smtClean="0"/>
+              <a:t>You will learn more about comments in a later week.</a:t>
+            </a:r>
             <a:endParaRPr lang="en-GB" dirty="0"/>
-          </a:p>
-          <a:p>
-            <a:r>
-              <a:rPr lang="en-GB" b="1" u="sng" dirty="0" smtClean="0">
-                <a:solidFill>
-                  <a:srgbClr val="FFFF00"/>
-                </a:solidFill>
-              </a:rPr>
-              <a:t>TASK:</a:t>
-            </a:r>
-            <a:r>
-              <a:rPr lang="en-GB" b="1" dirty="0" smtClean="0">
-                <a:solidFill>
-                  <a:srgbClr val="FFFF00"/>
-                </a:solidFill>
-              </a:rPr>
-              <a:t> </a:t>
-            </a:r>
-            <a:r>
-              <a:rPr lang="en-GB" dirty="0" smtClean="0">
-                <a:solidFill>
-                  <a:srgbClr val="FFFF00"/>
-                </a:solidFill>
-              </a:rPr>
-              <a:t>What do you think the program on the right will do ?</a:t>
-            </a:r>
-          </a:p>
-          <a:p>
-            <a:r>
-              <a:rPr lang="en-GB" b="1" u="sng" dirty="0" smtClean="0">
-                <a:solidFill>
-                  <a:srgbClr val="FFFF00"/>
-                </a:solidFill>
-              </a:rPr>
-              <a:t>TASK:</a:t>
-            </a:r>
-            <a:r>
-              <a:rPr lang="en-GB" dirty="0" smtClean="0">
-                <a:solidFill>
-                  <a:srgbClr val="FFFF00"/>
-                </a:solidFill>
-              </a:rPr>
-              <a:t> Type it in, run it and see if you were correct.</a:t>
-            </a:r>
-            <a:endParaRPr lang="en-GB" dirty="0" smtClean="0">
-              <a:solidFill>
-                <a:srgbClr val="FFFF00"/>
-              </a:solidFill>
-            </a:endParaRPr>
           </a:p>
         </p:txBody>
       </p:sp>
@@ -10390,342 +12238,10 @@
           </a:p>
         </p:txBody>
       </p:sp>
-      <p:sp>
-        <p:nvSpPr>
-          <p:cNvPr id="5" name="Content Placeholder 2"/>
-          <p:cNvSpPr txBox="1">
-            <a:spLocks/>
-          </p:cNvSpPr>
-          <p:nvPr/>
-        </p:nvSpPr>
-        <p:spPr>
-          <a:xfrm>
-            <a:off x="6016202" y="1853246"/>
-            <a:ext cx="4400021" cy="4195481"/>
-          </a:xfrm>
-          <a:prstGeom prst="rect">
-            <a:avLst/>
-          </a:prstGeom>
-        </p:spPr>
-        <p:txBody>
-          <a:bodyPr vert="horz" lIns="91440" tIns="45720" rIns="91440" bIns="45720" rtlCol="0">
-            <a:normAutofit/>
-          </a:bodyPr>
-          <a:lstStyle>
-            <a:lvl1pPr marL="342900" indent="-342900" algn="l" defTabSz="457200" rtl="0" eaLnBrk="1" latinLnBrk="0" hangingPunct="1">
-              <a:spcBef>
-                <a:spcPts val="1000"/>
-              </a:spcBef>
-              <a:spcAft>
-                <a:spcPts val="0"/>
-              </a:spcAft>
-              <a:buClr>
-                <a:schemeClr val="bg2">
-                  <a:lumMod val="40000"/>
-                  <a:lumOff val="60000"/>
-                </a:schemeClr>
-              </a:buClr>
-              <a:buSzPct val="80000"/>
-              <a:buFont typeface="Wingdings 3" charset="2"/>
-              <a:buChar char=""/>
-              <a:defRPr sz="2000" b="0" i="0" kern="1200">
-                <a:solidFill>
-                  <a:schemeClr val="tx1"/>
-                </a:solidFill>
-                <a:latin typeface="+mj-lt"/>
-                <a:ea typeface="+mj-ea"/>
-                <a:cs typeface="+mj-cs"/>
-              </a:defRPr>
-            </a:lvl1pPr>
-            <a:lvl2pPr marL="742950" indent="-285750" algn="l" defTabSz="457200" rtl="0" eaLnBrk="1" latinLnBrk="0" hangingPunct="1">
-              <a:spcBef>
-                <a:spcPts val="1000"/>
-              </a:spcBef>
-              <a:spcAft>
-                <a:spcPts val="0"/>
-              </a:spcAft>
-              <a:buClr>
-                <a:schemeClr val="bg2">
-                  <a:lumMod val="40000"/>
-                  <a:lumOff val="60000"/>
-                </a:schemeClr>
-              </a:buClr>
-              <a:buSzPct val="80000"/>
-              <a:buFont typeface="Wingdings 3" charset="2"/>
-              <a:buChar char=""/>
-              <a:defRPr sz="1800" b="0" i="0" kern="1200">
-                <a:solidFill>
-                  <a:schemeClr val="tx1"/>
-                </a:solidFill>
-                <a:latin typeface="+mj-lt"/>
-                <a:ea typeface="+mj-ea"/>
-                <a:cs typeface="+mj-cs"/>
-              </a:defRPr>
-            </a:lvl2pPr>
-            <a:lvl3pPr marL="1143000" indent="-228600" algn="l" defTabSz="457200" rtl="0" eaLnBrk="1" latinLnBrk="0" hangingPunct="1">
-              <a:spcBef>
-                <a:spcPts val="1000"/>
-              </a:spcBef>
-              <a:spcAft>
-                <a:spcPts val="0"/>
-              </a:spcAft>
-              <a:buClr>
-                <a:schemeClr val="bg2">
-                  <a:lumMod val="40000"/>
-                  <a:lumOff val="60000"/>
-                </a:schemeClr>
-              </a:buClr>
-              <a:buSzPct val="80000"/>
-              <a:buFont typeface="Wingdings 3" charset="2"/>
-              <a:buChar char=""/>
-              <a:defRPr sz="1600" b="0" i="0" kern="1200">
-                <a:solidFill>
-                  <a:schemeClr val="tx1"/>
-                </a:solidFill>
-                <a:latin typeface="+mj-lt"/>
-                <a:ea typeface="+mj-ea"/>
-                <a:cs typeface="+mj-cs"/>
-              </a:defRPr>
-            </a:lvl3pPr>
-            <a:lvl4pPr marL="1600200" indent="-228600" algn="l" defTabSz="457200" rtl="0" eaLnBrk="1" latinLnBrk="0" hangingPunct="1">
-              <a:spcBef>
-                <a:spcPts val="1000"/>
-              </a:spcBef>
-              <a:spcAft>
-                <a:spcPts val="0"/>
-              </a:spcAft>
-              <a:buClr>
-                <a:schemeClr val="bg2">
-                  <a:lumMod val="40000"/>
-                  <a:lumOff val="60000"/>
-                </a:schemeClr>
-              </a:buClr>
-              <a:buSzPct val="80000"/>
-              <a:buFont typeface="Wingdings 3" charset="2"/>
-              <a:buChar char=""/>
-              <a:defRPr sz="1400" b="0" i="0" kern="1200">
-                <a:solidFill>
-                  <a:schemeClr val="tx1"/>
-                </a:solidFill>
-                <a:latin typeface="+mj-lt"/>
-                <a:ea typeface="+mj-ea"/>
-                <a:cs typeface="+mj-cs"/>
-              </a:defRPr>
-            </a:lvl4pPr>
-            <a:lvl5pPr marL="2057400" indent="-228600" algn="l" defTabSz="457200" rtl="0" eaLnBrk="1" latinLnBrk="0" hangingPunct="1">
-              <a:spcBef>
-                <a:spcPts val="1000"/>
-              </a:spcBef>
-              <a:spcAft>
-                <a:spcPts val="0"/>
-              </a:spcAft>
-              <a:buClr>
-                <a:schemeClr val="bg2">
-                  <a:lumMod val="40000"/>
-                  <a:lumOff val="60000"/>
-                </a:schemeClr>
-              </a:buClr>
-              <a:buSzPct val="80000"/>
-              <a:buFont typeface="Wingdings 3" charset="2"/>
-              <a:buChar char=""/>
-              <a:defRPr sz="1400" b="0" i="0" kern="1200">
-                <a:solidFill>
-                  <a:schemeClr val="tx1"/>
-                </a:solidFill>
-                <a:latin typeface="+mj-lt"/>
-                <a:ea typeface="+mj-ea"/>
-                <a:cs typeface="+mj-cs"/>
-              </a:defRPr>
-            </a:lvl5pPr>
-            <a:lvl6pPr marL="2506000" indent="-228600" algn="l" defTabSz="457200" rtl="0" eaLnBrk="1" latinLnBrk="0" hangingPunct="1">
-              <a:spcBef>
-                <a:spcPts val="1000"/>
-              </a:spcBef>
-              <a:spcAft>
-                <a:spcPts val="0"/>
-              </a:spcAft>
-              <a:buClr>
-                <a:schemeClr val="bg2">
-                  <a:lumMod val="40000"/>
-                  <a:lumOff val="60000"/>
-                </a:schemeClr>
-              </a:buClr>
-              <a:buSzPct val="80000"/>
-              <a:buFont typeface="Wingdings 3" charset="2"/>
-              <a:buChar char=""/>
-              <a:defRPr sz="1400" b="0" i="0" kern="1200">
-                <a:solidFill>
-                  <a:schemeClr val="tx1"/>
-                </a:solidFill>
-                <a:latin typeface="+mj-lt"/>
-                <a:ea typeface="+mj-ea"/>
-                <a:cs typeface="+mj-cs"/>
-              </a:defRPr>
-            </a:lvl6pPr>
-            <a:lvl7pPr marL="2971800" indent="-228600" algn="l" defTabSz="457200" rtl="0" eaLnBrk="1" latinLnBrk="0" hangingPunct="1">
-              <a:spcBef>
-                <a:spcPts val="1000"/>
-              </a:spcBef>
-              <a:spcAft>
-                <a:spcPts val="0"/>
-              </a:spcAft>
-              <a:buClr>
-                <a:schemeClr val="bg2">
-                  <a:lumMod val="40000"/>
-                  <a:lumOff val="60000"/>
-                </a:schemeClr>
-              </a:buClr>
-              <a:buSzPct val="80000"/>
-              <a:buFont typeface="Wingdings 3" charset="2"/>
-              <a:buChar char=""/>
-              <a:defRPr sz="1400" b="0" i="0" kern="1200">
-                <a:solidFill>
-                  <a:schemeClr val="tx1"/>
-                </a:solidFill>
-                <a:latin typeface="+mj-lt"/>
-                <a:ea typeface="+mj-ea"/>
-                <a:cs typeface="+mj-cs"/>
-              </a:defRPr>
-            </a:lvl7pPr>
-            <a:lvl8pPr marL="3429000" indent="-228600" algn="l" defTabSz="457200" rtl="0" eaLnBrk="1" latinLnBrk="0" hangingPunct="1">
-              <a:spcBef>
-                <a:spcPts val="1000"/>
-              </a:spcBef>
-              <a:spcAft>
-                <a:spcPts val="0"/>
-              </a:spcAft>
-              <a:buClr>
-                <a:schemeClr val="bg2">
-                  <a:lumMod val="40000"/>
-                  <a:lumOff val="60000"/>
-                </a:schemeClr>
-              </a:buClr>
-              <a:buSzPct val="80000"/>
-              <a:buFont typeface="Wingdings 3" charset="2"/>
-              <a:buChar char=""/>
-              <a:defRPr sz="1400" b="0" i="0" kern="1200">
-                <a:solidFill>
-                  <a:schemeClr val="tx1"/>
-                </a:solidFill>
-                <a:latin typeface="+mj-lt"/>
-                <a:ea typeface="+mj-ea"/>
-                <a:cs typeface="+mj-cs"/>
-              </a:defRPr>
-            </a:lvl8pPr>
-            <a:lvl9pPr marL="3886200" indent="-228600" algn="l" defTabSz="457200" rtl="0" eaLnBrk="1" latinLnBrk="0" hangingPunct="1">
-              <a:spcBef>
-                <a:spcPts val="1000"/>
-              </a:spcBef>
-              <a:spcAft>
-                <a:spcPts val="0"/>
-              </a:spcAft>
-              <a:buClr>
-                <a:schemeClr val="bg2">
-                  <a:lumMod val="40000"/>
-                  <a:lumOff val="60000"/>
-                </a:schemeClr>
-              </a:buClr>
-              <a:buSzPct val="80000"/>
-              <a:buFont typeface="Wingdings 3" charset="2"/>
-              <a:buChar char=""/>
-              <a:defRPr sz="1400" b="0" i="0" kern="1200">
-                <a:solidFill>
-                  <a:schemeClr val="tx1"/>
-                </a:solidFill>
-                <a:latin typeface="+mj-lt"/>
-                <a:ea typeface="+mj-ea"/>
-                <a:cs typeface="+mj-cs"/>
-              </a:defRPr>
-            </a:lvl9pPr>
-          </a:lstStyle>
-          <a:p>
-            <a:pPr marL="0" indent="0">
-              <a:buNone/>
-            </a:pPr>
-            <a:endParaRPr lang="en-GB" dirty="0" smtClean="0">
-              <a:latin typeface="Courier New" panose="02070309020205020404" pitchFamily="49" charset="0"/>
-              <a:cs typeface="Courier New" panose="02070309020205020404" pitchFamily="49" charset="0"/>
-            </a:endParaRPr>
-          </a:p>
-        </p:txBody>
-      </p:sp>
-      <p:sp>
-        <p:nvSpPr>
-          <p:cNvPr id="7" name="Rectangle 6"/>
-          <p:cNvSpPr/>
-          <p:nvPr/>
-        </p:nvSpPr>
-        <p:spPr>
-          <a:xfrm>
-            <a:off x="5706534" y="1853245"/>
-            <a:ext cx="6096000" cy="1754326"/>
-          </a:xfrm>
-          <a:prstGeom prst="rect">
-            <a:avLst/>
-          </a:prstGeom>
-        </p:spPr>
-        <p:txBody>
-          <a:bodyPr>
-            <a:spAutoFit/>
-          </a:bodyPr>
-          <a:lstStyle/>
-          <a:p>
-            <a:r>
-              <a:rPr lang="en-GB" dirty="0">
-                <a:latin typeface="Courier New" panose="02070309020205020404" pitchFamily="49" charset="0"/>
-                <a:cs typeface="Courier New" panose="02070309020205020404" pitchFamily="49" charset="0"/>
-              </a:rPr>
-              <a:t># Week2, Program2</a:t>
-            </a:r>
-          </a:p>
-          <a:p>
-            <a:endParaRPr lang="en-GB" dirty="0">
-              <a:latin typeface="Courier New" panose="02070309020205020404" pitchFamily="49" charset="0"/>
-              <a:cs typeface="Courier New" panose="02070309020205020404" pitchFamily="49" charset="0"/>
-            </a:endParaRPr>
-          </a:p>
-          <a:p>
-            <a:r>
-              <a:rPr lang="en-GB" dirty="0">
-                <a:latin typeface="Courier New" panose="02070309020205020404" pitchFamily="49" charset="0"/>
-                <a:cs typeface="Courier New" panose="02070309020205020404" pitchFamily="49" charset="0"/>
-              </a:rPr>
-              <a:t>a = "Hello World"</a:t>
-            </a:r>
-          </a:p>
-          <a:p>
-            <a:r>
-              <a:rPr lang="en-GB" dirty="0">
-                <a:latin typeface="Courier New" panose="02070309020205020404" pitchFamily="49" charset="0"/>
-                <a:cs typeface="Courier New" panose="02070309020205020404" pitchFamily="49" charset="0"/>
-              </a:rPr>
-              <a:t>print(a)</a:t>
-            </a:r>
-          </a:p>
-          <a:p>
-            <a:r>
-              <a:rPr lang="en-GB" dirty="0">
-                <a:latin typeface="Courier New" panose="02070309020205020404" pitchFamily="49" charset="0"/>
-                <a:cs typeface="Courier New" panose="02070309020205020404" pitchFamily="49" charset="0"/>
-              </a:rPr>
-              <a:t>a = "Goodbye World"</a:t>
-            </a:r>
-          </a:p>
-          <a:p>
-            <a:r>
-              <a:rPr lang="en-GB" dirty="0">
-                <a:latin typeface="Courier New" panose="02070309020205020404" pitchFamily="49" charset="0"/>
-                <a:cs typeface="Courier New" panose="02070309020205020404" pitchFamily="49" charset="0"/>
-              </a:rPr>
-              <a:t>print(a)</a:t>
-            </a:r>
-          </a:p>
-        </p:txBody>
-      </p:sp>
     </p:spTree>
     <p:extLst>
       <p:ext uri="{BB962C8B-B14F-4D97-AF65-F5344CB8AC3E}">
-        <p14:creationId xmlns:p14="http://schemas.microsoft.com/office/powerpoint/2010/main" val="781318817"/>
+        <p14:creationId xmlns:p14="http://schemas.microsoft.com/office/powerpoint/2010/main" val="816143058"/>
       </p:ext>
     </p:extLst>
   </p:cSld>
@@ -10776,7 +12292,7 @@
           <a:p>
             <a:r>
               <a:rPr lang="en-GB" dirty="0" smtClean="0"/>
-              <a:t>Types of Variable.</a:t>
+              <a:t>Changing Variables.</a:t>
             </a:r>
             <a:endParaRPr lang="en-GB" dirty="0"/>
           </a:p>
@@ -10792,63 +12308,668 @@
             <p:ph idx="1"/>
           </p:nvPr>
         </p:nvSpPr>
-        <p:spPr/>
-        <p:txBody>
-          <a:bodyPr/>
+        <p:spPr>
+          <a:xfrm>
+            <a:off x="976312" y="1853248"/>
+            <a:ext cx="4400021" cy="4195481"/>
+          </a:xfrm>
+        </p:spPr>
+        <p:txBody>
+          <a:bodyPr>
+            <a:normAutofit/>
+          </a:bodyPr>
           <a:lstStyle/>
           <a:p>
             <a:r>
               <a:rPr lang="en-GB" dirty="0" smtClean="0"/>
-              <a:t>The variables you have seen so far are all </a:t>
-            </a:r>
-            <a:r>
-              <a:rPr lang="en-GB" u="sng" dirty="0" smtClean="0"/>
-              <a:t>strings</a:t>
-            </a:r>
-            <a:r>
-              <a:rPr lang="en-GB" dirty="0" smtClean="0"/>
-              <a:t>.</a:t>
-            </a:r>
-          </a:p>
-          <a:p>
-            <a:r>
-              <a:rPr lang="en-GB" dirty="0" smtClean="0"/>
-              <a:t>In computing, a string is something composed of one or more </a:t>
-            </a:r>
-            <a:r>
-              <a:rPr lang="en-GB" u="sng" dirty="0" smtClean="0"/>
-              <a:t>characters</a:t>
-            </a:r>
-            <a:r>
-              <a:rPr lang="en-GB" dirty="0" smtClean="0"/>
-              <a:t>.</a:t>
-            </a:r>
-          </a:p>
-          <a:p>
-            <a:r>
-              <a:rPr lang="en-GB" dirty="0" smtClean="0"/>
-              <a:t>A </a:t>
-            </a:r>
-            <a:r>
-              <a:rPr lang="en-GB" u="sng" dirty="0" smtClean="0"/>
-              <a:t>character</a:t>
-            </a:r>
-            <a:r>
-              <a:rPr lang="en-GB" dirty="0"/>
+              <a:t>You can redefine a variable at any time.</a:t>
+            </a:r>
+          </a:p>
+          <a:p>
+            <a:pPr marL="0" indent="0">
+              <a:buNone/>
+            </a:pPr>
+            <a:endParaRPr lang="en-GB" dirty="0"/>
+          </a:p>
+          <a:p>
+            <a:r>
+              <a:rPr lang="en-GB" b="1" u="sng" dirty="0" smtClean="0">
+                <a:solidFill>
+                  <a:srgbClr val="FFFF00"/>
+                </a:solidFill>
+              </a:rPr>
+              <a:t>TASK:</a:t>
+            </a:r>
+            <a:r>
+              <a:rPr lang="en-GB" b="1" dirty="0" smtClean="0">
+                <a:solidFill>
+                  <a:srgbClr val="FFFF00"/>
+                </a:solidFill>
+              </a:rPr>
               <a:t> </a:t>
             </a:r>
             <a:r>
-              <a:rPr lang="en-GB" dirty="0" smtClean="0"/>
-              <a:t>is basically any symbol, like A or 1 or @.</a:t>
-            </a:r>
-          </a:p>
-          <a:p>
-            <a:endParaRPr lang="en-GB" u="sng" dirty="0"/>
-          </a:p>
-          <a:p>
-            <a:r>
-              <a:rPr lang="en-GB" dirty="0" smtClean="0"/>
-              <a:t>In Python, when you are setting a string, you must enclose it in quotes (either double or single quotes) to tell Python it is a string.</a:t>
+              <a:rPr lang="en-GB" dirty="0" smtClean="0">
+                <a:solidFill>
+                  <a:srgbClr val="FFFF00"/>
+                </a:solidFill>
+              </a:rPr>
+              <a:t>What do you think the program on the right will do ?</a:t>
+            </a:r>
+          </a:p>
+          <a:p>
+            <a:r>
+              <a:rPr lang="en-GB" b="1" u="sng" dirty="0" smtClean="0">
+                <a:solidFill>
+                  <a:srgbClr val="FFFF00"/>
+                </a:solidFill>
+              </a:rPr>
+              <a:t>TASK:</a:t>
+            </a:r>
+            <a:r>
+              <a:rPr lang="en-GB" dirty="0" smtClean="0">
+                <a:solidFill>
+                  <a:srgbClr val="FFFF00"/>
+                </a:solidFill>
+              </a:rPr>
+              <a:t> Type it in, run it and see if you were correct.</a:t>
+            </a:r>
+          </a:p>
+        </p:txBody>
+      </p:sp>
+      <p:sp>
+        <p:nvSpPr>
+          <p:cNvPr id="4" name="Content Placeholder 2"/>
+          <p:cNvSpPr txBox="1">
+            <a:spLocks/>
+          </p:cNvSpPr>
+          <p:nvPr/>
+        </p:nvSpPr>
+        <p:spPr>
+          <a:xfrm>
+            <a:off x="6107112" y="1853247"/>
+            <a:ext cx="4400021" cy="4195481"/>
+          </a:xfrm>
+          <a:prstGeom prst="rect">
+            <a:avLst/>
+          </a:prstGeom>
+        </p:spPr>
+        <p:txBody>
+          <a:bodyPr vert="horz" lIns="91440" tIns="45720" rIns="91440" bIns="45720" rtlCol="0">
+            <a:normAutofit/>
+          </a:bodyPr>
+          <a:lstStyle>
+            <a:lvl1pPr marL="342900" indent="-342900" algn="l" defTabSz="457200" rtl="0" eaLnBrk="1" latinLnBrk="0" hangingPunct="1">
+              <a:spcBef>
+                <a:spcPts val="1000"/>
+              </a:spcBef>
+              <a:spcAft>
+                <a:spcPts val="0"/>
+              </a:spcAft>
+              <a:buClr>
+                <a:schemeClr val="bg2">
+                  <a:lumMod val="40000"/>
+                  <a:lumOff val="60000"/>
+                </a:schemeClr>
+              </a:buClr>
+              <a:buSzPct val="80000"/>
+              <a:buFont typeface="Wingdings 3" charset="2"/>
+              <a:buChar char=""/>
+              <a:defRPr sz="2000" b="0" i="0" kern="1200">
+                <a:solidFill>
+                  <a:schemeClr val="tx1"/>
+                </a:solidFill>
+                <a:latin typeface="+mj-lt"/>
+                <a:ea typeface="+mj-ea"/>
+                <a:cs typeface="+mj-cs"/>
+              </a:defRPr>
+            </a:lvl1pPr>
+            <a:lvl2pPr marL="742950" indent="-285750" algn="l" defTabSz="457200" rtl="0" eaLnBrk="1" latinLnBrk="0" hangingPunct="1">
+              <a:spcBef>
+                <a:spcPts val="1000"/>
+              </a:spcBef>
+              <a:spcAft>
+                <a:spcPts val="0"/>
+              </a:spcAft>
+              <a:buClr>
+                <a:schemeClr val="bg2">
+                  <a:lumMod val="40000"/>
+                  <a:lumOff val="60000"/>
+                </a:schemeClr>
+              </a:buClr>
+              <a:buSzPct val="80000"/>
+              <a:buFont typeface="Wingdings 3" charset="2"/>
+              <a:buChar char=""/>
+              <a:defRPr sz="1800" b="0" i="0" kern="1200">
+                <a:solidFill>
+                  <a:schemeClr val="tx1"/>
+                </a:solidFill>
+                <a:latin typeface="+mj-lt"/>
+                <a:ea typeface="+mj-ea"/>
+                <a:cs typeface="+mj-cs"/>
+              </a:defRPr>
+            </a:lvl2pPr>
+            <a:lvl3pPr marL="1143000" indent="-228600" algn="l" defTabSz="457200" rtl="0" eaLnBrk="1" latinLnBrk="0" hangingPunct="1">
+              <a:spcBef>
+                <a:spcPts val="1000"/>
+              </a:spcBef>
+              <a:spcAft>
+                <a:spcPts val="0"/>
+              </a:spcAft>
+              <a:buClr>
+                <a:schemeClr val="bg2">
+                  <a:lumMod val="40000"/>
+                  <a:lumOff val="60000"/>
+                </a:schemeClr>
+              </a:buClr>
+              <a:buSzPct val="80000"/>
+              <a:buFont typeface="Wingdings 3" charset="2"/>
+              <a:buChar char=""/>
+              <a:defRPr sz="1600" b="0" i="0" kern="1200">
+                <a:solidFill>
+                  <a:schemeClr val="tx1"/>
+                </a:solidFill>
+                <a:latin typeface="+mj-lt"/>
+                <a:ea typeface="+mj-ea"/>
+                <a:cs typeface="+mj-cs"/>
+              </a:defRPr>
+            </a:lvl3pPr>
+            <a:lvl4pPr marL="1600200" indent="-228600" algn="l" defTabSz="457200" rtl="0" eaLnBrk="1" latinLnBrk="0" hangingPunct="1">
+              <a:spcBef>
+                <a:spcPts val="1000"/>
+              </a:spcBef>
+              <a:spcAft>
+                <a:spcPts val="0"/>
+              </a:spcAft>
+              <a:buClr>
+                <a:schemeClr val="bg2">
+                  <a:lumMod val="40000"/>
+                  <a:lumOff val="60000"/>
+                </a:schemeClr>
+              </a:buClr>
+              <a:buSzPct val="80000"/>
+              <a:buFont typeface="Wingdings 3" charset="2"/>
+              <a:buChar char=""/>
+              <a:defRPr sz="1400" b="0" i="0" kern="1200">
+                <a:solidFill>
+                  <a:schemeClr val="tx1"/>
+                </a:solidFill>
+                <a:latin typeface="+mj-lt"/>
+                <a:ea typeface="+mj-ea"/>
+                <a:cs typeface="+mj-cs"/>
+              </a:defRPr>
+            </a:lvl4pPr>
+            <a:lvl5pPr marL="2057400" indent="-228600" algn="l" defTabSz="457200" rtl="0" eaLnBrk="1" latinLnBrk="0" hangingPunct="1">
+              <a:spcBef>
+                <a:spcPts val="1000"/>
+              </a:spcBef>
+              <a:spcAft>
+                <a:spcPts val="0"/>
+              </a:spcAft>
+              <a:buClr>
+                <a:schemeClr val="bg2">
+                  <a:lumMod val="40000"/>
+                  <a:lumOff val="60000"/>
+                </a:schemeClr>
+              </a:buClr>
+              <a:buSzPct val="80000"/>
+              <a:buFont typeface="Wingdings 3" charset="2"/>
+              <a:buChar char=""/>
+              <a:defRPr sz="1400" b="0" i="0" kern="1200">
+                <a:solidFill>
+                  <a:schemeClr val="tx1"/>
+                </a:solidFill>
+                <a:latin typeface="+mj-lt"/>
+                <a:ea typeface="+mj-ea"/>
+                <a:cs typeface="+mj-cs"/>
+              </a:defRPr>
+            </a:lvl5pPr>
+            <a:lvl6pPr marL="2506000" indent="-228600" algn="l" defTabSz="457200" rtl="0" eaLnBrk="1" latinLnBrk="0" hangingPunct="1">
+              <a:spcBef>
+                <a:spcPts val="1000"/>
+              </a:spcBef>
+              <a:spcAft>
+                <a:spcPts val="0"/>
+              </a:spcAft>
+              <a:buClr>
+                <a:schemeClr val="bg2">
+                  <a:lumMod val="40000"/>
+                  <a:lumOff val="60000"/>
+                </a:schemeClr>
+              </a:buClr>
+              <a:buSzPct val="80000"/>
+              <a:buFont typeface="Wingdings 3" charset="2"/>
+              <a:buChar char=""/>
+              <a:defRPr sz="1400" b="0" i="0" kern="1200">
+                <a:solidFill>
+                  <a:schemeClr val="tx1"/>
+                </a:solidFill>
+                <a:latin typeface="+mj-lt"/>
+                <a:ea typeface="+mj-ea"/>
+                <a:cs typeface="+mj-cs"/>
+              </a:defRPr>
+            </a:lvl6pPr>
+            <a:lvl7pPr marL="2971800" indent="-228600" algn="l" defTabSz="457200" rtl="0" eaLnBrk="1" latinLnBrk="0" hangingPunct="1">
+              <a:spcBef>
+                <a:spcPts val="1000"/>
+              </a:spcBef>
+              <a:spcAft>
+                <a:spcPts val="0"/>
+              </a:spcAft>
+              <a:buClr>
+                <a:schemeClr val="bg2">
+                  <a:lumMod val="40000"/>
+                  <a:lumOff val="60000"/>
+                </a:schemeClr>
+              </a:buClr>
+              <a:buSzPct val="80000"/>
+              <a:buFont typeface="Wingdings 3" charset="2"/>
+              <a:buChar char=""/>
+              <a:defRPr sz="1400" b="0" i="0" kern="1200">
+                <a:solidFill>
+                  <a:schemeClr val="tx1"/>
+                </a:solidFill>
+                <a:latin typeface="+mj-lt"/>
+                <a:ea typeface="+mj-ea"/>
+                <a:cs typeface="+mj-cs"/>
+              </a:defRPr>
+            </a:lvl7pPr>
+            <a:lvl8pPr marL="3429000" indent="-228600" algn="l" defTabSz="457200" rtl="0" eaLnBrk="1" latinLnBrk="0" hangingPunct="1">
+              <a:spcBef>
+                <a:spcPts val="1000"/>
+              </a:spcBef>
+              <a:spcAft>
+                <a:spcPts val="0"/>
+              </a:spcAft>
+              <a:buClr>
+                <a:schemeClr val="bg2">
+                  <a:lumMod val="40000"/>
+                  <a:lumOff val="60000"/>
+                </a:schemeClr>
+              </a:buClr>
+              <a:buSzPct val="80000"/>
+              <a:buFont typeface="Wingdings 3" charset="2"/>
+              <a:buChar char=""/>
+              <a:defRPr sz="1400" b="0" i="0" kern="1200">
+                <a:solidFill>
+                  <a:schemeClr val="tx1"/>
+                </a:solidFill>
+                <a:latin typeface="+mj-lt"/>
+                <a:ea typeface="+mj-ea"/>
+                <a:cs typeface="+mj-cs"/>
+              </a:defRPr>
+            </a:lvl8pPr>
+            <a:lvl9pPr marL="3886200" indent="-228600" algn="l" defTabSz="457200" rtl="0" eaLnBrk="1" latinLnBrk="0" hangingPunct="1">
+              <a:spcBef>
+                <a:spcPts val="1000"/>
+              </a:spcBef>
+              <a:spcAft>
+                <a:spcPts val="0"/>
+              </a:spcAft>
+              <a:buClr>
+                <a:schemeClr val="bg2">
+                  <a:lumMod val="40000"/>
+                  <a:lumOff val="60000"/>
+                </a:schemeClr>
+              </a:buClr>
+              <a:buSzPct val="80000"/>
+              <a:buFont typeface="Wingdings 3" charset="2"/>
+              <a:buChar char=""/>
+              <a:defRPr sz="1400" b="0" i="0" kern="1200">
+                <a:solidFill>
+                  <a:schemeClr val="tx1"/>
+                </a:solidFill>
+                <a:latin typeface="+mj-lt"/>
+                <a:ea typeface="+mj-ea"/>
+                <a:cs typeface="+mj-cs"/>
+              </a:defRPr>
+            </a:lvl9pPr>
+          </a:lstStyle>
+          <a:p>
+            <a:pPr marL="0" indent="0">
+              <a:buNone/>
+            </a:pPr>
+            <a:endParaRPr lang="fr-FR" dirty="0">
+              <a:latin typeface="Courier New" panose="02070309020205020404" pitchFamily="49" charset="0"/>
+              <a:cs typeface="Courier New" panose="02070309020205020404" pitchFamily="49" charset="0"/>
+            </a:endParaRPr>
+          </a:p>
+          <a:p>
+            <a:pPr marL="0" indent="0">
+              <a:buNone/>
+            </a:pPr>
+            <a:endParaRPr lang="en-GB" dirty="0" smtClean="0"/>
+          </a:p>
+        </p:txBody>
+      </p:sp>
+      <p:sp>
+        <p:nvSpPr>
+          <p:cNvPr id="5" name="Content Placeholder 2"/>
+          <p:cNvSpPr txBox="1">
+            <a:spLocks/>
+          </p:cNvSpPr>
+          <p:nvPr/>
+        </p:nvSpPr>
+        <p:spPr>
+          <a:xfrm>
+            <a:off x="6016202" y="1853246"/>
+            <a:ext cx="4400021" cy="4195481"/>
+          </a:xfrm>
+          <a:prstGeom prst="rect">
+            <a:avLst/>
+          </a:prstGeom>
+        </p:spPr>
+        <p:txBody>
+          <a:bodyPr vert="horz" lIns="91440" tIns="45720" rIns="91440" bIns="45720" rtlCol="0">
+            <a:normAutofit/>
+          </a:bodyPr>
+          <a:lstStyle>
+            <a:lvl1pPr marL="342900" indent="-342900" algn="l" defTabSz="457200" rtl="0" eaLnBrk="1" latinLnBrk="0" hangingPunct="1">
+              <a:spcBef>
+                <a:spcPts val="1000"/>
+              </a:spcBef>
+              <a:spcAft>
+                <a:spcPts val="0"/>
+              </a:spcAft>
+              <a:buClr>
+                <a:schemeClr val="bg2">
+                  <a:lumMod val="40000"/>
+                  <a:lumOff val="60000"/>
+                </a:schemeClr>
+              </a:buClr>
+              <a:buSzPct val="80000"/>
+              <a:buFont typeface="Wingdings 3" charset="2"/>
+              <a:buChar char=""/>
+              <a:defRPr sz="2000" b="0" i="0" kern="1200">
+                <a:solidFill>
+                  <a:schemeClr val="tx1"/>
+                </a:solidFill>
+                <a:latin typeface="+mj-lt"/>
+                <a:ea typeface="+mj-ea"/>
+                <a:cs typeface="+mj-cs"/>
+              </a:defRPr>
+            </a:lvl1pPr>
+            <a:lvl2pPr marL="742950" indent="-285750" algn="l" defTabSz="457200" rtl="0" eaLnBrk="1" latinLnBrk="0" hangingPunct="1">
+              <a:spcBef>
+                <a:spcPts val="1000"/>
+              </a:spcBef>
+              <a:spcAft>
+                <a:spcPts val="0"/>
+              </a:spcAft>
+              <a:buClr>
+                <a:schemeClr val="bg2">
+                  <a:lumMod val="40000"/>
+                  <a:lumOff val="60000"/>
+                </a:schemeClr>
+              </a:buClr>
+              <a:buSzPct val="80000"/>
+              <a:buFont typeface="Wingdings 3" charset="2"/>
+              <a:buChar char=""/>
+              <a:defRPr sz="1800" b="0" i="0" kern="1200">
+                <a:solidFill>
+                  <a:schemeClr val="tx1"/>
+                </a:solidFill>
+                <a:latin typeface="+mj-lt"/>
+                <a:ea typeface="+mj-ea"/>
+                <a:cs typeface="+mj-cs"/>
+              </a:defRPr>
+            </a:lvl2pPr>
+            <a:lvl3pPr marL="1143000" indent="-228600" algn="l" defTabSz="457200" rtl="0" eaLnBrk="1" latinLnBrk="0" hangingPunct="1">
+              <a:spcBef>
+                <a:spcPts val="1000"/>
+              </a:spcBef>
+              <a:spcAft>
+                <a:spcPts val="0"/>
+              </a:spcAft>
+              <a:buClr>
+                <a:schemeClr val="bg2">
+                  <a:lumMod val="40000"/>
+                  <a:lumOff val="60000"/>
+                </a:schemeClr>
+              </a:buClr>
+              <a:buSzPct val="80000"/>
+              <a:buFont typeface="Wingdings 3" charset="2"/>
+              <a:buChar char=""/>
+              <a:defRPr sz="1600" b="0" i="0" kern="1200">
+                <a:solidFill>
+                  <a:schemeClr val="tx1"/>
+                </a:solidFill>
+                <a:latin typeface="+mj-lt"/>
+                <a:ea typeface="+mj-ea"/>
+                <a:cs typeface="+mj-cs"/>
+              </a:defRPr>
+            </a:lvl3pPr>
+            <a:lvl4pPr marL="1600200" indent="-228600" algn="l" defTabSz="457200" rtl="0" eaLnBrk="1" latinLnBrk="0" hangingPunct="1">
+              <a:spcBef>
+                <a:spcPts val="1000"/>
+              </a:spcBef>
+              <a:spcAft>
+                <a:spcPts val="0"/>
+              </a:spcAft>
+              <a:buClr>
+                <a:schemeClr val="bg2">
+                  <a:lumMod val="40000"/>
+                  <a:lumOff val="60000"/>
+                </a:schemeClr>
+              </a:buClr>
+              <a:buSzPct val="80000"/>
+              <a:buFont typeface="Wingdings 3" charset="2"/>
+              <a:buChar char=""/>
+              <a:defRPr sz="1400" b="0" i="0" kern="1200">
+                <a:solidFill>
+                  <a:schemeClr val="tx1"/>
+                </a:solidFill>
+                <a:latin typeface="+mj-lt"/>
+                <a:ea typeface="+mj-ea"/>
+                <a:cs typeface="+mj-cs"/>
+              </a:defRPr>
+            </a:lvl4pPr>
+            <a:lvl5pPr marL="2057400" indent="-228600" algn="l" defTabSz="457200" rtl="0" eaLnBrk="1" latinLnBrk="0" hangingPunct="1">
+              <a:spcBef>
+                <a:spcPts val="1000"/>
+              </a:spcBef>
+              <a:spcAft>
+                <a:spcPts val="0"/>
+              </a:spcAft>
+              <a:buClr>
+                <a:schemeClr val="bg2">
+                  <a:lumMod val="40000"/>
+                  <a:lumOff val="60000"/>
+                </a:schemeClr>
+              </a:buClr>
+              <a:buSzPct val="80000"/>
+              <a:buFont typeface="Wingdings 3" charset="2"/>
+              <a:buChar char=""/>
+              <a:defRPr sz="1400" b="0" i="0" kern="1200">
+                <a:solidFill>
+                  <a:schemeClr val="tx1"/>
+                </a:solidFill>
+                <a:latin typeface="+mj-lt"/>
+                <a:ea typeface="+mj-ea"/>
+                <a:cs typeface="+mj-cs"/>
+              </a:defRPr>
+            </a:lvl5pPr>
+            <a:lvl6pPr marL="2506000" indent="-228600" algn="l" defTabSz="457200" rtl="0" eaLnBrk="1" latinLnBrk="0" hangingPunct="1">
+              <a:spcBef>
+                <a:spcPts val="1000"/>
+              </a:spcBef>
+              <a:spcAft>
+                <a:spcPts val="0"/>
+              </a:spcAft>
+              <a:buClr>
+                <a:schemeClr val="bg2">
+                  <a:lumMod val="40000"/>
+                  <a:lumOff val="60000"/>
+                </a:schemeClr>
+              </a:buClr>
+              <a:buSzPct val="80000"/>
+              <a:buFont typeface="Wingdings 3" charset="2"/>
+              <a:buChar char=""/>
+              <a:defRPr sz="1400" b="0" i="0" kern="1200">
+                <a:solidFill>
+                  <a:schemeClr val="tx1"/>
+                </a:solidFill>
+                <a:latin typeface="+mj-lt"/>
+                <a:ea typeface="+mj-ea"/>
+                <a:cs typeface="+mj-cs"/>
+              </a:defRPr>
+            </a:lvl6pPr>
+            <a:lvl7pPr marL="2971800" indent="-228600" algn="l" defTabSz="457200" rtl="0" eaLnBrk="1" latinLnBrk="0" hangingPunct="1">
+              <a:spcBef>
+                <a:spcPts val="1000"/>
+              </a:spcBef>
+              <a:spcAft>
+                <a:spcPts val="0"/>
+              </a:spcAft>
+              <a:buClr>
+                <a:schemeClr val="bg2">
+                  <a:lumMod val="40000"/>
+                  <a:lumOff val="60000"/>
+                </a:schemeClr>
+              </a:buClr>
+              <a:buSzPct val="80000"/>
+              <a:buFont typeface="Wingdings 3" charset="2"/>
+              <a:buChar char=""/>
+              <a:defRPr sz="1400" b="0" i="0" kern="1200">
+                <a:solidFill>
+                  <a:schemeClr val="tx1"/>
+                </a:solidFill>
+                <a:latin typeface="+mj-lt"/>
+                <a:ea typeface="+mj-ea"/>
+                <a:cs typeface="+mj-cs"/>
+              </a:defRPr>
+            </a:lvl7pPr>
+            <a:lvl8pPr marL="3429000" indent="-228600" algn="l" defTabSz="457200" rtl="0" eaLnBrk="1" latinLnBrk="0" hangingPunct="1">
+              <a:spcBef>
+                <a:spcPts val="1000"/>
+              </a:spcBef>
+              <a:spcAft>
+                <a:spcPts val="0"/>
+              </a:spcAft>
+              <a:buClr>
+                <a:schemeClr val="bg2">
+                  <a:lumMod val="40000"/>
+                  <a:lumOff val="60000"/>
+                </a:schemeClr>
+              </a:buClr>
+              <a:buSzPct val="80000"/>
+              <a:buFont typeface="Wingdings 3" charset="2"/>
+              <a:buChar char=""/>
+              <a:defRPr sz="1400" b="0" i="0" kern="1200">
+                <a:solidFill>
+                  <a:schemeClr val="tx1"/>
+                </a:solidFill>
+                <a:latin typeface="+mj-lt"/>
+                <a:ea typeface="+mj-ea"/>
+                <a:cs typeface="+mj-cs"/>
+              </a:defRPr>
+            </a:lvl8pPr>
+            <a:lvl9pPr marL="3886200" indent="-228600" algn="l" defTabSz="457200" rtl="0" eaLnBrk="1" latinLnBrk="0" hangingPunct="1">
+              <a:spcBef>
+                <a:spcPts val="1000"/>
+              </a:spcBef>
+              <a:spcAft>
+                <a:spcPts val="0"/>
+              </a:spcAft>
+              <a:buClr>
+                <a:schemeClr val="bg2">
+                  <a:lumMod val="40000"/>
+                  <a:lumOff val="60000"/>
+                </a:schemeClr>
+              </a:buClr>
+              <a:buSzPct val="80000"/>
+              <a:buFont typeface="Wingdings 3" charset="2"/>
+              <a:buChar char=""/>
+              <a:defRPr sz="1400" b="0" i="0" kern="1200">
+                <a:solidFill>
+                  <a:schemeClr val="tx1"/>
+                </a:solidFill>
+                <a:latin typeface="+mj-lt"/>
+                <a:ea typeface="+mj-ea"/>
+                <a:cs typeface="+mj-cs"/>
+              </a:defRPr>
+            </a:lvl9pPr>
+          </a:lstStyle>
+          <a:p>
+            <a:pPr marL="0" indent="0">
+              <a:buNone/>
+            </a:pPr>
+            <a:endParaRPr lang="en-GB" dirty="0" smtClean="0">
+              <a:latin typeface="Courier New" panose="02070309020205020404" pitchFamily="49" charset="0"/>
+              <a:cs typeface="Courier New" panose="02070309020205020404" pitchFamily="49" charset="0"/>
+            </a:endParaRPr>
+          </a:p>
+        </p:txBody>
+      </p:sp>
+      <p:sp>
+        <p:nvSpPr>
+          <p:cNvPr id="7" name="Rectangle 6"/>
+          <p:cNvSpPr/>
+          <p:nvPr/>
+        </p:nvSpPr>
+        <p:spPr>
+          <a:xfrm>
+            <a:off x="5706534" y="1853245"/>
+            <a:ext cx="6096000" cy="1754326"/>
+          </a:xfrm>
+          <a:prstGeom prst="rect">
+            <a:avLst/>
+          </a:prstGeom>
+        </p:spPr>
+        <p:txBody>
+          <a:bodyPr>
+            <a:spAutoFit/>
+          </a:bodyPr>
+          <a:lstStyle/>
+          <a:p>
+            <a:r>
+              <a:rPr lang="en-GB" dirty="0">
+                <a:latin typeface="Courier New" panose="02070309020205020404" pitchFamily="49" charset="0"/>
+                <a:cs typeface="Courier New" panose="02070309020205020404" pitchFamily="49" charset="0"/>
+              </a:rPr>
+              <a:t># Week2, Program2</a:t>
+            </a:r>
+          </a:p>
+          <a:p>
+            <a:endParaRPr lang="en-GB" dirty="0">
+              <a:latin typeface="Courier New" panose="02070309020205020404" pitchFamily="49" charset="0"/>
+              <a:cs typeface="Courier New" panose="02070309020205020404" pitchFamily="49" charset="0"/>
+            </a:endParaRPr>
+          </a:p>
+          <a:p>
+            <a:r>
+              <a:rPr lang="en-GB" dirty="0">
+                <a:latin typeface="Courier New" panose="02070309020205020404" pitchFamily="49" charset="0"/>
+                <a:cs typeface="Courier New" panose="02070309020205020404" pitchFamily="49" charset="0"/>
+              </a:rPr>
+              <a:t>a = "Hello World"</a:t>
+            </a:r>
+          </a:p>
+          <a:p>
+            <a:r>
+              <a:rPr lang="en-GB" dirty="0">
+                <a:latin typeface="Courier New" panose="02070309020205020404" pitchFamily="49" charset="0"/>
+                <a:cs typeface="Courier New" panose="02070309020205020404" pitchFamily="49" charset="0"/>
+              </a:rPr>
+              <a:t>print(a)</a:t>
+            </a:r>
+          </a:p>
+          <a:p>
+            <a:r>
+              <a:rPr lang="en-GB" dirty="0">
+                <a:latin typeface="Courier New" panose="02070309020205020404" pitchFamily="49" charset="0"/>
+                <a:cs typeface="Courier New" panose="02070309020205020404" pitchFamily="49" charset="0"/>
+              </a:rPr>
+              <a:t>a = "Goodbye World"</a:t>
+            </a:r>
+          </a:p>
+          <a:p>
+            <a:r>
+              <a:rPr lang="en-GB" dirty="0">
+                <a:latin typeface="Courier New" panose="02070309020205020404" pitchFamily="49" charset="0"/>
+                <a:cs typeface="Courier New" panose="02070309020205020404" pitchFamily="49" charset="0"/>
+              </a:rPr>
+              <a:t>print(a)</a:t>
             </a:r>
           </a:p>
         </p:txBody>
@@ -10856,7 +12977,7 @@
     </p:spTree>
     <p:extLst>
       <p:ext uri="{BB962C8B-B14F-4D97-AF65-F5344CB8AC3E}">
-        <p14:creationId xmlns:p14="http://schemas.microsoft.com/office/powerpoint/2010/main" val="1853961912"/>
+        <p14:creationId xmlns:p14="http://schemas.microsoft.com/office/powerpoint/2010/main" val="781318817"/>
       </p:ext>
     </p:extLst>
   </p:cSld>
@@ -10907,6 +13028,137 @@
           <a:p>
             <a:r>
               <a:rPr lang="en-GB" dirty="0" smtClean="0"/>
+              <a:t>Types of Variable.</a:t>
+            </a:r>
+            <a:endParaRPr lang="en-GB" dirty="0"/>
+          </a:p>
+        </p:txBody>
+      </p:sp>
+      <p:sp>
+        <p:nvSpPr>
+          <p:cNvPr id="3" name="Content Placeholder 2"/>
+          <p:cNvSpPr>
+            <a:spLocks noGrp="1"/>
+          </p:cNvSpPr>
+          <p:nvPr>
+            <p:ph idx="1"/>
+          </p:nvPr>
+        </p:nvSpPr>
+        <p:spPr/>
+        <p:txBody>
+          <a:bodyPr/>
+          <a:lstStyle/>
+          <a:p>
+            <a:r>
+              <a:rPr lang="en-GB" dirty="0" smtClean="0"/>
+              <a:t>The variables you have seen so far are all </a:t>
+            </a:r>
+            <a:r>
+              <a:rPr lang="en-GB" u="sng" dirty="0" smtClean="0"/>
+              <a:t>strings</a:t>
+            </a:r>
+            <a:r>
+              <a:rPr lang="en-GB" dirty="0" smtClean="0"/>
+              <a:t>.</a:t>
+            </a:r>
+          </a:p>
+          <a:p>
+            <a:r>
+              <a:rPr lang="en-GB" dirty="0" smtClean="0"/>
+              <a:t>In computing, a string is something composed of one or more </a:t>
+            </a:r>
+            <a:r>
+              <a:rPr lang="en-GB" u="sng" dirty="0" smtClean="0"/>
+              <a:t>characters</a:t>
+            </a:r>
+            <a:r>
+              <a:rPr lang="en-GB" dirty="0" smtClean="0"/>
+              <a:t>.</a:t>
+            </a:r>
+          </a:p>
+          <a:p>
+            <a:r>
+              <a:rPr lang="en-GB" dirty="0" smtClean="0"/>
+              <a:t>A </a:t>
+            </a:r>
+            <a:r>
+              <a:rPr lang="en-GB" u="sng" dirty="0" smtClean="0"/>
+              <a:t>character</a:t>
+            </a:r>
+            <a:r>
+              <a:rPr lang="en-GB" dirty="0"/>
+              <a:t> </a:t>
+            </a:r>
+            <a:r>
+              <a:rPr lang="en-GB" dirty="0" smtClean="0"/>
+              <a:t>is basically any symbol, like A or 1 or @.</a:t>
+            </a:r>
+          </a:p>
+          <a:p>
+            <a:endParaRPr lang="en-GB" u="sng" dirty="0"/>
+          </a:p>
+          <a:p>
+            <a:r>
+              <a:rPr lang="en-GB" dirty="0" smtClean="0"/>
+              <a:t>In Python, when you are setting a string, you must enclose it in quotes (either double or single quotes) to tell Python it is a string.</a:t>
+            </a:r>
+          </a:p>
+        </p:txBody>
+      </p:sp>
+    </p:spTree>
+    <p:extLst>
+      <p:ext uri="{BB962C8B-B14F-4D97-AF65-F5344CB8AC3E}">
+        <p14:creationId xmlns:p14="http://schemas.microsoft.com/office/powerpoint/2010/main" val="1853961912"/>
+      </p:ext>
+    </p:extLst>
+  </p:cSld>
+  <p:clrMapOvr>
+    <a:masterClrMapping/>
+  </p:clrMapOvr>
+  <p:timing>
+    <p:tnLst>
+      <p:par>
+        <p:cTn id="1" dur="indefinite" restart="never" nodeType="tmRoot"/>
+      </p:par>
+    </p:tnLst>
+  </p:timing>
+</p:sld>
+</file>
+
+<file path=ppt/slides/slide8.xml><?xml version="1.0" encoding="utf-8"?>
+<p:sld xmlns:a="http://schemas.openxmlformats.org/drawingml/2006/main" xmlns:r="http://schemas.openxmlformats.org/officeDocument/2006/relationships" xmlns:p="http://schemas.openxmlformats.org/presentationml/2006/main">
+  <p:cSld>
+    <p:spTree>
+      <p:nvGrpSpPr>
+        <p:cNvPr id="1" name=""/>
+        <p:cNvGrpSpPr/>
+        <p:nvPr/>
+      </p:nvGrpSpPr>
+      <p:grpSpPr>
+        <a:xfrm>
+          <a:off x="0" y="0"/>
+          <a:ext cx="0" cy="0"/>
+          <a:chOff x="0" y="0"/>
+          <a:chExt cx="0" cy="0"/>
+        </a:xfrm>
+      </p:grpSpPr>
+      <p:sp>
+        <p:nvSpPr>
+          <p:cNvPr id="2" name="Title 1"/>
+          <p:cNvSpPr>
+            <a:spLocks noGrp="1"/>
+          </p:cNvSpPr>
+          <p:nvPr>
+            <p:ph type="title"/>
+          </p:nvPr>
+        </p:nvSpPr>
+        <p:spPr/>
+        <p:txBody>
+          <a:bodyPr/>
+          <a:lstStyle/>
+          <a:p>
+            <a:r>
+              <a:rPr lang="en-GB" dirty="0" smtClean="0"/>
               <a:t>Adding Strings Together.</a:t>
             </a:r>
             <a:endParaRPr lang="en-GB" dirty="0"/>
@@ -10989,11 +13241,6 @@
               </a:rPr>
               <a:t> Type it in, run it and see if you were correct.</a:t>
             </a:r>
-            <a:endParaRPr lang="en-GB" dirty="0" smtClean="0">
-              <a:solidFill>
-                <a:srgbClr val="FFFF00"/>
-              </a:solidFill>
-            </a:endParaRPr>
           </a:p>
         </p:txBody>
       </p:sp>
@@ -11936,11 +14183,6 @@
               </a:rPr>
               <a:t>If you didn't expect a space, how could you have a space ?. There are multiple ways to do this.</a:t>
             </a:r>
-            <a:endParaRPr lang="en-GB" dirty="0" smtClean="0">
-              <a:solidFill>
-                <a:srgbClr val="FFFF00"/>
-              </a:solidFill>
-            </a:endParaRPr>
           </a:p>
         </p:txBody>
       </p:sp>
@@ -12275,220 +14517,6 @@
 </p:sld>
 </file>
 
-<file path=ppt/slides/slide8.xml><?xml version="1.0" encoding="utf-8"?>
-<p:sld xmlns:a="http://schemas.openxmlformats.org/drawingml/2006/main" xmlns:r="http://schemas.openxmlformats.org/officeDocument/2006/relationships" xmlns:p="http://schemas.openxmlformats.org/presentationml/2006/main">
-  <p:cSld>
-    <p:spTree>
-      <p:nvGrpSpPr>
-        <p:cNvPr id="1" name=""/>
-        <p:cNvGrpSpPr/>
-        <p:nvPr/>
-      </p:nvGrpSpPr>
-      <p:grpSpPr>
-        <a:xfrm>
-          <a:off x="0" y="0"/>
-          <a:ext cx="0" cy="0"/>
-          <a:chOff x="0" y="0"/>
-          <a:chExt cx="0" cy="0"/>
-        </a:xfrm>
-      </p:grpSpPr>
-      <p:sp>
-        <p:nvSpPr>
-          <p:cNvPr id="2" name="Title 1"/>
-          <p:cNvSpPr>
-            <a:spLocks noGrp="1"/>
-          </p:cNvSpPr>
-          <p:nvPr>
-            <p:ph type="title"/>
-          </p:nvPr>
-        </p:nvSpPr>
-        <p:spPr/>
-        <p:txBody>
-          <a:bodyPr/>
-          <a:lstStyle/>
-          <a:p>
-            <a:r>
-              <a:rPr lang="en-GB" dirty="0" smtClean="0"/>
-              <a:t>Getting User Input.</a:t>
-            </a:r>
-            <a:endParaRPr lang="en-GB" dirty="0"/>
-          </a:p>
-        </p:txBody>
-      </p:sp>
-      <p:sp>
-        <p:nvSpPr>
-          <p:cNvPr id="3" name="Content Placeholder 2"/>
-          <p:cNvSpPr>
-            <a:spLocks noGrp="1"/>
-          </p:cNvSpPr>
-          <p:nvPr>
-            <p:ph idx="1"/>
-          </p:nvPr>
-        </p:nvSpPr>
-        <p:spPr>
-          <a:xfrm>
-            <a:off x="1103312" y="2052918"/>
-            <a:ext cx="4457516" cy="4195481"/>
-          </a:xfrm>
-        </p:spPr>
-        <p:txBody>
-          <a:bodyPr>
-            <a:normAutofit lnSpcReduction="10000"/>
-          </a:bodyPr>
-          <a:lstStyle/>
-          <a:p>
-            <a:r>
-              <a:rPr lang="en-GB" dirty="0" smtClean="0"/>
-              <a:t>You can use input() to get the user to type in a string when the program is run.</a:t>
-            </a:r>
-          </a:p>
-          <a:p>
-            <a:endParaRPr lang="en-GB" dirty="0"/>
-          </a:p>
-          <a:p>
-            <a:r>
-              <a:rPr lang="en-GB" b="1" u="sng" dirty="0">
-                <a:solidFill>
-                  <a:srgbClr val="FFFF00"/>
-                </a:solidFill>
-              </a:rPr>
-              <a:t>TASK:</a:t>
-            </a:r>
-            <a:r>
-              <a:rPr lang="en-GB" b="1" dirty="0">
-                <a:solidFill>
-                  <a:srgbClr val="FFFF00"/>
-                </a:solidFill>
-              </a:rPr>
-              <a:t> </a:t>
-            </a:r>
-            <a:r>
-              <a:rPr lang="en-GB" dirty="0">
-                <a:solidFill>
-                  <a:srgbClr val="FFFF00"/>
-                </a:solidFill>
-              </a:rPr>
-              <a:t>What do you think the program on the right will do ?</a:t>
-            </a:r>
-          </a:p>
-          <a:p>
-            <a:r>
-              <a:rPr lang="en-GB" b="1" u="sng" dirty="0">
-                <a:solidFill>
-                  <a:srgbClr val="FFFF00"/>
-                </a:solidFill>
-              </a:rPr>
-              <a:t>TASK:</a:t>
-            </a:r>
-            <a:r>
-              <a:rPr lang="en-GB" dirty="0">
-                <a:solidFill>
-                  <a:srgbClr val="FFFF00"/>
-                </a:solidFill>
-              </a:rPr>
-              <a:t> Type it in, run it and see if you were correct</a:t>
-            </a:r>
-            <a:r>
-              <a:rPr lang="en-GB" dirty="0" smtClean="0">
-                <a:solidFill>
-                  <a:srgbClr val="FFFF00"/>
-                </a:solidFill>
-              </a:rPr>
-              <a:t>.</a:t>
-            </a:r>
-          </a:p>
-          <a:p>
-            <a:r>
-              <a:rPr lang="en-GB" dirty="0" smtClean="0">
-                <a:solidFill>
-                  <a:srgbClr val="FFFF00"/>
-                </a:solidFill>
-              </a:rPr>
-              <a:t>(Note: You will need to click on the window at the bottom and type something in to have it work).</a:t>
-            </a:r>
-            <a:endParaRPr lang="en-GB" dirty="0">
-              <a:solidFill>
-                <a:srgbClr val="FFFF00"/>
-              </a:solidFill>
-            </a:endParaRPr>
-          </a:p>
-        </p:txBody>
-      </p:sp>
-      <p:sp>
-        <p:nvSpPr>
-          <p:cNvPr id="4" name="Rectangle 3"/>
-          <p:cNvSpPr/>
-          <p:nvPr/>
-        </p:nvSpPr>
-        <p:spPr>
-          <a:xfrm>
-            <a:off x="5706534" y="1853245"/>
-            <a:ext cx="6096000" cy="1200329"/>
-          </a:xfrm>
-          <a:prstGeom prst="rect">
-            <a:avLst/>
-          </a:prstGeom>
-        </p:spPr>
-        <p:txBody>
-          <a:bodyPr>
-            <a:spAutoFit/>
-          </a:bodyPr>
-          <a:lstStyle/>
-          <a:p>
-            <a:r>
-              <a:rPr lang="en-GB" dirty="0">
-                <a:latin typeface="Courier New" panose="02070309020205020404" pitchFamily="49" charset="0"/>
-                <a:cs typeface="Courier New" panose="02070309020205020404" pitchFamily="49" charset="0"/>
-              </a:rPr>
-              <a:t># Week2, Program4</a:t>
-            </a:r>
-          </a:p>
-          <a:p>
-            <a:endParaRPr lang="en-GB" dirty="0">
-              <a:latin typeface="Courier New" panose="02070309020205020404" pitchFamily="49" charset="0"/>
-              <a:cs typeface="Courier New" panose="02070309020205020404" pitchFamily="49" charset="0"/>
-            </a:endParaRPr>
-          </a:p>
-          <a:p>
-            <a:r>
-              <a:rPr lang="en-GB" dirty="0">
-                <a:latin typeface="Courier New" panose="02070309020205020404" pitchFamily="49" charset="0"/>
-                <a:cs typeface="Courier New" panose="02070309020205020404" pitchFamily="49" charset="0"/>
-              </a:rPr>
-              <a:t>a = input("What is your name: ")</a:t>
-            </a:r>
-          </a:p>
-          <a:p>
-            <a:r>
-              <a:rPr lang="en-GB" dirty="0">
-                <a:latin typeface="Courier New" panose="02070309020205020404" pitchFamily="49" charset="0"/>
-                <a:cs typeface="Courier New" panose="02070309020205020404" pitchFamily="49" charset="0"/>
-              </a:rPr>
-              <a:t>print("Hello, " + a)</a:t>
-            </a:r>
-          </a:p>
-        </p:txBody>
-      </p:sp>
-    </p:spTree>
-    <p:extLst>
-      <p:ext uri="{BB962C8B-B14F-4D97-AF65-F5344CB8AC3E}">
-        <p14:creationId xmlns:p14="http://schemas.microsoft.com/office/powerpoint/2010/main" val="1059301502"/>
-      </p:ext>
-    </p:extLst>
-  </p:cSld>
-  <p:clrMapOvr>
-    <a:masterClrMapping/>
-  </p:clrMapOvr>
-  <p:timing>
-    <p:tnLst>
-      <p:par>
-        <p:cTn id="1" dur="indefinite" restart="never" nodeType="tmRoot"/>
-      </p:par>
-    </p:tnLst>
-  </p:timing>
-</p:sld>
-</file>
-
 <file path=ppt/slides/slide9.xml><?xml version="1.0" encoding="utf-8"?>
 <p:sld xmlns:a="http://schemas.openxmlformats.org/drawingml/2006/main" xmlns:r="http://schemas.openxmlformats.org/officeDocument/2006/relationships" xmlns:p="http://schemas.openxmlformats.org/presentationml/2006/main">
   <p:cSld>
@@ -12686,7 +14714,7 @@
     </p:spTree>
     <p:extLst>
       <p:ext uri="{BB962C8B-B14F-4D97-AF65-F5344CB8AC3E}">
-        <p14:creationId xmlns:p14="http://schemas.microsoft.com/office/powerpoint/2010/main" val="2331575272"/>
+        <p14:creationId xmlns:p14="http://schemas.microsoft.com/office/powerpoint/2010/main" val="1059301502"/>
       </p:ext>
     </p:extLst>
   </p:cSld>

--- a/week2/week2.pptx
+++ b/week2/week2.pptx
@@ -363,7 +363,7 @@
           <a:p>
             <a:fld id="{4AAD347D-5ACD-4C99-B74B-A9C85AD731AF}" type="datetimeFigureOut">
               <a:rPr lang="en-US" dirty="0"/>
-              <a:t>3/2/2018</a:t>
+              <a:t>3/3/2018</a:t>
             </a:fld>
             <a:endParaRPr lang="en-US" dirty="0"/>
           </a:p>
@@ -633,7 +633,7 @@
           <a:p>
             <a:fld id="{4509A250-FF31-4206-8172-F9D3106AACB1}" type="datetimeFigureOut">
               <a:rPr lang="en-US" dirty="0"/>
-              <a:t>3/2/2018</a:t>
+              <a:t>3/3/2018</a:t>
             </a:fld>
             <a:endParaRPr lang="en-US" dirty="0"/>
           </a:p>
@@ -822,7 +822,7 @@
           <a:p>
             <a:fld id="{4509A250-FF31-4206-8172-F9D3106AACB1}" type="datetimeFigureOut">
               <a:rPr lang="en-US" dirty="0"/>
-              <a:t>3/2/2018</a:t>
+              <a:t>3/3/2018</a:t>
             </a:fld>
             <a:endParaRPr lang="en-US" dirty="0"/>
           </a:p>
@@ -1090,7 +1090,7 @@
           <a:p>
             <a:fld id="{4509A250-FF31-4206-8172-F9D3106AACB1}" type="datetimeFigureOut">
               <a:rPr lang="en-US" dirty="0"/>
-              <a:t>3/2/2018</a:t>
+              <a:t>3/3/2018</a:t>
             </a:fld>
             <a:endParaRPr lang="en-US" dirty="0"/>
           </a:p>
@@ -1426,7 +1426,7 @@
           <a:p>
             <a:fld id="{4509A250-FF31-4206-8172-F9D3106AACB1}" type="datetimeFigureOut">
               <a:rPr lang="en-US" dirty="0"/>
-              <a:t>3/2/2018</a:t>
+              <a:t>3/3/2018</a:t>
             </a:fld>
             <a:endParaRPr lang="en-US" dirty="0"/>
           </a:p>
@@ -2044,7 +2044,7 @@
           <a:p>
             <a:fld id="{4509A250-FF31-4206-8172-F9D3106AACB1}" type="datetimeFigureOut">
               <a:rPr lang="en-US" dirty="0"/>
-              <a:t>3/2/2018</a:t>
+              <a:t>3/3/2018</a:t>
             </a:fld>
             <a:endParaRPr lang="en-US" dirty="0"/>
           </a:p>
@@ -2899,7 +2899,7 @@
           <a:p>
             <a:fld id="{4509A250-FF31-4206-8172-F9D3106AACB1}" type="datetimeFigureOut">
               <a:rPr lang="en-US" dirty="0"/>
-              <a:t>3/2/2018</a:t>
+              <a:t>3/3/2018</a:t>
             </a:fld>
             <a:endParaRPr lang="en-US" dirty="0"/>
           </a:p>
@@ -3064,7 +3064,7 @@
           <a:p>
             <a:fld id="{4509A250-FF31-4206-8172-F9D3106AACB1}" type="datetimeFigureOut">
               <a:rPr lang="en-US" dirty="0"/>
-              <a:t>3/2/2018</a:t>
+              <a:t>3/3/2018</a:t>
             </a:fld>
             <a:endParaRPr lang="en-US" dirty="0"/>
           </a:p>
@@ -3239,7 +3239,7 @@
           <a:p>
             <a:fld id="{4509A250-FF31-4206-8172-F9D3106AACB1}" type="datetimeFigureOut">
               <a:rPr lang="en-US" dirty="0"/>
-              <a:t>3/2/2018</a:t>
+              <a:t>3/3/2018</a:t>
             </a:fld>
             <a:endParaRPr lang="en-US" dirty="0"/>
           </a:p>
@@ -3404,7 +3404,7 @@
           <a:p>
             <a:fld id="{4509A250-FF31-4206-8172-F9D3106AACB1}" type="datetimeFigureOut">
               <a:rPr lang="en-US" dirty="0"/>
-              <a:t>3/2/2018</a:t>
+              <a:t>3/3/2018</a:t>
             </a:fld>
             <a:endParaRPr lang="en-US" dirty="0"/>
           </a:p>
@@ -3646,7 +3646,7 @@
           <a:p>
             <a:fld id="{9796027F-7875-4030-9381-8BD8C4F21935}" type="datetimeFigureOut">
               <a:rPr lang="en-US" dirty="0"/>
-              <a:t>3/2/2018</a:t>
+              <a:t>3/3/2018</a:t>
             </a:fld>
             <a:endParaRPr lang="en-US" dirty="0"/>
           </a:p>
@@ -3933,7 +3933,7 @@
           <a:p>
             <a:fld id="{9796027F-7875-4030-9381-8BD8C4F21935}" type="datetimeFigureOut">
               <a:rPr lang="en-US" dirty="0"/>
-              <a:t>3/2/2018</a:t>
+              <a:t>3/3/2018</a:t>
             </a:fld>
             <a:endParaRPr lang="en-US" dirty="0"/>
           </a:p>
@@ -4372,7 +4372,7 @@
           <a:p>
             <a:fld id="{9796027F-7875-4030-9381-8BD8C4F21935}" type="datetimeFigureOut">
               <a:rPr lang="en-US" dirty="0"/>
-              <a:t>3/2/2018</a:t>
+              <a:t>3/3/2018</a:t>
             </a:fld>
             <a:endParaRPr lang="en-US" dirty="0"/>
           </a:p>
@@ -4485,7 +4485,7 @@
           <a:p>
             <a:fld id="{4509A250-FF31-4206-8172-F9D3106AACB1}" type="datetimeFigureOut">
               <a:rPr lang="en-US" dirty="0"/>
-              <a:t>3/2/2018</a:t>
+              <a:t>3/3/2018</a:t>
             </a:fld>
             <a:endParaRPr lang="en-US" dirty="0"/>
           </a:p>
@@ -4575,7 +4575,7 @@
           <a:p>
             <a:fld id="{4509A250-FF31-4206-8172-F9D3106AACB1}" type="datetimeFigureOut">
               <a:rPr lang="en-US" dirty="0"/>
-              <a:t>3/2/2018</a:t>
+              <a:t>3/3/2018</a:t>
             </a:fld>
             <a:endParaRPr lang="en-US" dirty="0"/>
           </a:p>
@@ -4849,7 +4849,7 @@
           <a:p>
             <a:fld id="{4509A250-FF31-4206-8172-F9D3106AACB1}" type="datetimeFigureOut">
               <a:rPr lang="en-US" dirty="0"/>
-              <a:t>3/2/2018</a:t>
+              <a:t>3/3/2018</a:t>
             </a:fld>
             <a:endParaRPr lang="en-US" dirty="0"/>
           </a:p>
@@ -5119,7 +5119,7 @@
           <a:p>
             <a:fld id="{4509A250-FF31-4206-8172-F9D3106AACB1}" type="datetimeFigureOut">
               <a:rPr lang="en-US" dirty="0"/>
-              <a:t>3/2/2018</a:t>
+              <a:t>3/3/2018</a:t>
             </a:fld>
             <a:endParaRPr lang="en-US" dirty="0"/>
           </a:p>
@@ -5543,7 +5543,7 @@
           <a:p>
             <a:fld id="{4AAD347D-5ACD-4C99-B74B-A9C85AD731AF}" type="datetimeFigureOut">
               <a:rPr lang="en-US" dirty="0"/>
-              <a:t>3/2/2018</a:t>
+              <a:t>3/3/2018</a:t>
             </a:fld>
             <a:endParaRPr lang="en-US" dirty="0"/>
           </a:p>
@@ -9563,13 +9563,13 @@
           <a:p>
             <a:r>
               <a:rPr lang="en-GB" dirty="0" smtClean="0"/>
-              <a:t>Homework Time </a:t>
+              <a:t>Homework</a:t>
             </a:r>
             <a:r>
               <a:rPr lang="en-GB" dirty="0" smtClean="0">
                 <a:sym typeface="Wingdings" panose="05000000000000000000" pitchFamily="2" charset="2"/>
               </a:rPr>
-              <a:t>(Program 10).</a:t>
+              <a:t>.</a:t>
             </a:r>
             <a:endParaRPr lang="en-GB" dirty="0"/>
           </a:p>
@@ -9598,9 +9598,14 @@
           <a:lstStyle/>
           <a:p>
             <a:r>
-              <a:rPr lang="en-GB" dirty="0" smtClean="0"/>
-              <a:t>Week2, Program 10.</a:t>
-            </a:r>
+              <a:rPr lang="en-GB" b="1" dirty="0" smtClean="0"/>
+              <a:t>Week2, </a:t>
+            </a:r>
+            <a:r>
+              <a:rPr lang="en-GB" b="1" dirty="0" smtClean="0"/>
+              <a:t>Homework1</a:t>
+            </a:r>
+            <a:endParaRPr lang="en-GB" b="1" dirty="0" smtClean="0"/>
           </a:p>
           <a:p>
             <a:pPr lvl="1"/>
@@ -9690,7 +9695,7 @@
           <a:p>
             <a:r>
               <a:rPr lang="en-GB" dirty="0" smtClean="0"/>
-              <a:t>Homework (Program 11 and 12).</a:t>
+              <a:t>Homework.</a:t>
             </a:r>
             <a:endParaRPr lang="en-GB" dirty="0"/>
           </a:p>
@@ -9719,9 +9724,10 @@
           <a:lstStyle/>
           <a:p>
             <a:r>
-              <a:rPr lang="en-GB" dirty="0" smtClean="0"/>
-              <a:t>Week2, Program 11.</a:t>
-            </a:r>
+              <a:rPr lang="en-GB" b="1" dirty="0" smtClean="0"/>
+              <a:t>Week2, Homework2</a:t>
+            </a:r>
+            <a:endParaRPr lang="en-GB" b="1" dirty="0" smtClean="0"/>
           </a:p>
           <a:p>
             <a:pPr lvl="1"/>
@@ -9736,9 +9742,10 @@
           </a:p>
           <a:p>
             <a:r>
-              <a:rPr lang="en-GB" dirty="0" smtClean="0"/>
-              <a:t>Week2, Program 12.</a:t>
-            </a:r>
+              <a:rPr lang="en-GB" b="1" dirty="0" smtClean="0"/>
+              <a:t>Week2, Homework3</a:t>
+            </a:r>
+            <a:endParaRPr lang="en-GB" b="1" dirty="0" smtClean="0"/>
           </a:p>
           <a:p>
             <a:pPr lvl="1"/>
@@ -9814,7 +9821,7 @@
           <a:p>
             <a:r>
               <a:rPr lang="en-GB" dirty="0" smtClean="0"/>
-              <a:t>Homework (Program 13).</a:t>
+              <a:t>Homework.</a:t>
             </a:r>
             <a:endParaRPr lang="en-GB" dirty="0"/>
           </a:p>
@@ -9843,9 +9850,10 @@
           <a:lstStyle/>
           <a:p>
             <a:r>
-              <a:rPr lang="en-GB" dirty="0" smtClean="0"/>
-              <a:t>Week2, Program 13.</a:t>
-            </a:r>
+              <a:rPr lang="en-GB" b="1" dirty="0" smtClean="0"/>
+              <a:t>Week2, Homework4</a:t>
+            </a:r>
+            <a:endParaRPr lang="en-GB" b="1" dirty="0" smtClean="0"/>
           </a:p>
           <a:p>
             <a:endParaRPr lang="en-GB" b="1" u="sng" dirty="0">
@@ -10561,7 +10569,11 @@
           <a:p>
             <a:r>
               <a:rPr lang="en-GB" dirty="0" smtClean="0"/>
-              <a:t>Homework (Program 14).</a:t>
+              <a:t>Homewor</a:t>
+            </a:r>
+            <a:r>
+              <a:rPr lang="en-GB" dirty="0" smtClean="0"/>
+              <a:t>k.</a:t>
             </a:r>
             <a:endParaRPr lang="en-GB" dirty="0"/>
           </a:p>
@@ -10590,9 +10602,10 @@
           <a:lstStyle/>
           <a:p>
             <a:r>
-              <a:rPr lang="en-GB" dirty="0" smtClean="0"/>
-              <a:t>Week2, Program 14.</a:t>
-            </a:r>
+              <a:rPr lang="en-GB" b="1" dirty="0" smtClean="0"/>
+              <a:t>Week2, Homework5</a:t>
+            </a:r>
+            <a:endParaRPr lang="en-GB" b="1" dirty="0" smtClean="0"/>
           </a:p>
           <a:p>
             <a:endParaRPr lang="en-GB" b="1" u="sng" dirty="0">
@@ -10973,18 +10986,22 @@
           <a:p>
             <a:r>
               <a:rPr lang="en-GB" dirty="0" smtClean="0"/>
-              <a:t>We will learn about lists of things.</a:t>
-            </a:r>
-          </a:p>
-          <a:p>
+              <a:t>We will learn about </a:t>
+            </a:r>
+            <a:r>
+              <a:rPr lang="en-GB" b="1" u="sng" dirty="0" smtClean="0"/>
+              <a:t>lists</a:t>
+            </a:r>
+            <a:r>
+              <a:rPr lang="en-GB" dirty="0" smtClean="0"/>
+              <a:t> of things.</a:t>
+            </a:r>
+          </a:p>
+          <a:p>
+            <a:pPr marL="0" indent="0">
+              <a:buNone/>
+            </a:pPr>
             <a:endParaRPr lang="en-GB" dirty="0" smtClean="0"/>
-          </a:p>
-          <a:p>
-            <a:r>
-              <a:rPr lang="en-GB" dirty="0" smtClean="0"/>
-              <a:t>We will learn how to do something on everything in a list.</a:t>
-            </a:r>
-            <a:endParaRPr lang="en-GB" dirty="0"/>
           </a:p>
         </p:txBody>
       </p:sp>

--- a/week2/week2.pptx
+++ b/week2/week2.pptx
@@ -9599,13 +9599,8 @@
           <a:p>
             <a:r>
               <a:rPr lang="en-GB" b="1" dirty="0" smtClean="0"/>
-              <a:t>Week2, </a:t>
-            </a:r>
-            <a:r>
-              <a:rPr lang="en-GB" b="1" dirty="0" smtClean="0"/>
-              <a:t>Homework1</a:t>
-            </a:r>
-            <a:endParaRPr lang="en-GB" b="1" dirty="0" smtClean="0"/>
+              <a:t>Week2, Homework1</a:t>
+            </a:r>
           </a:p>
           <a:p>
             <a:pPr lvl="1"/>
@@ -9727,7 +9722,6 @@
               <a:rPr lang="en-GB" b="1" dirty="0" smtClean="0"/>
               <a:t>Week2, Homework2</a:t>
             </a:r>
-            <a:endParaRPr lang="en-GB" b="1" dirty="0" smtClean="0"/>
           </a:p>
           <a:p>
             <a:pPr lvl="1"/>
@@ -9745,7 +9739,6 @@
               <a:rPr lang="en-GB" b="1" dirty="0" smtClean="0"/>
               <a:t>Week2, Homework3</a:t>
             </a:r>
-            <a:endParaRPr lang="en-GB" b="1" dirty="0" smtClean="0"/>
           </a:p>
           <a:p>
             <a:pPr lvl="1"/>
@@ -9853,7 +9846,6 @@
               <a:rPr lang="en-GB" b="1" dirty="0" smtClean="0"/>
               <a:t>Week2, Homework4</a:t>
             </a:r>
-            <a:endParaRPr lang="en-GB" b="1" dirty="0" smtClean="0"/>
           </a:p>
           <a:p>
             <a:endParaRPr lang="en-GB" b="1" u="sng" dirty="0">
@@ -10569,11 +10561,7 @@
           <a:p>
             <a:r>
               <a:rPr lang="en-GB" dirty="0" smtClean="0"/>
-              <a:t>Homewor</a:t>
-            </a:r>
-            <a:r>
-              <a:rPr lang="en-GB" dirty="0" smtClean="0"/>
-              <a:t>k.</a:t>
+              <a:t>Homework.</a:t>
             </a:r>
             <a:endParaRPr lang="en-GB" dirty="0"/>
           </a:p>
@@ -10605,7 +10593,6 @@
               <a:rPr lang="en-GB" b="1" dirty="0" smtClean="0"/>
               <a:t>Week2, Homework5</a:t>
             </a:r>
-            <a:endParaRPr lang="en-GB" b="1" dirty="0" smtClean="0"/>
           </a:p>
           <a:p>
             <a:endParaRPr lang="en-GB" b="1" u="sng" dirty="0">
@@ -10617,8 +10604,17 @@
           <a:p>
             <a:r>
               <a:rPr lang="en-GB" dirty="0" smtClean="0"/>
-              <a:t>Write a program to add up all the numbers between 1 and 999.</a:t>
-            </a:r>
+              <a:t>Write a program to add up all the numbers between 1 </a:t>
+            </a:r>
+            <a:r>
+              <a:rPr lang="en-GB" smtClean="0"/>
+              <a:t>and </a:t>
+            </a:r>
+            <a:r>
+              <a:rPr lang="en-GB" smtClean="0"/>
+              <a:t>1000.</a:t>
+            </a:r>
+            <a:endParaRPr lang="en-GB" dirty="0" smtClean="0"/>
           </a:p>
           <a:p>
             <a:endParaRPr lang="en-GB" dirty="0"/>

--- a/week2/week2.pptx
+++ b/week2/week2.pptx
@@ -14,22 +14,21 @@
     <p:sldId id="262" r:id="rId8"/>
     <p:sldId id="263" r:id="rId9"/>
     <p:sldId id="265" r:id="rId10"/>
-    <p:sldId id="266" r:id="rId11"/>
-    <p:sldId id="267" r:id="rId12"/>
-    <p:sldId id="268" r:id="rId13"/>
-    <p:sldId id="269" r:id="rId14"/>
-    <p:sldId id="270" r:id="rId15"/>
-    <p:sldId id="271" r:id="rId16"/>
-    <p:sldId id="272" r:id="rId17"/>
-    <p:sldId id="277" r:id="rId18"/>
-    <p:sldId id="275" r:id="rId19"/>
-    <p:sldId id="273" r:id="rId20"/>
-    <p:sldId id="274" r:id="rId21"/>
-    <p:sldId id="278" r:id="rId22"/>
-    <p:sldId id="279" r:id="rId23"/>
-    <p:sldId id="280" r:id="rId24"/>
-    <p:sldId id="281" r:id="rId25"/>
-    <p:sldId id="282" r:id="rId26"/>
+    <p:sldId id="267" r:id="rId11"/>
+    <p:sldId id="268" r:id="rId12"/>
+    <p:sldId id="269" r:id="rId13"/>
+    <p:sldId id="270" r:id="rId14"/>
+    <p:sldId id="271" r:id="rId15"/>
+    <p:sldId id="272" r:id="rId16"/>
+    <p:sldId id="277" r:id="rId17"/>
+    <p:sldId id="275" r:id="rId18"/>
+    <p:sldId id="273" r:id="rId19"/>
+    <p:sldId id="274" r:id="rId20"/>
+    <p:sldId id="278" r:id="rId21"/>
+    <p:sldId id="279" r:id="rId22"/>
+    <p:sldId id="280" r:id="rId23"/>
+    <p:sldId id="281" r:id="rId24"/>
+    <p:sldId id="282" r:id="rId25"/>
   </p:sldIdLst>
   <p:sldSz cx="12192000" cy="6858000"/>
   <p:notesSz cx="6858000" cy="9144000"/>
@@ -142,7 +141,6 @@
             <p14:sldId id="262"/>
             <p14:sldId id="263"/>
             <p14:sldId id="265"/>
-            <p14:sldId id="266"/>
             <p14:sldId id="267"/>
             <p14:sldId id="268"/>
             <p14:sldId id="269"/>
@@ -219,7 +217,7 @@
           </a:lstStyle>
           <a:p>
             <a:r>
-              <a:rPr lang="en-US" smtClean="0"/>
+              <a:rPr lang="en-US"/>
               <a:t>Click to edit Master title style</a:t>
             </a:r>
             <a:endParaRPr lang="en-US" dirty="0"/>
@@ -339,7 +337,7 @@
           </a:lstStyle>
           <a:p>
             <a:r>
-              <a:rPr lang="en-US" smtClean="0"/>
+              <a:rPr lang="en-US"/>
               <a:t>Click to edit Master subtitle style</a:t>
             </a:r>
             <a:endParaRPr lang="en-US" dirty="0"/>
@@ -363,7 +361,7 @@
           <a:p>
             <a:fld id="{4AAD347D-5ACD-4C99-B74B-A9C85AD731AF}" type="datetimeFigureOut">
               <a:rPr lang="en-US" dirty="0"/>
-              <a:t>3/3/2018</a:t>
+              <a:t>3/12/2018</a:t>
             </a:fld>
             <a:endParaRPr lang="en-US" dirty="0"/>
           </a:p>
@@ -463,7 +461,7 @@
           </a:lstStyle>
           <a:p>
             <a:r>
-              <a:rPr lang="en-US" smtClean="0"/>
+              <a:rPr lang="en-US"/>
               <a:t>Click to edit Master title style</a:t>
             </a:r>
             <a:endParaRPr lang="en-US" dirty="0"/>
@@ -542,7 +540,7 @@
           </a:lstStyle>
           <a:p>
             <a:r>
-              <a:rPr lang="en-US" smtClean="0"/>
+              <a:rPr lang="en-US"/>
               <a:t>Click icon to add picture</a:t>
             </a:r>
             <a:endParaRPr lang="en-US" dirty="0"/>
@@ -610,7 +608,7 @@
           <a:p>
             <a:pPr lvl="0"/>
             <a:r>
-              <a:rPr lang="en-US" smtClean="0"/>
+              <a:rPr lang="en-US"/>
               <a:t>Click to edit Master text styles</a:t>
             </a:r>
           </a:p>
@@ -633,7 +631,7 @@
           <a:p>
             <a:fld id="{4509A250-FF31-4206-8172-F9D3106AACB1}" type="datetimeFigureOut">
               <a:rPr lang="en-US" dirty="0"/>
-              <a:t>3/3/2018</a:t>
+              <a:t>3/12/2018</a:t>
             </a:fld>
             <a:endParaRPr lang="en-US" dirty="0"/>
           </a:p>
@@ -731,7 +729,7 @@
           </a:lstStyle>
           <a:p>
             <a:r>
-              <a:rPr lang="en-US" smtClean="0"/>
+              <a:rPr lang="en-US"/>
               <a:t>Click to edit Master title style</a:t>
             </a:r>
             <a:endParaRPr lang="en-US" dirty="0"/>
@@ -799,7 +797,7 @@
           <a:p>
             <a:pPr lvl="0"/>
             <a:r>
-              <a:rPr lang="en-US" smtClean="0"/>
+              <a:rPr lang="en-US"/>
               <a:t>Click to edit Master text styles</a:t>
             </a:r>
           </a:p>
@@ -822,7 +820,7 @@
           <a:p>
             <a:fld id="{4509A250-FF31-4206-8172-F9D3106AACB1}" type="datetimeFigureOut">
               <a:rPr lang="en-US" dirty="0"/>
-              <a:t>3/3/2018</a:t>
+              <a:t>3/12/2018</a:t>
             </a:fld>
             <a:endParaRPr lang="en-US" dirty="0"/>
           </a:p>
@@ -920,7 +918,7 @@
           </a:lstStyle>
           <a:p>
             <a:r>
-              <a:rPr lang="en-US" smtClean="0"/>
+              <a:rPr lang="en-US"/>
               <a:t>Click to edit Master title style</a:t>
             </a:r>
             <a:endParaRPr lang="en-US" dirty="0"/>
@@ -1000,7 +998,7 @@
               <a:buNone/>
             </a:pPr>
             <a:r>
-              <a:rPr lang="en-US" smtClean="0"/>
+              <a:rPr lang="en-US"/>
               <a:t>Click to edit Master text styles</a:t>
             </a:r>
           </a:p>
@@ -1067,7 +1065,7 @@
           <a:p>
             <a:pPr lvl="0"/>
             <a:r>
-              <a:rPr lang="en-US" smtClean="0"/>
+              <a:rPr lang="en-US"/>
               <a:t>Click to edit Master text styles</a:t>
             </a:r>
           </a:p>
@@ -1090,7 +1088,7 @@
           <a:p>
             <a:fld id="{4509A250-FF31-4206-8172-F9D3106AACB1}" type="datetimeFigureOut">
               <a:rPr lang="en-US" dirty="0"/>
-              <a:t>3/3/2018</a:t>
+              <a:t>3/12/2018</a:t>
             </a:fld>
             <a:endParaRPr lang="en-US" dirty="0"/>
           </a:p>
@@ -1282,7 +1280,7 @@
           </a:lstStyle>
           <a:p>
             <a:r>
-              <a:rPr lang="en-US" smtClean="0"/>
+              <a:rPr lang="en-US"/>
               <a:t>Click to edit Master title style</a:t>
             </a:r>
             <a:endParaRPr lang="en-US" dirty="0"/>
@@ -1403,7 +1401,7 @@
           <a:p>
             <a:pPr lvl="0"/>
             <a:r>
-              <a:rPr lang="en-US" smtClean="0"/>
+              <a:rPr lang="en-US"/>
               <a:t>Click to edit Master text styles</a:t>
             </a:r>
           </a:p>
@@ -1426,7 +1424,7 @@
           <a:p>
             <a:fld id="{4509A250-FF31-4206-8172-F9D3106AACB1}" type="datetimeFigureOut">
               <a:rPr lang="en-US" dirty="0"/>
-              <a:t>3/3/2018</a:t>
+              <a:t>3/12/2018</a:t>
             </a:fld>
             <a:endParaRPr lang="en-US" dirty="0"/>
           </a:p>
@@ -1519,7 +1517,7 @@
           </a:lstStyle>
           <a:p>
             <a:r>
-              <a:rPr lang="en-US" smtClean="0"/>
+              <a:rPr lang="en-US"/>
               <a:t>Click to edit Master title style</a:t>
             </a:r>
             <a:endParaRPr lang="en-US" dirty="0"/>
@@ -1594,7 +1592,7 @@
           <a:p>
             <a:pPr lvl="0"/>
             <a:r>
-              <a:rPr lang="en-US" smtClean="0"/>
+              <a:rPr lang="en-US"/>
               <a:t>Click to edit Master text styles</a:t>
             </a:r>
           </a:p>
@@ -1661,7 +1659,7 @@
           <a:p>
             <a:pPr lvl="0"/>
             <a:r>
-              <a:rPr lang="en-US" smtClean="0"/>
+              <a:rPr lang="en-US"/>
               <a:t>Click to edit Master text styles</a:t>
             </a:r>
           </a:p>
@@ -1735,7 +1733,7 @@
           <a:p>
             <a:pPr lvl="0"/>
             <a:r>
-              <a:rPr lang="en-US" smtClean="0"/>
+              <a:rPr lang="en-US"/>
               <a:t>Click to edit Master text styles</a:t>
             </a:r>
           </a:p>
@@ -1802,7 +1800,7 @@
           <a:p>
             <a:pPr lvl="0"/>
             <a:r>
-              <a:rPr lang="en-US" smtClean="0"/>
+              <a:rPr lang="en-US"/>
               <a:t>Click to edit Master text styles</a:t>
             </a:r>
           </a:p>
@@ -1876,7 +1874,7 @@
           <a:p>
             <a:pPr lvl="0"/>
             <a:r>
-              <a:rPr lang="en-US" smtClean="0"/>
+              <a:rPr lang="en-US"/>
               <a:t>Click to edit Master text styles</a:t>
             </a:r>
           </a:p>
@@ -1943,7 +1941,7 @@
           <a:p>
             <a:pPr lvl="0"/>
             <a:r>
-              <a:rPr lang="en-US" smtClean="0"/>
+              <a:rPr lang="en-US"/>
               <a:t>Click to edit Master text styles</a:t>
             </a:r>
           </a:p>
@@ -2044,7 +2042,7 @@
           <a:p>
             <a:fld id="{4509A250-FF31-4206-8172-F9D3106AACB1}" type="datetimeFigureOut">
               <a:rPr lang="en-US" dirty="0"/>
-              <a:t>3/3/2018</a:t>
+              <a:t>3/12/2018</a:t>
             </a:fld>
             <a:endParaRPr lang="en-US" dirty="0"/>
           </a:p>
@@ -2137,7 +2135,7 @@
           </a:lstStyle>
           <a:p>
             <a:r>
-              <a:rPr lang="en-US" smtClean="0"/>
+              <a:rPr lang="en-US"/>
               <a:t>Click to edit Master title style</a:t>
             </a:r>
             <a:endParaRPr lang="en-US" dirty="0"/>
@@ -2212,7 +2210,7 @@
           <a:p>
             <a:pPr lvl="0"/>
             <a:r>
-              <a:rPr lang="en-US" smtClean="0"/>
+              <a:rPr lang="en-US"/>
               <a:t>Click to edit Master text styles</a:t>
             </a:r>
           </a:p>
@@ -2290,7 +2288,7 @@
           </a:lstStyle>
           <a:p>
             <a:r>
-              <a:rPr lang="en-US" smtClean="0"/>
+              <a:rPr lang="en-US"/>
               <a:t>Click icon to add picture</a:t>
             </a:r>
             <a:endParaRPr lang="en-US" dirty="0"/>
@@ -2358,7 +2356,7 @@
           <a:p>
             <a:pPr lvl="0"/>
             <a:r>
-              <a:rPr lang="en-US" smtClean="0"/>
+              <a:rPr lang="en-US"/>
               <a:t>Click to edit Master text styles</a:t>
             </a:r>
           </a:p>
@@ -2432,7 +2430,7 @@
           <a:p>
             <a:pPr lvl="0"/>
             <a:r>
-              <a:rPr lang="en-US" smtClean="0"/>
+              <a:rPr lang="en-US"/>
               <a:t>Click to edit Master text styles</a:t>
             </a:r>
           </a:p>
@@ -2510,7 +2508,7 @@
           </a:lstStyle>
           <a:p>
             <a:r>
-              <a:rPr lang="en-US" smtClean="0"/>
+              <a:rPr lang="en-US"/>
               <a:t>Click icon to add picture</a:t>
             </a:r>
             <a:endParaRPr lang="en-US" dirty="0"/>
@@ -2578,7 +2576,7 @@
           <a:p>
             <a:pPr lvl="0"/>
             <a:r>
-              <a:rPr lang="en-US" smtClean="0"/>
+              <a:rPr lang="en-US"/>
               <a:t>Click to edit Master text styles</a:t>
             </a:r>
           </a:p>
@@ -2652,7 +2650,7 @@
           <a:p>
             <a:pPr lvl="0"/>
             <a:r>
-              <a:rPr lang="en-US" smtClean="0"/>
+              <a:rPr lang="en-US"/>
               <a:t>Click to edit Master text styles</a:t>
             </a:r>
           </a:p>
@@ -2730,7 +2728,7 @@
           </a:lstStyle>
           <a:p>
             <a:r>
-              <a:rPr lang="en-US" smtClean="0"/>
+              <a:rPr lang="en-US"/>
               <a:t>Click icon to add picture</a:t>
             </a:r>
             <a:endParaRPr lang="en-US" dirty="0"/>
@@ -2798,7 +2796,7 @@
           <a:p>
             <a:pPr lvl="0"/>
             <a:r>
-              <a:rPr lang="en-US" smtClean="0"/>
+              <a:rPr lang="en-US"/>
               <a:t>Click to edit Master text styles</a:t>
             </a:r>
           </a:p>
@@ -2899,7 +2897,7 @@
           <a:p>
             <a:fld id="{4509A250-FF31-4206-8172-F9D3106AACB1}" type="datetimeFigureOut">
               <a:rPr lang="en-US" dirty="0"/>
-              <a:t>3/3/2018</a:t>
+              <a:t>3/12/2018</a:t>
             </a:fld>
             <a:endParaRPr lang="en-US" dirty="0"/>
           </a:p>
@@ -2988,7 +2986,7 @@
           <a:lstStyle/>
           <a:p>
             <a:r>
-              <a:rPr lang="en-US" smtClean="0"/>
+              <a:rPr lang="en-US"/>
               <a:t>Click to edit Master title style</a:t>
             </a:r>
             <a:endParaRPr lang="en-US" dirty="0"/>
@@ -3012,35 +3010,35 @@
           <a:p>
             <a:pPr lvl="0"/>
             <a:r>
-              <a:rPr lang="en-US" smtClean="0"/>
+              <a:rPr lang="en-US"/>
               <a:t>Click to edit Master text styles</a:t>
             </a:r>
           </a:p>
           <a:p>
             <a:pPr lvl="1"/>
             <a:r>
-              <a:rPr lang="en-US" smtClean="0"/>
+              <a:rPr lang="en-US"/>
               <a:t>Second level</a:t>
             </a:r>
           </a:p>
           <a:p>
             <a:pPr lvl="2"/>
             <a:r>
-              <a:rPr lang="en-US" smtClean="0"/>
+              <a:rPr lang="en-US"/>
               <a:t>Third level</a:t>
             </a:r>
           </a:p>
           <a:p>
             <a:pPr lvl="3"/>
             <a:r>
-              <a:rPr lang="en-US" smtClean="0"/>
+              <a:rPr lang="en-US"/>
               <a:t>Fourth level</a:t>
             </a:r>
           </a:p>
           <a:p>
             <a:pPr lvl="4"/>
             <a:r>
-              <a:rPr lang="en-US" smtClean="0"/>
+              <a:rPr lang="en-US"/>
               <a:t>Fifth level</a:t>
             </a:r>
             <a:endParaRPr lang="en-US" dirty="0"/>
@@ -3064,7 +3062,7 @@
           <a:p>
             <a:fld id="{4509A250-FF31-4206-8172-F9D3106AACB1}" type="datetimeFigureOut">
               <a:rPr lang="en-US" dirty="0"/>
-              <a:t>3/3/2018</a:t>
+              <a:t>3/12/2018</a:t>
             </a:fld>
             <a:endParaRPr lang="en-US" dirty="0"/>
           </a:p>
@@ -3158,7 +3156,7 @@
           <a:lstStyle/>
           <a:p>
             <a:r>
-              <a:rPr lang="en-US" smtClean="0"/>
+              <a:rPr lang="en-US"/>
               <a:t>Click to edit Master title style</a:t>
             </a:r>
             <a:endParaRPr lang="en-US" dirty="0"/>
@@ -3187,35 +3185,35 @@
           <a:p>
             <a:pPr lvl="0"/>
             <a:r>
-              <a:rPr lang="en-US" smtClean="0"/>
+              <a:rPr lang="en-US"/>
               <a:t>Click to edit Master text styles</a:t>
             </a:r>
           </a:p>
           <a:p>
             <a:pPr lvl="1"/>
             <a:r>
-              <a:rPr lang="en-US" smtClean="0"/>
+              <a:rPr lang="en-US"/>
               <a:t>Second level</a:t>
             </a:r>
           </a:p>
           <a:p>
             <a:pPr lvl="2"/>
             <a:r>
-              <a:rPr lang="en-US" smtClean="0"/>
+              <a:rPr lang="en-US"/>
               <a:t>Third level</a:t>
             </a:r>
           </a:p>
           <a:p>
             <a:pPr lvl="3"/>
             <a:r>
-              <a:rPr lang="en-US" smtClean="0"/>
+              <a:rPr lang="en-US"/>
               <a:t>Fourth level</a:t>
             </a:r>
           </a:p>
           <a:p>
             <a:pPr lvl="4"/>
             <a:r>
-              <a:rPr lang="en-US" smtClean="0"/>
+              <a:rPr lang="en-US"/>
               <a:t>Fifth level</a:t>
             </a:r>
             <a:endParaRPr lang="en-US" dirty="0"/>
@@ -3239,7 +3237,7 @@
           <a:p>
             <a:fld id="{4509A250-FF31-4206-8172-F9D3106AACB1}" type="datetimeFigureOut">
               <a:rPr lang="en-US" dirty="0"/>
-              <a:t>3/3/2018</a:t>
+              <a:t>3/12/2018</a:t>
             </a:fld>
             <a:endParaRPr lang="en-US" dirty="0"/>
           </a:p>
@@ -3328,7 +3326,7 @@
           <a:lstStyle/>
           <a:p>
             <a:r>
-              <a:rPr lang="en-US" smtClean="0"/>
+              <a:rPr lang="en-US"/>
               <a:t>Click to edit Master title style</a:t>
             </a:r>
             <a:endParaRPr lang="en-US" dirty="0"/>
@@ -3352,35 +3350,35 @@
           <a:p>
             <a:pPr lvl="0"/>
             <a:r>
-              <a:rPr lang="en-US" smtClean="0"/>
+              <a:rPr lang="en-US"/>
               <a:t>Click to edit Master text styles</a:t>
             </a:r>
           </a:p>
           <a:p>
             <a:pPr lvl="1"/>
             <a:r>
-              <a:rPr lang="en-US" smtClean="0"/>
+              <a:rPr lang="en-US"/>
               <a:t>Second level</a:t>
             </a:r>
           </a:p>
           <a:p>
             <a:pPr lvl="2"/>
             <a:r>
-              <a:rPr lang="en-US" smtClean="0"/>
+              <a:rPr lang="en-US"/>
               <a:t>Third level</a:t>
             </a:r>
           </a:p>
           <a:p>
             <a:pPr lvl="3"/>
             <a:r>
-              <a:rPr lang="en-US" smtClean="0"/>
+              <a:rPr lang="en-US"/>
               <a:t>Fourth level</a:t>
             </a:r>
           </a:p>
           <a:p>
             <a:pPr lvl="4"/>
             <a:r>
-              <a:rPr lang="en-US" smtClean="0"/>
+              <a:rPr lang="en-US"/>
               <a:t>Fifth level</a:t>
             </a:r>
             <a:endParaRPr lang="en-US" dirty="0"/>
@@ -3404,7 +3402,7 @@
           <a:p>
             <a:fld id="{4509A250-FF31-4206-8172-F9D3106AACB1}" type="datetimeFigureOut">
               <a:rPr lang="en-US" dirty="0"/>
-              <a:t>3/3/2018</a:t>
+              <a:t>3/12/2018</a:t>
             </a:fld>
             <a:endParaRPr lang="en-US" dirty="0"/>
           </a:p>
@@ -3502,7 +3500,7 @@
           </a:lstStyle>
           <a:p>
             <a:r>
-              <a:rPr lang="en-US" smtClean="0"/>
+              <a:rPr lang="en-US"/>
               <a:t>Click to edit Master title style</a:t>
             </a:r>
             <a:endParaRPr lang="en-US" dirty="0"/>
@@ -3623,7 +3621,7 @@
           <a:p>
             <a:pPr lvl="0"/>
             <a:r>
-              <a:rPr lang="en-US" smtClean="0"/>
+              <a:rPr lang="en-US"/>
               <a:t>Click to edit Master text styles</a:t>
             </a:r>
           </a:p>
@@ -3646,7 +3644,7 @@
           <a:p>
             <a:fld id="{9796027F-7875-4030-9381-8BD8C4F21935}" type="datetimeFigureOut">
               <a:rPr lang="en-US" dirty="0"/>
-              <a:t>3/3/2018</a:t>
+              <a:t>3/12/2018</a:t>
             </a:fld>
             <a:endParaRPr lang="en-US" dirty="0"/>
           </a:p>
@@ -3735,7 +3733,7 @@
           <a:lstStyle/>
           <a:p>
             <a:r>
-              <a:rPr lang="en-US" smtClean="0"/>
+              <a:rPr lang="en-US"/>
               <a:t>Click to edit Master title style</a:t>
             </a:r>
             <a:endParaRPr lang="en-US" dirty="0"/>
@@ -3794,35 +3792,35 @@
           <a:p>
             <a:pPr lvl="0"/>
             <a:r>
-              <a:rPr lang="en-US" smtClean="0"/>
+              <a:rPr lang="en-US"/>
               <a:t>Click to edit Master text styles</a:t>
             </a:r>
           </a:p>
           <a:p>
             <a:pPr lvl="1"/>
             <a:r>
-              <a:rPr lang="en-US" smtClean="0"/>
+              <a:rPr lang="en-US"/>
               <a:t>Second level</a:t>
             </a:r>
           </a:p>
           <a:p>
             <a:pPr lvl="2"/>
             <a:r>
-              <a:rPr lang="en-US" smtClean="0"/>
+              <a:rPr lang="en-US"/>
               <a:t>Third level</a:t>
             </a:r>
           </a:p>
           <a:p>
             <a:pPr lvl="3"/>
             <a:r>
-              <a:rPr lang="en-US" smtClean="0"/>
+              <a:rPr lang="en-US"/>
               <a:t>Fourth level</a:t>
             </a:r>
           </a:p>
           <a:p>
             <a:pPr lvl="4"/>
             <a:r>
-              <a:rPr lang="en-US" smtClean="0"/>
+              <a:rPr lang="en-US"/>
               <a:t>Fifth level</a:t>
             </a:r>
             <a:endParaRPr lang="en-US" dirty="0"/>
@@ -3881,35 +3879,35 @@
           <a:p>
             <a:pPr lvl="0"/>
             <a:r>
-              <a:rPr lang="en-US" smtClean="0"/>
+              <a:rPr lang="en-US"/>
               <a:t>Click to edit Master text styles</a:t>
             </a:r>
           </a:p>
           <a:p>
             <a:pPr lvl="1"/>
             <a:r>
-              <a:rPr lang="en-US" smtClean="0"/>
+              <a:rPr lang="en-US"/>
               <a:t>Second level</a:t>
             </a:r>
           </a:p>
           <a:p>
             <a:pPr lvl="2"/>
             <a:r>
-              <a:rPr lang="en-US" smtClean="0"/>
+              <a:rPr lang="en-US"/>
               <a:t>Third level</a:t>
             </a:r>
           </a:p>
           <a:p>
             <a:pPr lvl="3"/>
             <a:r>
-              <a:rPr lang="en-US" smtClean="0"/>
+              <a:rPr lang="en-US"/>
               <a:t>Fourth level</a:t>
             </a:r>
           </a:p>
           <a:p>
             <a:pPr lvl="4"/>
             <a:r>
-              <a:rPr lang="en-US" smtClean="0"/>
+              <a:rPr lang="en-US"/>
               <a:t>Fifth level</a:t>
             </a:r>
             <a:endParaRPr lang="en-US" dirty="0"/>
@@ -3933,7 +3931,7 @@
           <a:p>
             <a:fld id="{9796027F-7875-4030-9381-8BD8C4F21935}" type="datetimeFigureOut">
               <a:rPr lang="en-US" dirty="0"/>
-              <a:t>3/3/2018</a:t>
+              <a:t>3/12/2018</a:t>
             </a:fld>
             <a:endParaRPr lang="en-US" dirty="0"/>
           </a:p>
@@ -4026,7 +4024,7 @@
           </a:lstStyle>
           <a:p>
             <a:r>
-              <a:rPr lang="en-US" smtClean="0"/>
+              <a:rPr lang="en-US"/>
               <a:t>Click to edit Master title style</a:t>
             </a:r>
             <a:endParaRPr lang="en-US" dirty="0"/>
@@ -4101,7 +4099,7 @@
           <a:p>
             <a:pPr lvl="0"/>
             <a:r>
-              <a:rPr lang="en-US" smtClean="0"/>
+              <a:rPr lang="en-US"/>
               <a:t>Click to edit Master text styles</a:t>
             </a:r>
           </a:p>
@@ -4159,35 +4157,35 @@
           <a:p>
             <a:pPr lvl="0"/>
             <a:r>
-              <a:rPr lang="en-US" smtClean="0"/>
+              <a:rPr lang="en-US"/>
               <a:t>Click to edit Master text styles</a:t>
             </a:r>
           </a:p>
           <a:p>
             <a:pPr lvl="1"/>
             <a:r>
-              <a:rPr lang="en-US" smtClean="0"/>
+              <a:rPr lang="en-US"/>
               <a:t>Second level</a:t>
             </a:r>
           </a:p>
           <a:p>
             <a:pPr lvl="2"/>
             <a:r>
-              <a:rPr lang="en-US" smtClean="0"/>
+              <a:rPr lang="en-US"/>
               <a:t>Third level</a:t>
             </a:r>
           </a:p>
           <a:p>
             <a:pPr lvl="3"/>
             <a:r>
-              <a:rPr lang="en-US" smtClean="0"/>
+              <a:rPr lang="en-US"/>
               <a:t>Fourth level</a:t>
             </a:r>
           </a:p>
           <a:p>
             <a:pPr lvl="4"/>
             <a:r>
-              <a:rPr lang="en-US" smtClean="0"/>
+              <a:rPr lang="en-US"/>
               <a:t>Fifth level</a:t>
             </a:r>
             <a:endParaRPr lang="en-US" dirty="0"/>
@@ -4262,7 +4260,7 @@
           <a:p>
             <a:pPr lvl="0"/>
             <a:r>
-              <a:rPr lang="en-US" smtClean="0"/>
+              <a:rPr lang="en-US"/>
               <a:t>Click to edit Master text styles</a:t>
             </a:r>
           </a:p>
@@ -4320,35 +4318,35 @@
           <a:p>
             <a:pPr lvl="0"/>
             <a:r>
-              <a:rPr lang="en-US" smtClean="0"/>
+              <a:rPr lang="en-US"/>
               <a:t>Click to edit Master text styles</a:t>
             </a:r>
           </a:p>
           <a:p>
             <a:pPr lvl="1"/>
             <a:r>
-              <a:rPr lang="en-US" smtClean="0"/>
+              <a:rPr lang="en-US"/>
               <a:t>Second level</a:t>
             </a:r>
           </a:p>
           <a:p>
             <a:pPr lvl="2"/>
             <a:r>
-              <a:rPr lang="en-US" smtClean="0"/>
+              <a:rPr lang="en-US"/>
               <a:t>Third level</a:t>
             </a:r>
           </a:p>
           <a:p>
             <a:pPr lvl="3"/>
             <a:r>
-              <a:rPr lang="en-US" smtClean="0"/>
+              <a:rPr lang="en-US"/>
               <a:t>Fourth level</a:t>
             </a:r>
           </a:p>
           <a:p>
             <a:pPr lvl="4"/>
             <a:r>
-              <a:rPr lang="en-US" smtClean="0"/>
+              <a:rPr lang="en-US"/>
               <a:t>Fifth level</a:t>
             </a:r>
             <a:endParaRPr lang="en-US" dirty="0"/>
@@ -4372,7 +4370,7 @@
           <a:p>
             <a:fld id="{9796027F-7875-4030-9381-8BD8C4F21935}" type="datetimeFigureOut">
               <a:rPr lang="en-US" dirty="0"/>
-              <a:t>3/3/2018</a:t>
+              <a:t>3/12/2018</a:t>
             </a:fld>
             <a:endParaRPr lang="en-US" dirty="0"/>
           </a:p>
@@ -4461,7 +4459,7 @@
           <a:lstStyle/>
           <a:p>
             <a:r>
-              <a:rPr lang="en-US" smtClean="0"/>
+              <a:rPr lang="en-US"/>
               <a:t>Click to edit Master title style</a:t>
             </a:r>
             <a:endParaRPr lang="en-US" dirty="0"/>
@@ -4485,7 +4483,7 @@
           <a:p>
             <a:fld id="{4509A250-FF31-4206-8172-F9D3106AACB1}" type="datetimeFigureOut">
               <a:rPr lang="en-US" dirty="0"/>
-              <a:t>3/3/2018</a:t>
+              <a:t>3/12/2018</a:t>
             </a:fld>
             <a:endParaRPr lang="en-US" dirty="0"/>
           </a:p>
@@ -4575,7 +4573,7 @@
           <a:p>
             <a:fld id="{4509A250-FF31-4206-8172-F9D3106AACB1}" type="datetimeFigureOut">
               <a:rPr lang="en-US" dirty="0"/>
-              <a:t>3/3/2018</a:t>
+              <a:t>3/12/2018</a:t>
             </a:fld>
             <a:endParaRPr lang="en-US" dirty="0"/>
           </a:p>
@@ -4673,7 +4671,7 @@
           </a:lstStyle>
           <a:p>
             <a:r>
-              <a:rPr lang="en-US" smtClean="0"/>
+              <a:rPr lang="en-US"/>
               <a:t>Click to edit Master title style</a:t>
             </a:r>
             <a:endParaRPr lang="en-US" dirty="0"/>
@@ -4732,35 +4730,35 @@
           <a:p>
             <a:pPr lvl="0"/>
             <a:r>
-              <a:rPr lang="en-US" smtClean="0"/>
+              <a:rPr lang="en-US"/>
               <a:t>Click to edit Master text styles</a:t>
             </a:r>
           </a:p>
           <a:p>
             <a:pPr lvl="1"/>
             <a:r>
-              <a:rPr lang="en-US" smtClean="0"/>
+              <a:rPr lang="en-US"/>
               <a:t>Second level</a:t>
             </a:r>
           </a:p>
           <a:p>
             <a:pPr lvl="2"/>
             <a:r>
-              <a:rPr lang="en-US" smtClean="0"/>
+              <a:rPr lang="en-US"/>
               <a:t>Third level</a:t>
             </a:r>
           </a:p>
           <a:p>
             <a:pPr lvl="3"/>
             <a:r>
-              <a:rPr lang="en-US" smtClean="0"/>
+              <a:rPr lang="en-US"/>
               <a:t>Fourth level</a:t>
             </a:r>
           </a:p>
           <a:p>
             <a:pPr lvl="4"/>
             <a:r>
-              <a:rPr lang="en-US" smtClean="0"/>
+              <a:rPr lang="en-US"/>
               <a:t>Fifth level</a:t>
             </a:r>
             <a:endParaRPr lang="en-US" dirty="0"/>
@@ -4826,7 +4824,7 @@
           <a:p>
             <a:pPr lvl="0"/>
             <a:r>
-              <a:rPr lang="en-US" smtClean="0"/>
+              <a:rPr lang="en-US"/>
               <a:t>Click to edit Master text styles</a:t>
             </a:r>
           </a:p>
@@ -4849,7 +4847,7 @@
           <a:p>
             <a:fld id="{4509A250-FF31-4206-8172-F9D3106AACB1}" type="datetimeFigureOut">
               <a:rPr lang="en-US" dirty="0"/>
-              <a:t>3/3/2018</a:t>
+              <a:t>3/12/2018</a:t>
             </a:fld>
             <a:endParaRPr lang="en-US" dirty="0"/>
           </a:p>
@@ -4949,7 +4947,7 @@
           </a:lstStyle>
           <a:p>
             <a:r>
-              <a:rPr lang="en-US" smtClean="0"/>
+              <a:rPr lang="en-US"/>
               <a:t>Click to edit Master title style</a:t>
             </a:r>
             <a:endParaRPr lang="en-US" dirty="0"/>
@@ -5028,7 +5026,7 @@
           </a:lstStyle>
           <a:p>
             <a:r>
-              <a:rPr lang="en-US" smtClean="0"/>
+              <a:rPr lang="en-US"/>
               <a:t>Click icon to add picture</a:t>
             </a:r>
             <a:endParaRPr lang="en-US" dirty="0"/>
@@ -5096,7 +5094,7 @@
           <a:p>
             <a:pPr lvl="0"/>
             <a:r>
-              <a:rPr lang="en-US" smtClean="0"/>
+              <a:rPr lang="en-US"/>
               <a:t>Click to edit Master text styles</a:t>
             </a:r>
           </a:p>
@@ -5119,7 +5117,7 @@
           <a:p>
             <a:fld id="{4509A250-FF31-4206-8172-F9D3106AACB1}" type="datetimeFigureOut">
               <a:rPr lang="en-US" dirty="0"/>
-              <a:t>3/3/2018</a:t>
+              <a:t>3/12/2018</a:t>
             </a:fld>
             <a:endParaRPr lang="en-US" dirty="0"/>
           </a:p>
@@ -5438,7 +5436,7 @@
           <a:lstStyle/>
           <a:p>
             <a:r>
-              <a:rPr lang="en-US" smtClean="0"/>
+              <a:rPr lang="en-US"/>
               <a:t>Click to edit Master title style</a:t>
             </a:r>
             <a:endParaRPr lang="en-US" dirty="0"/>
@@ -5472,35 +5470,35 @@
           <a:p>
             <a:pPr lvl="0"/>
             <a:r>
-              <a:rPr lang="en-US" smtClean="0"/>
+              <a:rPr lang="en-US"/>
               <a:t>Click to edit Master text styles</a:t>
             </a:r>
           </a:p>
           <a:p>
             <a:pPr lvl="1"/>
             <a:r>
-              <a:rPr lang="en-US" smtClean="0"/>
+              <a:rPr lang="en-US"/>
               <a:t>Second level</a:t>
             </a:r>
           </a:p>
           <a:p>
             <a:pPr lvl="2"/>
             <a:r>
-              <a:rPr lang="en-US" smtClean="0"/>
+              <a:rPr lang="en-US"/>
               <a:t>Third level</a:t>
             </a:r>
           </a:p>
           <a:p>
             <a:pPr lvl="3"/>
             <a:r>
-              <a:rPr lang="en-US" smtClean="0"/>
+              <a:rPr lang="en-US"/>
               <a:t>Fourth level</a:t>
             </a:r>
           </a:p>
           <a:p>
             <a:pPr lvl="4"/>
             <a:r>
-              <a:rPr lang="en-US" smtClean="0"/>
+              <a:rPr lang="en-US"/>
               <a:t>Fifth level</a:t>
             </a:r>
             <a:endParaRPr lang="en-US" dirty="0"/>
@@ -5543,7 +5541,7 @@
           <a:p>
             <a:fld id="{4AAD347D-5ACD-4C99-B74B-A9C85AD731AF}" type="datetimeFigureOut">
               <a:rPr lang="en-US" dirty="0"/>
-              <a:t>3/3/2018</a:t>
+              <a:t>3/12/2018</a:t>
             </a:fld>
             <a:endParaRPr lang="en-US" dirty="0"/>
           </a:p>
@@ -6083,11 +6081,11 @@
           <a:lstStyle/>
           <a:p>
             <a:r>
-              <a:rPr lang="en-GB" dirty="0" smtClean="0"/>
+              <a:rPr lang="en-GB" dirty="0"/>
               <a:t>Learning Python 3</a:t>
             </a:r>
             <a:br>
-              <a:rPr lang="en-GB" dirty="0" smtClean="0"/>
+              <a:rPr lang="en-GB" dirty="0"/>
             </a:br>
             <a:endParaRPr lang="en-GB" dirty="0"/>
           </a:p>
@@ -6109,10 +6107,9 @@
           <a:lstStyle/>
           <a:p>
             <a:r>
-              <a:rPr lang="en-GB" dirty="0" smtClean="0"/>
+              <a:rPr lang="en-GB" dirty="0"/>
               <a:t>Week 2: VARIABLES, LOOPS, INPUTS, AND DECISIONS.</a:t>
             </a:r>
-            <a:endParaRPr lang="en-GB" dirty="0"/>
           </a:p>
         </p:txBody>
       </p:sp>
@@ -6126,13 +6123,6 @@
   <p:clrMapOvr>
     <a:masterClrMapping/>
   </p:clrMapOvr>
-  <p:timing>
-    <p:tnLst>
-      <p:par>
-        <p:cTn id="1" dur="indefinite" restart="never" nodeType="tmRoot"/>
-      </p:par>
-    </p:tnLst>
-  </p:timing>
 </p:sld>
 </file>
 
@@ -6169,184 +6159,110 @@
           <a:lstStyle/>
           <a:p>
             <a:r>
-              <a:rPr lang="en-GB" dirty="0" smtClean="0"/>
-              <a:t>Getting User Input.</a:t>
-            </a:r>
+              <a:rPr lang="en-GB" dirty="0"/>
+              <a:t>Working With Numbers</a:t>
+            </a:r>
+          </a:p>
+        </p:txBody>
+      </p:sp>
+      <p:sp>
+        <p:nvSpPr>
+          <p:cNvPr id="3" name="Content Placeholder 2"/>
+          <p:cNvSpPr>
+            <a:spLocks noGrp="1"/>
+          </p:cNvSpPr>
+          <p:nvPr>
+            <p:ph idx="1"/>
+          </p:nvPr>
+        </p:nvSpPr>
+        <p:spPr/>
+        <p:txBody>
+          <a:bodyPr/>
+          <a:lstStyle/>
+          <a:p>
+            <a:r>
+              <a:rPr lang="en-GB" dirty="0"/>
+              <a:t>An integer is term from mathematics for a type of number.</a:t>
+            </a:r>
+          </a:p>
+          <a:p>
+            <a:r>
+              <a:rPr lang="en-GB" dirty="0"/>
+              <a:t>An integer is a whole number, but can be either positive or negative.</a:t>
+            </a:r>
+          </a:p>
+          <a:p>
             <a:endParaRPr lang="en-GB" dirty="0"/>
           </a:p>
-        </p:txBody>
-      </p:sp>
-      <p:sp>
-        <p:nvSpPr>
-          <p:cNvPr id="3" name="Content Placeholder 2"/>
-          <p:cNvSpPr>
-            <a:spLocks noGrp="1"/>
-          </p:cNvSpPr>
-          <p:nvPr>
-            <p:ph idx="1"/>
-          </p:nvPr>
-        </p:nvSpPr>
-        <p:spPr>
-          <a:xfrm>
-            <a:off x="1103312" y="2052918"/>
-            <a:ext cx="4457516" cy="4195481"/>
-          </a:xfrm>
-        </p:spPr>
-        <p:txBody>
-          <a:bodyPr>
-            <a:normAutofit lnSpcReduction="10000"/>
-          </a:bodyPr>
-          <a:lstStyle/>
-          <a:p>
-            <a:r>
-              <a:rPr lang="en-GB" dirty="0" smtClean="0"/>
-              <a:t>You can use input() to get the user to type in a string when the program is run.</a:t>
-            </a:r>
-          </a:p>
-          <a:p>
-            <a:endParaRPr lang="en-GB" dirty="0"/>
-          </a:p>
-          <a:p>
-            <a:r>
-              <a:rPr lang="en-GB" b="1" u="sng" dirty="0">
-                <a:solidFill>
-                  <a:srgbClr val="FFFF00"/>
+          <a:p>
+            <a:r>
+              <a:rPr lang="en-GB" dirty="0"/>
+              <a:t>These are integers: 	</a:t>
+            </a:r>
+            <a:r>
+              <a:rPr lang="en-GB" b="1" dirty="0">
+                <a:solidFill>
+                  <a:srgbClr val="92D050"/>
                 </a:solidFill>
               </a:rPr>
-              <a:t>TASK:</a:t>
+              <a:t>-9, -4, 0, 333, 123199414</a:t>
+            </a:r>
+          </a:p>
+          <a:p>
+            <a:r>
+              <a:rPr lang="en-GB" dirty="0"/>
+              <a:t>These are not: 		</a:t>
             </a:r>
             <a:r>
               <a:rPr lang="en-GB" b="1" dirty="0">
                 <a:solidFill>
-                  <a:srgbClr val="FFFF00"/>
+                  <a:schemeClr val="accent1">
+                    <a:lumMod val="40000"/>
+                    <a:lumOff val="60000"/>
+                  </a:schemeClr>
                 </a:solidFill>
               </a:rPr>
-              <a:t> </a:t>
-            </a:r>
-            <a:r>
-              <a:rPr lang="en-GB" dirty="0">
-                <a:solidFill>
-                  <a:srgbClr val="FFFF00"/>
-                </a:solidFill>
-              </a:rPr>
-              <a:t>What do you think the program on the right will do ?</a:t>
-            </a:r>
-          </a:p>
-          <a:p>
-            <a:r>
-              <a:rPr lang="en-GB" b="1" u="sng" dirty="0">
-                <a:solidFill>
-                  <a:srgbClr val="FFFF00"/>
-                </a:solidFill>
-              </a:rPr>
-              <a:t>TASK:</a:t>
-            </a:r>
-            <a:r>
-              <a:rPr lang="en-GB" dirty="0">
-                <a:solidFill>
-                  <a:srgbClr val="FFFF00"/>
-                </a:solidFill>
-              </a:rPr>
-              <a:t> Type it in, run it and see if you were correct</a:t>
-            </a:r>
-            <a:r>
-              <a:rPr lang="en-GB" dirty="0" smtClean="0">
-                <a:solidFill>
-                  <a:srgbClr val="FFFF00"/>
-                </a:solidFill>
-              </a:rPr>
-              <a:t>.</a:t>
-            </a:r>
-          </a:p>
-          <a:p>
-            <a:r>
-              <a:rPr lang="en-GB" dirty="0" smtClean="0">
-                <a:solidFill>
-                  <a:srgbClr val="FFFF00"/>
-                </a:solidFill>
-              </a:rPr>
-              <a:t>(Note: You will need to click on the window at the bottom and type something in to have it work).</a:t>
-            </a:r>
-            <a:endParaRPr lang="en-GB" dirty="0">
+              <a:t>-0.5, 3.1415, 55.9</a:t>
+            </a:r>
+          </a:p>
+          <a:p>
+            <a:endParaRPr lang="en-GB" b="1" dirty="0">
               <a:solidFill>
-                <a:srgbClr val="FFFF00"/>
+                <a:schemeClr val="accent1">
+                  <a:lumMod val="40000"/>
+                  <a:lumOff val="60000"/>
+                </a:schemeClr>
               </a:solidFill>
             </a:endParaRPr>
           </a:p>
-        </p:txBody>
-      </p:sp>
-      <p:sp>
-        <p:nvSpPr>
-          <p:cNvPr id="4" name="Rectangle 3"/>
-          <p:cNvSpPr/>
-          <p:nvPr/>
-        </p:nvSpPr>
-        <p:spPr>
-          <a:xfrm>
-            <a:off x="5706534" y="1853245"/>
-            <a:ext cx="6096000" cy="1200329"/>
-          </a:xfrm>
-          <a:prstGeom prst="rect">
-            <a:avLst/>
-          </a:prstGeom>
-        </p:spPr>
-        <p:txBody>
-          <a:bodyPr>
-            <a:spAutoFit/>
-          </a:bodyPr>
-          <a:lstStyle/>
-          <a:p>
-            <a:r>
-              <a:rPr lang="en-GB" dirty="0">
-                <a:latin typeface="Courier New" panose="02070309020205020404" pitchFamily="49" charset="0"/>
-                <a:cs typeface="Courier New" panose="02070309020205020404" pitchFamily="49" charset="0"/>
-              </a:rPr>
-              <a:t># Week2, Program4</a:t>
-            </a:r>
-          </a:p>
-          <a:p>
-            <a:endParaRPr lang="en-GB" dirty="0">
-              <a:latin typeface="Courier New" panose="02070309020205020404" pitchFamily="49" charset="0"/>
-              <a:cs typeface="Courier New" panose="02070309020205020404" pitchFamily="49" charset="0"/>
+          <a:p>
+            <a:r>
+              <a:rPr lang="en-GB" dirty="0"/>
+              <a:t>Python can deal with decimal numbers, but we will learn about this in a later week. For now, just integers !</a:t>
+            </a:r>
+          </a:p>
+          <a:p>
+            <a:endParaRPr lang="en-GB" b="1" dirty="0">
+              <a:solidFill>
+                <a:schemeClr val="accent1">
+                  <a:lumMod val="40000"/>
+                  <a:lumOff val="60000"/>
+                </a:schemeClr>
+              </a:solidFill>
             </a:endParaRPr>
-          </a:p>
-          <a:p>
-            <a:r>
-              <a:rPr lang="en-GB" dirty="0">
-                <a:latin typeface="Courier New" panose="02070309020205020404" pitchFamily="49" charset="0"/>
-                <a:cs typeface="Courier New" panose="02070309020205020404" pitchFamily="49" charset="0"/>
-              </a:rPr>
-              <a:t>a = input("What is your name: ")</a:t>
-            </a:r>
-          </a:p>
-          <a:p>
-            <a:r>
-              <a:rPr lang="en-GB" dirty="0">
-                <a:latin typeface="Courier New" panose="02070309020205020404" pitchFamily="49" charset="0"/>
-                <a:cs typeface="Courier New" panose="02070309020205020404" pitchFamily="49" charset="0"/>
-              </a:rPr>
-              <a:t>print("Hello, " + a)</a:t>
-            </a:r>
           </a:p>
         </p:txBody>
       </p:sp>
     </p:spTree>
     <p:extLst>
       <p:ext uri="{BB962C8B-B14F-4D97-AF65-F5344CB8AC3E}">
-        <p14:creationId xmlns:p14="http://schemas.microsoft.com/office/powerpoint/2010/main" val="2331575272"/>
+        <p14:creationId xmlns:p14="http://schemas.microsoft.com/office/powerpoint/2010/main" val="2914851393"/>
       </p:ext>
     </p:extLst>
   </p:cSld>
   <p:clrMapOvr>
     <a:masterClrMapping/>
   </p:clrMapOvr>
-  <p:timing>
-    <p:tnLst>
-      <p:par>
-        <p:cTn id="1" dur="indefinite" restart="never" nodeType="tmRoot"/>
-      </p:par>
-    </p:tnLst>
-  </p:timing>
 </p:sld>
 </file>
 
@@ -6383,10 +6299,9 @@
           <a:lstStyle/>
           <a:p>
             <a:r>
-              <a:rPr lang="en-GB" dirty="0" smtClean="0"/>
-              <a:t>Working With Numbers</a:t>
-            </a:r>
-            <a:endParaRPr lang="en-GB" dirty="0"/>
+              <a:rPr lang="en-GB" dirty="0"/>
+              <a:t>Assigning Numbers</a:t>
+            </a:r>
           </a:p>
         </p:txBody>
       </p:sp>
@@ -6400,20 +6315,25 @@
             <p:ph idx="1"/>
           </p:nvPr>
         </p:nvSpPr>
-        <p:spPr/>
+        <p:spPr>
+          <a:xfrm>
+            <a:off x="1103312" y="2052918"/>
+            <a:ext cx="4521311" cy="4195481"/>
+          </a:xfrm>
+        </p:spPr>
         <p:txBody>
           <a:bodyPr/>
           <a:lstStyle/>
           <a:p>
             <a:r>
-              <a:rPr lang="en-GB" dirty="0" smtClean="0"/>
-              <a:t>An integer is term from mathematics for a type of number.</a:t>
-            </a:r>
-          </a:p>
-          <a:p>
-            <a:r>
-              <a:rPr lang="en-GB" dirty="0" smtClean="0"/>
-              <a:t>An integer is a whole number, but can be either positive or negative.</a:t>
+              <a:rPr lang="en-GB" dirty="0"/>
+              <a:t>This is just the same as assigning strings.</a:t>
+            </a:r>
+          </a:p>
+          <a:p>
+            <a:r>
+              <a:rPr lang="en-GB" dirty="0"/>
+              <a:t>Except you don't put the integer inside quotes. Quotes are just for strings.</a:t>
             </a:r>
           </a:p>
           <a:p>
@@ -6421,86 +6341,134 @@
           </a:p>
           <a:p>
             <a:r>
-              <a:rPr lang="en-GB" dirty="0" smtClean="0"/>
-              <a:t>These are integers: 	</a:t>
-            </a:r>
-            <a:r>
-              <a:rPr lang="en-GB" b="1" dirty="0" smtClean="0">
-                <a:solidFill>
-                  <a:srgbClr val="92D050"/>
+              <a:rPr lang="en-GB" b="1" u="sng" dirty="0">
+                <a:solidFill>
+                  <a:srgbClr val="FFFF00"/>
                 </a:solidFill>
               </a:rPr>
-              <a:t>-9, -4, 0, 333, 123199414</a:t>
-            </a:r>
-            <a:endParaRPr lang="en-GB" b="1" dirty="0">
-              <a:solidFill>
-                <a:srgbClr val="92D050"/>
-              </a:solidFill>
-            </a:endParaRPr>
-          </a:p>
-          <a:p>
-            <a:r>
-              <a:rPr lang="en-GB" dirty="0" smtClean="0"/>
-              <a:t>These are not: 		</a:t>
-            </a:r>
-            <a:r>
-              <a:rPr lang="en-GB" b="1" dirty="0" smtClean="0">
-                <a:solidFill>
-                  <a:schemeClr val="accent1">
-                    <a:lumMod val="40000"/>
-                    <a:lumOff val="60000"/>
-                  </a:schemeClr>
+              <a:t>TASK:</a:t>
+            </a:r>
+            <a:r>
+              <a:rPr lang="en-GB" b="1" dirty="0">
+                <a:solidFill>
+                  <a:srgbClr val="FFFF00"/>
                 </a:solidFill>
               </a:rPr>
-              <a:t>-0.5, 3.1415, 55.9</a:t>
-            </a:r>
-          </a:p>
-          <a:p>
-            <a:endParaRPr lang="en-GB" b="1" dirty="0">
-              <a:solidFill>
-                <a:schemeClr val="accent1">
-                  <a:lumMod val="40000"/>
-                  <a:lumOff val="60000"/>
-                </a:schemeClr>
-              </a:solidFill>
-            </a:endParaRPr>
-          </a:p>
-          <a:p>
-            <a:r>
-              <a:rPr lang="en-GB" dirty="0" smtClean="0"/>
-              <a:t>Python can deal with decimal numbers, but we will learn about this in a later week. For now, just integers !</a:t>
+              <a:t> </a:t>
+            </a:r>
+            <a:r>
+              <a:rPr lang="en-GB" dirty="0">
+                <a:solidFill>
+                  <a:srgbClr val="FFFF00"/>
+                </a:solidFill>
+              </a:rPr>
+              <a:t>What do you think the program on the right will do ?</a:t>
+            </a:r>
+          </a:p>
+          <a:p>
+            <a:r>
+              <a:rPr lang="en-GB" b="1" u="sng" dirty="0">
+                <a:solidFill>
+                  <a:srgbClr val="FFFF00"/>
+                </a:solidFill>
+              </a:rPr>
+              <a:t>TASK:</a:t>
+            </a:r>
+            <a:r>
+              <a:rPr lang="en-GB" dirty="0">
+                <a:solidFill>
+                  <a:srgbClr val="FFFF00"/>
+                </a:solidFill>
+              </a:rPr>
+              <a:t> Type it in, run it and see if you were correct.</a:t>
             </a:r>
             <a:endParaRPr lang="en-GB" dirty="0"/>
           </a:p>
           <a:p>
-            <a:endParaRPr lang="en-GB" b="1" dirty="0">
-              <a:solidFill>
-                <a:schemeClr val="accent1">
-                  <a:lumMod val="40000"/>
-                  <a:lumOff val="60000"/>
-                </a:schemeClr>
-              </a:solidFill>
-            </a:endParaRPr>
+            <a:endParaRPr lang="en-GB" dirty="0"/>
+          </a:p>
+          <a:p>
+            <a:endParaRPr lang="en-GB" dirty="0"/>
+          </a:p>
+          <a:p>
+            <a:endParaRPr lang="en-GB" dirty="0"/>
+          </a:p>
+          <a:p>
+            <a:endParaRPr lang="en-GB" dirty="0"/>
+          </a:p>
+        </p:txBody>
+      </p:sp>
+      <p:sp>
+        <p:nvSpPr>
+          <p:cNvPr id="7" name="Rectangle 6"/>
+          <p:cNvSpPr/>
+          <p:nvPr/>
+        </p:nvSpPr>
+        <p:spPr>
+          <a:xfrm>
+            <a:off x="6096000" y="2052918"/>
+            <a:ext cx="5801833" cy="2308324"/>
+          </a:xfrm>
+          <a:prstGeom prst="rect">
+            <a:avLst/>
+          </a:prstGeom>
+        </p:spPr>
+        <p:txBody>
+          <a:bodyPr wrap="square">
+            <a:spAutoFit/>
+          </a:bodyPr>
+          <a:lstStyle/>
+          <a:p>
+            <a:r>
+              <a:rPr lang="en-GB" dirty="0"/>
+              <a:t># Week2, Program5</a:t>
+            </a:r>
+          </a:p>
+          <a:p>
+            <a:endParaRPr lang="en-GB" dirty="0"/>
+          </a:p>
+          <a:p>
+            <a:r>
+              <a:rPr lang="en-GB" dirty="0"/>
+              <a:t>a = 4</a:t>
+            </a:r>
+          </a:p>
+          <a:p>
+            <a:r>
+              <a:rPr lang="en-GB" dirty="0"/>
+              <a:t>b = 2</a:t>
+            </a:r>
+          </a:p>
+          <a:p>
+            <a:endParaRPr lang="en-GB" dirty="0"/>
+          </a:p>
+          <a:p>
+            <a:r>
+              <a:rPr lang="en-GB" dirty="0"/>
+              <a:t>print(a)</a:t>
+            </a:r>
+          </a:p>
+          <a:p>
+            <a:r>
+              <a:rPr lang="en-GB" dirty="0"/>
+              <a:t>print(b)</a:t>
+            </a:r>
+          </a:p>
+          <a:p>
+            <a:endParaRPr lang="en-GB" dirty="0"/>
           </a:p>
         </p:txBody>
       </p:sp>
     </p:spTree>
     <p:extLst>
       <p:ext uri="{BB962C8B-B14F-4D97-AF65-F5344CB8AC3E}">
-        <p14:creationId xmlns:p14="http://schemas.microsoft.com/office/powerpoint/2010/main" val="2914851393"/>
+        <p14:creationId xmlns:p14="http://schemas.microsoft.com/office/powerpoint/2010/main" val="3100275608"/>
       </p:ext>
     </p:extLst>
   </p:cSld>
   <p:clrMapOvr>
     <a:masterClrMapping/>
   </p:clrMapOvr>
-  <p:timing>
-    <p:tnLst>
-      <p:par>
-        <p:cTn id="1" dur="indefinite" restart="never" nodeType="tmRoot"/>
-      </p:par>
-    </p:tnLst>
-  </p:timing>
 </p:sld>
 </file>
 
@@ -6537,10 +6505,9 @@
           <a:lstStyle/>
           <a:p>
             <a:r>
-              <a:rPr lang="en-GB" dirty="0" smtClean="0"/>
-              <a:t>Assigning Numbers</a:t>
-            </a:r>
-            <a:endParaRPr lang="en-GB" dirty="0"/>
+              <a:rPr lang="en-GB" dirty="0"/>
+              <a:t>Doing Arithmetic</a:t>
+            </a:r>
           </a:p>
         </p:txBody>
       </p:sp>
@@ -6565,14 +6532,8 @@
           <a:lstStyle/>
           <a:p>
             <a:r>
-              <a:rPr lang="en-GB" dirty="0" smtClean="0"/>
-              <a:t>This is just the same as assigning strings.</a:t>
-            </a:r>
-          </a:p>
-          <a:p>
-            <a:r>
-              <a:rPr lang="en-GB" dirty="0" smtClean="0"/>
-              <a:t>Except you don't put the integer inside quotes. Quotes are just for strings.</a:t>
+              <a:rPr lang="en-GB" dirty="0"/>
+              <a:t>You can do addition, subtraction, multiplication and division.</a:t>
             </a:r>
           </a:p>
           <a:p>
@@ -6580,259 +6541,43 @@
           </a:p>
           <a:p>
             <a:r>
-              <a:rPr lang="en-GB" b="1" u="sng" dirty="0">
-                <a:solidFill>
-                  <a:srgbClr val="FFFF00"/>
-                </a:solidFill>
-              </a:rPr>
-              <a:t>TASK:</a:t>
-            </a:r>
-            <a:r>
-              <a:rPr lang="en-GB" b="1" dirty="0">
-                <a:solidFill>
-                  <a:srgbClr val="FFFF00"/>
-                </a:solidFill>
-              </a:rPr>
-              <a:t> </a:t>
-            </a:r>
-            <a:r>
-              <a:rPr lang="en-GB" dirty="0">
-                <a:solidFill>
-                  <a:srgbClr val="FFFF00"/>
-                </a:solidFill>
-              </a:rPr>
-              <a:t>What do you think the program on the right will do ?</a:t>
-            </a:r>
-          </a:p>
-          <a:p>
-            <a:r>
-              <a:rPr lang="en-GB" b="1" u="sng" dirty="0">
-                <a:solidFill>
-                  <a:srgbClr val="FFFF00"/>
-                </a:solidFill>
-              </a:rPr>
-              <a:t>TASK:</a:t>
-            </a:r>
-            <a:r>
-              <a:rPr lang="en-GB" dirty="0">
-                <a:solidFill>
-                  <a:srgbClr val="FFFF00"/>
-                </a:solidFill>
-              </a:rPr>
-              <a:t> Type it in, run it and see if you were correct</a:t>
-            </a:r>
-            <a:r>
-              <a:rPr lang="en-GB" dirty="0" smtClean="0">
-                <a:solidFill>
-                  <a:srgbClr val="FFFF00"/>
-                </a:solidFill>
-              </a:rPr>
-              <a:t>.</a:t>
-            </a:r>
-            <a:endParaRPr lang="en-GB" dirty="0" smtClean="0"/>
+              <a:rPr lang="en-GB" dirty="0"/>
+              <a:t>You use these symbols :-</a:t>
+            </a:r>
+          </a:p>
+          <a:p>
+            <a:pPr lvl="1"/>
+            <a:r>
+              <a:rPr lang="en-GB" dirty="0"/>
+              <a:t>+ for addition</a:t>
+            </a:r>
+          </a:p>
+          <a:p>
+            <a:pPr lvl="1"/>
+            <a:r>
+              <a:rPr lang="en-GB" dirty="0"/>
+              <a:t>- for subtraction</a:t>
+            </a:r>
+          </a:p>
+          <a:p>
+            <a:pPr lvl="1"/>
+            <a:r>
+              <a:rPr lang="en-GB" dirty="0"/>
+              <a:t>* for multiplication</a:t>
+            </a:r>
+          </a:p>
+          <a:p>
+            <a:pPr lvl="1"/>
+            <a:r>
+              <a:rPr lang="en-GB" dirty="0"/>
+              <a:t>/ for division</a:t>
+            </a:r>
           </a:p>
           <a:p>
             <a:endParaRPr lang="en-GB" dirty="0"/>
           </a:p>
           <a:p>
-            <a:endParaRPr lang="en-GB" dirty="0" smtClean="0"/>
-          </a:p>
-          <a:p>
             <a:endParaRPr lang="en-GB" dirty="0"/>
-          </a:p>
-          <a:p>
-            <a:endParaRPr lang="en-GB" dirty="0"/>
-          </a:p>
-        </p:txBody>
-      </p:sp>
-      <p:sp>
-        <p:nvSpPr>
-          <p:cNvPr id="7" name="Rectangle 6"/>
-          <p:cNvSpPr/>
-          <p:nvPr/>
-        </p:nvSpPr>
-        <p:spPr>
-          <a:xfrm>
-            <a:off x="6096000" y="2052918"/>
-            <a:ext cx="5801833" cy="2308324"/>
-          </a:xfrm>
-          <a:prstGeom prst="rect">
-            <a:avLst/>
-          </a:prstGeom>
-        </p:spPr>
-        <p:txBody>
-          <a:bodyPr wrap="square">
-            <a:spAutoFit/>
-          </a:bodyPr>
-          <a:lstStyle/>
-          <a:p>
-            <a:r>
-              <a:rPr lang="en-GB" dirty="0"/>
-              <a:t># Week2, Program5</a:t>
-            </a:r>
-          </a:p>
-          <a:p>
-            <a:endParaRPr lang="en-GB" dirty="0"/>
-          </a:p>
-          <a:p>
-            <a:r>
-              <a:rPr lang="en-GB" dirty="0"/>
-              <a:t>a = 4</a:t>
-            </a:r>
-          </a:p>
-          <a:p>
-            <a:r>
-              <a:rPr lang="en-GB" dirty="0"/>
-              <a:t>b = 2</a:t>
-            </a:r>
-          </a:p>
-          <a:p>
-            <a:endParaRPr lang="en-GB" dirty="0"/>
-          </a:p>
-          <a:p>
-            <a:r>
-              <a:rPr lang="en-GB" dirty="0"/>
-              <a:t>print(a)</a:t>
-            </a:r>
-          </a:p>
-          <a:p>
-            <a:r>
-              <a:rPr lang="en-GB" dirty="0"/>
-              <a:t>print(b)</a:t>
-            </a:r>
-          </a:p>
-          <a:p>
-            <a:endParaRPr lang="en-GB" dirty="0"/>
-          </a:p>
-        </p:txBody>
-      </p:sp>
-    </p:spTree>
-    <p:extLst>
-      <p:ext uri="{BB962C8B-B14F-4D97-AF65-F5344CB8AC3E}">
-        <p14:creationId xmlns:p14="http://schemas.microsoft.com/office/powerpoint/2010/main" val="3100275608"/>
-      </p:ext>
-    </p:extLst>
-  </p:cSld>
-  <p:clrMapOvr>
-    <a:masterClrMapping/>
-  </p:clrMapOvr>
-  <p:timing>
-    <p:tnLst>
-      <p:par>
-        <p:cTn id="1" dur="indefinite" restart="never" nodeType="tmRoot"/>
-      </p:par>
-    </p:tnLst>
-  </p:timing>
-</p:sld>
-</file>
-
-<file path=ppt/slides/slide13.xml><?xml version="1.0" encoding="utf-8"?>
-<p:sld xmlns:a="http://schemas.openxmlformats.org/drawingml/2006/main" xmlns:r="http://schemas.openxmlformats.org/officeDocument/2006/relationships" xmlns:p="http://schemas.openxmlformats.org/presentationml/2006/main">
-  <p:cSld>
-    <p:spTree>
-      <p:nvGrpSpPr>
-        <p:cNvPr id="1" name=""/>
-        <p:cNvGrpSpPr/>
-        <p:nvPr/>
-      </p:nvGrpSpPr>
-      <p:grpSpPr>
-        <a:xfrm>
-          <a:off x="0" y="0"/>
-          <a:ext cx="0" cy="0"/>
-          <a:chOff x="0" y="0"/>
-          <a:chExt cx="0" cy="0"/>
-        </a:xfrm>
-      </p:grpSpPr>
-      <p:sp>
-        <p:nvSpPr>
-          <p:cNvPr id="2" name="Title 1"/>
-          <p:cNvSpPr>
-            <a:spLocks noGrp="1"/>
-          </p:cNvSpPr>
-          <p:nvPr>
-            <p:ph type="title"/>
-          </p:nvPr>
-        </p:nvSpPr>
-        <p:spPr/>
-        <p:txBody>
-          <a:bodyPr/>
-          <a:lstStyle/>
-          <a:p>
-            <a:r>
-              <a:rPr lang="en-GB" dirty="0" smtClean="0"/>
-              <a:t>Doing Arithmetic</a:t>
-            </a:r>
-            <a:endParaRPr lang="en-GB" dirty="0"/>
-          </a:p>
-        </p:txBody>
-      </p:sp>
-      <p:sp>
-        <p:nvSpPr>
-          <p:cNvPr id="3" name="Content Placeholder 2"/>
-          <p:cNvSpPr>
-            <a:spLocks noGrp="1"/>
-          </p:cNvSpPr>
-          <p:nvPr>
-            <p:ph idx="1"/>
-          </p:nvPr>
-        </p:nvSpPr>
-        <p:spPr>
-          <a:xfrm>
-            <a:off x="1103312" y="2052918"/>
-            <a:ext cx="4521311" cy="4195481"/>
-          </a:xfrm>
-        </p:spPr>
-        <p:txBody>
-          <a:bodyPr/>
-          <a:lstStyle/>
-          <a:p>
-            <a:r>
-              <a:rPr lang="en-GB" dirty="0" smtClean="0"/>
-              <a:t>You can do addition, subtraction, multiplication and division.</a:t>
-            </a:r>
-          </a:p>
-          <a:p>
-            <a:endParaRPr lang="en-GB" dirty="0"/>
-          </a:p>
-          <a:p>
-            <a:r>
-              <a:rPr lang="en-GB" dirty="0" smtClean="0"/>
-              <a:t>You use these symbols :-</a:t>
-            </a:r>
-          </a:p>
-          <a:p>
-            <a:pPr lvl="1"/>
-            <a:r>
-              <a:rPr lang="en-GB" dirty="0" smtClean="0"/>
-              <a:t>+ for addition</a:t>
-            </a:r>
-          </a:p>
-          <a:p>
-            <a:pPr lvl="1"/>
-            <a:r>
-              <a:rPr lang="en-GB" dirty="0" smtClean="0"/>
-              <a:t>- for subtraction</a:t>
-            </a:r>
-          </a:p>
-          <a:p>
-            <a:pPr lvl="1"/>
-            <a:r>
-              <a:rPr lang="en-GB" dirty="0" smtClean="0"/>
-              <a:t>* for multiplication</a:t>
-            </a:r>
-          </a:p>
-          <a:p>
-            <a:pPr lvl="1"/>
-            <a:r>
-              <a:rPr lang="en-GB" dirty="0" smtClean="0"/>
-              <a:t>/ for division</a:t>
-            </a:r>
-          </a:p>
-          <a:p>
-            <a:endParaRPr lang="en-GB" dirty="0"/>
-          </a:p>
-          <a:p>
-            <a:endParaRPr lang="en-GB" dirty="0" smtClean="0"/>
           </a:p>
           <a:p>
             <a:endParaRPr lang="en-GB" dirty="0"/>
@@ -6934,15 +6679,7 @@
                   <a:srgbClr val="FFFF00"/>
                 </a:solidFill>
               </a:rPr>
-              <a:t> Type it in, run it and see if you were correct</a:t>
-            </a:r>
-            <a:r>
-              <a:rPr lang="en-GB" dirty="0" smtClean="0">
-                <a:solidFill>
-                  <a:srgbClr val="FFFF00"/>
-                </a:solidFill>
-              </a:rPr>
-              <a:t>.</a:t>
+              <a:t> Type it in, run it and see if you were correct.</a:t>
             </a:r>
             <a:endParaRPr lang="en-GB" b="1" u="sng" dirty="0"/>
           </a:p>
@@ -7200,13 +6937,13 @@
             <a:pPr marL="0" indent="0">
               <a:buNone/>
             </a:pPr>
-            <a:endParaRPr lang="en-GB" dirty="0" smtClean="0"/>
-          </a:p>
-          <a:p>
-            <a:endParaRPr lang="en-GB" dirty="0" smtClean="0"/>
-          </a:p>
-          <a:p>
-            <a:endParaRPr lang="en-GB" dirty="0" smtClean="0"/>
+            <a:endParaRPr lang="en-GB" dirty="0"/>
+          </a:p>
+          <a:p>
+            <a:endParaRPr lang="en-GB" dirty="0"/>
+          </a:p>
+          <a:p>
+            <a:endParaRPr lang="en-GB" dirty="0"/>
           </a:p>
           <a:p>
             <a:endParaRPr lang="en-GB" dirty="0"/>
@@ -7235,12 +6972,8 @@
           <a:lstStyle/>
           <a:p>
             <a:r>
-              <a:rPr lang="en-GB" dirty="0" smtClean="0"/>
-              <a:t># </a:t>
-            </a:r>
-            <a:r>
               <a:rPr lang="en-GB" dirty="0"/>
-              <a:t>Week2, Program6</a:t>
+              <a:t># Week2, Program6</a:t>
             </a:r>
           </a:p>
           <a:p>
@@ -7336,49 +7069,17 @@
                   <a:srgbClr val="FFFF00"/>
                 </a:solidFill>
               </a:rPr>
-              <a:t>Is the last line exactly what you expected ?. Can you </a:t>
-            </a:r>
-            <a:r>
-              <a:rPr lang="en-GB" dirty="0" smtClean="0">
+              <a:t>Is the last line exactly what you expected ?. Can you work out why it</a:t>
+            </a:r>
+          </a:p>
+          <a:p>
+            <a:r>
+              <a:rPr lang="en-GB" dirty="0">
                 <a:solidFill>
                   <a:srgbClr val="FFFF00"/>
                 </a:solidFill>
               </a:rPr>
-              <a:t>work out why it</a:t>
-            </a:r>
-          </a:p>
-          <a:p>
-            <a:r>
-              <a:rPr lang="en-GB" dirty="0" smtClean="0">
-                <a:solidFill>
-                  <a:srgbClr val="FFFF00"/>
-                </a:solidFill>
-              </a:rPr>
-              <a:t>has </a:t>
-            </a:r>
-            <a:r>
-              <a:rPr lang="en-GB" dirty="0">
-                <a:solidFill>
-                  <a:srgbClr val="FFFF00"/>
-                </a:solidFill>
-              </a:rPr>
-              <a:t>the </a:t>
-            </a:r>
-            <a:r>
-              <a:rPr lang="en-GB" dirty="0" smtClean="0">
-                <a:solidFill>
-                  <a:srgbClr val="FFFF00"/>
-                </a:solidFill>
-              </a:rPr>
-              <a:t>"." </a:t>
-            </a:r>
-            <a:r>
-              <a:rPr lang="en-GB" dirty="0">
-                <a:solidFill>
-                  <a:srgbClr val="FFFF00"/>
-                </a:solidFill>
-              </a:rPr>
-              <a:t>in it ?</a:t>
+              <a:t>has the "." in it ?</a:t>
             </a:r>
             <a:endParaRPr lang="en-GB" b="1" u="sng" dirty="0"/>
           </a:p>
@@ -7478,7 +7179,7 @@
 </p:sld>
 </file>
 
-<file path=ppt/slides/slide14.xml><?xml version="1.0" encoding="utf-8"?>
+<file path=ppt/slides/slide13.xml><?xml version="1.0" encoding="utf-8"?>
 <p:sld xmlns:a="http://schemas.openxmlformats.org/drawingml/2006/main" xmlns:r="http://schemas.openxmlformats.org/officeDocument/2006/relationships" xmlns:p="http://schemas.openxmlformats.org/presentationml/2006/main">
   <p:cSld>
     <p:spTree>
@@ -7511,10 +7212,9 @@
           <a:lstStyle/>
           <a:p>
             <a:r>
-              <a:rPr lang="en-GB" dirty="0" smtClean="0"/>
+              <a:rPr lang="en-GB" dirty="0"/>
               <a:t>Conditional Things.</a:t>
             </a:r>
-            <a:endParaRPr lang="en-GB" dirty="0"/>
           </a:p>
         </p:txBody>
       </p:sp>
@@ -7539,13 +7239,13 @@
           <a:lstStyle/>
           <a:p>
             <a:r>
-              <a:rPr lang="en-GB" dirty="0" smtClean="0"/>
+              <a:rPr lang="en-GB" dirty="0"/>
               <a:t>So far, our programs have always done the same thing.</a:t>
             </a:r>
           </a:p>
           <a:p>
             <a:r>
-              <a:rPr lang="en-GB" dirty="0" smtClean="0"/>
+              <a:rPr lang="en-GB" dirty="0"/>
               <a:t>This is the first program we will write that doesn't !</a:t>
             </a:r>
           </a:p>
@@ -7554,21 +7254,21 @@
           </a:p>
           <a:p>
             <a:r>
-              <a:rPr lang="en-GB" dirty="0" smtClean="0"/>
+              <a:rPr lang="en-GB" dirty="0"/>
               <a:t>This introduces an important concept in Python, indentation.</a:t>
             </a:r>
           </a:p>
           <a:p>
             <a:r>
-              <a:rPr lang="en-GB" dirty="0" smtClean="0"/>
+              <a:rPr lang="en-GB" dirty="0"/>
               <a:t>To indent a line, press either the &lt;TAB&gt; key or use 4 spaces. </a:t>
             </a:r>
             <a:r>
-              <a:rPr lang="en-GB" dirty="0" err="1" smtClean="0"/>
+              <a:rPr lang="en-GB" dirty="0" err="1"/>
               <a:t>PyCharm</a:t>
             </a:r>
             <a:r>
-              <a:rPr lang="en-GB" dirty="0" smtClean="0"/>
+              <a:rPr lang="en-GB" dirty="0"/>
               <a:t> will interpret &lt;TAB&gt; as 4 spaces in either case.</a:t>
             </a:r>
           </a:p>
@@ -7577,7 +7277,7 @@
           </a:p>
           <a:p>
             <a:r>
-              <a:rPr lang="en-GB" dirty="0" smtClean="0"/>
+              <a:rPr lang="en-GB" dirty="0"/>
               <a:t>We will learn more about the indentations in later weeks.</a:t>
             </a:r>
           </a:p>
@@ -7585,7 +7285,7 @@
             <a:endParaRPr lang="en-GB" dirty="0"/>
           </a:p>
           <a:p>
-            <a:endParaRPr lang="en-GB" dirty="0" smtClean="0"/>
+            <a:endParaRPr lang="en-GB" dirty="0"/>
           </a:p>
           <a:p>
             <a:endParaRPr lang="en-GB" dirty="0"/>
@@ -7878,13 +7578,13 @@
             <a:pPr marL="0" indent="0">
               <a:buNone/>
             </a:pPr>
-            <a:endParaRPr lang="en-GB" dirty="0" smtClean="0"/>
-          </a:p>
-          <a:p>
-            <a:endParaRPr lang="en-GB" dirty="0" smtClean="0"/>
-          </a:p>
-          <a:p>
-            <a:endParaRPr lang="en-GB" dirty="0" smtClean="0"/>
+            <a:endParaRPr lang="en-GB" dirty="0"/>
+          </a:p>
+          <a:p>
+            <a:endParaRPr lang="en-GB" dirty="0"/>
+          </a:p>
+          <a:p>
+            <a:endParaRPr lang="en-GB" dirty="0"/>
           </a:p>
           <a:p>
             <a:endParaRPr lang="en-GB" dirty="0"/>
@@ -7901,17 +7601,10 @@
   <p:clrMapOvr>
     <a:masterClrMapping/>
   </p:clrMapOvr>
-  <p:timing>
-    <p:tnLst>
-      <p:par>
-        <p:cTn id="1" dur="indefinite" restart="never" nodeType="tmRoot"/>
-      </p:par>
-    </p:tnLst>
-  </p:timing>
 </p:sld>
 </file>
 
-<file path=ppt/slides/slide15.xml><?xml version="1.0" encoding="utf-8"?>
+<file path=ppt/slides/slide14.xml><?xml version="1.0" encoding="utf-8"?>
 <p:sld xmlns:a="http://schemas.openxmlformats.org/drawingml/2006/main" xmlns:r="http://schemas.openxmlformats.org/officeDocument/2006/relationships" xmlns:p="http://schemas.openxmlformats.org/presentationml/2006/main">
   <p:cSld>
     <p:spTree>
@@ -7944,10 +7637,9 @@
           <a:lstStyle/>
           <a:p>
             <a:r>
-              <a:rPr lang="en-GB" dirty="0" smtClean="0"/>
+              <a:rPr lang="en-GB" dirty="0"/>
               <a:t>First Conditional Program.</a:t>
             </a:r>
-            <a:endParaRPr lang="en-GB" dirty="0"/>
           </a:p>
         </p:txBody>
       </p:sp>
@@ -7994,20 +7686,12 @@
                   <a:srgbClr val="FFFF00"/>
                 </a:solidFill>
               </a:rPr>
-              <a:t>What do you think the program on the right will do </a:t>
-            </a:r>
-            <a:r>
-              <a:rPr lang="en-GB" dirty="0" smtClean="0">
-                <a:solidFill>
-                  <a:srgbClr val="FFFF00"/>
-                </a:solidFill>
-              </a:rPr>
-              <a:t>?</a:t>
-            </a:r>
-          </a:p>
-          <a:p>
-            <a:r>
-              <a:rPr lang="en-GB" dirty="0" smtClean="0">
+              <a:t>What do you think the program on the right will do ?</a:t>
+            </a:r>
+          </a:p>
+          <a:p>
+            <a:r>
+              <a:rPr lang="en-GB" dirty="0">
                 <a:solidFill>
                   <a:srgbClr val="FFFF00"/>
                 </a:solidFill>
@@ -8017,18 +7701,13 @@
           </a:p>
           <a:p>
             <a:r>
-              <a:rPr lang="en-GB" dirty="0" smtClean="0">
+              <a:rPr lang="en-GB" dirty="0">
                 <a:solidFill>
                   <a:srgbClr val="FFFF00"/>
                 </a:solidFill>
               </a:rPr>
               <a:t>	- If you type in "Dave" as the name ?</a:t>
             </a:r>
-            <a:endParaRPr lang="en-GB" dirty="0">
-              <a:solidFill>
-                <a:srgbClr val="FFFF00"/>
-              </a:solidFill>
-            </a:endParaRPr>
           </a:p>
           <a:p>
             <a:endParaRPr lang="en-GB" dirty="0">
@@ -8168,7 +7847,7 @@
           <a:lstStyle/>
           <a:p>
             <a:r>
-              <a:rPr lang="en-GB" b="1" u="sng" dirty="0" smtClean="0">
+              <a:rPr lang="en-GB" b="1" u="sng" dirty="0">
                 <a:solidFill>
                   <a:srgbClr val="FFFF00"/>
                 </a:solidFill>
@@ -8176,7 +7855,7 @@
               <a:t>EXTRA CREDIT:</a:t>
             </a:r>
             <a:r>
-              <a:rPr lang="en-GB" dirty="0" smtClean="0">
+              <a:rPr lang="en-GB" dirty="0">
                 <a:solidFill>
                   <a:srgbClr val="FFFF00"/>
                 </a:solidFill>
@@ -8184,7 +7863,7 @@
               <a:t> What happens if you type in the name as "</a:t>
             </a:r>
             <a:r>
-              <a:rPr lang="en-GB" dirty="0" err="1" smtClean="0">
+              <a:rPr lang="en-GB" dirty="0" err="1">
                 <a:solidFill>
                   <a:srgbClr val="FFFF00"/>
                 </a:solidFill>
@@ -8192,7 +7871,7 @@
               <a:t>dave</a:t>
             </a:r>
             <a:r>
-              <a:rPr lang="en-GB" dirty="0" smtClean="0">
+              <a:rPr lang="en-GB" dirty="0">
                 <a:solidFill>
                   <a:srgbClr val="FFFF00"/>
                 </a:solidFill>
@@ -8297,6 +7976,152 @@
 </p:sld>
 </file>
 
+<file path=ppt/slides/slide15.xml><?xml version="1.0" encoding="utf-8"?>
+<p:sld xmlns:a="http://schemas.openxmlformats.org/drawingml/2006/main" xmlns:r="http://schemas.openxmlformats.org/officeDocument/2006/relationships" xmlns:p="http://schemas.openxmlformats.org/presentationml/2006/main">
+  <p:cSld>
+    <p:spTree>
+      <p:nvGrpSpPr>
+        <p:cNvPr id="1" name=""/>
+        <p:cNvGrpSpPr/>
+        <p:nvPr/>
+      </p:nvGrpSpPr>
+      <p:grpSpPr>
+        <a:xfrm>
+          <a:off x="0" y="0"/>
+          <a:ext cx="0" cy="0"/>
+          <a:chOff x="0" y="0"/>
+          <a:chExt cx="0" cy="0"/>
+        </a:xfrm>
+      </p:grpSpPr>
+      <p:sp>
+        <p:nvSpPr>
+          <p:cNvPr id="2" name="Title 1"/>
+          <p:cNvSpPr>
+            <a:spLocks noGrp="1"/>
+          </p:cNvSpPr>
+          <p:nvPr>
+            <p:ph type="title"/>
+          </p:nvPr>
+        </p:nvSpPr>
+        <p:spPr/>
+        <p:txBody>
+          <a:bodyPr/>
+          <a:lstStyle/>
+          <a:p>
+            <a:r>
+              <a:rPr lang="en-GB" dirty="0"/>
+              <a:t>Why the two equals ?</a:t>
+            </a:r>
+          </a:p>
+        </p:txBody>
+      </p:sp>
+      <p:sp>
+        <p:nvSpPr>
+          <p:cNvPr id="8" name="Content Placeholder 2"/>
+          <p:cNvSpPr>
+            <a:spLocks noGrp="1"/>
+          </p:cNvSpPr>
+          <p:nvPr>
+            <p:ph idx="1"/>
+          </p:nvPr>
+        </p:nvSpPr>
+        <p:spPr>
+          <a:xfrm>
+            <a:off x="1103312" y="2052918"/>
+            <a:ext cx="9274065" cy="4195481"/>
+          </a:xfrm>
+        </p:spPr>
+        <p:txBody>
+          <a:bodyPr/>
+          <a:lstStyle/>
+          <a:p>
+            <a:r>
+              <a:rPr lang="en-GB" dirty="0"/>
+              <a:t>You will note the previous program uses single equals and double equals.</a:t>
+            </a:r>
+          </a:p>
+          <a:p>
+            <a:endParaRPr lang="en-GB" dirty="0"/>
+          </a:p>
+          <a:p>
+            <a:r>
+              <a:rPr lang="en-GB" dirty="0"/>
+              <a:t>A single equals sign is used for assignment. It sets things.</a:t>
+            </a:r>
+          </a:p>
+          <a:p>
+            <a:r>
+              <a:rPr lang="en-GB" dirty="0"/>
+              <a:t>This line </a:t>
+            </a:r>
+            <a:r>
+              <a:rPr lang="en-GB" b="1" u="sng" dirty="0"/>
+              <a:t>assigns</a:t>
+            </a:r>
+            <a:r>
+              <a:rPr lang="en-GB" dirty="0"/>
+              <a:t> a to be equal to 3.</a:t>
+            </a:r>
+          </a:p>
+          <a:p>
+            <a:pPr lvl="1"/>
+            <a:r>
+              <a:rPr lang="en-GB" dirty="0">
+                <a:latin typeface="Courier New" panose="02070309020205020404" pitchFamily="49" charset="0"/>
+                <a:cs typeface="Courier New" panose="02070309020205020404" pitchFamily="49" charset="0"/>
+              </a:rPr>
+              <a:t>a = 3</a:t>
+            </a:r>
+          </a:p>
+          <a:p>
+            <a:pPr lvl="1"/>
+            <a:endParaRPr lang="en-GB" dirty="0"/>
+          </a:p>
+          <a:p>
+            <a:r>
+              <a:rPr lang="en-GB" dirty="0"/>
+              <a:t>A double equals sign is used for comparison testing.</a:t>
+            </a:r>
+          </a:p>
+          <a:p>
+            <a:r>
+              <a:rPr lang="en-GB" dirty="0"/>
+              <a:t>This line </a:t>
+            </a:r>
+            <a:r>
+              <a:rPr lang="en-GB" b="1" u="sng" dirty="0"/>
+              <a:t>tests</a:t>
+            </a:r>
+            <a:r>
+              <a:rPr lang="en-GB" dirty="0"/>
+              <a:t> if a is equal to 3.</a:t>
+            </a:r>
+          </a:p>
+          <a:p>
+            <a:pPr lvl="1"/>
+            <a:r>
+              <a:rPr lang="en-GB" dirty="0">
+                <a:latin typeface="Courier New" panose="02070309020205020404" pitchFamily="49" charset="0"/>
+                <a:cs typeface="Courier New" panose="02070309020205020404" pitchFamily="49" charset="0"/>
+              </a:rPr>
+              <a:t>if a == 3:</a:t>
+            </a:r>
+          </a:p>
+        </p:txBody>
+      </p:sp>
+    </p:spTree>
+    <p:extLst>
+      <p:ext uri="{BB962C8B-B14F-4D97-AF65-F5344CB8AC3E}">
+        <p14:creationId xmlns:p14="http://schemas.microsoft.com/office/powerpoint/2010/main" val="1523782347"/>
+      </p:ext>
+    </p:extLst>
+  </p:cSld>
+  <p:clrMapOvr>
+    <a:masterClrMapping/>
+  </p:clrMapOvr>
+</p:sld>
+</file>
+
 <file path=ppt/slides/slide16.xml><?xml version="1.0" encoding="utf-8"?>
 <p:sld xmlns:a="http://schemas.openxmlformats.org/drawingml/2006/main" xmlns:r="http://schemas.openxmlformats.org/officeDocument/2006/relationships" xmlns:p="http://schemas.openxmlformats.org/presentationml/2006/main">
   <p:cSld>
@@ -8330,182 +8155,9 @@
           <a:lstStyle/>
           <a:p>
             <a:r>
-              <a:rPr lang="en-GB" dirty="0" smtClean="0"/>
-              <a:t>Why the two equals ?</a:t>
-            </a:r>
-            <a:endParaRPr lang="en-GB" dirty="0"/>
-          </a:p>
-        </p:txBody>
-      </p:sp>
-      <p:sp>
-        <p:nvSpPr>
-          <p:cNvPr id="8" name="Content Placeholder 2"/>
-          <p:cNvSpPr>
-            <a:spLocks noGrp="1"/>
-          </p:cNvSpPr>
-          <p:nvPr>
-            <p:ph idx="1"/>
-          </p:nvPr>
-        </p:nvSpPr>
-        <p:spPr>
-          <a:xfrm>
-            <a:off x="1103312" y="2052918"/>
-            <a:ext cx="9274065" cy="4195481"/>
-          </a:xfrm>
-        </p:spPr>
-        <p:txBody>
-          <a:bodyPr/>
-          <a:lstStyle/>
-          <a:p>
-            <a:r>
-              <a:rPr lang="en-GB" dirty="0" smtClean="0"/>
-              <a:t>You will note the previous program uses single equals and double equals.</a:t>
-            </a:r>
-          </a:p>
-          <a:p>
-            <a:endParaRPr lang="en-GB" dirty="0"/>
-          </a:p>
-          <a:p>
-            <a:r>
-              <a:rPr lang="en-GB" dirty="0" smtClean="0"/>
-              <a:t>A single equals sign is used for assignment. It sets things.</a:t>
-            </a:r>
-          </a:p>
-          <a:p>
-            <a:r>
-              <a:rPr lang="en-GB" dirty="0" smtClean="0"/>
-              <a:t>This line </a:t>
-            </a:r>
-            <a:r>
-              <a:rPr lang="en-GB" b="1" u="sng" dirty="0" smtClean="0"/>
-              <a:t>assigns</a:t>
-            </a:r>
-            <a:r>
-              <a:rPr lang="en-GB" dirty="0" smtClean="0"/>
-              <a:t> a to be equal to 3.</a:t>
-            </a:r>
-          </a:p>
-          <a:p>
-            <a:pPr lvl="1"/>
-            <a:r>
-              <a:rPr lang="en-GB" dirty="0">
-                <a:latin typeface="Courier New" panose="02070309020205020404" pitchFamily="49" charset="0"/>
-                <a:cs typeface="Courier New" panose="02070309020205020404" pitchFamily="49" charset="0"/>
-              </a:rPr>
-              <a:t>a</a:t>
-            </a:r>
-            <a:r>
-              <a:rPr lang="en-GB" dirty="0" smtClean="0">
-                <a:latin typeface="Courier New" panose="02070309020205020404" pitchFamily="49" charset="0"/>
-                <a:cs typeface="Courier New" panose="02070309020205020404" pitchFamily="49" charset="0"/>
-              </a:rPr>
-              <a:t> = 3</a:t>
-            </a:r>
-          </a:p>
-          <a:p>
-            <a:pPr lvl="1"/>
-            <a:endParaRPr lang="en-GB" dirty="0"/>
-          </a:p>
-          <a:p>
-            <a:r>
-              <a:rPr lang="en-GB" dirty="0" smtClean="0"/>
-              <a:t>A double equals sign is used for comparison testing.</a:t>
-            </a:r>
-          </a:p>
-          <a:p>
-            <a:r>
-              <a:rPr lang="en-GB" dirty="0" smtClean="0"/>
-              <a:t>This line </a:t>
-            </a:r>
-            <a:r>
-              <a:rPr lang="en-GB" b="1" u="sng" dirty="0" smtClean="0"/>
-              <a:t>tests</a:t>
-            </a:r>
-            <a:r>
-              <a:rPr lang="en-GB" dirty="0" smtClean="0"/>
-              <a:t> if a is equal to 3.</a:t>
-            </a:r>
-          </a:p>
-          <a:p>
-            <a:pPr lvl="1"/>
-            <a:r>
-              <a:rPr lang="en-GB" dirty="0">
-                <a:latin typeface="Courier New" panose="02070309020205020404" pitchFamily="49" charset="0"/>
-                <a:cs typeface="Courier New" panose="02070309020205020404" pitchFamily="49" charset="0"/>
-              </a:rPr>
-              <a:t>i</a:t>
-            </a:r>
-            <a:r>
-              <a:rPr lang="en-GB" dirty="0" smtClean="0">
-                <a:latin typeface="Courier New" panose="02070309020205020404" pitchFamily="49" charset="0"/>
-                <a:cs typeface="Courier New" panose="02070309020205020404" pitchFamily="49" charset="0"/>
-              </a:rPr>
-              <a:t>f a == 3:</a:t>
-            </a:r>
-            <a:endParaRPr lang="en-GB" dirty="0">
-              <a:latin typeface="Courier New" panose="02070309020205020404" pitchFamily="49" charset="0"/>
-              <a:cs typeface="Courier New" panose="02070309020205020404" pitchFamily="49" charset="0"/>
-            </a:endParaRPr>
-          </a:p>
-        </p:txBody>
-      </p:sp>
-    </p:spTree>
-    <p:extLst>
-      <p:ext uri="{BB962C8B-B14F-4D97-AF65-F5344CB8AC3E}">
-        <p14:creationId xmlns:p14="http://schemas.microsoft.com/office/powerpoint/2010/main" val="1523782347"/>
-      </p:ext>
-    </p:extLst>
-  </p:cSld>
-  <p:clrMapOvr>
-    <a:masterClrMapping/>
-  </p:clrMapOvr>
-  <p:timing>
-    <p:tnLst>
-      <p:par>
-        <p:cTn id="1" dur="indefinite" restart="never" nodeType="tmRoot"/>
-      </p:par>
-    </p:tnLst>
-  </p:timing>
-</p:sld>
-</file>
-
-<file path=ppt/slides/slide17.xml><?xml version="1.0" encoding="utf-8"?>
-<p:sld xmlns:a="http://schemas.openxmlformats.org/drawingml/2006/main" xmlns:r="http://schemas.openxmlformats.org/officeDocument/2006/relationships" xmlns:p="http://schemas.openxmlformats.org/presentationml/2006/main">
-  <p:cSld>
-    <p:spTree>
-      <p:nvGrpSpPr>
-        <p:cNvPr id="1" name=""/>
-        <p:cNvGrpSpPr/>
-        <p:nvPr/>
-      </p:nvGrpSpPr>
-      <p:grpSpPr>
-        <a:xfrm>
-          <a:off x="0" y="0"/>
-          <a:ext cx="0" cy="0"/>
-          <a:chOff x="0" y="0"/>
-          <a:chExt cx="0" cy="0"/>
-        </a:xfrm>
-      </p:grpSpPr>
-      <p:sp>
-        <p:nvSpPr>
-          <p:cNvPr id="2" name="Title 1"/>
-          <p:cNvSpPr>
-            <a:spLocks noGrp="1"/>
-          </p:cNvSpPr>
-          <p:nvPr>
-            <p:ph type="title"/>
-          </p:nvPr>
-        </p:nvSpPr>
-        <p:spPr/>
-        <p:txBody>
-          <a:bodyPr/>
-          <a:lstStyle/>
-          <a:p>
-            <a:r>
-              <a:rPr lang="en-GB" dirty="0" smtClean="0"/>
+              <a:rPr lang="en-GB" dirty="0"/>
               <a:t>Why the indentation ?</a:t>
             </a:r>
-            <a:endParaRPr lang="en-GB" dirty="0"/>
           </a:p>
         </p:txBody>
       </p:sp>
@@ -8532,15 +8184,23 @@
           <a:lstStyle/>
           <a:p>
             <a:r>
-              <a:rPr lang="en-GB" dirty="0" smtClean="0"/>
+              <a:rPr lang="en-GB" dirty="0"/>
               <a:t>See the new example program on the right.</a:t>
             </a:r>
+          </a:p>
+          <a:p>
+            <a:r>
+              <a:rPr lang="en-GB" dirty="0"/>
+              <a:t>Note the indentation (marked with the yellow lines).</a:t>
+            </a:r>
+          </a:p>
+          <a:p>
             <a:endParaRPr lang="en-GB" dirty="0"/>
           </a:p>
           <a:p>
             <a:r>
-              <a:rPr lang="en-GB" dirty="0" smtClean="0"/>
-              <a:t>Note the indentation (marked with the yellow lines).</a:t>
+              <a:rPr lang="en-GB" dirty="0"/>
+              <a:t>This program checks if the name is "Dave" and then does all the indented things. You can have as many lines indented as you want.</a:t>
             </a:r>
           </a:p>
           <a:p>
@@ -8548,24 +8208,15 @@
           </a:p>
           <a:p>
             <a:r>
-              <a:rPr lang="en-GB" dirty="0" smtClean="0"/>
-              <a:t>This program checks if the name is "Dave" and then does all the indented things. You can have as many lines indented as you want.</a:t>
-            </a:r>
-          </a:p>
-          <a:p>
+              <a:rPr lang="en-GB" dirty="0"/>
+              <a:t>Python uses these indentations to identify "blocks" of code to run together.</a:t>
+            </a:r>
+          </a:p>
+          <a:p>
+            <a:pPr marL="0" indent="0">
+              <a:buNone/>
+            </a:pPr>
             <a:endParaRPr lang="en-GB" dirty="0"/>
-          </a:p>
-          <a:p>
-            <a:r>
-              <a:rPr lang="en-GB" dirty="0" smtClean="0"/>
-              <a:t>Python uses these indentations to identify "blocks" of code to run together.</a:t>
-            </a:r>
-          </a:p>
-          <a:p>
-            <a:pPr marL="0" indent="0">
-              <a:buNone/>
-            </a:pPr>
-            <a:endParaRPr lang="en-GB" dirty="0" smtClean="0"/>
           </a:p>
           <a:p>
             <a:endParaRPr lang="en-GB" dirty="0"/>
@@ -8835,6 +8486,132 @@
 </p:sld>
 </file>
 
+<file path=ppt/slides/slide17.xml><?xml version="1.0" encoding="utf-8"?>
+<p:sld xmlns:a="http://schemas.openxmlformats.org/drawingml/2006/main" xmlns:r="http://schemas.openxmlformats.org/officeDocument/2006/relationships" xmlns:p="http://schemas.openxmlformats.org/presentationml/2006/main">
+  <p:cSld>
+    <p:spTree>
+      <p:nvGrpSpPr>
+        <p:cNvPr id="1" name=""/>
+        <p:cNvGrpSpPr/>
+        <p:nvPr/>
+      </p:nvGrpSpPr>
+      <p:grpSpPr>
+        <a:xfrm>
+          <a:off x="0" y="0"/>
+          <a:ext cx="0" cy="0"/>
+          <a:chOff x="0" y="0"/>
+          <a:chExt cx="0" cy="0"/>
+        </a:xfrm>
+      </p:grpSpPr>
+      <p:sp>
+        <p:nvSpPr>
+          <p:cNvPr id="2" name="Title 1"/>
+          <p:cNvSpPr>
+            <a:spLocks noGrp="1"/>
+          </p:cNvSpPr>
+          <p:nvPr>
+            <p:ph type="title"/>
+          </p:nvPr>
+        </p:nvSpPr>
+        <p:spPr/>
+        <p:txBody>
+          <a:bodyPr/>
+          <a:lstStyle/>
+          <a:p>
+            <a:r>
+              <a:rPr lang="en-GB" dirty="0"/>
+              <a:t>Other types of testing.</a:t>
+            </a:r>
+          </a:p>
+        </p:txBody>
+      </p:sp>
+      <p:sp>
+        <p:nvSpPr>
+          <p:cNvPr id="8" name="Content Placeholder 2"/>
+          <p:cNvSpPr>
+            <a:spLocks noGrp="1"/>
+          </p:cNvSpPr>
+          <p:nvPr>
+            <p:ph idx="1"/>
+          </p:nvPr>
+        </p:nvSpPr>
+        <p:spPr>
+          <a:xfrm>
+            <a:off x="1103312" y="2052918"/>
+            <a:ext cx="9274065" cy="4195481"/>
+          </a:xfrm>
+        </p:spPr>
+        <p:txBody>
+          <a:bodyPr/>
+          <a:lstStyle/>
+          <a:p>
+            <a:r>
+              <a:rPr lang="en-GB" dirty="0"/>
+              <a:t>As well as testing for equality with ==, we can do other tests involving numbers.</a:t>
+            </a:r>
+          </a:p>
+          <a:p>
+            <a:endParaRPr lang="en-GB" dirty="0">
+              <a:latin typeface="Courier New" panose="02070309020205020404" pitchFamily="49" charset="0"/>
+              <a:cs typeface="Courier New" panose="02070309020205020404" pitchFamily="49" charset="0"/>
+            </a:endParaRPr>
+          </a:p>
+          <a:p>
+            <a:r>
+              <a:rPr lang="en-GB" dirty="0">
+                <a:latin typeface="Courier New" panose="02070309020205020404" pitchFamily="49" charset="0"/>
+                <a:cs typeface="Courier New" panose="02070309020205020404" pitchFamily="49" charset="0"/>
+              </a:rPr>
+              <a:t>a &lt; b. </a:t>
+            </a:r>
+            <a:r>
+              <a:rPr lang="en-GB" dirty="0">
+                <a:latin typeface="+mn-lt"/>
+                <a:cs typeface="Courier New" panose="02070309020205020404" pitchFamily="49" charset="0"/>
+              </a:rPr>
+              <a:t>Will be true if a is less than b.</a:t>
+            </a:r>
+          </a:p>
+          <a:p>
+            <a:r>
+              <a:rPr lang="en-GB" dirty="0">
+                <a:latin typeface="Courier New" panose="02070309020205020404" pitchFamily="49" charset="0"/>
+                <a:cs typeface="Courier New" panose="02070309020205020404" pitchFamily="49" charset="0"/>
+              </a:rPr>
+              <a:t>a &gt; b. </a:t>
+            </a:r>
+            <a:r>
+              <a:rPr lang="en-GB" dirty="0">
+                <a:latin typeface="+mn-lt"/>
+                <a:cs typeface="Courier New" panose="02070309020205020404" pitchFamily="49" charset="0"/>
+              </a:rPr>
+              <a:t>Will be true if a is greater than b.</a:t>
+            </a:r>
+          </a:p>
+          <a:p>
+            <a:r>
+              <a:rPr lang="en-GB" dirty="0">
+                <a:latin typeface="+mn-lt"/>
+                <a:cs typeface="Courier New" panose="02070309020205020404" pitchFamily="49" charset="0"/>
+              </a:rPr>
+              <a:t>a &gt;= b.	Will be true if a is greater than or equal to b. </a:t>
+            </a:r>
+          </a:p>
+        </p:txBody>
+      </p:sp>
+    </p:spTree>
+    <p:extLst>
+      <p:ext uri="{BB962C8B-B14F-4D97-AF65-F5344CB8AC3E}">
+        <p14:creationId xmlns:p14="http://schemas.microsoft.com/office/powerpoint/2010/main" val="237858201"/>
+      </p:ext>
+    </p:extLst>
+  </p:cSld>
+  <p:clrMapOvr>
+    <a:masterClrMapping/>
+  </p:clrMapOvr>
+</p:sld>
+</file>
+
 <file path=ppt/slides/slide18.xml><?xml version="1.0" encoding="utf-8"?>
 <p:sld xmlns:a="http://schemas.openxmlformats.org/drawingml/2006/main" xmlns:r="http://schemas.openxmlformats.org/officeDocument/2006/relationships" xmlns:p="http://schemas.openxmlformats.org/presentationml/2006/main">
   <p:cSld>
@@ -8868,10 +8645,9 @@
           <a:lstStyle/>
           <a:p>
             <a:r>
-              <a:rPr lang="en-GB" dirty="0" smtClean="0"/>
-              <a:t>Other types of testing.</a:t>
-            </a:r>
-            <a:endParaRPr lang="en-GB" dirty="0"/>
+              <a:rPr lang="en-GB" dirty="0"/>
+              <a:t>Doing things more than once.</a:t>
+            </a:r>
           </a:p>
         </p:txBody>
       </p:sp>
@@ -8896,11 +8672,9 @@
           <a:lstStyle/>
           <a:p>
             <a:r>
-              <a:rPr lang="en-GB" dirty="0" smtClean="0"/>
-              <a:t>As well as testing for equality with ==, we can do other tests involving numbers.</a:t>
-            </a:r>
-          </a:p>
-          <a:p>
+              <a:rPr lang="en-GB" dirty="0"/>
+              <a:t>Programming has the concept of loops.</a:t>
+            </a:r>
             <a:endParaRPr lang="en-GB" dirty="0">
               <a:latin typeface="Courier New" panose="02070309020205020404" pitchFamily="49" charset="0"/>
               <a:cs typeface="Courier New" panose="02070309020205020404" pitchFamily="49" charset="0"/>
@@ -8908,68 +8682,43 @@
           </a:p>
           <a:p>
             <a:r>
-              <a:rPr lang="en-GB" dirty="0" smtClean="0">
-                <a:latin typeface="Courier New" panose="02070309020205020404" pitchFamily="49" charset="0"/>
-                <a:cs typeface="Courier New" panose="02070309020205020404" pitchFamily="49" charset="0"/>
-              </a:rPr>
-              <a:t>a &lt; b. </a:t>
-            </a:r>
-            <a:r>
-              <a:rPr lang="en-GB" dirty="0" smtClean="0">
-                <a:latin typeface="+mn-lt"/>
-                <a:cs typeface="Courier New" panose="02070309020205020404" pitchFamily="49" charset="0"/>
-              </a:rPr>
-              <a:t>Will be true if a is less than b.</a:t>
-            </a:r>
-          </a:p>
-          <a:p>
-            <a:r>
-              <a:rPr lang="en-GB" dirty="0" smtClean="0">
-                <a:latin typeface="Courier New" panose="02070309020205020404" pitchFamily="49" charset="0"/>
-                <a:cs typeface="Courier New" panose="02070309020205020404" pitchFamily="49" charset="0"/>
-              </a:rPr>
-              <a:t>a &gt; b. </a:t>
-            </a:r>
-            <a:r>
-              <a:rPr lang="en-GB" dirty="0" smtClean="0">
-                <a:latin typeface="+mn-lt"/>
-                <a:cs typeface="Courier New" panose="02070309020205020404" pitchFamily="49" charset="0"/>
-              </a:rPr>
-              <a:t>Will be true if a is greater than b.</a:t>
-            </a:r>
-          </a:p>
-          <a:p>
-            <a:r>
-              <a:rPr lang="en-GB" dirty="0" smtClean="0">
-                <a:latin typeface="+mn-lt"/>
-                <a:cs typeface="Courier New" panose="02070309020205020404" pitchFamily="49" charset="0"/>
-              </a:rPr>
-              <a:t>a &gt;= b </a:t>
-            </a:r>
-            <a:endParaRPr lang="en-GB" dirty="0">
-              <a:latin typeface="+mn-lt"/>
-              <a:cs typeface="Courier New" panose="02070309020205020404" pitchFamily="49" charset="0"/>
-            </a:endParaRPr>
+              <a:rPr lang="en-GB" dirty="0"/>
+              <a:t>Just like a car can go around a racing track in a loop, code can go around a loop, running over and over again.</a:t>
+            </a:r>
+          </a:p>
+          <a:p>
+            <a:r>
+              <a:rPr lang="en-GB" dirty="0"/>
+              <a:t>You can change variables while going around the loop.</a:t>
+            </a:r>
+          </a:p>
+          <a:p>
+            <a:endParaRPr lang="en-GB" dirty="0"/>
+          </a:p>
+          <a:p>
+            <a:r>
+              <a:rPr lang="en-GB" dirty="0"/>
+              <a:t>We will use this to recreate out counting to 10 program in a way that doesn't involve repeating ourselves.</a:t>
+            </a:r>
+          </a:p>
+          <a:p>
+            <a:endParaRPr lang="en-GB" dirty="0"/>
+          </a:p>
+          <a:p>
+            <a:endParaRPr lang="en-GB" dirty="0"/>
           </a:p>
         </p:txBody>
       </p:sp>
     </p:spTree>
     <p:extLst>
       <p:ext uri="{BB962C8B-B14F-4D97-AF65-F5344CB8AC3E}">
-        <p14:creationId xmlns:p14="http://schemas.microsoft.com/office/powerpoint/2010/main" val="237858201"/>
+        <p14:creationId xmlns:p14="http://schemas.microsoft.com/office/powerpoint/2010/main" val="566590178"/>
       </p:ext>
     </p:extLst>
   </p:cSld>
   <p:clrMapOvr>
     <a:masterClrMapping/>
   </p:clrMapOvr>
-  <p:timing>
-    <p:tnLst>
-      <p:par>
-        <p:cTn id="1" dur="indefinite" restart="never" nodeType="tmRoot"/>
-      </p:par>
-    </p:tnLst>
-  </p:timing>
 </p:sld>
 </file>
 
@@ -9006,16 +8755,15 @@
           <a:lstStyle/>
           <a:p>
             <a:r>
-              <a:rPr lang="en-GB" dirty="0" smtClean="0"/>
-              <a:t>Doing things more than once.</a:t>
-            </a:r>
-            <a:endParaRPr lang="en-GB" dirty="0"/>
-          </a:p>
-        </p:txBody>
-      </p:sp>
-      <p:sp>
-        <p:nvSpPr>
-          <p:cNvPr id="8" name="Content Placeholder 2"/>
+              <a:rPr lang="en-GB" dirty="0"/>
+              <a:t>Our first loop.</a:t>
+            </a:r>
+          </a:p>
+        </p:txBody>
+      </p:sp>
+      <p:sp>
+        <p:nvSpPr>
+          <p:cNvPr id="3" name="Content Placeholder 2"/>
           <p:cNvSpPr>
             <a:spLocks noGrp="1"/>
           </p:cNvSpPr>
@@ -9025,69 +8773,201 @@
         </p:nvSpPr>
         <p:spPr>
           <a:xfrm>
-            <a:off x="1103312" y="2052918"/>
-            <a:ext cx="9274065" cy="4195481"/>
+            <a:off x="646111" y="1455682"/>
+            <a:ext cx="5552670" cy="4604151"/>
           </a:xfrm>
         </p:spPr>
         <p:txBody>
-          <a:bodyPr/>
+          <a:bodyPr>
+            <a:normAutofit/>
+          </a:bodyPr>
           <a:lstStyle/>
           <a:p>
             <a:r>
-              <a:rPr lang="en-GB" dirty="0" smtClean="0"/>
-              <a:t>Programming has the concept of loops.</a:t>
-            </a:r>
-            <a:endParaRPr lang="en-GB" dirty="0" smtClean="0">
+              <a:rPr lang="en-GB" dirty="0"/>
+              <a:t>This program introduces two new concepts.</a:t>
+            </a:r>
+          </a:p>
+          <a:p>
+            <a:r>
+              <a:rPr lang="en-GB" dirty="0"/>
+              <a:t>It introduces the "while" statement. This runs the indented block of code over and over as long as the "while" condition is met.</a:t>
+            </a:r>
+          </a:p>
+          <a:p>
+            <a:r>
+              <a:rPr lang="en-GB" dirty="0"/>
+              <a:t>It also introduces modifying an existing variable, rather than just setting it to something. </a:t>
+            </a:r>
+          </a:p>
+          <a:p>
+            <a:endParaRPr lang="en-GB" b="1" u="sng" dirty="0">
+              <a:solidFill>
+                <a:srgbClr val="FFFF00"/>
+              </a:solidFill>
+            </a:endParaRPr>
+          </a:p>
+          <a:p>
+            <a:endParaRPr lang="en-GB" dirty="0"/>
+          </a:p>
+        </p:txBody>
+      </p:sp>
+      <p:sp>
+        <p:nvSpPr>
+          <p:cNvPr id="4" name="Rectangle 3"/>
+          <p:cNvSpPr/>
+          <p:nvPr/>
+        </p:nvSpPr>
+        <p:spPr>
+          <a:xfrm>
+            <a:off x="6198781" y="1460252"/>
+            <a:ext cx="6096000" cy="2031325"/>
+          </a:xfrm>
+          <a:prstGeom prst="rect">
+            <a:avLst/>
+          </a:prstGeom>
+        </p:spPr>
+        <p:txBody>
+          <a:bodyPr>
+            <a:spAutoFit/>
+          </a:bodyPr>
+          <a:lstStyle/>
+          <a:p>
+            <a:r>
+              <a:rPr lang="en-GB" dirty="0">
+                <a:latin typeface="Courier New" panose="02070309020205020404" pitchFamily="49" charset="0"/>
+                <a:cs typeface="Courier New" panose="02070309020205020404" pitchFamily="49" charset="0"/>
+              </a:rPr>
+              <a:t># Week2, Program9</a:t>
+            </a:r>
+          </a:p>
+          <a:p>
+            <a:endParaRPr lang="en-GB" dirty="0">
               <a:latin typeface="Courier New" panose="02070309020205020404" pitchFamily="49" charset="0"/>
               <a:cs typeface="Courier New" panose="02070309020205020404" pitchFamily="49" charset="0"/>
             </a:endParaRPr>
           </a:p>
           <a:p>
             <a:r>
-              <a:rPr lang="en-GB" dirty="0" smtClean="0"/>
-              <a:t>Just like a car can go around a racing track in a loop, code can go around a loop, running over and over again.</a:t>
-            </a:r>
-          </a:p>
-          <a:p>
-            <a:r>
-              <a:rPr lang="en-GB" dirty="0" smtClean="0"/>
-              <a:t>You can change variables while going around the loop.</a:t>
-            </a:r>
-          </a:p>
-          <a:p>
+              <a:rPr lang="en-GB" dirty="0">
+                <a:latin typeface="Courier New" panose="02070309020205020404" pitchFamily="49" charset="0"/>
+                <a:cs typeface="Courier New" panose="02070309020205020404" pitchFamily="49" charset="0"/>
+              </a:rPr>
+              <a:t>c = 1</a:t>
+            </a:r>
+          </a:p>
+          <a:p>
+            <a:endParaRPr lang="en-GB" dirty="0">
+              <a:latin typeface="Courier New" panose="02070309020205020404" pitchFamily="49" charset="0"/>
+              <a:cs typeface="Courier New" panose="02070309020205020404" pitchFamily="49" charset="0"/>
+            </a:endParaRPr>
+          </a:p>
+          <a:p>
+            <a:r>
+              <a:rPr lang="en-GB" dirty="0">
+                <a:latin typeface="Courier New" panose="02070309020205020404" pitchFamily="49" charset="0"/>
+                <a:cs typeface="Courier New" panose="02070309020205020404" pitchFamily="49" charset="0"/>
+              </a:rPr>
+              <a:t>while c &lt;= 10:</a:t>
+            </a:r>
+          </a:p>
+          <a:p>
+            <a:r>
+              <a:rPr lang="en-GB" dirty="0">
+                <a:latin typeface="Courier New" panose="02070309020205020404" pitchFamily="49" charset="0"/>
+                <a:cs typeface="Courier New" panose="02070309020205020404" pitchFamily="49" charset="0"/>
+              </a:rPr>
+              <a:t>    print(c)</a:t>
+            </a:r>
+          </a:p>
+          <a:p>
+            <a:r>
+              <a:rPr lang="en-GB" dirty="0">
+                <a:latin typeface="Courier New" panose="02070309020205020404" pitchFamily="49" charset="0"/>
+                <a:cs typeface="Courier New" panose="02070309020205020404" pitchFamily="49" charset="0"/>
+              </a:rPr>
+              <a:t>    c = c + 1      # Adds 1 to c</a:t>
+            </a:r>
+          </a:p>
+        </p:txBody>
+      </p:sp>
+      <p:sp>
+        <p:nvSpPr>
+          <p:cNvPr id="5" name="Rectangle 4"/>
+          <p:cNvSpPr/>
+          <p:nvPr/>
+        </p:nvSpPr>
+        <p:spPr>
+          <a:xfrm>
+            <a:off x="1030356" y="5136503"/>
+            <a:ext cx="6096000" cy="923330"/>
+          </a:xfrm>
+          <a:prstGeom prst="rect">
+            <a:avLst/>
+          </a:prstGeom>
+        </p:spPr>
+        <p:txBody>
+          <a:bodyPr>
+            <a:spAutoFit/>
+          </a:bodyPr>
+          <a:lstStyle/>
+          <a:p>
+            <a:r>
+              <a:rPr lang="en-GB" b="1" u="sng" dirty="0">
+                <a:solidFill>
+                  <a:srgbClr val="FFFF00"/>
+                </a:solidFill>
+              </a:rPr>
+              <a:t>TASK:</a:t>
+            </a:r>
+            <a:r>
+              <a:rPr lang="en-GB" b="1" dirty="0">
+                <a:solidFill>
+                  <a:srgbClr val="FFFF00"/>
+                </a:solidFill>
+              </a:rPr>
+              <a:t> </a:t>
+            </a:r>
+            <a:r>
+              <a:rPr lang="en-GB" dirty="0">
+                <a:solidFill>
+                  <a:srgbClr val="FFFF00"/>
+                </a:solidFill>
+              </a:rPr>
+              <a:t>What do you think the program on the right will do ?</a:t>
+            </a:r>
+          </a:p>
+          <a:p>
+            <a:r>
+              <a:rPr lang="en-GB" b="1" u="sng" dirty="0">
+                <a:solidFill>
+                  <a:srgbClr val="FFFF00"/>
+                </a:solidFill>
+              </a:rPr>
+              <a:t>TASK:</a:t>
+            </a:r>
+            <a:r>
+              <a:rPr lang="en-GB" dirty="0">
+                <a:solidFill>
+                  <a:srgbClr val="FFFF00"/>
+                </a:solidFill>
+              </a:rPr>
+              <a:t> Type it in, run it and see if you were correct.</a:t>
+            </a:r>
             <a:endParaRPr lang="en-GB" dirty="0"/>
-          </a:p>
-          <a:p>
-            <a:r>
-              <a:rPr lang="en-GB" dirty="0" smtClean="0"/>
-              <a:t>We will use this to recreate out counting to 10 program in a way that doesn't involve repeating ourselves.</a:t>
-            </a:r>
-          </a:p>
-          <a:p>
-            <a:endParaRPr lang="en-GB" dirty="0" smtClean="0"/>
-          </a:p>
-          <a:p>
-            <a:endParaRPr lang="en-GB" dirty="0" smtClean="0"/>
           </a:p>
         </p:txBody>
       </p:sp>
     </p:spTree>
     <p:extLst>
       <p:ext uri="{BB962C8B-B14F-4D97-AF65-F5344CB8AC3E}">
-        <p14:creationId xmlns:p14="http://schemas.microsoft.com/office/powerpoint/2010/main" val="566590178"/>
+        <p14:creationId xmlns:p14="http://schemas.microsoft.com/office/powerpoint/2010/main" val="870808402"/>
       </p:ext>
     </p:extLst>
   </p:cSld>
   <p:clrMapOvr>
     <a:masterClrMapping/>
   </p:clrMapOvr>
-  <p:timing>
-    <p:tnLst>
-      <p:par>
-        <p:cTn id="1" dur="indefinite" restart="never" nodeType="tmRoot"/>
-      </p:par>
-    </p:tnLst>
-  </p:timing>
 </p:sld>
 </file>
 
@@ -9124,10 +9004,9 @@
           <a:lstStyle/>
           <a:p>
             <a:r>
-              <a:rPr lang="en-GB" dirty="0" smtClean="0"/>
+              <a:rPr lang="en-GB" dirty="0"/>
               <a:t>Goals of this week.</a:t>
             </a:r>
-            <a:endParaRPr lang="en-GB" dirty="0"/>
           </a:p>
         </p:txBody>
       </p:sp>
@@ -9149,42 +9028,42 @@
           <a:lstStyle/>
           <a:p>
             <a:r>
-              <a:rPr lang="en-GB" dirty="0" smtClean="0"/>
+              <a:rPr lang="en-GB" dirty="0"/>
               <a:t>This week, we will learn :-</a:t>
             </a:r>
           </a:p>
           <a:p>
             <a:pPr lvl="1"/>
             <a:r>
-              <a:rPr lang="en-GB" dirty="0" smtClean="0"/>
+              <a:rPr lang="en-GB" dirty="0"/>
               <a:t>How to work with variables.</a:t>
             </a:r>
           </a:p>
           <a:p>
             <a:pPr lvl="1"/>
             <a:r>
-              <a:rPr lang="en-GB" dirty="0" smtClean="0"/>
+              <a:rPr lang="en-GB" dirty="0"/>
               <a:t>How to add comments for other human beings (or yourself).</a:t>
             </a:r>
           </a:p>
           <a:p>
             <a:pPr lvl="1"/>
             <a:r>
-              <a:rPr lang="en-GB" dirty="0" smtClean="0"/>
+              <a:rPr lang="en-GB" dirty="0"/>
               <a:t>How to ask the user questions.</a:t>
             </a:r>
           </a:p>
           <a:p>
             <a:pPr lvl="1"/>
             <a:r>
-              <a:rPr lang="en-GB" dirty="0" smtClean="0"/>
-              <a:t>Working with strings and integers (numbers)</a:t>
+              <a:rPr lang="en-GB" dirty="0"/>
+              <a:t>Working with strings and integers (numbers).</a:t>
             </a:r>
           </a:p>
           <a:p>
             <a:pPr lvl="1"/>
             <a:r>
-              <a:rPr lang="en-GB" dirty="0" smtClean="0"/>
+              <a:rPr lang="en-GB" dirty="0"/>
               <a:t>How to do different things based on different conditions.</a:t>
             </a:r>
           </a:p>
@@ -9192,11 +9071,7 @@
             <a:pPr lvl="1"/>
             <a:r>
               <a:rPr lang="en-GB" dirty="0"/>
-              <a:t>How to do things more than once</a:t>
-            </a:r>
-            <a:r>
-              <a:rPr lang="en-GB" dirty="0" smtClean="0"/>
-              <a:t>.</a:t>
+              <a:t>How to do things more than once.</a:t>
             </a:r>
           </a:p>
           <a:p>
@@ -9205,16 +9080,15 @@
           </a:p>
           <a:p>
             <a:r>
-              <a:rPr lang="en-GB" dirty="0" smtClean="0"/>
+              <a:rPr lang="en-GB" dirty="0"/>
               <a:t>There are a lot of "building blocks" this week.</a:t>
             </a:r>
           </a:p>
           <a:p>
             <a:r>
-              <a:rPr lang="en-GB" dirty="0" smtClean="0"/>
+              <a:rPr lang="en-GB" dirty="0"/>
               <a:t>We will use these building blocks in later weeks to make more useful programs in future weeks.</a:t>
             </a:r>
-            <a:endParaRPr lang="en-GB" dirty="0"/>
           </a:p>
           <a:p>
             <a:pPr lvl="1"/>
@@ -9232,13 +9106,6 @@
   <p:clrMapOvr>
     <a:masterClrMapping/>
   </p:clrMapOvr>
-  <p:timing>
-    <p:tnLst>
-      <p:par>
-        <p:cTn id="1" dur="indefinite" restart="never" nodeType="tmRoot"/>
-      </p:par>
-    </p:tnLst>
-  </p:timing>
 </p:sld>
 </file>
 
@@ -9275,8 +9142,14 @@
           <a:lstStyle/>
           <a:p>
             <a:r>
-              <a:rPr lang="en-GB" dirty="0" smtClean="0"/>
-              <a:t>Our first loop.</a:t>
+              <a:rPr lang="en-GB" dirty="0"/>
+              <a:t>Homework</a:t>
+            </a:r>
+            <a:r>
+              <a:rPr lang="en-GB" dirty="0">
+                <a:sym typeface="Wingdings" panose="05000000000000000000" pitchFamily="2" charset="2"/>
+              </a:rPr>
+              <a:t>.</a:t>
             </a:r>
             <a:endParaRPr lang="en-GB" dirty="0"/>
           </a:p>
@@ -9294,8 +9167,8 @@
         </p:nvSpPr>
         <p:spPr>
           <a:xfrm>
-            <a:off x="646111" y="1455682"/>
-            <a:ext cx="5552670" cy="4604151"/>
+            <a:off x="646111" y="2027583"/>
+            <a:ext cx="10634802" cy="4032250"/>
           </a:xfrm>
         </p:spPr>
         <p:txBody>
@@ -9305,26 +9178,30 @@
           <a:lstStyle/>
           <a:p>
             <a:r>
+              <a:rPr lang="en-GB" b="1" dirty="0"/>
+              <a:t>Week2, Homework1</a:t>
+            </a:r>
+          </a:p>
+          <a:p>
+            <a:pPr lvl="1"/>
+            <a:r>
               <a:rPr lang="en-GB" dirty="0"/>
-              <a:t>This </a:t>
-            </a:r>
-            <a:r>
-              <a:rPr lang="en-GB" dirty="0" smtClean="0"/>
-              <a:t>program introduces two new concepts.</a:t>
-            </a:r>
-          </a:p>
-          <a:p>
-            <a:r>
-              <a:rPr lang="en-GB" dirty="0" smtClean="0"/>
-              <a:t>It introduces the "while" statement. This runs the indented block of code over and over as long as the "while" condition is met.</a:t>
-            </a:r>
-          </a:p>
-          <a:p>
-            <a:r>
-              <a:rPr lang="en-GB" dirty="0" smtClean="0"/>
-              <a:t>It also introduces modifying an existing variable, rather than just setting it to something. </a:t>
-            </a:r>
-            <a:endParaRPr lang="en-GB" dirty="0"/>
+              <a:t>Write a program that asks for the users first name, and then the users surname.</a:t>
+            </a:r>
+          </a:p>
+          <a:p>
+            <a:pPr lvl="1"/>
+            <a:r>
+              <a:rPr lang="en-GB" dirty="0"/>
+              <a:t>If the users first name is the same as your first name, say "heh, you share my first name !"</a:t>
+            </a:r>
+          </a:p>
+          <a:p>
+            <a:pPr lvl="1"/>
+            <a:r>
+              <a:rPr lang="en-GB" dirty="0"/>
+              <a:t>If the users surname is the same as your surname, say "heh, you share my surname !"</a:t>
+            </a:r>
           </a:p>
           <a:p>
             <a:endParaRPr lang="en-GB" b="1" u="sng" dirty="0">
@@ -9338,194 +9215,16 @@
           </a:p>
         </p:txBody>
       </p:sp>
-      <p:sp>
-        <p:nvSpPr>
-          <p:cNvPr id="4" name="Rectangle 3"/>
-          <p:cNvSpPr/>
-          <p:nvPr/>
-        </p:nvSpPr>
-        <p:spPr>
-          <a:xfrm>
-            <a:off x="6198781" y="1460252"/>
-            <a:ext cx="6096000" cy="2031325"/>
-          </a:xfrm>
-          <a:prstGeom prst="rect">
-            <a:avLst/>
-          </a:prstGeom>
-        </p:spPr>
-        <p:txBody>
-          <a:bodyPr>
-            <a:spAutoFit/>
-          </a:bodyPr>
-          <a:lstStyle/>
-          <a:p>
-            <a:r>
-              <a:rPr lang="en-GB" dirty="0">
-                <a:latin typeface="Courier New" panose="02070309020205020404" pitchFamily="49" charset="0"/>
-                <a:cs typeface="Courier New" panose="02070309020205020404" pitchFamily="49" charset="0"/>
-              </a:rPr>
-              <a:t># Week2, </a:t>
-            </a:r>
-            <a:r>
-              <a:rPr lang="en-GB" dirty="0" smtClean="0">
-                <a:latin typeface="Courier New" panose="02070309020205020404" pitchFamily="49" charset="0"/>
-                <a:cs typeface="Courier New" panose="02070309020205020404" pitchFamily="49" charset="0"/>
-              </a:rPr>
-              <a:t>Program9</a:t>
-            </a:r>
-            <a:endParaRPr lang="en-GB" dirty="0">
-              <a:latin typeface="Courier New" panose="02070309020205020404" pitchFamily="49" charset="0"/>
-              <a:cs typeface="Courier New" panose="02070309020205020404" pitchFamily="49" charset="0"/>
-            </a:endParaRPr>
-          </a:p>
-          <a:p>
-            <a:endParaRPr lang="en-GB" dirty="0">
-              <a:latin typeface="Courier New" panose="02070309020205020404" pitchFamily="49" charset="0"/>
-              <a:cs typeface="Courier New" panose="02070309020205020404" pitchFamily="49" charset="0"/>
-            </a:endParaRPr>
-          </a:p>
-          <a:p>
-            <a:r>
-              <a:rPr lang="en-GB" dirty="0">
-                <a:latin typeface="Courier New" panose="02070309020205020404" pitchFamily="49" charset="0"/>
-                <a:cs typeface="Courier New" panose="02070309020205020404" pitchFamily="49" charset="0"/>
-              </a:rPr>
-              <a:t>c = 1</a:t>
-            </a:r>
-          </a:p>
-          <a:p>
-            <a:endParaRPr lang="en-GB" dirty="0">
-              <a:latin typeface="Courier New" panose="02070309020205020404" pitchFamily="49" charset="0"/>
-              <a:cs typeface="Courier New" panose="02070309020205020404" pitchFamily="49" charset="0"/>
-            </a:endParaRPr>
-          </a:p>
-          <a:p>
-            <a:r>
-              <a:rPr lang="en-GB" dirty="0">
-                <a:latin typeface="Courier New" panose="02070309020205020404" pitchFamily="49" charset="0"/>
-                <a:cs typeface="Courier New" panose="02070309020205020404" pitchFamily="49" charset="0"/>
-              </a:rPr>
-              <a:t>while c &lt;= 10:</a:t>
-            </a:r>
-          </a:p>
-          <a:p>
-            <a:r>
-              <a:rPr lang="en-GB" dirty="0">
-                <a:latin typeface="Courier New" panose="02070309020205020404" pitchFamily="49" charset="0"/>
-                <a:cs typeface="Courier New" panose="02070309020205020404" pitchFamily="49" charset="0"/>
-              </a:rPr>
-              <a:t>    print(c)</a:t>
-            </a:r>
-          </a:p>
-          <a:p>
-            <a:r>
-              <a:rPr lang="en-GB" dirty="0">
-                <a:latin typeface="Courier New" panose="02070309020205020404" pitchFamily="49" charset="0"/>
-                <a:cs typeface="Courier New" panose="02070309020205020404" pitchFamily="49" charset="0"/>
-              </a:rPr>
-              <a:t>    c </a:t>
-            </a:r>
-            <a:r>
-              <a:rPr lang="en-GB" dirty="0" smtClean="0">
-                <a:latin typeface="Courier New" panose="02070309020205020404" pitchFamily="49" charset="0"/>
-                <a:cs typeface="Courier New" panose="02070309020205020404" pitchFamily="49" charset="0"/>
-              </a:rPr>
-              <a:t>= c + 1      </a:t>
-            </a:r>
-            <a:r>
-              <a:rPr lang="en-GB" dirty="0">
-                <a:latin typeface="Courier New" panose="02070309020205020404" pitchFamily="49" charset="0"/>
-                <a:cs typeface="Courier New" panose="02070309020205020404" pitchFamily="49" charset="0"/>
-              </a:rPr>
-              <a:t># Adds 1 to c</a:t>
-            </a:r>
-          </a:p>
-        </p:txBody>
-      </p:sp>
-      <p:sp>
-        <p:nvSpPr>
-          <p:cNvPr id="5" name="Rectangle 4"/>
-          <p:cNvSpPr/>
-          <p:nvPr/>
-        </p:nvSpPr>
-        <p:spPr>
-          <a:xfrm>
-            <a:off x="1030356" y="5136503"/>
-            <a:ext cx="6096000" cy="923330"/>
-          </a:xfrm>
-          <a:prstGeom prst="rect">
-            <a:avLst/>
-          </a:prstGeom>
-        </p:spPr>
-        <p:txBody>
-          <a:bodyPr>
-            <a:spAutoFit/>
-          </a:bodyPr>
-          <a:lstStyle/>
-          <a:p>
-            <a:r>
-              <a:rPr lang="en-GB" b="1" u="sng" dirty="0">
-                <a:solidFill>
-                  <a:srgbClr val="FFFF00"/>
-                </a:solidFill>
-              </a:rPr>
-              <a:t>TASK:</a:t>
-            </a:r>
-            <a:r>
-              <a:rPr lang="en-GB" b="1" dirty="0">
-                <a:solidFill>
-                  <a:srgbClr val="FFFF00"/>
-                </a:solidFill>
-              </a:rPr>
-              <a:t> </a:t>
-            </a:r>
-            <a:r>
-              <a:rPr lang="en-GB" dirty="0">
-                <a:solidFill>
-                  <a:srgbClr val="FFFF00"/>
-                </a:solidFill>
-              </a:rPr>
-              <a:t>What do you think the program on the right will do ?</a:t>
-            </a:r>
-          </a:p>
-          <a:p>
-            <a:r>
-              <a:rPr lang="en-GB" b="1" u="sng" dirty="0">
-                <a:solidFill>
-                  <a:srgbClr val="FFFF00"/>
-                </a:solidFill>
-              </a:rPr>
-              <a:t>TASK:</a:t>
-            </a:r>
-            <a:r>
-              <a:rPr lang="en-GB" dirty="0">
-                <a:solidFill>
-                  <a:srgbClr val="FFFF00"/>
-                </a:solidFill>
-              </a:rPr>
-              <a:t> Type it in, run it and see if you were correct.</a:t>
-            </a:r>
-            <a:endParaRPr lang="en-GB" dirty="0"/>
-          </a:p>
-        </p:txBody>
-      </p:sp>
     </p:spTree>
     <p:extLst>
       <p:ext uri="{BB962C8B-B14F-4D97-AF65-F5344CB8AC3E}">
-        <p14:creationId xmlns:p14="http://schemas.microsoft.com/office/powerpoint/2010/main" val="870808402"/>
+        <p14:creationId xmlns:p14="http://schemas.microsoft.com/office/powerpoint/2010/main" val="1267538495"/>
       </p:ext>
     </p:extLst>
   </p:cSld>
   <p:clrMapOvr>
     <a:masterClrMapping/>
   </p:clrMapOvr>
-  <p:timing>
-    <p:tnLst>
-      <p:par>
-        <p:cTn id="1" dur="indefinite" restart="never" nodeType="tmRoot"/>
-      </p:par>
-    </p:tnLst>
-  </p:timing>
 </p:sld>
 </file>
 
@@ -9562,16 +9261,9 @@
           <a:lstStyle/>
           <a:p>
             <a:r>
-              <a:rPr lang="en-GB" dirty="0" smtClean="0"/>
-              <a:t>Homework</a:t>
-            </a:r>
-            <a:r>
-              <a:rPr lang="en-GB" dirty="0" smtClean="0">
-                <a:sym typeface="Wingdings" panose="05000000000000000000" pitchFamily="2" charset="2"/>
-              </a:rPr>
-              <a:t>.</a:t>
-            </a:r>
-            <a:endParaRPr lang="en-GB" dirty="0"/>
+              <a:rPr lang="en-GB" dirty="0"/>
+              <a:t>Homework.</a:t>
+            </a:r>
           </a:p>
         </p:txBody>
       </p:sp>
@@ -9598,31 +9290,33 @@
           <a:lstStyle/>
           <a:p>
             <a:r>
-              <a:rPr lang="en-GB" b="1" dirty="0" smtClean="0"/>
-              <a:t>Week2, Homework1</a:t>
+              <a:rPr lang="en-GB" b="1" dirty="0"/>
+              <a:t>Week2, Homework2</a:t>
             </a:r>
           </a:p>
           <a:p>
             <a:pPr lvl="1"/>
             <a:r>
-              <a:rPr lang="en-GB" dirty="0" smtClean="0"/>
-              <a:t>Write a program that asks for the users first name, and then the users surname.</a:t>
+              <a:rPr lang="en-GB" dirty="0"/>
+              <a:t>Write a program that prints all the even numbers from 2 to 100.</a:t>
             </a:r>
           </a:p>
           <a:p>
             <a:pPr lvl="1"/>
-            <a:r>
-              <a:rPr lang="en-GB" dirty="0" smtClean="0"/>
-              <a:t>If the users first name is the same as your first name, say "heh, you share my first name !"</a:t>
+            <a:endParaRPr lang="en-GB" dirty="0"/>
+          </a:p>
+          <a:p>
+            <a:r>
+              <a:rPr lang="en-GB" b="1" dirty="0"/>
+              <a:t>Week2, Homework3</a:t>
             </a:r>
           </a:p>
           <a:p>
             <a:pPr lvl="1"/>
             <a:r>
-              <a:rPr lang="en-GB" dirty="0" smtClean="0"/>
-              <a:t>If the users surname is the same as your surname, say "heh, you share my surname !"</a:t>
-            </a:r>
-            <a:endParaRPr lang="en-GB" dirty="0"/>
+              <a:rPr lang="en-GB" dirty="0"/>
+              <a:t>Based on the program above, write a program that prints all the even numbers from 2 to 100 in reverse order (so 100, 98, 96 …).</a:t>
+            </a:r>
           </a:p>
           <a:p>
             <a:endParaRPr lang="en-GB" b="1" u="sng" dirty="0">
@@ -9639,20 +9333,13 @@
     </p:spTree>
     <p:extLst>
       <p:ext uri="{BB962C8B-B14F-4D97-AF65-F5344CB8AC3E}">
-        <p14:creationId xmlns:p14="http://schemas.microsoft.com/office/powerpoint/2010/main" val="1267538495"/>
+        <p14:creationId xmlns:p14="http://schemas.microsoft.com/office/powerpoint/2010/main" val="1376916041"/>
       </p:ext>
     </p:extLst>
   </p:cSld>
   <p:clrMapOvr>
     <a:masterClrMapping/>
   </p:clrMapOvr>
-  <p:timing>
-    <p:tnLst>
-      <p:par>
-        <p:cTn id="1" dur="indefinite" restart="never" nodeType="tmRoot"/>
-      </p:par>
-    </p:tnLst>
-  </p:timing>
 </p:sld>
 </file>
 
@@ -9689,134 +9376,9 @@
           <a:lstStyle/>
           <a:p>
             <a:r>
-              <a:rPr lang="en-GB" dirty="0" smtClean="0"/>
+              <a:rPr lang="en-GB" dirty="0"/>
               <a:t>Homework.</a:t>
             </a:r>
-            <a:endParaRPr lang="en-GB" dirty="0"/>
-          </a:p>
-        </p:txBody>
-      </p:sp>
-      <p:sp>
-        <p:nvSpPr>
-          <p:cNvPr id="3" name="Content Placeholder 2"/>
-          <p:cNvSpPr>
-            <a:spLocks noGrp="1"/>
-          </p:cNvSpPr>
-          <p:nvPr>
-            <p:ph idx="1"/>
-          </p:nvPr>
-        </p:nvSpPr>
-        <p:spPr>
-          <a:xfrm>
-            <a:off x="646111" y="2027583"/>
-            <a:ext cx="10634802" cy="4032250"/>
-          </a:xfrm>
-        </p:spPr>
-        <p:txBody>
-          <a:bodyPr>
-            <a:normAutofit/>
-          </a:bodyPr>
-          <a:lstStyle/>
-          <a:p>
-            <a:r>
-              <a:rPr lang="en-GB" b="1" dirty="0" smtClean="0"/>
-              <a:t>Week2, Homework2</a:t>
-            </a:r>
-          </a:p>
-          <a:p>
-            <a:pPr lvl="1"/>
-            <a:r>
-              <a:rPr lang="en-GB" dirty="0" smtClean="0"/>
-              <a:t>Write a program that prints all the even numbers from 2 to 100.</a:t>
-            </a:r>
-          </a:p>
-          <a:p>
-            <a:pPr lvl="1"/>
-            <a:endParaRPr lang="en-GB" dirty="0"/>
-          </a:p>
-          <a:p>
-            <a:r>
-              <a:rPr lang="en-GB" b="1" dirty="0" smtClean="0"/>
-              <a:t>Week2, Homework3</a:t>
-            </a:r>
-          </a:p>
-          <a:p>
-            <a:pPr lvl="1"/>
-            <a:r>
-              <a:rPr lang="en-GB" dirty="0" smtClean="0"/>
-              <a:t>Based on the program above, write a program that prints all the even numbers from 2 to 100 in reverse order (so 100, 98, 96 …).</a:t>
-            </a:r>
-            <a:endParaRPr lang="en-GB" dirty="0"/>
-          </a:p>
-          <a:p>
-            <a:endParaRPr lang="en-GB" b="1" u="sng" dirty="0">
-              <a:solidFill>
-                <a:srgbClr val="FFFF00"/>
-              </a:solidFill>
-            </a:endParaRPr>
-          </a:p>
-          <a:p>
-            <a:endParaRPr lang="en-GB" dirty="0"/>
-          </a:p>
-        </p:txBody>
-      </p:sp>
-    </p:spTree>
-    <p:extLst>
-      <p:ext uri="{BB962C8B-B14F-4D97-AF65-F5344CB8AC3E}">
-        <p14:creationId xmlns:p14="http://schemas.microsoft.com/office/powerpoint/2010/main" val="1376916041"/>
-      </p:ext>
-    </p:extLst>
-  </p:cSld>
-  <p:clrMapOvr>
-    <a:masterClrMapping/>
-  </p:clrMapOvr>
-  <p:timing>
-    <p:tnLst>
-      <p:par>
-        <p:cTn id="1" dur="indefinite" restart="never" nodeType="tmRoot"/>
-      </p:par>
-    </p:tnLst>
-  </p:timing>
-</p:sld>
-</file>
-
-<file path=ppt/slides/slide23.xml><?xml version="1.0" encoding="utf-8"?>
-<p:sld xmlns:a="http://schemas.openxmlformats.org/drawingml/2006/main" xmlns:r="http://schemas.openxmlformats.org/officeDocument/2006/relationships" xmlns:p="http://schemas.openxmlformats.org/presentationml/2006/main">
-  <p:cSld>
-    <p:spTree>
-      <p:nvGrpSpPr>
-        <p:cNvPr id="1" name=""/>
-        <p:cNvGrpSpPr/>
-        <p:nvPr/>
-      </p:nvGrpSpPr>
-      <p:grpSpPr>
-        <a:xfrm>
-          <a:off x="0" y="0"/>
-          <a:ext cx="0" cy="0"/>
-          <a:chOff x="0" y="0"/>
-          <a:chExt cx="0" cy="0"/>
-        </a:xfrm>
-      </p:grpSpPr>
-      <p:sp>
-        <p:nvSpPr>
-          <p:cNvPr id="2" name="Title 1"/>
-          <p:cNvSpPr>
-            <a:spLocks noGrp="1"/>
-          </p:cNvSpPr>
-          <p:nvPr>
-            <p:ph type="title"/>
-          </p:nvPr>
-        </p:nvSpPr>
-        <p:spPr/>
-        <p:txBody>
-          <a:bodyPr/>
-          <a:lstStyle/>
-          <a:p>
-            <a:r>
-              <a:rPr lang="en-GB" dirty="0" smtClean="0"/>
-              <a:t>Homework.</a:t>
-            </a:r>
-            <a:endParaRPr lang="en-GB" dirty="0"/>
           </a:p>
         </p:txBody>
       </p:sp>
@@ -9843,7 +9405,7 @@
           <a:lstStyle/>
           <a:p>
             <a:r>
-              <a:rPr lang="en-GB" b="1" dirty="0" smtClean="0"/>
+              <a:rPr lang="en-GB" b="1" dirty="0"/>
               <a:t>Week2, Homework4</a:t>
             </a:r>
           </a:p>
@@ -9856,7 +9418,7 @@
           </a:p>
           <a:p>
             <a:r>
-              <a:rPr lang="en-GB" dirty="0" smtClean="0"/>
+              <a:rPr lang="en-GB" dirty="0"/>
               <a:t>Write a program that will print the multiples of 6, from 6 to 60.</a:t>
             </a:r>
           </a:p>
@@ -9864,7 +9426,7 @@
             <a:pPr marL="0" indent="0">
               <a:buNone/>
             </a:pPr>
-            <a:endParaRPr lang="en-GB" dirty="0" smtClean="0"/>
+            <a:endParaRPr lang="en-GB" dirty="0"/>
           </a:p>
           <a:p>
             <a:r>
@@ -10386,7 +9948,7 @@
               <a:buNone/>
             </a:pPr>
             <a:r>
-              <a:rPr lang="en-GB" dirty="0" smtClean="0">
+              <a:rPr lang="en-GB" dirty="0">
                 <a:latin typeface="Courier New" panose="02070309020205020404" pitchFamily="49" charset="0"/>
                 <a:cs typeface="Courier New" panose="02070309020205020404" pitchFamily="49" charset="0"/>
               </a:rPr>
@@ -10398,7 +9960,7 @@
               <a:buNone/>
             </a:pPr>
             <a:r>
-              <a:rPr lang="en-GB" dirty="0" smtClean="0">
+              <a:rPr lang="en-GB" dirty="0">
                 <a:latin typeface="Courier New" panose="02070309020205020404" pitchFamily="49" charset="0"/>
                 <a:cs typeface="Courier New" panose="02070309020205020404" pitchFamily="49" charset="0"/>
               </a:rPr>
@@ -10410,7 +9972,7 @@
               <a:buNone/>
             </a:pPr>
             <a:r>
-              <a:rPr lang="en-GB" dirty="0" smtClean="0">
+              <a:rPr lang="en-GB" dirty="0">
                 <a:latin typeface="Courier New" panose="02070309020205020404" pitchFamily="49" charset="0"/>
                 <a:cs typeface="Courier New" panose="02070309020205020404" pitchFamily="49" charset="0"/>
               </a:rPr>
@@ -10422,7 +9984,7 @@
               <a:buNone/>
             </a:pPr>
             <a:r>
-              <a:rPr lang="en-GB" dirty="0" smtClean="0">
+              <a:rPr lang="en-GB" dirty="0">
                 <a:latin typeface="Courier New" panose="02070309020205020404" pitchFamily="49" charset="0"/>
                 <a:cs typeface="Courier New" panose="02070309020205020404" pitchFamily="49" charset="0"/>
               </a:rPr>
@@ -10434,7 +9996,7 @@
               <a:buNone/>
             </a:pPr>
             <a:r>
-              <a:rPr lang="en-GB" dirty="0" smtClean="0">
+              <a:rPr lang="en-GB" dirty="0">
                 <a:latin typeface="Courier New" panose="02070309020205020404" pitchFamily="49" charset="0"/>
                 <a:cs typeface="Courier New" panose="02070309020205020404" pitchFamily="49" charset="0"/>
               </a:rPr>
@@ -10446,7 +10008,7 @@
               <a:buNone/>
             </a:pPr>
             <a:r>
-              <a:rPr lang="en-GB" dirty="0" smtClean="0">
+              <a:rPr lang="en-GB" dirty="0">
                 <a:latin typeface="Courier New" panose="02070309020205020404" pitchFamily="49" charset="0"/>
                 <a:cs typeface="Courier New" panose="02070309020205020404" pitchFamily="49" charset="0"/>
               </a:rPr>
@@ -10458,7 +10020,7 @@
               <a:buNone/>
             </a:pPr>
             <a:r>
-              <a:rPr lang="en-GB" dirty="0" smtClean="0">
+              <a:rPr lang="en-GB" dirty="0">
                 <a:latin typeface="Courier New" panose="02070309020205020404" pitchFamily="49" charset="0"/>
                 <a:cs typeface="Courier New" panose="02070309020205020404" pitchFamily="49" charset="0"/>
               </a:rPr>
@@ -10470,7 +10032,7 @@
               <a:buNone/>
             </a:pPr>
             <a:r>
-              <a:rPr lang="en-GB" dirty="0" smtClean="0">
+              <a:rPr lang="en-GB" dirty="0">
                 <a:latin typeface="Courier New" panose="02070309020205020404" pitchFamily="49" charset="0"/>
                 <a:cs typeface="Courier New" panose="02070309020205020404" pitchFamily="49" charset="0"/>
               </a:rPr>
@@ -10482,7 +10044,7 @@
               <a:buNone/>
             </a:pPr>
             <a:r>
-              <a:rPr lang="en-GB" dirty="0" smtClean="0">
+              <a:rPr lang="en-GB" dirty="0">
                 <a:latin typeface="Courier New" panose="02070309020205020404" pitchFamily="49" charset="0"/>
                 <a:cs typeface="Courier New" panose="02070309020205020404" pitchFamily="49" charset="0"/>
               </a:rPr>
@@ -10494,16 +10056,12 @@
               <a:buNone/>
             </a:pPr>
             <a:r>
-              <a:rPr lang="en-GB" dirty="0" smtClean="0">
+              <a:rPr lang="en-GB" dirty="0">
                 <a:latin typeface="Courier New" panose="02070309020205020404" pitchFamily="49" charset="0"/>
                 <a:cs typeface="Courier New" panose="02070309020205020404" pitchFamily="49" charset="0"/>
               </a:rPr>
               <a:t>60</a:t>
             </a:r>
-            <a:endParaRPr lang="en-GB" dirty="0">
-              <a:latin typeface="Courier New" panose="02070309020205020404" pitchFamily="49" charset="0"/>
-              <a:cs typeface="Courier New" panose="02070309020205020404" pitchFamily="49" charset="0"/>
-            </a:endParaRPr>
           </a:p>
         </p:txBody>
       </p:sp>
@@ -10517,17 +10075,10 @@
   <p:clrMapOvr>
     <a:masterClrMapping/>
   </p:clrMapOvr>
-  <p:timing>
-    <p:tnLst>
-      <p:par>
-        <p:cTn id="1" dur="indefinite" restart="never" nodeType="tmRoot"/>
-      </p:par>
-    </p:tnLst>
-  </p:timing>
 </p:sld>
 </file>
 
-<file path=ppt/slides/slide24.xml><?xml version="1.0" encoding="utf-8"?>
+<file path=ppt/slides/slide23.xml><?xml version="1.0" encoding="utf-8"?>
 <p:sld xmlns:a="http://schemas.openxmlformats.org/drawingml/2006/main" xmlns:r="http://schemas.openxmlformats.org/officeDocument/2006/relationships" xmlns:p="http://schemas.openxmlformats.org/presentationml/2006/main">
   <p:cSld>
     <p:spTree>
@@ -10560,10 +10111,9 @@
           <a:lstStyle/>
           <a:p>
             <a:r>
-              <a:rPr lang="en-GB" dirty="0" smtClean="0"/>
+              <a:rPr lang="en-GB" dirty="0"/>
               <a:t>Homework.</a:t>
             </a:r>
-            <a:endParaRPr lang="en-GB" dirty="0"/>
           </a:p>
         </p:txBody>
       </p:sp>
@@ -10590,7 +10140,7 @@
           <a:lstStyle/>
           <a:p>
             <a:r>
-              <a:rPr lang="en-GB" b="1" dirty="0" smtClean="0"/>
+              <a:rPr lang="en-GB" b="1" dirty="0"/>
               <a:t>Week2, Homework5</a:t>
             </a:r>
           </a:p>
@@ -10603,25 +10153,16 @@
           </a:p>
           <a:p>
             <a:r>
-              <a:rPr lang="en-GB" dirty="0" smtClean="0"/>
-              <a:t>Write a program to add up all the numbers between 1 </a:t>
-            </a:r>
-            <a:r>
-              <a:rPr lang="en-GB" smtClean="0"/>
-              <a:t>and </a:t>
-            </a:r>
-            <a:r>
-              <a:rPr lang="en-GB" smtClean="0"/>
-              <a:t>1000.</a:t>
-            </a:r>
-            <a:endParaRPr lang="en-GB" dirty="0" smtClean="0"/>
+              <a:rPr lang="en-GB" dirty="0"/>
+              <a:t>Write a program to add up all the numbers between 1 and 1000.</a:t>
+            </a:r>
           </a:p>
           <a:p>
             <a:endParaRPr lang="en-GB" dirty="0"/>
           </a:p>
           <a:p>
             <a:r>
-              <a:rPr lang="en-GB" dirty="0" smtClean="0">
+              <a:rPr lang="en-GB" dirty="0">
                 <a:solidFill>
                   <a:srgbClr val="FFFF00"/>
                 </a:solidFill>
@@ -10897,17 +10438,10 @@
   <p:clrMapOvr>
     <a:masterClrMapping/>
   </p:clrMapOvr>
-  <p:timing>
-    <p:tnLst>
-      <p:par>
-        <p:cTn id="1" dur="indefinite" restart="never" nodeType="tmRoot"/>
-      </p:par>
-    </p:tnLst>
-  </p:timing>
 </p:sld>
 </file>
 
-<file path=ppt/slides/slide25.xml><?xml version="1.0" encoding="utf-8"?>
+<file path=ppt/slides/slide24.xml><?xml version="1.0" encoding="utf-8"?>
 <p:sld xmlns:a="http://schemas.openxmlformats.org/drawingml/2006/main" xmlns:r="http://schemas.openxmlformats.org/officeDocument/2006/relationships" xmlns:p="http://schemas.openxmlformats.org/presentationml/2006/main">
   <p:cSld>
     <p:spTree>
@@ -10940,10 +10474,9 @@
           <a:lstStyle/>
           <a:p>
             <a:r>
-              <a:rPr lang="en-GB" dirty="0" smtClean="0"/>
+              <a:rPr lang="en-GB" dirty="0"/>
               <a:t>Next Week.</a:t>
             </a:r>
-            <a:endParaRPr lang="en-GB" dirty="0"/>
           </a:p>
         </p:txBody>
       </p:sp>
@@ -10963,33 +10496,33 @@
           <a:lstStyle/>
           <a:p>
             <a:r>
-              <a:rPr lang="en-GB" dirty="0" smtClean="0"/>
+              <a:rPr lang="en-GB" dirty="0"/>
               <a:t>We will learn to mix strings and integers.</a:t>
             </a:r>
           </a:p>
           <a:p>
-            <a:endParaRPr lang="en-GB" dirty="0" smtClean="0"/>
-          </a:p>
-          <a:p>
-            <a:r>
-              <a:rPr lang="en-GB" dirty="0" smtClean="0"/>
+            <a:endParaRPr lang="en-GB" dirty="0"/>
+          </a:p>
+          <a:p>
+            <a:r>
+              <a:rPr lang="en-GB" dirty="0"/>
               <a:t>We will learn more about division.</a:t>
             </a:r>
           </a:p>
           <a:p>
-            <a:endParaRPr lang="en-GB" dirty="0" smtClean="0"/>
-          </a:p>
-          <a:p>
-            <a:r>
-              <a:rPr lang="en-GB" dirty="0" smtClean="0"/>
+            <a:endParaRPr lang="en-GB" dirty="0"/>
+          </a:p>
+          <a:p>
+            <a:r>
+              <a:rPr lang="en-GB" dirty="0"/>
               <a:t>We will learn about </a:t>
             </a:r>
             <a:r>
-              <a:rPr lang="en-GB" b="1" u="sng" dirty="0" smtClean="0"/>
+              <a:rPr lang="en-GB" b="1" u="sng" dirty="0"/>
               <a:t>lists</a:t>
             </a:r>
             <a:r>
-              <a:rPr lang="en-GB" dirty="0" smtClean="0"/>
+              <a:rPr lang="en-GB" dirty="0"/>
               <a:t> of things.</a:t>
             </a:r>
           </a:p>
@@ -10997,7 +10530,7 @@
             <a:pPr marL="0" indent="0">
               <a:buNone/>
             </a:pPr>
-            <a:endParaRPr lang="en-GB" dirty="0" smtClean="0"/>
+            <a:endParaRPr lang="en-GB" dirty="0"/>
           </a:p>
         </p:txBody>
       </p:sp>
@@ -11047,10 +10580,9 @@
           <a:lstStyle/>
           <a:p>
             <a:r>
-              <a:rPr lang="en-GB" dirty="0" smtClean="0"/>
+              <a:rPr lang="en-GB" dirty="0"/>
               <a:t>Notes:</a:t>
             </a:r>
-            <a:endParaRPr lang="en-GB" dirty="0"/>
           </a:p>
         </p:txBody>
       </p:sp>
@@ -11072,13 +10604,13 @@
           <a:lstStyle/>
           <a:p>
             <a:r>
-              <a:rPr lang="en-GB" dirty="0" smtClean="0"/>
+              <a:rPr lang="en-GB" dirty="0"/>
               <a:t>We are skipping over a few details.</a:t>
             </a:r>
           </a:p>
           <a:p>
             <a:r>
-              <a:rPr lang="en-GB" dirty="0" smtClean="0"/>
+              <a:rPr lang="en-GB" dirty="0"/>
               <a:t>This is to get you writing things that do things quickly !</a:t>
             </a:r>
           </a:p>
@@ -11087,28 +10619,28 @@
           </a:p>
           <a:p>
             <a:r>
-              <a:rPr lang="en-GB" dirty="0" smtClean="0"/>
+              <a:rPr lang="en-GB" dirty="0"/>
               <a:t>There are three main ways to get extra details.</a:t>
             </a:r>
           </a:p>
           <a:p>
             <a:pPr lvl="1"/>
             <a:r>
-              <a:rPr lang="en-GB" dirty="0" smtClean="0"/>
+              <a:rPr lang="en-GB" dirty="0"/>
               <a:t>1.) Ask me !. I will answer any questions you may have.</a:t>
             </a:r>
           </a:p>
           <a:p>
             <a:pPr lvl="1"/>
             <a:r>
-              <a:rPr lang="en-GB" dirty="0" smtClean="0"/>
+              <a:rPr lang="en-GB" dirty="0"/>
               <a:t>2.) Play. Try stuff and see what happens. There is no reason to not experiment.</a:t>
             </a:r>
           </a:p>
           <a:p>
             <a:pPr lvl="1"/>
             <a:r>
-              <a:rPr lang="en-GB" dirty="0" smtClean="0"/>
+              <a:rPr lang="en-GB" dirty="0"/>
               <a:t>3.) Look it up. Try searching Google for what you want. As you get more experience, you will also get better at typing the correct searches into Google.</a:t>
             </a:r>
           </a:p>
@@ -11128,13 +10660,6 @@
   <p:clrMapOvr>
     <a:masterClrMapping/>
   </p:clrMapOvr>
-  <p:timing>
-    <p:tnLst>
-      <p:par>
-        <p:cTn id="1" dur="indefinite" restart="never" nodeType="tmRoot"/>
-      </p:par>
-    </p:tnLst>
-  </p:timing>
 </p:sld>
 </file>
 
@@ -11171,10 +10696,9 @@
           <a:lstStyle/>
           <a:p>
             <a:r>
-              <a:rPr lang="en-GB" dirty="0" smtClean="0"/>
+              <a:rPr lang="en-GB" dirty="0"/>
               <a:t>Introduction to Variables.</a:t>
             </a:r>
-            <a:endParaRPr lang="en-GB" dirty="0"/>
           </a:p>
         </p:txBody>
       </p:sp>
@@ -11201,21 +10725,21 @@
           <a:lstStyle/>
           <a:p>
             <a:r>
-              <a:rPr lang="en-GB" dirty="0" smtClean="0"/>
+              <a:rPr lang="en-GB" dirty="0"/>
               <a:t>A variable in computer programming is :-</a:t>
             </a:r>
           </a:p>
           <a:p>
             <a:pPr lvl="1"/>
             <a:r>
-              <a:rPr lang="en-GB" dirty="0" smtClean="0"/>
+              <a:rPr lang="en-GB" dirty="0"/>
               <a:t>A label for a “thing”.</a:t>
             </a:r>
           </a:p>
           <a:p>
             <a:pPr lvl="1"/>
             <a:r>
-              <a:rPr lang="en-GB" dirty="0" smtClean="0"/>
+              <a:rPr lang="en-GB" dirty="0"/>
               <a:t>Where that “thing” can change.</a:t>
             </a:r>
           </a:p>
@@ -11225,7 +10749,7 @@
           </a:p>
           <a:p>
             <a:r>
-              <a:rPr lang="en-GB" dirty="0" smtClean="0"/>
+              <a:rPr lang="en-GB" dirty="0"/>
               <a:t>You can define a variable by setting it to be equal to something.</a:t>
             </a:r>
           </a:p>
@@ -11234,7 +10758,7 @@
           </a:p>
           <a:p>
             <a:r>
-              <a:rPr lang="en-GB" b="1" u="sng" dirty="0" smtClean="0">
+              <a:rPr lang="en-GB" b="1" u="sng" dirty="0">
                 <a:solidFill>
                   <a:srgbClr val="FFFF00"/>
                 </a:solidFill>
@@ -11242,7 +10766,7 @@
               <a:t>TASK:</a:t>
             </a:r>
             <a:r>
-              <a:rPr lang="en-GB" b="1" dirty="0" smtClean="0">
+              <a:rPr lang="en-GB" b="1" dirty="0">
                 <a:solidFill>
                   <a:srgbClr val="FFFF00"/>
                 </a:solidFill>
@@ -11250,7 +10774,7 @@
               <a:t> </a:t>
             </a:r>
             <a:r>
-              <a:rPr lang="en-GB" dirty="0" smtClean="0">
+              <a:rPr lang="en-GB" dirty="0">
                 <a:solidFill>
                   <a:srgbClr val="FFFF00"/>
                 </a:solidFill>
@@ -11260,7 +10784,7 @@
           </a:p>
           <a:p>
             <a:r>
-              <a:rPr lang="en-GB" b="1" u="sng" dirty="0" smtClean="0">
+              <a:rPr lang="en-GB" b="1" u="sng" dirty="0">
                 <a:solidFill>
                   <a:srgbClr val="FFFF00"/>
                 </a:solidFill>
@@ -11268,7 +10792,7 @@
               <a:t>TASK:</a:t>
             </a:r>
             <a:r>
-              <a:rPr lang="en-GB" dirty="0" smtClean="0">
+              <a:rPr lang="en-GB" dirty="0">
                 <a:solidFill>
                   <a:srgbClr val="FFFF00"/>
                 </a:solidFill>
@@ -11539,7 +11063,7 @@
             <a:pPr marL="0" indent="0">
               <a:buNone/>
             </a:pPr>
-            <a:endParaRPr lang="en-GB" dirty="0" smtClean="0"/>
+            <a:endParaRPr lang="en-GB" dirty="0"/>
           </a:p>
         </p:txBody>
       </p:sp>
@@ -11796,7 +11320,7 @@
               <a:buNone/>
             </a:pPr>
             <a:r>
-              <a:rPr lang="en-GB" dirty="0" smtClean="0">
+              <a:rPr lang="en-GB" dirty="0">
                 <a:latin typeface="Courier New" panose="02070309020205020404" pitchFamily="49" charset="0"/>
                 <a:cs typeface="Courier New" panose="02070309020205020404" pitchFamily="49" charset="0"/>
               </a:rPr>
@@ -11817,7 +11341,7 @@
               <a:buNone/>
             </a:pPr>
             <a:r>
-              <a:rPr lang="en-GB" dirty="0" smtClean="0">
+              <a:rPr lang="en-GB" dirty="0">
                 <a:latin typeface="Courier New" panose="02070309020205020404" pitchFamily="49" charset="0"/>
                 <a:cs typeface="Courier New" panose="02070309020205020404" pitchFamily="49" charset="0"/>
               </a:rPr>
@@ -11833,14 +11357,7 @@
                 <a:latin typeface="Courier New" panose="02070309020205020404" pitchFamily="49" charset="0"/>
                 <a:cs typeface="Courier New" panose="02070309020205020404" pitchFamily="49" charset="0"/>
               </a:rPr>
-              <a:t>p</a:t>
-            </a:r>
-            <a:r>
-              <a:rPr lang="en-GB" dirty="0" smtClean="0">
-                <a:latin typeface="Courier New" panose="02070309020205020404" pitchFamily="49" charset="0"/>
-                <a:cs typeface="Courier New" panose="02070309020205020404" pitchFamily="49" charset="0"/>
-              </a:rPr>
-              <a:t>rint(a)</a:t>
+              <a:t>print(a)</a:t>
             </a:r>
           </a:p>
         </p:txBody>
@@ -11855,13 +11372,6 @@
   <p:clrMapOvr>
     <a:masterClrMapping/>
   </p:clrMapOvr>
-  <p:timing>
-    <p:tnLst>
-      <p:par>
-        <p:cTn id="1" dur="indefinite" restart="never" nodeType="tmRoot"/>
-      </p:par>
-    </p:tnLst>
-  </p:timing>
 </p:sld>
 </file>
 
@@ -11898,10 +11408,9 @@
           <a:lstStyle/>
           <a:p>
             <a:r>
-              <a:rPr lang="en-GB" dirty="0" smtClean="0"/>
+              <a:rPr lang="en-GB" dirty="0"/>
               <a:t>Introduction to Comments</a:t>
             </a:r>
-            <a:endParaRPr lang="en-GB" dirty="0"/>
           </a:p>
         </p:txBody>
       </p:sp>
@@ -11928,13 +11437,13 @@
           <a:lstStyle/>
           <a:p>
             <a:r>
-              <a:rPr lang="en-GB" dirty="0" smtClean="0"/>
+              <a:rPr lang="en-GB" dirty="0"/>
               <a:t>In the previous program, there was a line starting with the hash (#) character.</a:t>
             </a:r>
           </a:p>
           <a:p>
             <a:r>
-              <a:rPr lang="en-GB" dirty="0" smtClean="0"/>
+              <a:rPr lang="en-GB" dirty="0"/>
               <a:t>This line was :-</a:t>
             </a:r>
           </a:p>
@@ -11945,44 +11454,32 @@
                 <a:latin typeface="Courier New" panose="02070309020205020404" pitchFamily="49" charset="0"/>
                 <a:cs typeface="Courier New" panose="02070309020205020404" pitchFamily="49" charset="0"/>
               </a:rPr>
-              <a:t># Week2, </a:t>
-            </a:r>
-            <a:r>
-              <a:rPr lang="en-GB" dirty="0" smtClean="0">
-                <a:latin typeface="Courier New" panose="02070309020205020404" pitchFamily="49" charset="0"/>
-                <a:cs typeface="Courier New" panose="02070309020205020404" pitchFamily="49" charset="0"/>
-              </a:rPr>
-              <a:t>Program1</a:t>
-            </a:r>
+              <a:t># Week2, Program1</a:t>
+            </a:r>
+          </a:p>
+          <a:p>
             <a:endParaRPr lang="en-GB" dirty="0">
               <a:latin typeface="Courier New" panose="02070309020205020404" pitchFamily="49" charset="0"/>
               <a:cs typeface="Courier New" panose="02070309020205020404" pitchFamily="49" charset="0"/>
             </a:endParaRPr>
           </a:p>
           <a:p>
-            <a:endParaRPr lang="en-GB" dirty="0" smtClean="0">
-              <a:latin typeface="Courier New" panose="02070309020205020404" pitchFamily="49" charset="0"/>
-              <a:cs typeface="Courier New" panose="02070309020205020404" pitchFamily="49" charset="0"/>
-            </a:endParaRPr>
-          </a:p>
-          <a:p>
-            <a:r>
-              <a:rPr lang="en-GB" dirty="0" smtClean="0"/>
+            <a:r>
+              <a:rPr lang="en-GB" dirty="0"/>
               <a:t>Any line starting with a # character is totally ignored by Python.</a:t>
             </a:r>
           </a:p>
           <a:p>
             <a:r>
-              <a:rPr lang="en-GB" dirty="0" smtClean="0"/>
+              <a:rPr lang="en-GB" dirty="0"/>
               <a:t>It is only for human beings. Use comments to remind you why you put something in your program.</a:t>
             </a:r>
           </a:p>
           <a:p>
             <a:r>
-              <a:rPr lang="en-GB" dirty="0" smtClean="0"/>
+              <a:rPr lang="en-GB" dirty="0"/>
               <a:t>You will learn more about comments in a later week.</a:t>
             </a:r>
-            <a:endParaRPr lang="en-GB" dirty="0"/>
           </a:p>
         </p:txBody>
       </p:sp>
@@ -12247,7 +11744,7 @@
             <a:pPr marL="0" indent="0">
               <a:buNone/>
             </a:pPr>
-            <a:endParaRPr lang="en-GB" dirty="0" smtClean="0"/>
+            <a:endParaRPr lang="en-GB" dirty="0"/>
           </a:p>
         </p:txBody>
       </p:sp>
@@ -12261,13 +11758,6 @@
   <p:clrMapOvr>
     <a:masterClrMapping/>
   </p:clrMapOvr>
-  <p:timing>
-    <p:tnLst>
-      <p:par>
-        <p:cTn id="1" dur="indefinite" restart="never" nodeType="tmRoot"/>
-      </p:par>
-    </p:tnLst>
-  </p:timing>
 </p:sld>
 </file>
 
@@ -12304,10 +11794,9 @@
           <a:lstStyle/>
           <a:p>
             <a:r>
-              <a:rPr lang="en-GB" dirty="0" smtClean="0"/>
+              <a:rPr lang="en-GB" dirty="0"/>
               <a:t>Changing Variables.</a:t>
             </a:r>
-            <a:endParaRPr lang="en-GB" dirty="0"/>
           </a:p>
         </p:txBody>
       </p:sp>
@@ -12334,7 +11823,7 @@
           <a:lstStyle/>
           <a:p>
             <a:r>
-              <a:rPr lang="en-GB" dirty="0" smtClean="0"/>
+              <a:rPr lang="en-GB" dirty="0"/>
               <a:t>You can redefine a variable at any time.</a:t>
             </a:r>
           </a:p>
@@ -12346,7 +11835,7 @@
           </a:p>
           <a:p>
             <a:r>
-              <a:rPr lang="en-GB" b="1" u="sng" dirty="0" smtClean="0">
+              <a:rPr lang="en-GB" b="1" u="sng" dirty="0">
                 <a:solidFill>
                   <a:srgbClr val="FFFF00"/>
                 </a:solidFill>
@@ -12354,7 +11843,7 @@
               <a:t>TASK:</a:t>
             </a:r>
             <a:r>
-              <a:rPr lang="en-GB" b="1" dirty="0" smtClean="0">
+              <a:rPr lang="en-GB" b="1" dirty="0">
                 <a:solidFill>
                   <a:srgbClr val="FFFF00"/>
                 </a:solidFill>
@@ -12362,7 +11851,7 @@
               <a:t> </a:t>
             </a:r>
             <a:r>
-              <a:rPr lang="en-GB" dirty="0" smtClean="0">
+              <a:rPr lang="en-GB" dirty="0">
                 <a:solidFill>
                   <a:srgbClr val="FFFF00"/>
                 </a:solidFill>
@@ -12372,7 +11861,7 @@
           </a:p>
           <a:p>
             <a:r>
-              <a:rPr lang="en-GB" b="1" u="sng" dirty="0" smtClean="0">
+              <a:rPr lang="en-GB" b="1" u="sng" dirty="0">
                 <a:solidFill>
                   <a:srgbClr val="FFFF00"/>
                 </a:solidFill>
@@ -12380,7 +11869,7 @@
               <a:t>TASK:</a:t>
             </a:r>
             <a:r>
-              <a:rPr lang="en-GB" dirty="0" smtClean="0">
+              <a:rPr lang="en-GB" dirty="0">
                 <a:solidFill>
                   <a:srgbClr val="FFFF00"/>
                 </a:solidFill>
@@ -12651,7 +12140,7 @@
             <a:pPr marL="0" indent="0">
               <a:buNone/>
             </a:pPr>
-            <a:endParaRPr lang="en-GB" dirty="0" smtClean="0"/>
+            <a:endParaRPr lang="en-GB" dirty="0"/>
           </a:p>
         </p:txBody>
       </p:sp>
@@ -12907,7 +12396,7 @@
             <a:pPr marL="0" indent="0">
               <a:buNone/>
             </a:pPr>
-            <a:endParaRPr lang="en-GB" dirty="0" smtClean="0">
+            <a:endParaRPr lang="en-GB" dirty="0">
               <a:latin typeface="Courier New" panose="02070309020205020404" pitchFamily="49" charset="0"/>
               <a:cs typeface="Courier New" panose="02070309020205020404" pitchFamily="49" charset="0"/>
             </a:endParaRPr>
@@ -12997,13 +12486,6 @@
   <p:clrMapOvr>
     <a:masterClrMapping/>
   </p:clrMapOvr>
-  <p:timing>
-    <p:tnLst>
-      <p:par>
-        <p:cTn id="1" dur="indefinite" restart="never" nodeType="tmRoot"/>
-      </p:par>
-    </p:tnLst>
-  </p:timing>
 </p:sld>
 </file>
 
@@ -13040,10 +12522,9 @@
           <a:lstStyle/>
           <a:p>
             <a:r>
-              <a:rPr lang="en-GB" dirty="0" smtClean="0"/>
+              <a:rPr lang="en-GB" dirty="0"/>
               <a:t>Types of Variable.</a:t>
             </a:r>
-            <a:endParaRPr lang="en-GB" dirty="0"/>
           </a:p>
         </p:txBody>
       </p:sp>
@@ -13063,48 +12544,44 @@
           <a:lstStyle/>
           <a:p>
             <a:r>
-              <a:rPr lang="en-GB" dirty="0" smtClean="0"/>
+              <a:rPr lang="en-GB" dirty="0"/>
               <a:t>The variables you have seen so far are all </a:t>
             </a:r>
             <a:r>
-              <a:rPr lang="en-GB" u="sng" dirty="0" smtClean="0"/>
+              <a:rPr lang="en-GB" u="sng" dirty="0"/>
               <a:t>strings</a:t>
             </a:r>
             <a:r>
-              <a:rPr lang="en-GB" dirty="0" smtClean="0"/>
+              <a:rPr lang="en-GB" dirty="0"/>
               <a:t>.</a:t>
             </a:r>
           </a:p>
           <a:p>
             <a:r>
-              <a:rPr lang="en-GB" dirty="0" smtClean="0"/>
+              <a:rPr lang="en-GB" dirty="0"/>
               <a:t>In computing, a string is something composed of one or more </a:t>
             </a:r>
             <a:r>
-              <a:rPr lang="en-GB" u="sng" dirty="0" smtClean="0"/>
+              <a:rPr lang="en-GB" u="sng" dirty="0"/>
               <a:t>characters</a:t>
             </a:r>
             <a:r>
-              <a:rPr lang="en-GB" dirty="0" smtClean="0"/>
+              <a:rPr lang="en-GB" dirty="0"/>
               <a:t>.</a:t>
             </a:r>
           </a:p>
           <a:p>
             <a:r>
-              <a:rPr lang="en-GB" dirty="0" smtClean="0"/>
+              <a:rPr lang="en-GB" dirty="0"/>
               <a:t>A </a:t>
             </a:r>
             <a:r>
-              <a:rPr lang="en-GB" u="sng" dirty="0" smtClean="0"/>
+              <a:rPr lang="en-GB" u="sng" dirty="0"/>
               <a:t>character</a:t>
             </a:r>
             <a:r>
               <a:rPr lang="en-GB" dirty="0"/>
-              <a:t> </a:t>
-            </a:r>
-            <a:r>
-              <a:rPr lang="en-GB" dirty="0" smtClean="0"/>
-              <a:t>is basically any symbol, like A or 1 or @.</a:t>
+              <a:t> is basically any symbol, like A or 1 or @.</a:t>
             </a:r>
           </a:p>
           <a:p>
@@ -13112,7 +12589,7 @@
           </a:p>
           <a:p>
             <a:r>
-              <a:rPr lang="en-GB" dirty="0" smtClean="0"/>
+              <a:rPr lang="en-GB" dirty="0"/>
               <a:t>In Python, when you are setting a string, you must enclose it in quotes (either double or single quotes) to tell Python it is a string.</a:t>
             </a:r>
           </a:p>
@@ -13128,13 +12605,6 @@
   <p:clrMapOvr>
     <a:masterClrMapping/>
   </p:clrMapOvr>
-  <p:timing>
-    <p:tnLst>
-      <p:par>
-        <p:cTn id="1" dur="indefinite" restart="never" nodeType="tmRoot"/>
-      </p:par>
-    </p:tnLst>
-  </p:timing>
 </p:sld>
 </file>
 
@@ -13171,10 +12641,9 @@
           <a:lstStyle/>
           <a:p>
             <a:r>
-              <a:rPr lang="en-GB" dirty="0" smtClean="0"/>
+              <a:rPr lang="en-GB" dirty="0"/>
               <a:t>Adding Strings Together.</a:t>
             </a:r>
-            <a:endParaRPr lang="en-GB" dirty="0"/>
           </a:p>
         </p:txBody>
       </p:sp>
@@ -13201,7 +12670,7 @@
           <a:lstStyle/>
           <a:p>
             <a:r>
-              <a:rPr lang="en-GB" dirty="0" smtClean="0"/>
+              <a:rPr lang="en-GB" dirty="0"/>
               <a:t>You can redefine a variable at any time.</a:t>
             </a:r>
           </a:p>
@@ -13213,7 +12682,7 @@
           </a:p>
           <a:p>
             <a:r>
-              <a:rPr lang="en-GB" b="1" u="sng" dirty="0" smtClean="0">
+              <a:rPr lang="en-GB" b="1" u="sng" dirty="0">
                 <a:solidFill>
                   <a:srgbClr val="FFFF00"/>
                 </a:solidFill>
@@ -13221,7 +12690,7 @@
               <a:t>TASK:</a:t>
             </a:r>
             <a:r>
-              <a:rPr lang="en-GB" b="1" dirty="0" smtClean="0">
+              <a:rPr lang="en-GB" b="1" dirty="0">
                 <a:solidFill>
                   <a:srgbClr val="FFFF00"/>
                 </a:solidFill>
@@ -13229,7 +12698,7 @@
               <a:t> </a:t>
             </a:r>
             <a:r>
-              <a:rPr lang="en-GB" dirty="0" smtClean="0">
+              <a:rPr lang="en-GB" dirty="0">
                 <a:solidFill>
                   <a:srgbClr val="FFFF00"/>
                 </a:solidFill>
@@ -13239,7 +12708,7 @@
           </a:p>
           <a:p>
             <a:r>
-              <a:rPr lang="en-GB" b="1" u="sng" dirty="0" smtClean="0">
+              <a:rPr lang="en-GB" b="1" u="sng" dirty="0">
                 <a:solidFill>
                   <a:srgbClr val="FFFF00"/>
                 </a:solidFill>
@@ -13247,7 +12716,7 @@
               <a:t>TASK:</a:t>
             </a:r>
             <a:r>
-              <a:rPr lang="en-GB" dirty="0" smtClean="0">
+              <a:rPr lang="en-GB" dirty="0">
                 <a:solidFill>
                   <a:srgbClr val="FFFF00"/>
                 </a:solidFill>
@@ -13518,7 +12987,7 @@
             <a:pPr marL="0" indent="0">
               <a:buNone/>
             </a:pPr>
-            <a:endParaRPr lang="en-GB" dirty="0" smtClean="0"/>
+            <a:endParaRPr lang="en-GB" dirty="0"/>
           </a:p>
         </p:txBody>
       </p:sp>
@@ -13774,7 +13243,7 @@
             <a:pPr marL="0" indent="0">
               <a:buNone/>
             </a:pPr>
-            <a:endParaRPr lang="en-GB" dirty="0" smtClean="0">
+            <a:endParaRPr lang="en-GB" dirty="0">
               <a:latin typeface="Courier New" panose="02070309020205020404" pitchFamily="49" charset="0"/>
               <a:cs typeface="Courier New" panose="02070309020205020404" pitchFamily="49" charset="0"/>
             </a:endParaRPr>
@@ -13807,21 +13276,34 @@
                 <a:latin typeface="Courier New" panose="02070309020205020404" pitchFamily="49" charset="0"/>
                 <a:cs typeface="Courier New" panose="02070309020205020404" pitchFamily="49" charset="0"/>
               </a:rPr>
-              <a:t># Week2, </a:t>
-            </a:r>
-            <a:r>
-              <a:rPr lang="en-GB" dirty="0" smtClean="0">
-                <a:latin typeface="Courier New" panose="02070309020205020404" pitchFamily="49" charset="0"/>
-                <a:cs typeface="Courier New" panose="02070309020205020404" pitchFamily="49" charset="0"/>
-              </a:rPr>
-              <a:t>Program3</a:t>
-            </a:r>
+              <a:t># Week2, Program3</a:t>
+            </a:r>
+          </a:p>
+          <a:p>
             <a:endParaRPr lang="en-GB" dirty="0">
               <a:latin typeface="Courier New" panose="02070309020205020404" pitchFamily="49" charset="0"/>
               <a:cs typeface="Courier New" panose="02070309020205020404" pitchFamily="49" charset="0"/>
             </a:endParaRPr>
           </a:p>
           <a:p>
+            <a:r>
+              <a:rPr lang="en-GB" dirty="0">
+                <a:latin typeface="Courier New" panose="02070309020205020404" pitchFamily="49" charset="0"/>
+                <a:cs typeface="Courier New" panose="02070309020205020404" pitchFamily="49" charset="0"/>
+              </a:rPr>
+              <a:t>a = "Hello"</a:t>
+            </a:r>
+          </a:p>
+          <a:p>
+            <a:r>
+              <a:rPr lang="en-GB" dirty="0">
+                <a:latin typeface="Courier New" panose="02070309020205020404" pitchFamily="49" charset="0"/>
+                <a:cs typeface="Courier New" panose="02070309020205020404" pitchFamily="49" charset="0"/>
+              </a:rPr>
+              <a:t>b = "World"</a:t>
+            </a:r>
+          </a:p>
+          <a:p>
             <a:endParaRPr lang="en-GB" dirty="0">
               <a:latin typeface="Courier New" panose="02070309020205020404" pitchFamily="49" charset="0"/>
               <a:cs typeface="Courier New" panose="02070309020205020404" pitchFamily="49" charset="0"/>
@@ -13833,61 +13315,8 @@
                 <a:latin typeface="Courier New" panose="02070309020205020404" pitchFamily="49" charset="0"/>
                 <a:cs typeface="Courier New" panose="02070309020205020404" pitchFamily="49" charset="0"/>
               </a:rPr>
-              <a:t>a = "</a:t>
-            </a:r>
-            <a:r>
-              <a:rPr lang="en-GB" dirty="0" smtClean="0">
-                <a:latin typeface="Courier New" panose="02070309020205020404" pitchFamily="49" charset="0"/>
-                <a:cs typeface="Courier New" panose="02070309020205020404" pitchFamily="49" charset="0"/>
-              </a:rPr>
-              <a:t>Hello"</a:t>
-            </a:r>
-            <a:endParaRPr lang="en-GB" dirty="0">
-              <a:latin typeface="Courier New" panose="02070309020205020404" pitchFamily="49" charset="0"/>
-              <a:cs typeface="Courier New" panose="02070309020205020404" pitchFamily="49" charset="0"/>
-            </a:endParaRPr>
-          </a:p>
-          <a:p>
-            <a:r>
-              <a:rPr lang="en-GB" dirty="0" smtClean="0">
-                <a:latin typeface="Courier New" panose="02070309020205020404" pitchFamily="49" charset="0"/>
-                <a:cs typeface="Courier New" panose="02070309020205020404" pitchFamily="49" charset="0"/>
-              </a:rPr>
-              <a:t>b </a:t>
-            </a:r>
-            <a:r>
-              <a:rPr lang="en-GB" dirty="0">
-                <a:latin typeface="Courier New" panose="02070309020205020404" pitchFamily="49" charset="0"/>
-                <a:cs typeface="Courier New" panose="02070309020205020404" pitchFamily="49" charset="0"/>
-              </a:rPr>
-              <a:t>= </a:t>
-            </a:r>
-            <a:r>
-              <a:rPr lang="en-GB" dirty="0" smtClean="0">
-                <a:latin typeface="Courier New" panose="02070309020205020404" pitchFamily="49" charset="0"/>
-                <a:cs typeface="Courier New" panose="02070309020205020404" pitchFamily="49" charset="0"/>
-              </a:rPr>
-              <a:t>"World"</a:t>
-            </a:r>
-          </a:p>
-          <a:p>
-            <a:endParaRPr lang="en-GB" dirty="0">
-              <a:latin typeface="Courier New" panose="02070309020205020404" pitchFamily="49" charset="0"/>
-              <a:cs typeface="Courier New" panose="02070309020205020404" pitchFamily="49" charset="0"/>
-            </a:endParaRPr>
-          </a:p>
-          <a:p>
-            <a:r>
-              <a:rPr lang="en-GB" dirty="0" smtClean="0">
-                <a:latin typeface="Courier New" panose="02070309020205020404" pitchFamily="49" charset="0"/>
-                <a:cs typeface="Courier New" panose="02070309020205020404" pitchFamily="49" charset="0"/>
-              </a:rPr>
               <a:t>print(a + b)</a:t>
             </a:r>
-            <a:endParaRPr lang="en-GB" dirty="0">
-              <a:latin typeface="Courier New" panose="02070309020205020404" pitchFamily="49" charset="0"/>
-              <a:cs typeface="Courier New" panose="02070309020205020404" pitchFamily="49" charset="0"/>
-            </a:endParaRPr>
           </a:p>
           <a:p>
             <a:endParaRPr lang="en-GB" dirty="0">
@@ -14147,7 +13576,7 @@
           </a:lstStyle>
           <a:p>
             <a:r>
-              <a:rPr lang="en-GB" b="1" u="sng" dirty="0" smtClean="0">
+              <a:rPr lang="en-GB" b="1" u="sng" dirty="0">
                 <a:solidFill>
                   <a:srgbClr val="FFFF00"/>
                 </a:solidFill>
@@ -14155,7 +13584,7 @@
               <a:t>QUESTION:</a:t>
             </a:r>
             <a:r>
-              <a:rPr lang="en-GB" b="1" dirty="0" smtClean="0">
+              <a:rPr lang="en-GB" b="1" dirty="0">
                 <a:solidFill>
                   <a:srgbClr val="FFFF00"/>
                 </a:solidFill>
@@ -14163,7 +13592,7 @@
               <a:t> </a:t>
             </a:r>
             <a:r>
-              <a:rPr lang="en-GB" dirty="0" smtClean="0">
+              <a:rPr lang="en-GB" dirty="0">
                 <a:solidFill>
                   <a:srgbClr val="FFFF00"/>
                 </a:solidFill>
@@ -14173,7 +13602,7 @@
           </a:p>
           <a:p>
             <a:r>
-              <a:rPr lang="en-GB" b="1" u="sng" dirty="0" smtClean="0">
+              <a:rPr lang="en-GB" b="1" u="sng" dirty="0">
                 <a:solidFill>
                   <a:srgbClr val="FFFF00"/>
                 </a:solidFill>
@@ -14181,7 +13610,7 @@
               <a:t>TASK:</a:t>
             </a:r>
             <a:r>
-              <a:rPr lang="en-GB" b="1" dirty="0" smtClean="0">
+              <a:rPr lang="en-GB" b="1" dirty="0">
                 <a:solidFill>
                   <a:srgbClr val="FFFF00"/>
                 </a:solidFill>
@@ -14189,7 +13618,7 @@
               <a:t> </a:t>
             </a:r>
             <a:r>
-              <a:rPr lang="en-GB" dirty="0" smtClean="0">
+              <a:rPr lang="en-GB" dirty="0">
                 <a:solidFill>
                   <a:srgbClr val="FFFF00"/>
                 </a:solidFill>
@@ -14563,10 +13992,9 @@
           <a:lstStyle/>
           <a:p>
             <a:r>
-              <a:rPr lang="en-GB" dirty="0" smtClean="0"/>
+              <a:rPr lang="en-GB" dirty="0"/>
               <a:t>Getting User Input.</a:t>
             </a:r>
-            <a:endParaRPr lang="en-GB" dirty="0"/>
           </a:p>
         </p:txBody>
       </p:sp>
@@ -14593,7 +14021,7 @@
           <a:lstStyle/>
           <a:p>
             <a:r>
-              <a:rPr lang="en-GB" dirty="0" smtClean="0"/>
+              <a:rPr lang="en-GB" dirty="0"/>
               <a:t>You can use input() to get the user to type in a string when the program is run.</a:t>
             </a:r>
           </a:p>
@@ -14641,31 +14069,18 @@
                   <a:srgbClr val="FFFF00"/>
                 </a:solidFill>
               </a:rPr>
-              <a:t> Type it in, run it and see if you were correct</a:t>
-            </a:r>
-            <a:r>
-              <a:rPr lang="en-GB" dirty="0" smtClean="0">
-                <a:solidFill>
-                  <a:srgbClr val="FFFF00"/>
-                </a:solidFill>
-              </a:rPr>
-              <a:t>.</a:t>
-            </a:r>
-          </a:p>
-          <a:p>
-            <a:r>
-              <a:rPr lang="en-GB" dirty="0" smtClean="0">
+              <a:t> Type it in, run it and see if you were correct.</a:t>
+            </a:r>
+          </a:p>
+          <a:p>
+            <a:r>
+              <a:rPr lang="en-GB" dirty="0">
                 <a:solidFill>
                   <a:srgbClr val="FFFF00"/>
                 </a:solidFill>
               </a:rPr>
               <a:t>(Note: You will need to click on the window at the bottom and type something in to have it work).</a:t>
             </a:r>
-            <a:endParaRPr lang="en-GB" dirty="0">
-              <a:solidFill>
-                <a:srgbClr val="FFFF00"/>
-              </a:solidFill>
-            </a:endParaRPr>
           </a:p>
         </p:txBody>
       </p:sp>
@@ -14734,13 +14149,6 @@
   <p:clrMapOvr>
     <a:masterClrMapping/>
   </p:clrMapOvr>
-  <p:timing>
-    <p:tnLst>
-      <p:par>
-        <p:cTn id="1" dur="indefinite" restart="never" nodeType="tmRoot"/>
-      </p:par>
-    </p:tnLst>
-  </p:timing>
 </p:sld>
 </file>
 
